--- a/portrait_templates.pptx
+++ b/portrait_templates.pptx
@@ -10,6 +10,8 @@
     <p:sldId id="256" r:id="rId5"/>
     <p:sldId id="257" r:id="rId6"/>
     <p:sldId id="258" r:id="rId7"/>
+    <p:sldId id="259" r:id="rId8"/>
+    <p:sldId id="260" r:id="rId9"/>
   </p:sldIdLst>
   <p:sldSz cx="5668963" cy="10077450"/>
   <p:notesSz cx="7559675" cy="10691813"/>
@@ -147,7 +149,7 @@
         <p:txBody>
           <a:bodyPr/>
           <a:p>
-            <a:fld id="{FD96747E-041F-4739-8621-B4FD01ECA546}" type="slidenum">
+            <a:fld id="{856FDA08-6387-4145-A817-159116DC5D29}" type="slidenum">
               <a:t>&lt;#&gt;</a:t>
             </a:fld>
           </a:p>
@@ -310,7 +312,7 @@
         <p:txBody>
           <a:bodyPr/>
           <a:p>
-            <a:fld id="{6BC0910A-9024-4D5F-8ACB-38040268173C}" type="slidenum">
+            <a:fld id="{60BACCA3-91C7-4DE3-808D-CE3DE502FD17}" type="slidenum">
               <a:t>&lt;#&gt;</a:t>
             </a:fld>
           </a:p>
@@ -393,7 +395,7 @@
         <p:txBody>
           <a:bodyPr/>
           <a:p>
-            <a:fld id="{C2B24990-7D45-417D-AB01-96C7B026FF11}" type="slidenum">
+            <a:fld id="{C0E52208-C0CA-4B2C-A8D3-254E02CD793D}" type="slidenum">
               <a:t>&lt;#&gt;</a:t>
             </a:fld>
           </a:p>
@@ -487,7 +489,34 @@
                 </a:solidFill>
                 <a:latin typeface="Arial"/>
               </a:rPr>
-              <a:t>Click to edit the title text format</a:t>
+              <a:t>Click to </a:t>
+            </a:r>
+            <a:r>
+              <a:rPr b="0" lang="en-US" sz="1800" spc="-1" strike="noStrike">
+                <a:solidFill>
+                  <a:srgbClr val="000000"/>
+                </a:solidFill>
+                <a:latin typeface="Arial"/>
+              </a:rPr>
+              <a:t>edit the </a:t>
+            </a:r>
+            <a:r>
+              <a:rPr b="0" lang="en-US" sz="1800" spc="-1" strike="noStrike">
+                <a:solidFill>
+                  <a:srgbClr val="000000"/>
+                </a:solidFill>
+                <a:latin typeface="Arial"/>
+              </a:rPr>
+              <a:t>title text </a:t>
+            </a:r>
+            <a:r>
+              <a:rPr b="0" lang="en-US" sz="1800" spc="-1" strike="noStrike">
+                <a:solidFill>
+                  <a:srgbClr val="000000"/>
+                </a:solidFill>
+                <a:latin typeface="Arial"/>
+              </a:rPr>
+              <a:t>format</a:t>
             </a:r>
             <a:endParaRPr b="0" lang="en-US" sz="1800" spc="-1" strike="noStrike">
               <a:solidFill>
@@ -511,7 +540,7 @@
         <p:spPr>
           <a:xfrm>
             <a:off x="1936080" y="9174600"/>
-            <a:ext cx="1782720" cy="685440"/>
+            <a:ext cx="1781280" cy="684000"/>
           </a:xfrm>
           <a:prstGeom prst="rect">
             <a:avLst/>
@@ -583,7 +612,7 @@
         <p:spPr>
           <a:xfrm>
             <a:off x="4062240" y="9174600"/>
-            <a:ext cx="1310400" cy="685440"/>
+            <a:ext cx="1308960" cy="684000"/>
           </a:xfrm>
           <a:prstGeom prst="rect">
             <a:avLst/>
@@ -624,7 +653,7 @@
                 <a:tab algn="l" pos="0"/>
               </a:tabLst>
             </a:pPr>
-            <a:fld id="{768240D8-254B-4DAC-9B79-626CD7B3696F}" type="slidenum">
+            <a:fld id="{3764A809-2521-4762-A219-A6F2EFD6A90D}" type="slidenum">
               <a:rPr b="0" lang="en-US" sz="1400" spc="-1" strike="noStrike">
                 <a:solidFill>
                   <a:srgbClr val="000000"/>
@@ -655,7 +684,7 @@
         <p:spPr>
           <a:xfrm>
             <a:off x="282960" y="9174600"/>
-            <a:ext cx="1310400" cy="685440"/>
+            <a:ext cx="1308960" cy="684000"/>
           </a:xfrm>
           <a:prstGeom prst="rect">
             <a:avLst/>
@@ -797,7 +826,7 @@
         <p:spPr>
           <a:xfrm>
             <a:off x="1936080" y="9174600"/>
-            <a:ext cx="1782720" cy="685440"/>
+            <a:ext cx="1781280" cy="684000"/>
           </a:xfrm>
           <a:prstGeom prst="rect">
             <a:avLst/>
@@ -869,7 +898,7 @@
         <p:spPr>
           <a:xfrm>
             <a:off x="4062240" y="9174600"/>
-            <a:ext cx="1310400" cy="685440"/>
+            <a:ext cx="1308960" cy="684000"/>
           </a:xfrm>
           <a:prstGeom prst="rect">
             <a:avLst/>
@@ -910,7 +939,7 @@
                 <a:tab algn="l" pos="0"/>
               </a:tabLst>
             </a:pPr>
-            <a:fld id="{5E592EB9-F246-4FE4-B83A-220F1C28EEDD}" type="slidenum">
+            <a:fld id="{A6C003E8-57FE-476C-80D7-6B60D569E14E}" type="slidenum">
               <a:rPr b="0" lang="en-US" sz="1400" spc="-1" strike="noStrike">
                 <a:solidFill>
                   <a:srgbClr val="000000"/>
@@ -941,7 +970,7 @@
         <p:spPr>
           <a:xfrm>
             <a:off x="282960" y="9174600"/>
-            <a:ext cx="1310400" cy="685440"/>
+            <a:ext cx="1308960" cy="684000"/>
           </a:xfrm>
           <a:prstGeom prst="rect">
             <a:avLst/>
@@ -1259,7 +1288,7 @@
         <p:spPr>
           <a:xfrm>
             <a:off x="1936080" y="9174600"/>
-            <a:ext cx="1782720" cy="685440"/>
+            <a:ext cx="1781280" cy="684000"/>
           </a:xfrm>
           <a:prstGeom prst="rect">
             <a:avLst/>
@@ -1331,7 +1360,7 @@
         <p:spPr>
           <a:xfrm>
             <a:off x="4062240" y="9174600"/>
-            <a:ext cx="1310400" cy="685440"/>
+            <a:ext cx="1308960" cy="684000"/>
           </a:xfrm>
           <a:prstGeom prst="rect">
             <a:avLst/>
@@ -1372,7 +1401,7 @@
                 <a:tab algn="l" pos="0"/>
               </a:tabLst>
             </a:pPr>
-            <a:fld id="{24B50670-68A6-424C-AA1D-96BCAC0316DE}" type="slidenum">
+            <a:fld id="{02051A64-FE6F-4A81-9B10-25176694242E}" type="slidenum">
               <a:rPr b="0" lang="en-US" sz="1400" spc="-1" strike="noStrike">
                 <a:solidFill>
                   <a:srgbClr val="000000"/>
@@ -1403,7 +1432,7 @@
         <p:spPr>
           <a:xfrm>
             <a:off x="282960" y="9174600"/>
-            <a:ext cx="1310400" cy="685440"/>
+            <a:ext cx="1308960" cy="684000"/>
           </a:xfrm>
           <a:prstGeom prst="rect">
             <a:avLst/>
@@ -1766,7 +1795,7 @@
         <p:spPr>
           <a:xfrm>
             <a:off x="228240" y="4939920"/>
-            <a:ext cx="5247720" cy="903240"/>
+            <a:ext cx="5246280" cy="901800"/>
           </a:xfrm>
           <a:prstGeom prst="rect">
             <a:avLst/>
@@ -1820,7 +1849,7 @@
         <p:spPr>
           <a:xfrm>
             <a:off x="206280" y="2613240"/>
-            <a:ext cx="5247720" cy="903240"/>
+            <a:ext cx="5246280" cy="901800"/>
           </a:xfrm>
           <a:prstGeom prst="rect">
             <a:avLst/>
@@ -1874,7 +1903,7 @@
         <p:spPr>
           <a:xfrm>
             <a:off x="228240" y="227880"/>
-            <a:ext cx="4334400" cy="577440"/>
+            <a:ext cx="4332960" cy="577440"/>
           </a:xfrm>
           <a:prstGeom prst="rect">
             <a:avLst/>
@@ -1932,7 +1961,7 @@
         <p:spPr>
           <a:xfrm>
             <a:off x="4343760" y="228960"/>
-            <a:ext cx="1033200" cy="759600"/>
+            <a:ext cx="1031760" cy="758160"/>
           </a:xfrm>
           <a:prstGeom prst="rect">
             <a:avLst/>
@@ -1989,14 +2018,14 @@
         <p:spPr>
           <a:xfrm>
             <a:off x="1608120" y="2050560"/>
-            <a:ext cx="2448000" cy="1830960"/>
+            <a:ext cx="2446560" cy="1829520"/>
           </a:xfrm>
           <a:prstGeom prst="rect">
             <a:avLst/>
           </a:prstGeom>
         </p:spPr>
         <p:txBody>
-          <a:bodyPr wrap="none" lIns="597600" rIns="597600" tIns="70920" bIns="70920" anchor="ctr">
+          <a:bodyPr wrap="none" lIns="711360" rIns="711360" tIns="70920" bIns="70920" anchor="ctr">
             <a:prstTxWarp prst="textWave1">
               <a:avLst>
                 <a:gd name="adj1" fmla="val 6481"/>
@@ -2051,14 +2080,14 @@
         <p:spPr>
           <a:xfrm>
             <a:off x="388800" y="6169680"/>
-            <a:ext cx="2575800" cy="1284840"/>
+            <a:ext cx="2574360" cy="1283400"/>
           </a:xfrm>
           <a:prstGeom prst="rect">
             <a:avLst/>
           </a:prstGeom>
         </p:spPr>
         <p:txBody>
-          <a:bodyPr wrap="none" lIns="428400" rIns="428400" tIns="60840" bIns="60840" anchor="ctr">
+          <a:bodyPr wrap="none" lIns="504720" rIns="504720" tIns="60840" bIns="60840" anchor="ctr">
             <a:prstTxWarp prst="textPlain">
               <a:avLst>
                 <a:gd name="adj" fmla="val 50000"/>
@@ -2116,14 +2145,14 @@
         <p:spPr>
           <a:xfrm>
             <a:off x="4257000" y="6277680"/>
-            <a:ext cx="932040" cy="1126080"/>
+            <a:ext cx="930600" cy="1124640"/>
           </a:xfrm>
           <a:prstGeom prst="rect">
             <a:avLst/>
           </a:prstGeom>
         </p:spPr>
         <p:txBody>
-          <a:bodyPr wrap="none" lIns="428400" rIns="428400" tIns="60840" bIns="60840" anchor="ctr">
+          <a:bodyPr wrap="none" lIns="504720" rIns="504720" tIns="60840" bIns="60840" anchor="ctr">
             <a:prstTxWarp prst="textPlain">
               <a:avLst>
                 <a:gd name="adj" fmla="val 50000"/>
@@ -2177,14 +2206,14 @@
         <p:spPr>
           <a:xfrm>
             <a:off x="3040920" y="6386760"/>
-            <a:ext cx="1041120" cy="897120"/>
+            <a:ext cx="1039680" cy="895680"/>
           </a:xfrm>
           <a:prstGeom prst="rect">
             <a:avLst/>
           </a:prstGeom>
         </p:spPr>
         <p:txBody>
-          <a:bodyPr wrap="none" lIns="428760" rIns="428760" tIns="61200" bIns="61200" anchor="ctr">
+          <a:bodyPr wrap="none" lIns="505080" rIns="505080" tIns="61200" bIns="61200" anchor="ctr">
             <a:prstTxWarp prst="textInflate">
               <a:avLst>
                 <a:gd name="adj" fmla="val 21528"/>
@@ -2242,14 +2271,14 @@
         <p:spPr>
           <a:xfrm>
             <a:off x="1544040" y="8001000"/>
-            <a:ext cx="2575800" cy="1284840"/>
+            <a:ext cx="2574360" cy="1283400"/>
           </a:xfrm>
           <a:prstGeom prst="rect">
             <a:avLst/>
           </a:prstGeom>
         </p:spPr>
         <p:txBody>
-          <a:bodyPr wrap="none" lIns="428400" rIns="428400" tIns="60840" bIns="60840" anchor="ctr">
+          <a:bodyPr wrap="none" lIns="504720" rIns="504720" tIns="60840" bIns="60840" anchor="ctr">
             <a:prstTxWarp prst="textPlain">
               <a:avLst>
                 <a:gd name="adj" fmla="val 50000"/>
@@ -2311,7 +2340,7 @@
         <p:spPr>
           <a:xfrm>
             <a:off x="4343400" y="228600"/>
-            <a:ext cx="1033560" cy="759960"/>
+            <a:ext cx="1032120" cy="758520"/>
           </a:xfrm>
           <a:prstGeom prst="rect">
             <a:avLst/>
@@ -2367,7 +2396,7 @@
         <p:spPr>
           <a:xfrm>
             <a:off x="228240" y="4939920"/>
-            <a:ext cx="5245560" cy="901080"/>
+            <a:ext cx="5244120" cy="899640"/>
           </a:xfrm>
           <a:prstGeom prst="rect">
             <a:avLst/>
@@ -2474,7 +2503,7 @@
         <p:spPr>
           <a:xfrm>
             <a:off x="228240" y="227880"/>
-            <a:ext cx="4332240" cy="572040"/>
+            <a:ext cx="4330800" cy="570600"/>
           </a:xfrm>
           <a:prstGeom prst="rect">
             <a:avLst/>
@@ -2523,7 +2552,7 @@
         <p:spPr>
           <a:xfrm>
             <a:off x="4343760" y="228960"/>
-            <a:ext cx="1031040" cy="757440"/>
+            <a:ext cx="1029600" cy="756000"/>
           </a:xfrm>
           <a:prstGeom prst="rect">
             <a:avLst/>
@@ -2542,7 +2571,7 @@
         <p:spPr>
           <a:xfrm>
             <a:off x="206280" y="2613240"/>
-            <a:ext cx="5245560" cy="901080"/>
+            <a:ext cx="5244120" cy="899640"/>
           </a:xfrm>
           <a:prstGeom prst="rect">
             <a:avLst/>
@@ -2596,9 +2625,9 @@
         <p:grpSpPr>
           <a:xfrm>
             <a:off x="2194200" y="1659600"/>
-            <a:ext cx="1280160" cy="1236960"/>
+            <a:ext cx="1278720" cy="1235520"/>
             <a:chOff x="2194200" y="1659600"/>
-            <a:chExt cx="1280160" cy="1236960"/>
+            <a:chExt cx="1278720" cy="1235520"/>
           </a:xfrm>
         </p:grpSpPr>
         <p:sp>
@@ -2610,7 +2639,7 @@
           <p:spPr>
             <a:xfrm>
               <a:off x="2194200" y="1659600"/>
-              <a:ext cx="1280160" cy="1236960"/>
+              <a:ext cx="1278720" cy="1235520"/>
             </a:xfrm>
             <a:prstGeom prst="roundRect">
               <a:avLst>
@@ -2657,15 +2686,15 @@
           <p:spPr>
             <a:xfrm>
               <a:off x="2514240" y="2201040"/>
-              <a:ext cx="74880" cy="150480"/>
+              <a:ext cx="73440" cy="149040"/>
             </a:xfrm>
             <a:custGeom>
               <a:avLst/>
               <a:gdLst>
-                <a:gd name="textAreaLeft" fmla="*/ 0 w 74880"/>
-                <a:gd name="textAreaRight" fmla="*/ 79560 w 74880"/>
-                <a:gd name="textAreaTop" fmla="*/ 0 h 150480"/>
-                <a:gd name="textAreaBottom" fmla="*/ 155160 h 150480"/>
+                <a:gd name="textAreaLeft" fmla="*/ 0 w 73440"/>
+                <a:gd name="textAreaRight" fmla="*/ 79560 w 73440"/>
+                <a:gd name="textAreaTop" fmla="*/ 0 h 149040"/>
+                <a:gd name="textAreaBottom" fmla="*/ 155160 h 149040"/>
               </a:gdLst>
               <a:ahLst/>
               <a:rect l="textAreaLeft" t="textAreaTop" r="textAreaRight" b="textAreaBottom"/>
@@ -2733,15 +2762,15 @@
           <p:spPr>
             <a:xfrm>
               <a:off x="2674800" y="1968840"/>
-              <a:ext cx="235440" cy="615960"/>
+              <a:ext cx="234000" cy="614520"/>
             </a:xfrm>
             <a:custGeom>
               <a:avLst/>
               <a:gdLst>
-                <a:gd name="textAreaLeft" fmla="*/ 0 w 235440"/>
-                <a:gd name="textAreaRight" fmla="*/ 240120 w 235440"/>
-                <a:gd name="textAreaTop" fmla="*/ 0 h 615960"/>
-                <a:gd name="textAreaBottom" fmla="*/ 620640 h 615960"/>
+                <a:gd name="textAreaLeft" fmla="*/ 0 w 234000"/>
+                <a:gd name="textAreaRight" fmla="*/ 240120 w 234000"/>
+                <a:gd name="textAreaTop" fmla="*/ 0 h 614520"/>
+                <a:gd name="textAreaBottom" fmla="*/ 620640 h 614520"/>
               </a:gdLst>
               <a:ahLst/>
               <a:rect l="textAreaLeft" t="textAreaTop" r="textAreaRight" b="textAreaBottom"/>
@@ -2815,7 +2844,7 @@
           <p:spPr>
             <a:xfrm>
               <a:off x="2833920" y="2045880"/>
-              <a:ext cx="316800" cy="460800"/>
+              <a:ext cx="315360" cy="459360"/>
             </a:xfrm>
             <a:prstGeom prst="arc">
               <a:avLst>
@@ -2866,7 +2895,867 @@
           <p:spPr>
             <a:xfrm>
               <a:off x="2872440" y="2124000"/>
-              <a:ext cx="198360" cy="305640"/>
+              <a:ext cx="196920" cy="304200"/>
+            </a:xfrm>
+            <a:prstGeom prst="arc">
+              <a:avLst>
+                <a:gd name="adj1" fmla="val 16304075"/>
+                <a:gd name="adj2" fmla="val 5381156"/>
+              </a:avLst>
+            </a:prstGeom>
+            <a:noFill/>
+            <a:ln w="38160">
+              <a:solidFill>
+                <a:srgbClr val="000000"/>
+              </a:solidFill>
+              <a:round/>
+            </a:ln>
+          </p:spPr>
+          <p:style>
+            <a:lnRef idx="0"/>
+            <a:fillRef idx="0"/>
+            <a:effectRef idx="0"/>
+            <a:fontRef idx="minor"/>
+          </p:style>
+          <p:txBody>
+            <a:bodyPr lIns="109080" rIns="109080" tIns="64080" bIns="64080" anchor="ctr">
+              <a:noAutofit/>
+            </a:bodyPr>
+            <a:p>
+              <a:pPr>
+                <a:lnSpc>
+                  <a:spcPct val="100000"/>
+                </a:lnSpc>
+              </a:pPr>
+              <a:endParaRPr b="0" lang="en-US" sz="1800" spc="-1" strike="noStrike">
+                <a:solidFill>
+                  <a:srgbClr val="000000"/>
+                </a:solidFill>
+                <a:latin typeface="Arial"/>
+                <a:ea typeface="Microsoft YaHei"/>
+              </a:endParaRPr>
+            </a:p>
+          </p:txBody>
+        </p:sp>
+      </p:grpSp>
+    </p:spTree>
+  </p:cSld>
+  <mc:AlternateContent>
+    <mc:Choice Requires="p14">
+      <p:transition spd="slow" p14:dur="2000"/>
+    </mc:Choice>
+    <mc:Fallback>
+      <p:transition spd="slow"/>
+    </mc:Fallback>
+  </mc:AlternateContent>
+</p:sld>
+</file>
+
+<file path=ppt/slides/slide4.xml><?xml version="1.0" encoding="utf-8"?>
+<p:sld xmlns:a="http://schemas.openxmlformats.org/drawingml/2006/main" xmlns:p="http://schemas.openxmlformats.org/presentationml/2006/main" xmlns:r="http://schemas.openxmlformats.org/officeDocument/2006/relationships" xmlns:p14="http://schemas.microsoft.com/office/powerpoint/2010/main" xmlns:p15="http://schemas.microsoft.com/office/powerpoint/2012/main" xmlns:mc="http://schemas.openxmlformats.org/markup-compatibility/2006">
+  <p:cSld>
+    <p:bg>
+      <p:bgPr>
+        <a:solidFill>
+          <a:srgbClr val="ffffff"/>
+        </a:solidFill>
+      </p:bgPr>
+    </p:bg>
+    <p:spTree>
+      <p:nvGrpSpPr>
+        <p:cNvPr id="1" name=""/>
+        <p:cNvGrpSpPr/>
+        <p:nvPr/>
+      </p:nvGrpSpPr>
+      <p:grpSpPr>
+        <a:xfrm>
+          <a:off x="0" y="0"/>
+          <a:ext cx="0" cy="0"/>
+          <a:chOff x="0" y="0"/>
+          <a:chExt cx="0" cy="0"/>
+        </a:xfrm>
+      </p:grpSpPr>
+      <p:sp>
+        <p:nvSpPr>
+          <p:cNvPr id="38" name="Slide_4_Book_title"/>
+          <p:cNvSpPr/>
+          <p:nvPr/>
+        </p:nvSpPr>
+        <p:spPr>
+          <a:xfrm>
+            <a:off x="228240" y="3967920"/>
+            <a:ext cx="5244120" cy="899640"/>
+          </a:xfrm>
+          <a:prstGeom prst="rect">
+            <a:avLst/>
+          </a:prstGeom>
+          <a:noFill/>
+          <a:ln w="0">
+            <a:noFill/>
+          </a:ln>
+        </p:spPr>
+        <p:style>
+          <a:lnRef idx="0"/>
+          <a:fillRef idx="0"/>
+          <a:effectRef idx="0"/>
+          <a:fontRef idx="minor"/>
+        </p:style>
+        <p:txBody>
+          <a:bodyPr lIns="90000" rIns="90000" tIns="45000" bIns="45000" anchor="ctr">
+            <a:noAutofit/>
+          </a:bodyPr>
+          <a:p>
+            <a:pPr algn="ctr" defTabSz="914400">
+              <a:lnSpc>
+                <a:spcPct val="100000"/>
+              </a:lnSpc>
+              <a:spcBef>
+                <a:spcPts val="1191"/>
+              </a:spcBef>
+              <a:spcAft>
+                <a:spcPts val="992"/>
+              </a:spcAft>
+            </a:pPr>
+            <a:r>
+              <a:rPr b="1" lang="zh-CN" sz="4800" spc="-1" strike="noStrike">
+                <a:solidFill>
+                  <a:srgbClr val="ff0000"/>
+                </a:solidFill>
+                <a:latin typeface="Arial"/>
+                <a:ea typeface="DejaVu Sans"/>
+              </a:rPr>
+              <a:t>曜日に関する質問と回答</a:t>
+            </a:r>
+            <a:endParaRPr b="0" lang="en-US" sz="4800" spc="-1" strike="noStrike">
+              <a:solidFill>
+                <a:srgbClr val="000000"/>
+              </a:solidFill>
+              <a:latin typeface="Arial"/>
+            </a:endParaRPr>
+          </a:p>
+        </p:txBody>
+      </p:sp>
+      <p:sp>
+        <p:nvSpPr>
+          <p:cNvPr id="39" name="Slide_4_index"/>
+          <p:cNvSpPr/>
+          <p:nvPr/>
+        </p:nvSpPr>
+        <p:spPr>
+          <a:xfrm>
+            <a:off x="228240" y="227880"/>
+            <a:ext cx="4330800" cy="570600"/>
+          </a:xfrm>
+          <a:prstGeom prst="rect">
+            <a:avLst/>
+          </a:prstGeom>
+          <a:noFill/>
+          <a:ln w="0">
+            <a:noFill/>
+          </a:ln>
+        </p:spPr>
+        <p:style>
+          <a:lnRef idx="0"/>
+          <a:fillRef idx="0"/>
+          <a:effectRef idx="0"/>
+          <a:fontRef idx="minor"/>
+        </p:style>
+        <p:txBody>
+          <a:bodyPr lIns="90000" rIns="90000" tIns="45000" bIns="45000" anchor="t">
+            <a:spAutoFit/>
+          </a:bodyPr>
+          <a:p>
+            <a:pPr>
+              <a:lnSpc>
+                <a:spcPct val="100000"/>
+              </a:lnSpc>
+            </a:pPr>
+            <a:endParaRPr b="0" lang="en-US" sz="1800" spc="-1" strike="noStrike">
+              <a:solidFill>
+                <a:srgbClr val="000000"/>
+              </a:solidFill>
+              <a:latin typeface="Arial"/>
+              <a:ea typeface="DejaVu Sans"/>
+            </a:endParaRPr>
+          </a:p>
+        </p:txBody>
+      </p:sp>
+      <p:pic>
+        <p:nvPicPr>
+          <p:cNvPr id="40" name="" descr=""/>
+          <p:cNvPicPr/>
+          <p:nvPr/>
+        </p:nvPicPr>
+        <p:blipFill>
+          <a:blip r:embed="rId1"/>
+          <a:stretch/>
+        </p:blipFill>
+        <p:spPr>
+          <a:xfrm>
+            <a:off x="4343760" y="228960"/>
+            <a:ext cx="1029600" cy="756000"/>
+          </a:xfrm>
+          <a:prstGeom prst="rect">
+            <a:avLst/>
+          </a:prstGeom>
+          <a:ln w="0">
+            <a:noFill/>
+          </a:ln>
+        </p:spPr>
+      </p:pic>
+      <p:sp>
+        <p:nvSpPr>
+          <p:cNvPr id="41" name="Slide_4_Lesson_title"/>
+          <p:cNvSpPr/>
+          <p:nvPr/>
+        </p:nvSpPr>
+        <p:spPr>
+          <a:xfrm>
+            <a:off x="206280" y="2613240"/>
+            <a:ext cx="5279040" cy="899640"/>
+          </a:xfrm>
+          <a:prstGeom prst="rect">
+            <a:avLst/>
+          </a:prstGeom>
+          <a:noFill/>
+          <a:ln w="0">
+            <a:noFill/>
+          </a:ln>
+        </p:spPr>
+        <p:style>
+          <a:lnRef idx="0"/>
+          <a:fillRef idx="0"/>
+          <a:effectRef idx="0"/>
+          <a:fontRef idx="minor"/>
+        </p:style>
+        <p:txBody>
+          <a:bodyPr lIns="90000" rIns="90000" tIns="45000" bIns="45000" anchor="ctr">
+            <a:noAutofit/>
+          </a:bodyPr>
+          <a:p>
+            <a:pPr algn="ctr" defTabSz="914400">
+              <a:lnSpc>
+                <a:spcPct val="100000"/>
+              </a:lnSpc>
+            </a:pPr>
+            <a:r>
+              <a:rPr b="1" lang="zh-CN" sz="4000" spc="-1" strike="noStrike">
+                <a:solidFill>
+                  <a:schemeClr val="dk1"/>
+                </a:solidFill>
+                <a:latin typeface="Arial"/>
+                <a:ea typeface="宋体"/>
+              </a:rPr>
+              <a:t>日本語で</a:t>
+            </a:r>
+            <a:endParaRPr b="0" lang="en-US" sz="4000" spc="-1" strike="noStrike">
+              <a:solidFill>
+                <a:srgbClr val="000000"/>
+              </a:solidFill>
+              <a:latin typeface="Arial"/>
+            </a:endParaRPr>
+          </a:p>
+        </p:txBody>
+      </p:sp>
+    </p:spTree>
+  </p:cSld>
+  <mc:AlternateContent>
+    <mc:Choice Requires="p14">
+      <p:transition spd="slow" p14:dur="2000"/>
+    </mc:Choice>
+    <mc:Fallback>
+      <p:transition spd="slow"/>
+    </mc:Fallback>
+  </mc:AlternateContent>
+</p:sld>
+</file>
+
+<file path=ppt/slides/slide5.xml><?xml version="1.0" encoding="utf-8"?>
+<p:sld xmlns:a="http://schemas.openxmlformats.org/drawingml/2006/main" xmlns:p="http://schemas.openxmlformats.org/presentationml/2006/main" xmlns:r="http://schemas.openxmlformats.org/officeDocument/2006/relationships" xmlns:p14="http://schemas.microsoft.com/office/powerpoint/2010/main" xmlns:p15="http://schemas.microsoft.com/office/powerpoint/2012/main" xmlns:mc="http://schemas.openxmlformats.org/markup-compatibility/2006">
+  <p:cSld>
+    <p:bg>
+      <p:bgPr>
+        <a:solidFill>
+          <a:srgbClr val="ffffff"/>
+        </a:solidFill>
+      </p:bgPr>
+    </p:bg>
+    <p:spTree>
+      <p:nvGrpSpPr>
+        <p:cNvPr id="1" name=""/>
+        <p:cNvGrpSpPr/>
+        <p:nvPr/>
+      </p:nvGrpSpPr>
+      <p:grpSpPr>
+        <a:xfrm>
+          <a:off x="0" y="0"/>
+          <a:ext cx="0" cy="0"/>
+          <a:chOff x="0" y="0"/>
+          <a:chExt cx="0" cy="0"/>
+        </a:xfrm>
+      </p:grpSpPr>
+      <p:sp>
+        <p:nvSpPr>
+          <p:cNvPr id="42" name="Slide_5_index"/>
+          <p:cNvSpPr txBox="1"/>
+          <p:nvPr/>
+        </p:nvSpPr>
+        <p:spPr>
+          <a:xfrm>
+            <a:off x="228600" y="333720"/>
+            <a:ext cx="2514600" cy="546480"/>
+          </a:xfrm>
+          <a:prstGeom prst="rect">
+            <a:avLst/>
+          </a:prstGeom>
+          <a:noFill/>
+          <a:ln w="0">
+            <a:noFill/>
+          </a:ln>
+        </p:spPr>
+        <p:txBody>
+          <a:bodyPr lIns="90000" rIns="90000" tIns="45000" bIns="45000" anchor="t">
+            <a:noAutofit/>
+          </a:bodyPr>
+          <a:p>
+            <a:r>
+              <a:rPr b="0" lang="zh-CN" sz="3200" spc="-1" strike="noStrike">
+                <a:solidFill>
+                  <a:srgbClr val="000000"/>
+                </a:solidFill>
+                <a:latin typeface="Arial"/>
+                <a:ea typeface="Arial"/>
+              </a:rPr>
+              <a:t>序号</a:t>
+            </a:r>
+            <a:endParaRPr b="0" lang="en-US" sz="3200" spc="-1" strike="noStrike">
+              <a:solidFill>
+                <a:srgbClr val="000000"/>
+              </a:solidFill>
+              <a:latin typeface="Arial"/>
+            </a:endParaRPr>
+          </a:p>
+        </p:txBody>
+      </p:sp>
+      <p:sp>
+        <p:nvSpPr>
+          <p:cNvPr id="43" name="Slide_5_A"/>
+          <p:cNvSpPr/>
+          <p:nvPr/>
+        </p:nvSpPr>
+        <p:spPr>
+          <a:xfrm>
+            <a:off x="206280" y="2613240"/>
+            <a:ext cx="935640" cy="899640"/>
+          </a:xfrm>
+          <a:prstGeom prst="rect">
+            <a:avLst/>
+          </a:prstGeom>
+          <a:noFill/>
+          <a:ln w="0">
+            <a:noFill/>
+          </a:ln>
+        </p:spPr>
+        <p:style>
+          <a:lnRef idx="0"/>
+          <a:fillRef idx="0"/>
+          <a:effectRef idx="0"/>
+          <a:fontRef idx="minor"/>
+        </p:style>
+        <p:txBody>
+          <a:bodyPr lIns="90000" rIns="90000" tIns="45000" bIns="45000" anchor="ctr">
+            <a:noAutofit/>
+          </a:bodyPr>
+          <a:p>
+            <a:pPr defTabSz="914400">
+              <a:lnSpc>
+                <a:spcPct val="100000"/>
+              </a:lnSpc>
+            </a:pPr>
+            <a:r>
+              <a:rPr b="1" lang="en-US" sz="4000" spc="-1" strike="noStrike">
+                <a:solidFill>
+                  <a:schemeClr val="dk1"/>
+                </a:solidFill>
+                <a:latin typeface="Arial"/>
+                <a:ea typeface="宋体"/>
+              </a:rPr>
+              <a:t>A:</a:t>
+            </a:r>
+            <a:endParaRPr b="0" lang="en-US" sz="4000" spc="-1" strike="noStrike">
+              <a:solidFill>
+                <a:srgbClr val="000000"/>
+              </a:solidFill>
+              <a:latin typeface="Arial"/>
+            </a:endParaRPr>
+          </a:p>
+        </p:txBody>
+      </p:sp>
+      <p:sp>
+        <p:nvSpPr>
+          <p:cNvPr id="44" name="Slide_5_A_context"/>
+          <p:cNvSpPr/>
+          <p:nvPr/>
+        </p:nvSpPr>
+        <p:spPr>
+          <a:xfrm>
+            <a:off x="228240" y="3427920"/>
+            <a:ext cx="5244120" cy="899640"/>
+          </a:xfrm>
+          <a:prstGeom prst="rect">
+            <a:avLst/>
+          </a:prstGeom>
+          <a:noFill/>
+          <a:ln w="0">
+            <a:noFill/>
+          </a:ln>
+        </p:spPr>
+        <p:style>
+          <a:lnRef idx="0"/>
+          <a:fillRef idx="0"/>
+          <a:effectRef idx="0"/>
+          <a:fontRef idx="minor"/>
+        </p:style>
+        <p:txBody>
+          <a:bodyPr lIns="90000" rIns="90000" tIns="45000" bIns="45000" anchor="ctr">
+            <a:noAutofit/>
+          </a:bodyPr>
+          <a:p>
+            <a:pPr defTabSz="914400">
+              <a:lnSpc>
+                <a:spcPct val="100000"/>
+              </a:lnSpc>
+            </a:pPr>
+            <a:r>
+              <a:rPr b="1" lang="en-US" sz="2800" spc="-1" strike="noStrike">
+                <a:solidFill>
+                  <a:srgbClr val="c9211e"/>
+                </a:solidFill>
+                <a:latin typeface="Arial"/>
+                <a:ea typeface="Arial"/>
+              </a:rPr>
+              <a:t>Your text here</a:t>
+            </a:r>
+            <a:endParaRPr b="0" lang="en-US" sz="2800" spc="-1" strike="noStrike">
+              <a:solidFill>
+                <a:srgbClr val="000000"/>
+              </a:solidFill>
+              <a:latin typeface="Arial"/>
+            </a:endParaRPr>
+          </a:p>
+        </p:txBody>
+      </p:sp>
+      <p:sp>
+        <p:nvSpPr>
+          <p:cNvPr id="45" name="Slide_5_B"/>
+          <p:cNvSpPr/>
+          <p:nvPr/>
+        </p:nvSpPr>
+        <p:spPr>
+          <a:xfrm>
+            <a:off x="219240" y="5032800"/>
+            <a:ext cx="935640" cy="899640"/>
+          </a:xfrm>
+          <a:prstGeom prst="rect">
+            <a:avLst/>
+          </a:prstGeom>
+          <a:noFill/>
+          <a:ln w="0">
+            <a:noFill/>
+          </a:ln>
+        </p:spPr>
+        <p:style>
+          <a:lnRef idx="0"/>
+          <a:fillRef idx="0"/>
+          <a:effectRef idx="0"/>
+          <a:fontRef idx="minor"/>
+        </p:style>
+        <p:txBody>
+          <a:bodyPr lIns="90000" rIns="90000" tIns="45000" bIns="45000" anchor="ctr">
+            <a:noAutofit/>
+          </a:bodyPr>
+          <a:p>
+            <a:pPr defTabSz="914400">
+              <a:lnSpc>
+                <a:spcPct val="100000"/>
+              </a:lnSpc>
+            </a:pPr>
+            <a:r>
+              <a:rPr b="1" lang="en-US" sz="4000" spc="-1" strike="noStrike">
+                <a:solidFill>
+                  <a:schemeClr val="dk1"/>
+                </a:solidFill>
+                <a:latin typeface="Arial"/>
+                <a:ea typeface="宋体"/>
+              </a:rPr>
+              <a:t>B:</a:t>
+            </a:r>
+            <a:endParaRPr b="0" lang="en-US" sz="4000" spc="-1" strike="noStrike">
+              <a:solidFill>
+                <a:srgbClr val="000000"/>
+              </a:solidFill>
+              <a:latin typeface="Arial"/>
+            </a:endParaRPr>
+          </a:p>
+        </p:txBody>
+      </p:sp>
+      <p:sp>
+        <p:nvSpPr>
+          <p:cNvPr id="46" name="Slide_5_B_context"/>
+          <p:cNvSpPr/>
+          <p:nvPr/>
+        </p:nvSpPr>
+        <p:spPr>
+          <a:xfrm>
+            <a:off x="241200" y="5847480"/>
+            <a:ext cx="5244120" cy="899640"/>
+          </a:xfrm>
+          <a:prstGeom prst="rect">
+            <a:avLst/>
+          </a:prstGeom>
+          <a:noFill/>
+          <a:ln w="0">
+            <a:noFill/>
+          </a:ln>
+        </p:spPr>
+        <p:style>
+          <a:lnRef idx="0"/>
+          <a:fillRef idx="0"/>
+          <a:effectRef idx="0"/>
+          <a:fontRef idx="minor"/>
+        </p:style>
+        <p:txBody>
+          <a:bodyPr lIns="90000" rIns="90000" tIns="45000" bIns="45000" anchor="ctr">
+            <a:noAutofit/>
+          </a:bodyPr>
+          <a:p>
+            <a:pPr defTabSz="914400">
+              <a:lnSpc>
+                <a:spcPct val="100000"/>
+              </a:lnSpc>
+            </a:pPr>
+            <a:r>
+              <a:rPr b="1" lang="en-US" sz="2800" spc="-1" strike="noStrike">
+                <a:solidFill>
+                  <a:srgbClr val="c9211e"/>
+                </a:solidFill>
+                <a:latin typeface="Arial"/>
+                <a:ea typeface="Arial"/>
+              </a:rPr>
+              <a:t>Your text here</a:t>
+            </a:r>
+            <a:endParaRPr b="0" lang="en-US" sz="2800" spc="-1" strike="noStrike">
+              <a:solidFill>
+                <a:srgbClr val="000000"/>
+              </a:solidFill>
+              <a:latin typeface="Arial"/>
+            </a:endParaRPr>
+          </a:p>
+        </p:txBody>
+      </p:sp>
+      <p:pic>
+        <p:nvPicPr>
+          <p:cNvPr id="47" name="" descr=""/>
+          <p:cNvPicPr/>
+          <p:nvPr/>
+        </p:nvPicPr>
+        <p:blipFill>
+          <a:blip r:embed="rId1"/>
+          <a:stretch/>
+        </p:blipFill>
+        <p:spPr>
+          <a:xfrm>
+            <a:off x="4343760" y="228960"/>
+            <a:ext cx="1029600" cy="756000"/>
+          </a:xfrm>
+          <a:prstGeom prst="rect">
+            <a:avLst/>
+          </a:prstGeom>
+          <a:ln w="0">
+            <a:noFill/>
+          </a:ln>
+        </p:spPr>
+      </p:pic>
+      <p:grpSp>
+        <p:nvGrpSpPr>
+          <p:cNvPr id="48" name="player-volume 2"/>
+          <p:cNvGrpSpPr/>
+          <p:nvPr/>
+        </p:nvGrpSpPr>
+        <p:grpSpPr>
+          <a:xfrm>
+            <a:off x="2194200" y="1659600"/>
+            <a:ext cx="1278720" cy="1235520"/>
+            <a:chOff x="2194200" y="1659600"/>
+            <a:chExt cx="1278720" cy="1235520"/>
+          </a:xfrm>
+        </p:grpSpPr>
+        <p:sp>
+          <p:nvSpPr>
+            <p:cNvPr id="49" name=""/>
+            <p:cNvSpPr/>
+            <p:nvPr/>
+          </p:nvSpPr>
+          <p:spPr>
+            <a:xfrm>
+              <a:off x="2194200" y="1659600"/>
+              <a:ext cx="1278720" cy="1235520"/>
+            </a:xfrm>
+            <a:prstGeom prst="roundRect">
+              <a:avLst>
+                <a:gd name="adj" fmla="val 0"/>
+              </a:avLst>
+            </a:prstGeom>
+            <a:noFill/>
+            <a:ln w="38160">
+              <a:noFill/>
+            </a:ln>
+          </p:spPr>
+          <p:style>
+            <a:lnRef idx="0"/>
+            <a:fillRef idx="0"/>
+            <a:effectRef idx="0"/>
+            <a:fontRef idx="minor"/>
+          </p:style>
+          <p:txBody>
+            <a:bodyPr lIns="90000" rIns="90000" tIns="45000" bIns="45000" anchor="ctr">
+              <a:noAutofit/>
+            </a:bodyPr>
+            <a:p>
+              <a:pPr>
+                <a:lnSpc>
+                  <a:spcPct val="100000"/>
+                </a:lnSpc>
+              </a:pPr>
+              <a:endParaRPr b="0" lang="en-US" sz="1800" spc="-1" strike="noStrike">
+                <a:solidFill>
+                  <a:srgbClr val="ffffff"/>
+                </a:solidFill>
+                <a:latin typeface="Arial"/>
+                <a:ea typeface="Microsoft YaHei"/>
+              </a:endParaRPr>
+            </a:p>
+          </p:txBody>
+        </p:sp>
+        <p:sp>
+          <p:nvSpPr>
+            <p:cNvPr id="50" name=""/>
+            <p:cNvSpPr/>
+            <p:nvPr/>
+          </p:nvSpPr>
+          <p:spPr>
+            <a:xfrm>
+              <a:off x="2514240" y="2201040"/>
+              <a:ext cx="73440" cy="149040"/>
+            </a:xfrm>
+            <a:custGeom>
+              <a:avLst/>
+              <a:gdLst>
+                <a:gd name="textAreaLeft" fmla="*/ 0 w 73440"/>
+                <a:gd name="textAreaRight" fmla="*/ 79560 w 73440"/>
+                <a:gd name="textAreaTop" fmla="*/ 0 h 149040"/>
+                <a:gd name="textAreaBottom" fmla="*/ 155160 h 149040"/>
+              </a:gdLst>
+              <a:ahLst/>
+              <a:rect l="textAreaLeft" t="textAreaTop" r="textAreaRight" b="textAreaBottom"/>
+              <a:pathLst>
+                <a:path w="221" h="431">
+                  <a:moveTo>
+                    <a:pt x="0" y="0"/>
+                  </a:moveTo>
+                  <a:lnTo>
+                    <a:pt x="0" y="431"/>
+                  </a:lnTo>
+                  <a:lnTo>
+                    <a:pt x="221" y="431"/>
+                  </a:lnTo>
+                  <a:lnTo>
+                    <a:pt x="221" y="0"/>
+                  </a:lnTo>
+                  <a:lnTo>
+                    <a:pt x="0" y="0"/>
+                  </a:lnTo>
+                  <a:close/>
+                </a:path>
+              </a:pathLst>
+            </a:custGeom>
+            <a:noFill/>
+            <a:ln w="38160">
+              <a:solidFill>
+                <a:srgbClr val="000000"/>
+              </a:solidFill>
+              <a:round/>
+            </a:ln>
+          </p:spPr>
+          <p:style>
+            <a:lnRef idx="0"/>
+            <a:fillRef idx="0"/>
+            <a:effectRef idx="0"/>
+            <a:fontRef idx="minor"/>
+          </p:style>
+          <p:txBody>
+            <a:bodyPr lIns="109080" rIns="109080" tIns="64080" bIns="64080" anchor="ctr">
+              <a:noAutofit/>
+            </a:bodyPr>
+            <a:p>
+              <a:pPr>
+                <a:lnSpc>
+                  <a:spcPct val="100000"/>
+                </a:lnSpc>
+              </a:pPr>
+              <a:endParaRPr b="0" lang="en-US" sz="1800" spc="-1" strike="noStrike">
+                <a:solidFill>
+                  <a:srgbClr val="000000"/>
+                </a:solidFill>
+                <a:latin typeface="Arial"/>
+                <a:ea typeface="Microsoft YaHei"/>
+              </a:endParaRPr>
+            </a:p>
+          </p:txBody>
+        </p:sp>
+        <p:sp>
+          <p:nvSpPr>
+            <p:cNvPr id="51" name=""/>
+            <p:cNvSpPr/>
+            <p:nvPr/>
+          </p:nvSpPr>
+          <p:spPr>
+            <a:xfrm>
+              <a:off x="2674800" y="1968840"/>
+              <a:ext cx="234000" cy="614520"/>
+            </a:xfrm>
+            <a:custGeom>
+              <a:avLst/>
+              <a:gdLst>
+                <a:gd name="textAreaLeft" fmla="*/ 0 w 234000"/>
+                <a:gd name="textAreaRight" fmla="*/ 240120 w 234000"/>
+                <a:gd name="textAreaTop" fmla="*/ 0 h 614520"/>
+                <a:gd name="textAreaBottom" fmla="*/ 620640 h 614520"/>
+              </a:gdLst>
+              <a:ahLst/>
+              <a:rect l="textAreaLeft" t="textAreaTop" r="textAreaRight" b="textAreaBottom"/>
+              <a:pathLst>
+                <a:path w="667" h="1724">
+                  <a:moveTo>
+                    <a:pt x="667" y="0"/>
+                  </a:moveTo>
+                  <a:lnTo>
+                    <a:pt x="446" y="0"/>
+                  </a:lnTo>
+                  <a:lnTo>
+                    <a:pt x="0" y="645"/>
+                  </a:lnTo>
+                  <a:lnTo>
+                    <a:pt x="0" y="1076"/>
+                  </a:lnTo>
+                  <a:lnTo>
+                    <a:pt x="446" y="1724"/>
+                  </a:lnTo>
+                  <a:lnTo>
+                    <a:pt x="667" y="1724"/>
+                  </a:lnTo>
+                  <a:lnTo>
+                    <a:pt x="667" y="0"/>
+                  </a:lnTo>
+                  <a:close/>
+                </a:path>
+              </a:pathLst>
+            </a:custGeom>
+            <a:noFill/>
+            <a:ln w="38160">
+              <a:solidFill>
+                <a:srgbClr val="000000"/>
+              </a:solidFill>
+              <a:round/>
+            </a:ln>
+          </p:spPr>
+          <p:style>
+            <a:lnRef idx="0"/>
+            <a:fillRef idx="0"/>
+            <a:effectRef idx="0"/>
+            <a:fontRef idx="minor"/>
+          </p:style>
+          <p:txBody>
+            <a:bodyPr lIns="109080" rIns="109080" tIns="64080" bIns="64080" anchor="ctr">
+              <a:noAutofit/>
+            </a:bodyPr>
+            <a:p>
+              <a:pPr>
+                <a:lnSpc>
+                  <a:spcPct val="100000"/>
+                </a:lnSpc>
+              </a:pPr>
+              <a:endParaRPr b="0" lang="en-US" sz="1800" spc="-1" strike="noStrike">
+                <a:solidFill>
+                  <a:srgbClr val="000000"/>
+                </a:solidFill>
+                <a:latin typeface="Arial"/>
+                <a:ea typeface="Microsoft YaHei"/>
+              </a:endParaRPr>
+            </a:p>
+          </p:txBody>
+        </p:sp>
+        <p:sp>
+          <p:nvSpPr>
+            <p:cNvPr id="52" name=""/>
+            <p:cNvSpPr/>
+            <p:nvPr/>
+          </p:nvSpPr>
+          <p:spPr>
+            <a:xfrm>
+              <a:off x="2833920" y="2045880"/>
+              <a:ext cx="315360" cy="459360"/>
+            </a:xfrm>
+            <a:prstGeom prst="arc">
+              <a:avLst>
+                <a:gd name="adj1" fmla="val 16169335"/>
+                <a:gd name="adj2" fmla="val 5370163"/>
+              </a:avLst>
+            </a:prstGeom>
+            <a:noFill/>
+            <a:ln w="38160">
+              <a:solidFill>
+                <a:srgbClr val="000000"/>
+              </a:solidFill>
+              <a:round/>
+            </a:ln>
+          </p:spPr>
+          <p:style>
+            <a:lnRef idx="0"/>
+            <a:fillRef idx="0"/>
+            <a:effectRef idx="0"/>
+            <a:fontRef idx="minor"/>
+          </p:style>
+          <p:txBody>
+            <a:bodyPr lIns="109080" rIns="109080" tIns="64080" bIns="64080" anchor="ctr">
+              <a:noAutofit/>
+            </a:bodyPr>
+            <a:p>
+              <a:pPr>
+                <a:lnSpc>
+                  <a:spcPct val="100000"/>
+                </a:lnSpc>
+              </a:pPr>
+              <a:endParaRPr b="0" lang="en-US" sz="1800" spc="-1" strike="noStrike">
+                <a:solidFill>
+                  <a:srgbClr val="000000"/>
+                </a:solidFill>
+                <a:latin typeface="Arial"/>
+                <a:ea typeface="Microsoft YaHei"/>
+              </a:endParaRPr>
+            </a:p>
+          </p:txBody>
+        </p:sp>
+        <p:sp>
+          <p:nvSpPr>
+            <p:cNvPr id="53" name=""/>
+            <p:cNvSpPr/>
+            <p:nvPr/>
+          </p:nvSpPr>
+          <p:spPr>
+            <a:xfrm>
+              <a:off x="2872440" y="2124000"/>
+              <a:ext cx="196920" cy="304200"/>
             </a:xfrm>
             <a:prstGeom prst="arc">
               <a:avLst>

--- a/portrait_templates.pptx
+++ b/portrait_templates.pptx
@@ -149,7 +149,7 @@
         <p:txBody>
           <a:bodyPr/>
           <a:p>
-            <a:fld id="{856FDA08-6387-4145-A817-159116DC5D29}" type="slidenum">
+            <a:fld id="{891FB935-BEBE-498D-83D5-28278933C0E7}" type="slidenum">
               <a:t>&lt;#&gt;</a:t>
             </a:fld>
           </a:p>
@@ -312,7 +312,7 @@
         <p:txBody>
           <a:bodyPr/>
           <a:p>
-            <a:fld id="{60BACCA3-91C7-4DE3-808D-CE3DE502FD17}" type="slidenum">
+            <a:fld id="{0D6E7056-DD35-42F0-B380-AB046D8A6480}" type="slidenum">
               <a:t>&lt;#&gt;</a:t>
             </a:fld>
           </a:p>
@@ -395,7 +395,7 @@
         <p:txBody>
           <a:bodyPr/>
           <a:p>
-            <a:fld id="{C0E52208-C0CA-4B2C-A8D3-254E02CD793D}" type="slidenum">
+            <a:fld id="{76DB3195-8CE1-4457-B32C-502F29F37297}" type="slidenum">
               <a:t>&lt;#&gt;</a:t>
             </a:fld>
           </a:p>
@@ -507,7 +507,16 @@
                 </a:solidFill>
                 <a:latin typeface="Arial"/>
               </a:rPr>
-              <a:t>title text </a:t>
+              <a:t>title </a:t>
+            </a:r>
+            <a:r>
+              <a:rPr b="0" lang="en-US" sz="1800" spc="-1" strike="noStrike">
+                <a:solidFill>
+                  <a:srgbClr val="000000"/>
+                </a:solidFill>
+                <a:latin typeface="Arial"/>
+              </a:rPr>
+              <a:t>text </a:t>
             </a:r>
             <a:r>
               <a:rPr b="0" lang="en-US" sz="1800" spc="-1" strike="noStrike">
@@ -540,7 +549,7 @@
         <p:spPr>
           <a:xfrm>
             <a:off x="1936080" y="9174600"/>
-            <a:ext cx="1781280" cy="684000"/>
+            <a:ext cx="1779120" cy="681840"/>
           </a:xfrm>
           <a:prstGeom prst="rect">
             <a:avLst/>
@@ -612,7 +621,7 @@
         <p:spPr>
           <a:xfrm>
             <a:off x="4062240" y="9174600"/>
-            <a:ext cx="1308960" cy="684000"/>
+            <a:ext cx="1306800" cy="681840"/>
           </a:xfrm>
           <a:prstGeom prst="rect">
             <a:avLst/>
@@ -653,7 +662,7 @@
                 <a:tab algn="l" pos="0"/>
               </a:tabLst>
             </a:pPr>
-            <a:fld id="{3764A809-2521-4762-A219-A6F2EFD6A90D}" type="slidenum">
+            <a:fld id="{48CB5F34-27A2-4637-B090-0D774CC5421A}" type="slidenum">
               <a:rPr b="0" lang="en-US" sz="1400" spc="-1" strike="noStrike">
                 <a:solidFill>
                   <a:srgbClr val="000000"/>
@@ -684,7 +693,7 @@
         <p:spPr>
           <a:xfrm>
             <a:off x="282960" y="9174600"/>
-            <a:ext cx="1308960" cy="684000"/>
+            <a:ext cx="1306800" cy="681840"/>
           </a:xfrm>
           <a:prstGeom prst="rect">
             <a:avLst/>
@@ -802,7 +811,16 @@
                 </a:solidFill>
                 <a:latin typeface="Arial"/>
               </a:rPr>
-              <a:t>Click to edit the title text format</a:t>
+              <a:t>Click to edit the title </a:t>
+            </a:r>
+            <a:r>
+              <a:rPr b="0" lang="en-US" sz="1800" spc="-1" strike="noStrike">
+                <a:solidFill>
+                  <a:srgbClr val="000000"/>
+                </a:solidFill>
+                <a:latin typeface="Arial"/>
+              </a:rPr>
+              <a:t>text format</a:t>
             </a:r>
             <a:endParaRPr b="0" lang="en-US" sz="1800" spc="-1" strike="noStrike">
               <a:solidFill>
@@ -826,7 +844,7 @@
         <p:spPr>
           <a:xfrm>
             <a:off x="1936080" y="9174600"/>
-            <a:ext cx="1781280" cy="684000"/>
+            <a:ext cx="1779120" cy="681840"/>
           </a:xfrm>
           <a:prstGeom prst="rect">
             <a:avLst/>
@@ -898,7 +916,7 @@
         <p:spPr>
           <a:xfrm>
             <a:off x="4062240" y="9174600"/>
-            <a:ext cx="1308960" cy="684000"/>
+            <a:ext cx="1306800" cy="681840"/>
           </a:xfrm>
           <a:prstGeom prst="rect">
             <a:avLst/>
@@ -939,7 +957,7 @@
                 <a:tab algn="l" pos="0"/>
               </a:tabLst>
             </a:pPr>
-            <a:fld id="{A6C003E8-57FE-476C-80D7-6B60D569E14E}" type="slidenum">
+            <a:fld id="{A9D379C8-95C6-43B8-A768-22697E2750D8}" type="slidenum">
               <a:rPr b="0" lang="en-US" sz="1400" spc="-1" strike="noStrike">
                 <a:solidFill>
                   <a:srgbClr val="000000"/>
@@ -970,7 +988,7 @@
         <p:spPr>
           <a:xfrm>
             <a:off x="282960" y="9174600"/>
-            <a:ext cx="1308960" cy="684000"/>
+            <a:ext cx="1306800" cy="681840"/>
           </a:xfrm>
           <a:prstGeom prst="rect">
             <a:avLst/>
@@ -1288,7 +1306,7 @@
         <p:spPr>
           <a:xfrm>
             <a:off x="1936080" y="9174600"/>
-            <a:ext cx="1781280" cy="684000"/>
+            <a:ext cx="1779120" cy="681840"/>
           </a:xfrm>
           <a:prstGeom prst="rect">
             <a:avLst/>
@@ -1360,7 +1378,7 @@
         <p:spPr>
           <a:xfrm>
             <a:off x="4062240" y="9174600"/>
-            <a:ext cx="1308960" cy="684000"/>
+            <a:ext cx="1306800" cy="681840"/>
           </a:xfrm>
           <a:prstGeom prst="rect">
             <a:avLst/>
@@ -1401,7 +1419,7 @@
                 <a:tab algn="l" pos="0"/>
               </a:tabLst>
             </a:pPr>
-            <a:fld id="{02051A64-FE6F-4A81-9B10-25176694242E}" type="slidenum">
+            <a:fld id="{7638379E-239A-4063-A88E-C8DE886BF485}" type="slidenum">
               <a:rPr b="0" lang="en-US" sz="1400" spc="-1" strike="noStrike">
                 <a:solidFill>
                   <a:srgbClr val="000000"/>
@@ -1432,7 +1450,7 @@
         <p:spPr>
           <a:xfrm>
             <a:off x="282960" y="9174600"/>
-            <a:ext cx="1308960" cy="684000"/>
+            <a:ext cx="1306800" cy="681840"/>
           </a:xfrm>
           <a:prstGeom prst="rect">
             <a:avLst/>
@@ -1794,8 +1812,8 @@
         </p:nvSpPr>
         <p:spPr>
           <a:xfrm>
-            <a:off x="228240" y="4939920"/>
-            <a:ext cx="5246280" cy="901800"/>
+            <a:off x="228240" y="2995920"/>
+            <a:ext cx="5244120" cy="899640"/>
           </a:xfrm>
           <a:prstGeom prst="rect">
             <a:avLst/>
@@ -1848,8 +1866,8 @@
         </p:nvSpPr>
         <p:spPr>
           <a:xfrm>
-            <a:off x="206280" y="2613240"/>
-            <a:ext cx="5246280" cy="901800"/>
+            <a:off x="206280" y="1569240"/>
+            <a:ext cx="5244120" cy="899640"/>
           </a:xfrm>
           <a:prstGeom prst="rect">
             <a:avLst/>
@@ -1903,7 +1921,7 @@
         <p:spPr>
           <a:xfrm>
             <a:off x="228240" y="227880"/>
-            <a:ext cx="4332960" cy="577440"/>
+            <a:ext cx="4330800" cy="577440"/>
           </a:xfrm>
           <a:prstGeom prst="rect">
             <a:avLst/>
@@ -1961,7 +1979,7 @@
         <p:spPr>
           <a:xfrm>
             <a:off x="4343760" y="228960"/>
-            <a:ext cx="1031760" cy="758160"/>
+            <a:ext cx="1029600" cy="756000"/>
           </a:xfrm>
           <a:prstGeom prst="rect">
             <a:avLst/>
@@ -1971,6 +1989,114 @@
           </a:ln>
         </p:spPr>
       </p:pic>
+      <p:sp>
+        <p:nvSpPr>
+          <p:cNvPr id="22" name="Slide_1_chinese"/>
+          <p:cNvSpPr/>
+          <p:nvPr/>
+        </p:nvSpPr>
+        <p:spPr>
+          <a:xfrm>
+            <a:off x="241200" y="4585680"/>
+            <a:ext cx="5244120" cy="899640"/>
+          </a:xfrm>
+          <a:prstGeom prst="rect">
+            <a:avLst/>
+          </a:prstGeom>
+          <a:noFill/>
+          <a:ln w="0">
+            <a:noFill/>
+          </a:ln>
+        </p:spPr>
+        <p:style>
+          <a:lnRef idx="0"/>
+          <a:fillRef idx="0"/>
+          <a:effectRef idx="0"/>
+          <a:fontRef idx="minor"/>
+        </p:style>
+        <p:txBody>
+          <a:bodyPr lIns="90000" rIns="90000" tIns="45000" bIns="45000" anchor="ctr">
+            <a:noAutofit/>
+          </a:bodyPr>
+          <a:p>
+            <a:pPr algn="ctr" defTabSz="914400">
+              <a:lnSpc>
+                <a:spcPct val="100000"/>
+              </a:lnSpc>
+            </a:pPr>
+            <a:r>
+              <a:rPr b="1" lang="ja-JP" sz="2800" spc="-1" strike="noStrike">
+                <a:solidFill>
+                  <a:srgbClr val="729fcf"/>
+                </a:solidFill>
+                <a:latin typeface="Arial"/>
+                <a:ea typeface="宋体"/>
+              </a:rPr>
+              <a:t>中文意思</a:t>
+            </a:r>
+            <a:endParaRPr b="0" lang="en-US" sz="2800" spc="-1" strike="noStrike">
+              <a:solidFill>
+                <a:srgbClr val="000000"/>
+              </a:solidFill>
+              <a:latin typeface="Arial"/>
+            </a:endParaRPr>
+          </a:p>
+        </p:txBody>
+      </p:sp>
+      <p:sp>
+        <p:nvSpPr>
+          <p:cNvPr id="23" name="Slide_1_english"/>
+          <p:cNvSpPr/>
+          <p:nvPr/>
+        </p:nvSpPr>
+        <p:spPr>
+          <a:xfrm>
+            <a:off x="241200" y="6172200"/>
+            <a:ext cx="5244120" cy="899640"/>
+          </a:xfrm>
+          <a:prstGeom prst="rect">
+            <a:avLst/>
+          </a:prstGeom>
+          <a:noFill/>
+          <a:ln w="0">
+            <a:noFill/>
+          </a:ln>
+        </p:spPr>
+        <p:style>
+          <a:lnRef idx="0"/>
+          <a:fillRef idx="0"/>
+          <a:effectRef idx="0"/>
+          <a:fontRef idx="minor"/>
+        </p:style>
+        <p:txBody>
+          <a:bodyPr lIns="90000" rIns="90000" tIns="45000" bIns="45000" anchor="ctr">
+            <a:noAutofit/>
+          </a:bodyPr>
+          <a:p>
+            <a:pPr algn="ctr" defTabSz="914400">
+              <a:lnSpc>
+                <a:spcPct val="100000"/>
+              </a:lnSpc>
+            </a:pPr>
+            <a:r>
+              <a:rPr b="1" lang="ja-JP" sz="2800" spc="-1" strike="noStrike">
+                <a:solidFill>
+                  <a:srgbClr val="5eb91e"/>
+                </a:solidFill>
+                <a:latin typeface="Arial"/>
+                <a:ea typeface="宋体"/>
+              </a:rPr>
+              <a:t>英文意思</a:t>
+            </a:r>
+            <a:endParaRPr b="0" lang="en-US" sz="2800" spc="-1" strike="noStrike">
+              <a:solidFill>
+                <a:srgbClr val="000000"/>
+              </a:solidFill>
+              <a:latin typeface="Arial"/>
+            </a:endParaRPr>
+          </a:p>
+        </p:txBody>
+      </p:sp>
     </p:spTree>
   </p:cSld>
   <mc:AlternateContent>
@@ -2011,83 +2137,21 @@
       </p:grpSpPr>
       <p:sp>
         <p:nvSpPr>
-          <p:cNvPr id="22" name="Slide_2_Lesson"/>
+          <p:cNvPr id="24" name="Snow 1"/>
           <p:cNvSpPr txBox="1"/>
           <p:nvPr/>
         </p:nvSpPr>
         <p:spPr>
           <a:xfrm>
-            <a:off x="1608120" y="2050560"/>
-            <a:ext cx="2446560" cy="1829520"/>
-          </a:xfrm>
-          <a:prstGeom prst="rect">
-            <a:avLst/>
-          </a:prstGeom>
-        </p:spPr>
-        <p:txBody>
-          <a:bodyPr wrap="none" lIns="711360" rIns="711360" tIns="70920" bIns="70920" anchor="ctr">
-            <a:prstTxWarp prst="textWave1">
-              <a:avLst>
-                <a:gd name="adj1" fmla="val 6481"/>
-                <a:gd name="adj2" fmla="val 0"/>
-              </a:avLst>
-            </a:prstTxWarp>
-            <a:noAutofit/>
-          </a:bodyPr>
-          <a:p>
-            <a:pPr>
-              <a:lnSpc>
-                <a:spcPct val="100000"/>
-              </a:lnSpc>
-            </a:pPr>
-            <a:r>
-              <a:rPr b="1" lang="zh-CN" sz="2400" spc="-1" strike="noStrike">
-                <a:ln cap="rnd" w="57240">
-                  <a:solidFill>
-                    <a:srgbClr val="ffffff"/>
-                  </a:solidFill>
-                  <a:round/>
-                </a:ln>
-                <a:solidFill>
-                  <a:srgbClr val="f10d0c"/>
-                </a:solidFill>
-                <a:latin typeface="Noto Sans"/>
-                <a:ea typeface="MS Gothic"/>
-              </a:rPr>
-              <a:t>第</a:t>
-            </a:r>
-            <a:endParaRPr b="0" lang="en-US" sz="2400" spc="-1" strike="noStrike">
-              <a:ln cap="rnd" w="57240">
-                <a:solidFill>
-                  <a:srgbClr val="ffffff"/>
-                </a:solidFill>
-                <a:round/>
-              </a:ln>
-              <a:solidFill>
-                <a:srgbClr val="f10d0c"/>
-              </a:solidFill>
-              <a:latin typeface="Arial"/>
-            </a:endParaRPr>
-          </a:p>
-        </p:txBody>
-      </p:sp>
-      <p:sp>
-        <p:nvSpPr>
-          <p:cNvPr id="23" name="Snow 1"/>
-          <p:cNvSpPr txBox="1"/>
-          <p:nvPr/>
-        </p:nvSpPr>
-        <p:spPr>
-          <a:xfrm>
             <a:off x="388800" y="6169680"/>
-            <a:ext cx="2574360" cy="1283400"/>
-          </a:xfrm>
-          <a:prstGeom prst="rect">
-            <a:avLst/>
-          </a:prstGeom>
-        </p:spPr>
-        <p:txBody>
-          <a:bodyPr wrap="none" lIns="504720" rIns="504720" tIns="60840" bIns="60840" anchor="ctr">
+            <a:ext cx="2572200" cy="1281240"/>
+          </a:xfrm>
+          <a:prstGeom prst="rect">
+            <a:avLst/>
+          </a:prstGeom>
+        </p:spPr>
+        <p:txBody>
+          <a:bodyPr wrap="none" lIns="619200" rIns="619200" tIns="60840" bIns="60840" anchor="ctr">
             <a:prstTxWarp prst="textPlain">
               <a:avLst>
                 <a:gd name="adj" fmla="val 50000"/>
@@ -2138,21 +2202,21 @@
       </p:sp>
       <p:sp>
         <p:nvSpPr>
-          <p:cNvPr id="24" name="Snow 2"/>
+          <p:cNvPr id="25" name="Snow 2"/>
           <p:cNvSpPr txBox="1"/>
           <p:nvPr/>
         </p:nvSpPr>
         <p:spPr>
           <a:xfrm>
             <a:off x="4257000" y="6277680"/>
-            <a:ext cx="930600" cy="1124640"/>
-          </a:xfrm>
-          <a:prstGeom prst="rect">
-            <a:avLst/>
-          </a:prstGeom>
-        </p:spPr>
-        <p:txBody>
-          <a:bodyPr wrap="none" lIns="504720" rIns="504720" tIns="60840" bIns="60840" anchor="ctr">
+            <a:ext cx="928440" cy="1122480"/>
+          </a:xfrm>
+          <a:prstGeom prst="rect">
+            <a:avLst/>
+          </a:prstGeom>
+        </p:spPr>
+        <p:txBody>
+          <a:bodyPr wrap="none" lIns="619200" rIns="619200" tIns="60840" bIns="60840" anchor="ctr">
             <a:prstTxWarp prst="textPlain">
               <a:avLst>
                 <a:gd name="adj" fmla="val 50000"/>
@@ -2199,21 +2263,21 @@
       </p:sp>
       <p:sp>
         <p:nvSpPr>
-          <p:cNvPr id="25" name="Pow! 2"/>
+          <p:cNvPr id="26" name="Pow! 2"/>
           <p:cNvSpPr txBox="1"/>
           <p:nvPr/>
         </p:nvSpPr>
         <p:spPr>
           <a:xfrm>
             <a:off x="3040920" y="6386760"/>
-            <a:ext cx="1039680" cy="895680"/>
-          </a:xfrm>
-          <a:prstGeom prst="rect">
-            <a:avLst/>
-          </a:prstGeom>
-        </p:spPr>
-        <p:txBody>
-          <a:bodyPr wrap="none" lIns="505080" rIns="505080" tIns="61200" bIns="61200" anchor="ctr">
+            <a:ext cx="1037520" cy="893520"/>
+          </a:xfrm>
+          <a:prstGeom prst="rect">
+            <a:avLst/>
+          </a:prstGeom>
+        </p:spPr>
+        <p:txBody>
+          <a:bodyPr wrap="none" lIns="619560" rIns="619560" tIns="61200" bIns="61200" anchor="ctr">
             <a:prstTxWarp prst="textInflate">
               <a:avLst>
                 <a:gd name="adj" fmla="val 21528"/>
@@ -2264,21 +2328,21 @@
       </p:sp>
       <p:sp>
         <p:nvSpPr>
-          <p:cNvPr id="26" name="Snow 6"/>
+          <p:cNvPr id="27" name="Snow 6"/>
           <p:cNvSpPr txBox="1"/>
           <p:nvPr/>
         </p:nvSpPr>
         <p:spPr>
           <a:xfrm>
             <a:off x="1544040" y="8001000"/>
-            <a:ext cx="2574360" cy="1283400"/>
-          </a:xfrm>
-          <a:prstGeom prst="rect">
-            <a:avLst/>
-          </a:prstGeom>
-        </p:spPr>
-        <p:txBody>
-          <a:bodyPr wrap="none" lIns="504720" rIns="504720" tIns="60840" bIns="60840" anchor="ctr">
+            <a:ext cx="2572200" cy="1281240"/>
+          </a:xfrm>
+          <a:prstGeom prst="rect">
+            <a:avLst/>
+          </a:prstGeom>
+        </p:spPr>
+        <p:txBody>
+          <a:bodyPr wrap="none" lIns="619200" rIns="619200" tIns="60840" bIns="60840" anchor="ctr">
             <a:prstTxWarp prst="textPlain">
               <a:avLst>
                 <a:gd name="adj" fmla="val 50000"/>
@@ -2329,7 +2393,7 @@
       </p:sp>
       <p:pic>
         <p:nvPicPr>
-          <p:cNvPr id="27" name="" descr=""/>
+          <p:cNvPr id="28" name="" descr=""/>
           <p:cNvPicPr/>
           <p:nvPr/>
         </p:nvPicPr>
@@ -2340,7 +2404,7 @@
         <p:spPr>
           <a:xfrm>
             <a:off x="4343400" y="228600"/>
-            <a:ext cx="1032120" cy="758520"/>
+            <a:ext cx="1029960" cy="756360"/>
           </a:xfrm>
           <a:prstGeom prst="rect">
             <a:avLst/>
@@ -2350,6 +2414,60 @@
           </a:ln>
         </p:spPr>
       </p:pic>
+      <p:sp>
+        <p:nvSpPr>
+          <p:cNvPr id="29" name="Slide_2_Lesson"/>
+          <p:cNvSpPr/>
+          <p:nvPr/>
+        </p:nvSpPr>
+        <p:spPr>
+          <a:xfrm>
+            <a:off x="0" y="2463840"/>
+            <a:ext cx="5667480" cy="1191960"/>
+          </a:xfrm>
+          <a:prstGeom prst="rect">
+            <a:avLst/>
+          </a:prstGeom>
+          <a:noFill/>
+          <a:ln w="0">
+            <a:noFill/>
+          </a:ln>
+        </p:spPr>
+        <p:style>
+          <a:lnRef idx="0"/>
+          <a:fillRef idx="0"/>
+          <a:effectRef idx="0"/>
+          <a:fontRef idx="minor"/>
+        </p:style>
+        <p:txBody>
+          <a:bodyPr wrap="none" lIns="90000" rIns="90000" tIns="45000" bIns="45000" anchor="ctr">
+            <a:noAutofit/>
+          </a:bodyPr>
+          <a:p>
+            <a:pPr algn="ctr">
+              <a:lnSpc>
+                <a:spcPct val="100000"/>
+              </a:lnSpc>
+            </a:pPr>
+            <a:r>
+              <a:rPr b="1" lang="zh-CN" sz="6000" spc="-1" strike="noStrike">
+                <a:solidFill>
+                  <a:srgbClr val="c9211e"/>
+                </a:solidFill>
+                <a:latin typeface="Arial"/>
+                <a:ea typeface="DejaVu Sans"/>
+              </a:rPr>
+              <a:t>第</a:t>
+            </a:r>
+            <a:endParaRPr b="0" lang="en-US" sz="6000" spc="-1" strike="noStrike">
+              <a:solidFill>
+                <a:srgbClr val="000000"/>
+              </a:solidFill>
+              <a:latin typeface="Arial"/>
+            </a:endParaRPr>
+          </a:p>
+        </p:txBody>
+      </p:sp>
     </p:spTree>
   </p:cSld>
   <mc:AlternateContent>
@@ -2389,14 +2507,14 @@
       </p:grpSpPr>
       <p:sp>
         <p:nvSpPr>
-          <p:cNvPr id="28" name="Slide_3_Book_title"/>
+          <p:cNvPr id="30" name="Slide_3_Book_title"/>
           <p:cNvSpPr/>
           <p:nvPr/>
         </p:nvSpPr>
         <p:spPr>
           <a:xfrm>
             <a:off x="228240" y="4939920"/>
-            <a:ext cx="5244120" cy="899640"/>
+            <a:ext cx="5241960" cy="897480"/>
           </a:xfrm>
           <a:prstGeom prst="rect">
             <a:avLst/>
@@ -2496,14 +2614,14 @@
       </p:sp>
       <p:sp>
         <p:nvSpPr>
-          <p:cNvPr id="29" name="Slide_3_index"/>
+          <p:cNvPr id="31" name="Slide_3_index"/>
           <p:cNvSpPr/>
           <p:nvPr/>
         </p:nvSpPr>
         <p:spPr>
           <a:xfrm>
             <a:off x="228240" y="227880"/>
-            <a:ext cx="4330800" cy="570600"/>
+            <a:ext cx="4328640" cy="568440"/>
           </a:xfrm>
           <a:prstGeom prst="rect">
             <a:avLst/>
@@ -2541,7 +2659,7 @@
       </p:sp>
       <p:pic>
         <p:nvPicPr>
-          <p:cNvPr id="30" name="" descr=""/>
+          <p:cNvPr id="32" name="" descr=""/>
           <p:cNvPicPr/>
           <p:nvPr/>
         </p:nvPicPr>
@@ -2552,7 +2670,7 @@
         <p:spPr>
           <a:xfrm>
             <a:off x="4343760" y="228960"/>
-            <a:ext cx="1029600" cy="756000"/>
+            <a:ext cx="1027440" cy="753840"/>
           </a:xfrm>
           <a:prstGeom prst="rect">
             <a:avLst/>
@@ -2564,14 +2682,14 @@
       </p:pic>
       <p:sp>
         <p:nvSpPr>
-          <p:cNvPr id="31" name="Slide_3_Lesson_title"/>
+          <p:cNvPr id="33" name="Slide_3_Lesson_title"/>
           <p:cNvSpPr/>
           <p:nvPr/>
         </p:nvSpPr>
         <p:spPr>
           <a:xfrm>
             <a:off x="206280" y="2613240"/>
-            <a:ext cx="5244120" cy="899640"/>
+            <a:ext cx="5241960" cy="897480"/>
           </a:xfrm>
           <a:prstGeom prst="rect">
             <a:avLst/>
@@ -2618,28 +2736,28 @@
       </p:sp>
       <p:grpSp>
         <p:nvGrpSpPr>
-          <p:cNvPr id="32" name="player-volume 1"/>
+          <p:cNvPr id="34" name="player-volume 1"/>
           <p:cNvGrpSpPr/>
           <p:nvPr/>
         </p:nvGrpSpPr>
         <p:grpSpPr>
           <a:xfrm>
             <a:off x="2194200" y="1659600"/>
-            <a:ext cx="1278720" cy="1235520"/>
+            <a:ext cx="1276560" cy="1233360"/>
             <a:chOff x="2194200" y="1659600"/>
-            <a:chExt cx="1278720" cy="1235520"/>
+            <a:chExt cx="1276560" cy="1233360"/>
           </a:xfrm>
         </p:grpSpPr>
         <p:sp>
           <p:nvSpPr>
-            <p:cNvPr id="33" name=""/>
+            <p:cNvPr id="35" name=""/>
             <p:cNvSpPr/>
             <p:nvPr/>
           </p:nvSpPr>
           <p:spPr>
             <a:xfrm>
               <a:off x="2194200" y="1659600"/>
-              <a:ext cx="1278720" cy="1235520"/>
+              <a:ext cx="1276560" cy="1233360"/>
             </a:xfrm>
             <a:prstGeom prst="roundRect">
               <a:avLst>
@@ -2679,22 +2797,22 @@
         </p:sp>
         <p:sp>
           <p:nvSpPr>
-            <p:cNvPr id="34" name=""/>
+            <p:cNvPr id="36" name=""/>
             <p:cNvSpPr/>
             <p:nvPr/>
           </p:nvSpPr>
           <p:spPr>
             <a:xfrm>
               <a:off x="2514240" y="2201040"/>
-              <a:ext cx="73440" cy="149040"/>
+              <a:ext cx="71280" cy="146880"/>
             </a:xfrm>
             <a:custGeom>
               <a:avLst/>
               <a:gdLst>
-                <a:gd name="textAreaLeft" fmla="*/ 0 w 73440"/>
-                <a:gd name="textAreaRight" fmla="*/ 79560 w 73440"/>
-                <a:gd name="textAreaTop" fmla="*/ 0 h 149040"/>
-                <a:gd name="textAreaBottom" fmla="*/ 155160 h 149040"/>
+                <a:gd name="textAreaLeft" fmla="*/ 0 w 71280"/>
+                <a:gd name="textAreaRight" fmla="*/ 79560 w 71280"/>
+                <a:gd name="textAreaTop" fmla="*/ 0 h 146880"/>
+                <a:gd name="textAreaBottom" fmla="*/ 155160 h 146880"/>
               </a:gdLst>
               <a:ahLst/>
               <a:rect l="textAreaLeft" t="textAreaTop" r="textAreaRight" b="textAreaBottom"/>
@@ -2755,22 +2873,22 @@
         </p:sp>
         <p:sp>
           <p:nvSpPr>
-            <p:cNvPr id="35" name=""/>
+            <p:cNvPr id="37" name=""/>
             <p:cNvSpPr/>
             <p:nvPr/>
           </p:nvSpPr>
           <p:spPr>
             <a:xfrm>
               <a:off x="2674800" y="1968840"/>
-              <a:ext cx="234000" cy="614520"/>
+              <a:ext cx="231840" cy="612360"/>
             </a:xfrm>
             <a:custGeom>
               <a:avLst/>
               <a:gdLst>
-                <a:gd name="textAreaLeft" fmla="*/ 0 w 234000"/>
-                <a:gd name="textAreaRight" fmla="*/ 240120 w 234000"/>
-                <a:gd name="textAreaTop" fmla="*/ 0 h 614520"/>
-                <a:gd name="textAreaBottom" fmla="*/ 620640 h 614520"/>
+                <a:gd name="textAreaLeft" fmla="*/ 0 w 231840"/>
+                <a:gd name="textAreaRight" fmla="*/ 240120 w 231840"/>
+                <a:gd name="textAreaTop" fmla="*/ 0 h 612360"/>
+                <a:gd name="textAreaBottom" fmla="*/ 620640 h 612360"/>
               </a:gdLst>
               <a:ahLst/>
               <a:rect l="textAreaLeft" t="textAreaTop" r="textAreaRight" b="textAreaBottom"/>
@@ -2837,14 +2955,14 @@
         </p:sp>
         <p:sp>
           <p:nvSpPr>
-            <p:cNvPr id="36" name=""/>
+            <p:cNvPr id="38" name=""/>
             <p:cNvSpPr/>
             <p:nvPr/>
           </p:nvSpPr>
           <p:spPr>
             <a:xfrm>
               <a:off x="2833920" y="2045880"/>
-              <a:ext cx="315360" cy="459360"/>
+              <a:ext cx="313200" cy="457200"/>
             </a:xfrm>
             <a:prstGeom prst="arc">
               <a:avLst>
@@ -2888,14 +3006,14 @@
         </p:sp>
         <p:sp>
           <p:nvSpPr>
-            <p:cNvPr id="37" name=""/>
+            <p:cNvPr id="39" name=""/>
             <p:cNvSpPr/>
             <p:nvPr/>
           </p:nvSpPr>
           <p:spPr>
             <a:xfrm>
               <a:off x="2872440" y="2124000"/>
-              <a:ext cx="196920" cy="304200"/>
+              <a:ext cx="194760" cy="302040"/>
             </a:xfrm>
             <a:prstGeom prst="arc">
               <a:avLst>
@@ -2977,14 +3095,14 @@
       </p:grpSpPr>
       <p:sp>
         <p:nvSpPr>
-          <p:cNvPr id="38" name="Slide_4_Book_title"/>
+          <p:cNvPr id="40" name="Slide_4_Book_title"/>
           <p:cNvSpPr/>
           <p:nvPr/>
         </p:nvSpPr>
         <p:spPr>
           <a:xfrm>
             <a:off x="228240" y="3967920"/>
-            <a:ext cx="5244120" cy="899640"/>
+            <a:ext cx="5241960" cy="897480"/>
           </a:xfrm>
           <a:prstGeom prst="rect">
             <a:avLst/>
@@ -3037,14 +3155,14 @@
       </p:sp>
       <p:sp>
         <p:nvSpPr>
-          <p:cNvPr id="39" name="Slide_4_index"/>
+          <p:cNvPr id="41" name="Slide_4_index"/>
           <p:cNvSpPr/>
           <p:nvPr/>
         </p:nvSpPr>
         <p:spPr>
           <a:xfrm>
             <a:off x="228240" y="227880"/>
-            <a:ext cx="4330800" cy="570600"/>
+            <a:ext cx="4328640" cy="568440"/>
           </a:xfrm>
           <a:prstGeom prst="rect">
             <a:avLst/>
@@ -3082,7 +3200,7 @@
       </p:sp>
       <p:pic>
         <p:nvPicPr>
-          <p:cNvPr id="40" name="" descr=""/>
+          <p:cNvPr id="42" name="" descr=""/>
           <p:cNvPicPr/>
           <p:nvPr/>
         </p:nvPicPr>
@@ -3093,7 +3211,7 @@
         <p:spPr>
           <a:xfrm>
             <a:off x="4343760" y="228960"/>
-            <a:ext cx="1029600" cy="756000"/>
+            <a:ext cx="1027440" cy="753840"/>
           </a:xfrm>
           <a:prstGeom prst="rect">
             <a:avLst/>
@@ -3105,14 +3223,14 @@
       </p:pic>
       <p:sp>
         <p:nvSpPr>
-          <p:cNvPr id="41" name="Slide_4_Lesson_title"/>
+          <p:cNvPr id="43" name="Slide_4_Lesson_title"/>
           <p:cNvSpPr/>
           <p:nvPr/>
         </p:nvSpPr>
         <p:spPr>
           <a:xfrm>
             <a:off x="206280" y="2613240"/>
-            <a:ext cx="5279040" cy="899640"/>
+            <a:ext cx="5276880" cy="897480"/>
           </a:xfrm>
           <a:prstGeom prst="rect">
             <a:avLst/>
@@ -3139,14 +3257,14 @@
               </a:lnSpc>
             </a:pPr>
             <a:r>
-              <a:rPr b="1" lang="zh-CN" sz="4000" spc="-1" strike="noStrike">
+              <a:rPr b="1" lang="en-US" sz="4000" spc="-1" strike="noStrike">
                 <a:solidFill>
                   <a:schemeClr val="dk1"/>
                 </a:solidFill>
                 <a:latin typeface="Arial"/>
                 <a:ea typeface="宋体"/>
               </a:rPr>
-              <a:t>日本語で</a:t>
+              <a:t>TOPIC</a:t>
             </a:r>
             <a:endParaRPr b="0" lang="en-US" sz="4000" spc="-1" strike="noStrike">
               <a:solidFill>
@@ -3194,268 +3312,9 @@
           <a:chExt cx="0" cy="0"/>
         </a:xfrm>
       </p:grpSpPr>
-      <p:sp>
-        <p:nvSpPr>
-          <p:cNvPr id="42" name="Slide_5_index"/>
-          <p:cNvSpPr txBox="1"/>
-          <p:nvPr/>
-        </p:nvSpPr>
-        <p:spPr>
-          <a:xfrm>
-            <a:off x="228600" y="333720"/>
-            <a:ext cx="2514600" cy="546480"/>
-          </a:xfrm>
-          <a:prstGeom prst="rect">
-            <a:avLst/>
-          </a:prstGeom>
-          <a:noFill/>
-          <a:ln w="0">
-            <a:noFill/>
-          </a:ln>
-        </p:spPr>
-        <p:txBody>
-          <a:bodyPr lIns="90000" rIns="90000" tIns="45000" bIns="45000" anchor="t">
-            <a:noAutofit/>
-          </a:bodyPr>
-          <a:p>
-            <a:r>
-              <a:rPr b="0" lang="zh-CN" sz="3200" spc="-1" strike="noStrike">
-                <a:solidFill>
-                  <a:srgbClr val="000000"/>
-                </a:solidFill>
-                <a:latin typeface="Arial"/>
-                <a:ea typeface="Arial"/>
-              </a:rPr>
-              <a:t>序号</a:t>
-            </a:r>
-            <a:endParaRPr b="0" lang="en-US" sz="3200" spc="-1" strike="noStrike">
-              <a:solidFill>
-                <a:srgbClr val="000000"/>
-              </a:solidFill>
-              <a:latin typeface="Arial"/>
-            </a:endParaRPr>
-          </a:p>
-        </p:txBody>
-      </p:sp>
-      <p:sp>
-        <p:nvSpPr>
-          <p:cNvPr id="43" name="Slide_5_A"/>
-          <p:cNvSpPr/>
-          <p:nvPr/>
-        </p:nvSpPr>
-        <p:spPr>
-          <a:xfrm>
-            <a:off x="206280" y="2613240"/>
-            <a:ext cx="935640" cy="899640"/>
-          </a:xfrm>
-          <a:prstGeom prst="rect">
-            <a:avLst/>
-          </a:prstGeom>
-          <a:noFill/>
-          <a:ln w="0">
-            <a:noFill/>
-          </a:ln>
-        </p:spPr>
-        <p:style>
-          <a:lnRef idx="0"/>
-          <a:fillRef idx="0"/>
-          <a:effectRef idx="0"/>
-          <a:fontRef idx="minor"/>
-        </p:style>
-        <p:txBody>
-          <a:bodyPr lIns="90000" rIns="90000" tIns="45000" bIns="45000" anchor="ctr">
-            <a:noAutofit/>
-          </a:bodyPr>
-          <a:p>
-            <a:pPr defTabSz="914400">
-              <a:lnSpc>
-                <a:spcPct val="100000"/>
-              </a:lnSpc>
-            </a:pPr>
-            <a:r>
-              <a:rPr b="1" lang="en-US" sz="4000" spc="-1" strike="noStrike">
-                <a:solidFill>
-                  <a:schemeClr val="dk1"/>
-                </a:solidFill>
-                <a:latin typeface="Arial"/>
-                <a:ea typeface="宋体"/>
-              </a:rPr>
-              <a:t>A:</a:t>
-            </a:r>
-            <a:endParaRPr b="0" lang="en-US" sz="4000" spc="-1" strike="noStrike">
-              <a:solidFill>
-                <a:srgbClr val="000000"/>
-              </a:solidFill>
-              <a:latin typeface="Arial"/>
-            </a:endParaRPr>
-          </a:p>
-        </p:txBody>
-      </p:sp>
-      <p:sp>
-        <p:nvSpPr>
-          <p:cNvPr id="44" name="Slide_5_A_context"/>
-          <p:cNvSpPr/>
-          <p:nvPr/>
-        </p:nvSpPr>
-        <p:spPr>
-          <a:xfrm>
-            <a:off x="228240" y="3427920"/>
-            <a:ext cx="5244120" cy="899640"/>
-          </a:xfrm>
-          <a:prstGeom prst="rect">
-            <a:avLst/>
-          </a:prstGeom>
-          <a:noFill/>
-          <a:ln w="0">
-            <a:noFill/>
-          </a:ln>
-        </p:spPr>
-        <p:style>
-          <a:lnRef idx="0"/>
-          <a:fillRef idx="0"/>
-          <a:effectRef idx="0"/>
-          <a:fontRef idx="minor"/>
-        </p:style>
-        <p:txBody>
-          <a:bodyPr lIns="90000" rIns="90000" tIns="45000" bIns="45000" anchor="ctr">
-            <a:noAutofit/>
-          </a:bodyPr>
-          <a:p>
-            <a:pPr defTabSz="914400">
-              <a:lnSpc>
-                <a:spcPct val="100000"/>
-              </a:lnSpc>
-            </a:pPr>
-            <a:r>
-              <a:rPr b="1" lang="en-US" sz="2800" spc="-1" strike="noStrike">
-                <a:solidFill>
-                  <a:srgbClr val="c9211e"/>
-                </a:solidFill>
-                <a:latin typeface="Arial"/>
-                <a:ea typeface="Arial"/>
-              </a:rPr>
-              <a:t>Your text here</a:t>
-            </a:r>
-            <a:endParaRPr b="0" lang="en-US" sz="2800" spc="-1" strike="noStrike">
-              <a:solidFill>
-                <a:srgbClr val="000000"/>
-              </a:solidFill>
-              <a:latin typeface="Arial"/>
-            </a:endParaRPr>
-          </a:p>
-        </p:txBody>
-      </p:sp>
-      <p:sp>
-        <p:nvSpPr>
-          <p:cNvPr id="45" name="Slide_5_B"/>
-          <p:cNvSpPr/>
-          <p:nvPr/>
-        </p:nvSpPr>
-        <p:spPr>
-          <a:xfrm>
-            <a:off x="219240" y="5032800"/>
-            <a:ext cx="935640" cy="899640"/>
-          </a:xfrm>
-          <a:prstGeom prst="rect">
-            <a:avLst/>
-          </a:prstGeom>
-          <a:noFill/>
-          <a:ln w="0">
-            <a:noFill/>
-          </a:ln>
-        </p:spPr>
-        <p:style>
-          <a:lnRef idx="0"/>
-          <a:fillRef idx="0"/>
-          <a:effectRef idx="0"/>
-          <a:fontRef idx="minor"/>
-        </p:style>
-        <p:txBody>
-          <a:bodyPr lIns="90000" rIns="90000" tIns="45000" bIns="45000" anchor="ctr">
-            <a:noAutofit/>
-          </a:bodyPr>
-          <a:p>
-            <a:pPr defTabSz="914400">
-              <a:lnSpc>
-                <a:spcPct val="100000"/>
-              </a:lnSpc>
-            </a:pPr>
-            <a:r>
-              <a:rPr b="1" lang="en-US" sz="4000" spc="-1" strike="noStrike">
-                <a:solidFill>
-                  <a:schemeClr val="dk1"/>
-                </a:solidFill>
-                <a:latin typeface="Arial"/>
-                <a:ea typeface="宋体"/>
-              </a:rPr>
-              <a:t>B:</a:t>
-            </a:r>
-            <a:endParaRPr b="0" lang="en-US" sz="4000" spc="-1" strike="noStrike">
-              <a:solidFill>
-                <a:srgbClr val="000000"/>
-              </a:solidFill>
-              <a:latin typeface="Arial"/>
-            </a:endParaRPr>
-          </a:p>
-        </p:txBody>
-      </p:sp>
-      <p:sp>
-        <p:nvSpPr>
-          <p:cNvPr id="46" name="Slide_5_B_context"/>
-          <p:cNvSpPr/>
-          <p:nvPr/>
-        </p:nvSpPr>
-        <p:spPr>
-          <a:xfrm>
-            <a:off x="241200" y="5847480"/>
-            <a:ext cx="5244120" cy="899640"/>
-          </a:xfrm>
-          <a:prstGeom prst="rect">
-            <a:avLst/>
-          </a:prstGeom>
-          <a:noFill/>
-          <a:ln w="0">
-            <a:noFill/>
-          </a:ln>
-        </p:spPr>
-        <p:style>
-          <a:lnRef idx="0"/>
-          <a:fillRef idx="0"/>
-          <a:effectRef idx="0"/>
-          <a:fontRef idx="minor"/>
-        </p:style>
-        <p:txBody>
-          <a:bodyPr lIns="90000" rIns="90000" tIns="45000" bIns="45000" anchor="ctr">
-            <a:noAutofit/>
-          </a:bodyPr>
-          <a:p>
-            <a:pPr defTabSz="914400">
-              <a:lnSpc>
-                <a:spcPct val="100000"/>
-              </a:lnSpc>
-            </a:pPr>
-            <a:r>
-              <a:rPr b="1" lang="en-US" sz="2800" spc="-1" strike="noStrike">
-                <a:solidFill>
-                  <a:srgbClr val="c9211e"/>
-                </a:solidFill>
-                <a:latin typeface="Arial"/>
-                <a:ea typeface="Arial"/>
-              </a:rPr>
-              <a:t>Your text here</a:t>
-            </a:r>
-            <a:endParaRPr b="0" lang="en-US" sz="2800" spc="-1" strike="noStrike">
-              <a:solidFill>
-                <a:srgbClr val="000000"/>
-              </a:solidFill>
-              <a:latin typeface="Arial"/>
-            </a:endParaRPr>
-          </a:p>
-        </p:txBody>
-      </p:sp>
       <p:pic>
         <p:nvPicPr>
-          <p:cNvPr id="47" name="" descr=""/>
+          <p:cNvPr id="44" name="" descr=""/>
           <p:cNvPicPr/>
           <p:nvPr/>
         </p:nvPicPr>
@@ -3466,7 +3325,7 @@
         <p:spPr>
           <a:xfrm>
             <a:off x="4343760" y="228960"/>
-            <a:ext cx="1029600" cy="756000"/>
+            <a:ext cx="1027440" cy="753840"/>
           </a:xfrm>
           <a:prstGeom prst="rect">
             <a:avLst/>
@@ -3476,328 +3335,492 @@
           </a:ln>
         </p:spPr>
       </p:pic>
-      <p:grpSp>
-        <p:nvGrpSpPr>
-          <p:cNvPr id="48" name="player-volume 2"/>
-          <p:cNvGrpSpPr/>
+      <p:sp>
+        <p:nvSpPr>
+          <p:cNvPr id="45" name="Slide_5_index"/>
+          <p:cNvSpPr/>
           <p:nvPr/>
-        </p:nvGrpSpPr>
-        <p:grpSpPr>
-          <a:xfrm>
-            <a:off x="2194200" y="1659600"/>
-            <a:ext cx="1278720" cy="1235520"/>
-            <a:chOff x="2194200" y="1659600"/>
-            <a:chExt cx="1278720" cy="1235520"/>
-          </a:xfrm>
-        </p:grpSpPr>
-        <p:sp>
-          <p:nvSpPr>
-            <p:cNvPr id="49" name=""/>
-            <p:cNvSpPr/>
-            <p:nvPr/>
-          </p:nvSpPr>
-          <p:spPr>
-            <a:xfrm>
-              <a:off x="2194200" y="1659600"/>
-              <a:ext cx="1278720" cy="1235520"/>
-            </a:xfrm>
-            <a:prstGeom prst="roundRect">
-              <a:avLst>
-                <a:gd name="adj" fmla="val 0"/>
-              </a:avLst>
-            </a:prstGeom>
-            <a:noFill/>
-            <a:ln w="38160">
-              <a:noFill/>
-            </a:ln>
-          </p:spPr>
-          <p:style>
-            <a:lnRef idx="0"/>
-            <a:fillRef idx="0"/>
-            <a:effectRef idx="0"/>
-            <a:fontRef idx="minor"/>
-          </p:style>
-          <p:txBody>
-            <a:bodyPr lIns="90000" rIns="90000" tIns="45000" bIns="45000" anchor="ctr">
-              <a:noAutofit/>
-            </a:bodyPr>
-            <a:p>
-              <a:pPr>
-                <a:lnSpc>
-                  <a:spcPct val="100000"/>
-                </a:lnSpc>
-              </a:pPr>
-              <a:endParaRPr b="0" lang="en-US" sz="1800" spc="-1" strike="noStrike">
-                <a:solidFill>
-                  <a:srgbClr val="ffffff"/>
-                </a:solidFill>
-                <a:latin typeface="Arial"/>
-                <a:ea typeface="Microsoft YaHei"/>
-              </a:endParaRPr>
-            </a:p>
-          </p:txBody>
-        </p:sp>
-        <p:sp>
-          <p:nvSpPr>
-            <p:cNvPr id="50" name=""/>
-            <p:cNvSpPr/>
-            <p:nvPr/>
-          </p:nvSpPr>
-          <p:spPr>
-            <a:xfrm>
-              <a:off x="2514240" y="2201040"/>
-              <a:ext cx="73440" cy="149040"/>
-            </a:xfrm>
-            <a:custGeom>
-              <a:avLst/>
-              <a:gdLst>
-                <a:gd name="textAreaLeft" fmla="*/ 0 w 73440"/>
-                <a:gd name="textAreaRight" fmla="*/ 79560 w 73440"/>
-                <a:gd name="textAreaTop" fmla="*/ 0 h 149040"/>
-                <a:gd name="textAreaBottom" fmla="*/ 155160 h 149040"/>
-              </a:gdLst>
-              <a:ahLst/>
-              <a:rect l="textAreaLeft" t="textAreaTop" r="textAreaRight" b="textAreaBottom"/>
-              <a:pathLst>
-                <a:path w="221" h="431">
-                  <a:moveTo>
-                    <a:pt x="0" y="0"/>
-                  </a:moveTo>
-                  <a:lnTo>
-                    <a:pt x="0" y="431"/>
-                  </a:lnTo>
-                  <a:lnTo>
-                    <a:pt x="221" y="431"/>
-                  </a:lnTo>
-                  <a:lnTo>
-                    <a:pt x="221" y="0"/>
-                  </a:lnTo>
-                  <a:lnTo>
-                    <a:pt x="0" y="0"/>
-                  </a:lnTo>
-                  <a:close/>
-                </a:path>
-              </a:pathLst>
-            </a:custGeom>
-            <a:noFill/>
-            <a:ln w="38160">
-              <a:solidFill>
-                <a:srgbClr val="000000"/>
-              </a:solidFill>
-              <a:round/>
-            </a:ln>
-          </p:spPr>
-          <p:style>
-            <a:lnRef idx="0"/>
-            <a:fillRef idx="0"/>
-            <a:effectRef idx="0"/>
-            <a:fontRef idx="minor"/>
-          </p:style>
-          <p:txBody>
-            <a:bodyPr lIns="109080" rIns="109080" tIns="64080" bIns="64080" anchor="ctr">
-              <a:noAutofit/>
-            </a:bodyPr>
-            <a:p>
-              <a:pPr>
-                <a:lnSpc>
-                  <a:spcPct val="100000"/>
-                </a:lnSpc>
-              </a:pPr>
-              <a:endParaRPr b="0" lang="en-US" sz="1800" spc="-1" strike="noStrike">
-                <a:solidFill>
-                  <a:srgbClr val="000000"/>
-                </a:solidFill>
-                <a:latin typeface="Arial"/>
-                <a:ea typeface="Microsoft YaHei"/>
-              </a:endParaRPr>
-            </a:p>
-          </p:txBody>
-        </p:sp>
-        <p:sp>
-          <p:nvSpPr>
-            <p:cNvPr id="51" name=""/>
-            <p:cNvSpPr/>
-            <p:nvPr/>
-          </p:nvSpPr>
-          <p:spPr>
-            <a:xfrm>
-              <a:off x="2674800" y="1968840"/>
-              <a:ext cx="234000" cy="614520"/>
-            </a:xfrm>
-            <a:custGeom>
-              <a:avLst/>
-              <a:gdLst>
-                <a:gd name="textAreaLeft" fmla="*/ 0 w 234000"/>
-                <a:gd name="textAreaRight" fmla="*/ 240120 w 234000"/>
-                <a:gd name="textAreaTop" fmla="*/ 0 h 614520"/>
-                <a:gd name="textAreaBottom" fmla="*/ 620640 h 614520"/>
-              </a:gdLst>
-              <a:ahLst/>
-              <a:rect l="textAreaLeft" t="textAreaTop" r="textAreaRight" b="textAreaBottom"/>
-              <a:pathLst>
-                <a:path w="667" h="1724">
-                  <a:moveTo>
-                    <a:pt x="667" y="0"/>
-                  </a:moveTo>
-                  <a:lnTo>
-                    <a:pt x="446" y="0"/>
-                  </a:lnTo>
-                  <a:lnTo>
-                    <a:pt x="0" y="645"/>
-                  </a:lnTo>
-                  <a:lnTo>
-                    <a:pt x="0" y="1076"/>
-                  </a:lnTo>
-                  <a:lnTo>
-                    <a:pt x="446" y="1724"/>
-                  </a:lnTo>
-                  <a:lnTo>
-                    <a:pt x="667" y="1724"/>
-                  </a:lnTo>
-                  <a:lnTo>
-                    <a:pt x="667" y="0"/>
-                  </a:lnTo>
-                  <a:close/>
-                </a:path>
-              </a:pathLst>
-            </a:custGeom>
-            <a:noFill/>
-            <a:ln w="38160">
-              <a:solidFill>
-                <a:srgbClr val="000000"/>
-              </a:solidFill>
-              <a:round/>
-            </a:ln>
-          </p:spPr>
-          <p:style>
-            <a:lnRef idx="0"/>
-            <a:fillRef idx="0"/>
-            <a:effectRef idx="0"/>
-            <a:fontRef idx="minor"/>
-          </p:style>
-          <p:txBody>
-            <a:bodyPr lIns="109080" rIns="109080" tIns="64080" bIns="64080" anchor="ctr">
-              <a:noAutofit/>
-            </a:bodyPr>
-            <a:p>
-              <a:pPr>
-                <a:lnSpc>
-                  <a:spcPct val="100000"/>
-                </a:lnSpc>
-              </a:pPr>
-              <a:endParaRPr b="0" lang="en-US" sz="1800" spc="-1" strike="noStrike">
-                <a:solidFill>
-                  <a:srgbClr val="000000"/>
-                </a:solidFill>
-                <a:latin typeface="Arial"/>
-                <a:ea typeface="Microsoft YaHei"/>
-              </a:endParaRPr>
-            </a:p>
-          </p:txBody>
-        </p:sp>
-        <p:sp>
-          <p:nvSpPr>
-            <p:cNvPr id="52" name=""/>
-            <p:cNvSpPr/>
-            <p:nvPr/>
-          </p:nvSpPr>
-          <p:spPr>
-            <a:xfrm>
-              <a:off x="2833920" y="2045880"/>
-              <a:ext cx="315360" cy="459360"/>
-            </a:xfrm>
-            <a:prstGeom prst="arc">
-              <a:avLst>
-                <a:gd name="adj1" fmla="val 16169335"/>
-                <a:gd name="adj2" fmla="val 5370163"/>
-              </a:avLst>
-            </a:prstGeom>
-            <a:noFill/>
-            <a:ln w="38160">
-              <a:solidFill>
-                <a:srgbClr val="000000"/>
-              </a:solidFill>
-              <a:round/>
-            </a:ln>
-          </p:spPr>
-          <p:style>
-            <a:lnRef idx="0"/>
-            <a:fillRef idx="0"/>
-            <a:effectRef idx="0"/>
-            <a:fontRef idx="minor"/>
-          </p:style>
-          <p:txBody>
-            <a:bodyPr lIns="109080" rIns="109080" tIns="64080" bIns="64080" anchor="ctr">
-              <a:noAutofit/>
-            </a:bodyPr>
-            <a:p>
-              <a:pPr>
-                <a:lnSpc>
-                  <a:spcPct val="100000"/>
-                </a:lnSpc>
-              </a:pPr>
-              <a:endParaRPr b="0" lang="en-US" sz="1800" spc="-1" strike="noStrike">
-                <a:solidFill>
-                  <a:srgbClr val="000000"/>
-                </a:solidFill>
-                <a:latin typeface="Arial"/>
-                <a:ea typeface="Microsoft YaHei"/>
-              </a:endParaRPr>
-            </a:p>
-          </p:txBody>
-        </p:sp>
-        <p:sp>
-          <p:nvSpPr>
-            <p:cNvPr id="53" name=""/>
-            <p:cNvSpPr/>
-            <p:nvPr/>
-          </p:nvSpPr>
-          <p:spPr>
-            <a:xfrm>
-              <a:off x="2872440" y="2124000"/>
-              <a:ext cx="196920" cy="304200"/>
-            </a:xfrm>
-            <a:prstGeom prst="arc">
-              <a:avLst>
-                <a:gd name="adj1" fmla="val 16304075"/>
-                <a:gd name="adj2" fmla="val 5381156"/>
-              </a:avLst>
-            </a:prstGeom>
-            <a:noFill/>
-            <a:ln w="38160">
-              <a:solidFill>
-                <a:srgbClr val="000000"/>
-              </a:solidFill>
-              <a:round/>
-            </a:ln>
-          </p:spPr>
-          <p:style>
-            <a:lnRef idx="0"/>
-            <a:fillRef idx="0"/>
-            <a:effectRef idx="0"/>
-            <a:fontRef idx="minor"/>
-          </p:style>
-          <p:txBody>
-            <a:bodyPr lIns="109080" rIns="109080" tIns="64080" bIns="64080" anchor="ctr">
-              <a:noAutofit/>
-            </a:bodyPr>
-            <a:p>
-              <a:pPr>
-                <a:lnSpc>
-                  <a:spcPct val="100000"/>
-                </a:lnSpc>
-              </a:pPr>
-              <a:endParaRPr b="0" lang="en-US" sz="1800" spc="-1" strike="noStrike">
-                <a:solidFill>
-                  <a:srgbClr val="000000"/>
-                </a:solidFill>
-                <a:latin typeface="Arial"/>
-                <a:ea typeface="Microsoft YaHei"/>
-              </a:endParaRPr>
-            </a:p>
-          </p:txBody>
-        </p:sp>
-      </p:grpSp>
+        </p:nvSpPr>
+        <p:spPr>
+          <a:xfrm>
+            <a:off x="228600" y="333720"/>
+            <a:ext cx="2512440" cy="544320"/>
+          </a:xfrm>
+          <a:prstGeom prst="rect">
+            <a:avLst/>
+          </a:prstGeom>
+          <a:noFill/>
+          <a:ln w="0">
+            <a:noFill/>
+          </a:ln>
+        </p:spPr>
+        <p:style>
+          <a:lnRef idx="0"/>
+          <a:fillRef idx="0"/>
+          <a:effectRef idx="0"/>
+          <a:fontRef idx="minor"/>
+        </p:style>
+        <p:txBody>
+          <a:bodyPr lIns="90000" rIns="90000" tIns="45000" bIns="45000" anchor="t">
+            <a:noAutofit/>
+          </a:bodyPr>
+          <a:p>
+            <a:pPr>
+              <a:lnSpc>
+                <a:spcPct val="100000"/>
+              </a:lnSpc>
+            </a:pPr>
+            <a:r>
+              <a:rPr b="0" lang="zh-CN" sz="3200" spc="-1" strike="noStrike">
+                <a:solidFill>
+                  <a:srgbClr val="000000"/>
+                </a:solidFill>
+                <a:latin typeface="Arial"/>
+                <a:ea typeface="Arial"/>
+              </a:rPr>
+              <a:t>序号</a:t>
+            </a:r>
+            <a:endParaRPr b="0" lang="en-US" sz="3200" spc="-1" strike="noStrike">
+              <a:solidFill>
+                <a:srgbClr val="000000"/>
+              </a:solidFill>
+              <a:latin typeface="Arial"/>
+            </a:endParaRPr>
+          </a:p>
+        </p:txBody>
+      </p:sp>
+      <p:sp>
+        <p:nvSpPr>
+          <p:cNvPr id="46" name="Slide_5_A_context"/>
+          <p:cNvSpPr/>
+          <p:nvPr/>
+        </p:nvSpPr>
+        <p:spPr>
+          <a:xfrm>
+            <a:off x="228240" y="1843920"/>
+            <a:ext cx="5241960" cy="897480"/>
+          </a:xfrm>
+          <a:prstGeom prst="rect">
+            <a:avLst/>
+          </a:prstGeom>
+          <a:noFill/>
+          <a:ln w="0">
+            <a:noFill/>
+          </a:ln>
+        </p:spPr>
+        <p:style>
+          <a:lnRef idx="0"/>
+          <a:fillRef idx="0"/>
+          <a:effectRef idx="0"/>
+          <a:fontRef idx="minor"/>
+        </p:style>
+        <p:txBody>
+          <a:bodyPr lIns="90000" rIns="90000" tIns="45000" bIns="45000" anchor="ctr">
+            <a:noAutofit/>
+          </a:bodyPr>
+          <a:p>
+            <a:pPr defTabSz="914400">
+              <a:lnSpc>
+                <a:spcPct val="100000"/>
+              </a:lnSpc>
+            </a:pPr>
+            <a:r>
+              <a:rPr b="1" lang="en-US" sz="2800" spc="-1" strike="noStrike">
+                <a:solidFill>
+                  <a:srgbClr val="c9211e"/>
+                </a:solidFill>
+                <a:latin typeface="Arial"/>
+                <a:ea typeface="Arial"/>
+              </a:rPr>
+              <a:t>Your text here</a:t>
+            </a:r>
+            <a:endParaRPr b="0" lang="en-US" sz="2800" spc="-1" strike="noStrike">
+              <a:solidFill>
+                <a:srgbClr val="000000"/>
+              </a:solidFill>
+              <a:latin typeface="Arial"/>
+            </a:endParaRPr>
+          </a:p>
+        </p:txBody>
+      </p:sp>
+      <p:sp>
+        <p:nvSpPr>
+          <p:cNvPr id="47" name="Slide_5_A_context_hiragana"/>
+          <p:cNvSpPr/>
+          <p:nvPr/>
+        </p:nvSpPr>
+        <p:spPr>
+          <a:xfrm>
+            <a:off x="219240" y="1042920"/>
+            <a:ext cx="5241960" cy="897480"/>
+          </a:xfrm>
+          <a:prstGeom prst="rect">
+            <a:avLst/>
+          </a:prstGeom>
+          <a:noFill/>
+          <a:ln w="0">
+            <a:noFill/>
+          </a:ln>
+        </p:spPr>
+        <p:style>
+          <a:lnRef idx="0"/>
+          <a:fillRef idx="0"/>
+          <a:effectRef idx="0"/>
+          <a:fontRef idx="minor"/>
+        </p:style>
+        <p:txBody>
+          <a:bodyPr lIns="90000" rIns="90000" tIns="45000" bIns="45000" anchor="ctr">
+            <a:noAutofit/>
+          </a:bodyPr>
+          <a:p>
+            <a:pPr defTabSz="914400">
+              <a:lnSpc>
+                <a:spcPct val="100000"/>
+              </a:lnSpc>
+            </a:pPr>
+            <a:r>
+              <a:rPr b="1" lang="en-US" sz="2000" spc="-1" strike="noStrike">
+                <a:solidFill>
+                  <a:srgbClr val="000000"/>
+                </a:solidFill>
+                <a:latin typeface="Arial"/>
+                <a:ea typeface="Arial"/>
+              </a:rPr>
+              <a:t>Your text here</a:t>
+            </a:r>
+            <a:endParaRPr b="0" lang="en-US" sz="2000" spc="-1" strike="noStrike">
+              <a:solidFill>
+                <a:srgbClr val="000000"/>
+              </a:solidFill>
+              <a:latin typeface="Arial"/>
+            </a:endParaRPr>
+          </a:p>
+        </p:txBody>
+      </p:sp>
+      <p:sp>
+        <p:nvSpPr>
+          <p:cNvPr id="48" name="Slide_5_B_context"/>
+          <p:cNvSpPr/>
+          <p:nvPr/>
+        </p:nvSpPr>
+        <p:spPr>
+          <a:xfrm>
+            <a:off x="241200" y="4047480"/>
+            <a:ext cx="5241960" cy="897480"/>
+          </a:xfrm>
+          <a:prstGeom prst="rect">
+            <a:avLst/>
+          </a:prstGeom>
+          <a:noFill/>
+          <a:ln w="0">
+            <a:noFill/>
+          </a:ln>
+        </p:spPr>
+        <p:style>
+          <a:lnRef idx="0"/>
+          <a:fillRef idx="0"/>
+          <a:effectRef idx="0"/>
+          <a:fontRef idx="minor"/>
+        </p:style>
+        <p:txBody>
+          <a:bodyPr lIns="90000" rIns="90000" tIns="45000" bIns="45000" anchor="ctr">
+            <a:noAutofit/>
+          </a:bodyPr>
+          <a:p>
+            <a:pPr defTabSz="914400">
+              <a:lnSpc>
+                <a:spcPct val="100000"/>
+              </a:lnSpc>
+            </a:pPr>
+            <a:r>
+              <a:rPr b="1" lang="en-US" sz="2800" spc="-1" strike="noStrike">
+                <a:solidFill>
+                  <a:srgbClr val="c9211e"/>
+                </a:solidFill>
+                <a:latin typeface="Arial"/>
+                <a:ea typeface="Arial"/>
+              </a:rPr>
+              <a:t>Your text here</a:t>
+            </a:r>
+            <a:endParaRPr b="0" lang="en-US" sz="2800" spc="-1" strike="noStrike">
+              <a:solidFill>
+                <a:srgbClr val="000000"/>
+              </a:solidFill>
+              <a:latin typeface="Arial"/>
+            </a:endParaRPr>
+          </a:p>
+        </p:txBody>
+      </p:sp>
+      <p:sp>
+        <p:nvSpPr>
+          <p:cNvPr id="49" name="Slide_5_B_context_hiragana"/>
+          <p:cNvSpPr/>
+          <p:nvPr/>
+        </p:nvSpPr>
+        <p:spPr>
+          <a:xfrm>
+            <a:off x="228600" y="3123720"/>
+            <a:ext cx="5241960" cy="897480"/>
+          </a:xfrm>
+          <a:prstGeom prst="rect">
+            <a:avLst/>
+          </a:prstGeom>
+          <a:noFill/>
+          <a:ln w="0">
+            <a:noFill/>
+          </a:ln>
+        </p:spPr>
+        <p:style>
+          <a:lnRef idx="0"/>
+          <a:fillRef idx="0"/>
+          <a:effectRef idx="0"/>
+          <a:fontRef idx="minor"/>
+        </p:style>
+        <p:txBody>
+          <a:bodyPr lIns="90000" rIns="90000" tIns="45000" bIns="45000" anchor="ctr">
+            <a:noAutofit/>
+          </a:bodyPr>
+          <a:p>
+            <a:pPr defTabSz="914400">
+              <a:lnSpc>
+                <a:spcPct val="100000"/>
+              </a:lnSpc>
+            </a:pPr>
+            <a:r>
+              <a:rPr b="1" lang="en-US" sz="2000" spc="-1" strike="noStrike">
+                <a:solidFill>
+                  <a:srgbClr val="000000"/>
+                </a:solidFill>
+                <a:latin typeface="Arial"/>
+                <a:ea typeface="Arial"/>
+              </a:rPr>
+              <a:t>Your text here</a:t>
+            </a:r>
+            <a:endParaRPr b="0" lang="en-US" sz="2000" spc="-1" strike="noStrike">
+              <a:solidFill>
+                <a:srgbClr val="000000"/>
+              </a:solidFill>
+              <a:latin typeface="Arial"/>
+            </a:endParaRPr>
+          </a:p>
+        </p:txBody>
+      </p:sp>
+      <p:sp>
+        <p:nvSpPr>
+          <p:cNvPr id="50" name="Slide_5_A_context_en"/>
+          <p:cNvSpPr/>
+          <p:nvPr/>
+        </p:nvSpPr>
+        <p:spPr>
+          <a:xfrm>
+            <a:off x="228600" y="5566680"/>
+            <a:ext cx="5241960" cy="897480"/>
+          </a:xfrm>
+          <a:prstGeom prst="rect">
+            <a:avLst/>
+          </a:prstGeom>
+          <a:noFill/>
+          <a:ln w="0">
+            <a:noFill/>
+          </a:ln>
+        </p:spPr>
+        <p:style>
+          <a:lnRef idx="0"/>
+          <a:fillRef idx="0"/>
+          <a:effectRef idx="0"/>
+          <a:fontRef idx="minor"/>
+        </p:style>
+        <p:txBody>
+          <a:bodyPr lIns="90000" rIns="90000" tIns="45000" bIns="45000" anchor="ctr">
+            <a:noAutofit/>
+          </a:bodyPr>
+          <a:p>
+            <a:pPr defTabSz="914400">
+              <a:lnSpc>
+                <a:spcPct val="100000"/>
+              </a:lnSpc>
+            </a:pPr>
+            <a:r>
+              <a:rPr b="1" lang="en-US" sz="2000" spc="-1" strike="noStrike">
+                <a:solidFill>
+                  <a:srgbClr val="81d41a"/>
+                </a:solidFill>
+                <a:latin typeface="Arial"/>
+                <a:ea typeface="Arial"/>
+              </a:rPr>
+              <a:t>Your text here</a:t>
+            </a:r>
+            <a:endParaRPr b="0" lang="en-US" sz="2000" spc="-1" strike="noStrike">
+              <a:solidFill>
+                <a:srgbClr val="81d41a"/>
+              </a:solidFill>
+              <a:latin typeface="Arial"/>
+            </a:endParaRPr>
+          </a:p>
+        </p:txBody>
+      </p:sp>
+      <p:sp>
+        <p:nvSpPr>
+          <p:cNvPr id="51" name="Slide_5_B_context_en"/>
+          <p:cNvSpPr/>
+          <p:nvPr/>
+        </p:nvSpPr>
+        <p:spPr>
+          <a:xfrm>
+            <a:off x="228600" y="7734240"/>
+            <a:ext cx="5241960" cy="897480"/>
+          </a:xfrm>
+          <a:prstGeom prst="rect">
+            <a:avLst/>
+          </a:prstGeom>
+          <a:noFill/>
+          <a:ln w="0">
+            <a:noFill/>
+          </a:ln>
+        </p:spPr>
+        <p:style>
+          <a:lnRef idx="0"/>
+          <a:fillRef idx="0"/>
+          <a:effectRef idx="0"/>
+          <a:fontRef idx="minor"/>
+        </p:style>
+        <p:txBody>
+          <a:bodyPr lIns="90000" rIns="90000" tIns="45000" bIns="45000" anchor="ctr">
+            <a:noAutofit/>
+          </a:bodyPr>
+          <a:p>
+            <a:pPr defTabSz="914400">
+              <a:lnSpc>
+                <a:spcPct val="100000"/>
+              </a:lnSpc>
+            </a:pPr>
+            <a:r>
+              <a:rPr b="1" lang="en-US" sz="2000" spc="-1" strike="noStrike">
+                <a:solidFill>
+                  <a:srgbClr val="81d41a"/>
+                </a:solidFill>
+                <a:latin typeface="Arial"/>
+                <a:ea typeface="Arial"/>
+              </a:rPr>
+              <a:t>Your text here</a:t>
+            </a:r>
+            <a:endParaRPr b="0" lang="en-US" sz="2000" spc="-1" strike="noStrike">
+              <a:solidFill>
+                <a:srgbClr val="81d41a"/>
+              </a:solidFill>
+              <a:latin typeface="Arial"/>
+            </a:endParaRPr>
+          </a:p>
+        </p:txBody>
+      </p:sp>
+      <p:sp>
+        <p:nvSpPr>
+          <p:cNvPr id="52" name="Slide_5_A_context_cn"/>
+          <p:cNvSpPr/>
+          <p:nvPr/>
+        </p:nvSpPr>
+        <p:spPr>
+          <a:xfrm>
+            <a:off x="228600" y="6718680"/>
+            <a:ext cx="5241960" cy="897480"/>
+          </a:xfrm>
+          <a:prstGeom prst="rect">
+            <a:avLst/>
+          </a:prstGeom>
+          <a:noFill/>
+          <a:ln w="0">
+            <a:noFill/>
+          </a:ln>
+        </p:spPr>
+        <p:style>
+          <a:lnRef idx="0"/>
+          <a:fillRef idx="0"/>
+          <a:effectRef idx="0"/>
+          <a:fontRef idx="minor"/>
+        </p:style>
+        <p:txBody>
+          <a:bodyPr lIns="90000" rIns="90000" tIns="45000" bIns="45000" anchor="ctr">
+            <a:noAutofit/>
+          </a:bodyPr>
+          <a:p>
+            <a:pPr defTabSz="914400">
+              <a:lnSpc>
+                <a:spcPct val="100000"/>
+              </a:lnSpc>
+            </a:pPr>
+            <a:r>
+              <a:rPr b="1" lang="en-US" sz="2000" spc="-1" strike="noStrike">
+                <a:solidFill>
+                  <a:srgbClr val="729fcf"/>
+                </a:solidFill>
+                <a:latin typeface="Arial"/>
+                <a:ea typeface="Arial"/>
+              </a:rPr>
+              <a:t>Your text here</a:t>
+            </a:r>
+            <a:endParaRPr b="0" lang="en-US" sz="2000" spc="-1" strike="noStrike">
+              <a:solidFill>
+                <a:srgbClr val="729fcf"/>
+              </a:solidFill>
+              <a:latin typeface="Arial"/>
+            </a:endParaRPr>
+          </a:p>
+        </p:txBody>
+      </p:sp>
+      <p:sp>
+        <p:nvSpPr>
+          <p:cNvPr id="53" name="Slide_5_B_context_cn"/>
+          <p:cNvSpPr/>
+          <p:nvPr/>
+        </p:nvSpPr>
+        <p:spPr>
+          <a:xfrm>
+            <a:off x="228600" y="8994240"/>
+            <a:ext cx="5241960" cy="897480"/>
+          </a:xfrm>
+          <a:prstGeom prst="rect">
+            <a:avLst/>
+          </a:prstGeom>
+          <a:noFill/>
+          <a:ln w="0">
+            <a:noFill/>
+          </a:ln>
+        </p:spPr>
+        <p:style>
+          <a:lnRef idx="0"/>
+          <a:fillRef idx="0"/>
+          <a:effectRef idx="0"/>
+          <a:fontRef idx="minor"/>
+        </p:style>
+        <p:txBody>
+          <a:bodyPr lIns="90000" rIns="90000" tIns="45000" bIns="45000" anchor="ctr">
+            <a:noAutofit/>
+          </a:bodyPr>
+          <a:p>
+            <a:pPr defTabSz="914400">
+              <a:lnSpc>
+                <a:spcPct val="100000"/>
+              </a:lnSpc>
+            </a:pPr>
+            <a:r>
+              <a:rPr b="1" lang="en-US" sz="2000" spc="-1" strike="noStrike">
+                <a:solidFill>
+                  <a:srgbClr val="729fcf"/>
+                </a:solidFill>
+                <a:latin typeface="Arial"/>
+                <a:ea typeface="Arial"/>
+              </a:rPr>
+              <a:t>Your text here</a:t>
+            </a:r>
+            <a:endParaRPr b="0" lang="en-US" sz="2000" spc="-1" strike="noStrike">
+              <a:solidFill>
+                <a:srgbClr val="729fcf"/>
+              </a:solidFill>
+              <a:latin typeface="Arial"/>
+            </a:endParaRPr>
+          </a:p>
+        </p:txBody>
+      </p:sp>
     </p:spTree>
   </p:cSld>
   <mc:AlternateContent>

--- a/portrait_templates.pptx
+++ b/portrait_templates.pptx
@@ -3,24 +3,23 @@
 <p:presentation xmlns:a="http://schemas.openxmlformats.org/drawingml/2006/main" xmlns:p="http://schemas.openxmlformats.org/presentationml/2006/main" xmlns:r="http://schemas.openxmlformats.org/officeDocument/2006/relationships" xmlns:p14="http://schemas.microsoft.com/office/powerpoint/2010/main" xmlns:p15="http://schemas.microsoft.com/office/powerpoint/2012/main" xmlns:mc="http://schemas.openxmlformats.org/markup-compatibility/2006">
   <p:sldMasterIdLst>
     <p:sldMasterId id="2147483648" r:id="rId2"/>
-    <p:sldMasterId id="2147483650" r:id="rId3"/>
-    <p:sldMasterId id="2147483652" r:id="rId4"/>
+    <p:sldMasterId id="2147483661" r:id="rId3"/>
   </p:sldMasterIdLst>
   <p:sldIdLst>
-    <p:sldId id="256" r:id="rId5"/>
-    <p:sldId id="257" r:id="rId6"/>
-    <p:sldId id="258" r:id="rId7"/>
-    <p:sldId id="259" r:id="rId8"/>
-    <p:sldId id="260" r:id="rId9"/>
+    <p:sldId id="256" r:id="rId4"/>
+    <p:sldId id="257" r:id="rId5"/>
+    <p:sldId id="258" r:id="rId6"/>
+    <p:sldId id="259" r:id="rId7"/>
+    <p:sldId id="260" r:id="rId8"/>
   </p:sldIdLst>
   <p:sldSz cx="5668963" cy="10077450"/>
-  <p:notesSz cx="7559675" cy="10691813"/>
+  <p:notesSz cx="7772400" cy="10058400"/>
 </p:presentation>
 </file>
 
 <file path=ppt/slideLayouts/slideLayout1.xml><?xml version="1.0" encoding="utf-8"?>
-<p:sldLayout xmlns:a="http://schemas.openxmlformats.org/drawingml/2006/main" xmlns:p="http://schemas.openxmlformats.org/presentationml/2006/main" xmlns:r="http://schemas.openxmlformats.org/officeDocument/2006/relationships" xmlns:p14="http://schemas.microsoft.com/office/powerpoint/2010/main" xmlns:p15="http://schemas.microsoft.com/office/powerpoint/2012/main" xmlns:mc="http://schemas.openxmlformats.org/markup-compatibility/2006" type="title" preserve="1">
-  <p:cSld name="Comparison">
+<p:sldLayout xmlns:a="http://schemas.openxmlformats.org/drawingml/2006/main" xmlns:p="http://schemas.openxmlformats.org/presentationml/2006/main" xmlns:r="http://schemas.openxmlformats.org/officeDocument/2006/relationships" xmlns:p14="http://schemas.microsoft.com/office/powerpoint/2010/main" xmlns:p15="http://schemas.microsoft.com/office/powerpoint/2012/main" xmlns:mc="http://schemas.openxmlformats.org/markup-compatibility/2006" type="blank" preserve="1">
+  <p:cSld name="Blank Slide">
     <p:spTree>
       <p:nvGrpSpPr>
         <p:cNvPr id="1" name=""/>
@@ -37,87 +36,7 @@
       </p:grpSpPr>
       <p:sp>
         <p:nvSpPr>
-          <p:cNvPr id="4" name="PlaceHolder 1"/>
-          <p:cNvSpPr>
-            <a:spLocks noGrp="1"/>
-          </p:cNvSpPr>
-          <p:nvPr>
-            <p:ph type="title"/>
-          </p:nvPr>
-        </p:nvSpPr>
-        <p:spPr>
-          <a:xfrm>
-            <a:off x="283320" y="401760"/>
-            <a:ext cx="5101560" cy="1682280"/>
-          </a:xfrm>
-          <a:prstGeom prst="rect">
-            <a:avLst/>
-          </a:prstGeom>
-          <a:noFill/>
-          <a:ln w="0">
-            <a:noFill/>
-          </a:ln>
-        </p:spPr>
-        <p:txBody>
-          <a:bodyPr lIns="0" rIns="0" tIns="0" bIns="0" anchor="ctr">
-            <a:noAutofit/>
-          </a:bodyPr>
-          <a:p>
-            <a:pPr indent="0" algn="ctr">
-              <a:buNone/>
-            </a:pPr>
-            <a:endParaRPr b="0" lang="en-US" sz="4400" spc="-1" strike="noStrike">
-              <a:solidFill>
-                <a:srgbClr val="000000"/>
-              </a:solidFill>
-              <a:latin typeface="Arial"/>
-            </a:endParaRPr>
-          </a:p>
-        </p:txBody>
-      </p:sp>
-      <p:sp>
-        <p:nvSpPr>
-          <p:cNvPr id="5" name="PlaceHolder 2"/>
-          <p:cNvSpPr>
-            <a:spLocks noGrp="1"/>
-          </p:cNvSpPr>
-          <p:nvPr>
-            <p:ph type="subTitle"/>
-          </p:nvPr>
-        </p:nvSpPr>
-        <p:spPr>
-          <a:xfrm>
-            <a:off x="283320" y="2358000"/>
-            <a:ext cx="5101560" cy="5844240"/>
-          </a:xfrm>
-          <a:prstGeom prst="rect">
-            <a:avLst/>
-          </a:prstGeom>
-          <a:noFill/>
-          <a:ln w="0">
-            <a:noFill/>
-          </a:ln>
-        </p:spPr>
-        <p:txBody>
-          <a:bodyPr lIns="0" rIns="0" tIns="0" bIns="0" anchor="ctr">
-            <a:noAutofit/>
-          </a:bodyPr>
-          <a:p>
-            <a:pPr indent="0" algn="ctr">
-              <a:buNone/>
-            </a:pPr>
-            <a:endParaRPr b="0" lang="en-US" sz="3200" spc="-1" strike="noStrike">
-              <a:solidFill>
-                <a:srgbClr val="000000"/>
-              </a:solidFill>
-              <a:latin typeface="Arial"/>
-            </a:endParaRPr>
-          </a:p>
-        </p:txBody>
-      </p:sp>
-      <p:sp>
-        <p:nvSpPr>
-          <p:cNvPr id="4" name="PlaceHolder 3"/>
+          <p:cNvPr id="2" name="PlaceHolder 1"/>
           <p:cNvSpPr>
             <a:spLocks noGrp="1"/>
           </p:cNvSpPr>
@@ -137,7 +56,7 @@
       </p:sp>
       <p:sp>
         <p:nvSpPr>
-          <p:cNvPr id="5" name="PlaceHolder 4"/>
+          <p:cNvPr id="3" name="PlaceHolder 2"/>
           <p:cNvSpPr>
             <a:spLocks noGrp="1"/>
           </p:cNvSpPr>
@@ -149,7 +68,7 @@
         <p:txBody>
           <a:bodyPr/>
           <a:p>
-            <a:fld id="{891FB935-BEBE-498D-83D5-28278933C0E7}" type="slidenum">
+            <a:fld id="{F6AF36ED-7BAC-4D05-9066-7C014ABEC626}" type="slidenum">
               <a:t>&lt;#&gt;</a:t>
             </a:fld>
           </a:p>
@@ -157,7 +76,7 @@
       </p:sp>
       <p:sp>
         <p:nvSpPr>
-          <p:cNvPr id="6" name="PlaceHolder 5"/>
+          <p:cNvPr id="4" name="PlaceHolder 3"/>
           <p:cNvSpPr>
             <a:spLocks noGrp="1"/>
           </p:cNvSpPr>
@@ -170,7 +89,7 @@
           <a:bodyPr/>
           <a:p>
             <a:r>
-              <a:rPr lang="en-US"/>
+              <a:rPr lang="zh-CN"/>
               <a:t/>
             </a:r>
           </a:p>
@@ -181,9 +100,9 @@
 </p:sldLayout>
 </file>
 
-<file path=ppt/slideLayouts/slideLayout2.xml><?xml version="1.0" encoding="utf-8"?>
-<p:sldLayout xmlns:a="http://schemas.openxmlformats.org/drawingml/2006/main" xmlns:p="http://schemas.openxmlformats.org/presentationml/2006/main" xmlns:r="http://schemas.openxmlformats.org/officeDocument/2006/relationships" xmlns:p14="http://schemas.microsoft.com/office/powerpoint/2010/main" xmlns:p15="http://schemas.microsoft.com/office/powerpoint/2012/main" xmlns:mc="http://schemas.openxmlformats.org/markup-compatibility/2006" type="title" preserve="1">
-  <p:cSld name="Default">
+<file path=ppt/slideLayouts/slideLayout10.xml><?xml version="1.0" encoding="utf-8"?>
+<p:sldLayout xmlns:a="http://schemas.openxmlformats.org/drawingml/2006/main" xmlns:p="http://schemas.openxmlformats.org/presentationml/2006/main" xmlns:r="http://schemas.openxmlformats.org/officeDocument/2006/relationships" xmlns:p14="http://schemas.microsoft.com/office/powerpoint/2010/main" xmlns:p15="http://schemas.microsoft.com/office/powerpoint/2012/main" xmlns:mc="http://schemas.openxmlformats.org/markup-compatibility/2006" type="objOverTx" preserve="1">
+  <p:cSld name="Title, Content over Content">
     <p:spTree>
       <p:nvGrpSpPr>
         <p:cNvPr id="1" name=""/>
@@ -200,7 +119,7 @@
       </p:grpSpPr>
       <p:sp>
         <p:nvSpPr>
-          <p:cNvPr id="11" name="PlaceHolder 1"/>
+          <p:cNvPr id="26" name="PlaceHolder 1"/>
           <p:cNvSpPr>
             <a:spLocks noGrp="1"/>
           </p:cNvSpPr>
@@ -226,66 +145,91 @@
             <a:noAutofit/>
           </a:bodyPr>
           <a:p>
-            <a:pPr indent="0" algn="ctr">
+            <a:pPr algn="ctr">
               <a:buNone/>
             </a:pPr>
             <a:endParaRPr b="0" lang="en-US" sz="4400" spc="-1" strike="noStrike">
-              <a:solidFill>
-                <a:srgbClr val="000000"/>
-              </a:solidFill>
-              <a:latin typeface="Arial"/>
-            </a:endParaRPr>
-          </a:p>
-        </p:txBody>
-      </p:sp>
-      <p:sp>
-        <p:nvSpPr>
-          <p:cNvPr id="12" name="PlaceHolder 2"/>
-          <p:cNvSpPr>
-            <a:spLocks noGrp="1"/>
-          </p:cNvSpPr>
-          <p:nvPr>
-            <p:ph type="subTitle"/>
+              <a:latin typeface="Arial"/>
+            </a:endParaRPr>
+          </a:p>
+        </p:txBody>
+      </p:sp>
+      <p:sp>
+        <p:nvSpPr>
+          <p:cNvPr id="27" name="PlaceHolder 2"/>
+          <p:cNvSpPr>
+            <a:spLocks noGrp="1"/>
+          </p:cNvSpPr>
+          <p:nvPr>
+            <p:ph/>
           </p:nvPr>
         </p:nvSpPr>
         <p:spPr>
           <a:xfrm>
             <a:off x="283320" y="2358000"/>
-            <a:ext cx="5101560" cy="5844240"/>
-          </a:xfrm>
-          <a:prstGeom prst="rect">
-            <a:avLst/>
-          </a:prstGeom>
-          <a:noFill/>
-          <a:ln w="0">
-            <a:noFill/>
-          </a:ln>
-        </p:spPr>
-        <p:txBody>
-          <a:bodyPr lIns="0" rIns="0" tIns="0" bIns="0" anchor="ctr">
-            <a:noAutofit/>
-          </a:bodyPr>
-          <a:p>
-            <a:pPr indent="0" algn="ctr">
-              <a:buNone/>
-            </a:pPr>
+            <a:ext cx="5101560" cy="2787480"/>
+          </a:xfrm>
+          <a:prstGeom prst="rect">
+            <a:avLst/>
+          </a:prstGeom>
+          <a:noFill/>
+          <a:ln w="0">
+            <a:noFill/>
+          </a:ln>
+        </p:spPr>
+        <p:txBody>
+          <a:bodyPr lIns="0" rIns="0" tIns="0" bIns="0" anchor="t">
+            <a:normAutofit/>
+          </a:bodyPr>
+          <a:p>
             <a:endParaRPr b="0" lang="en-US" sz="3200" spc="-1" strike="noStrike">
-              <a:solidFill>
-                <a:srgbClr val="000000"/>
-              </a:solidFill>
-              <a:latin typeface="Arial"/>
-            </a:endParaRPr>
-          </a:p>
-        </p:txBody>
-      </p:sp>
-      <p:sp>
-        <p:nvSpPr>
-          <p:cNvPr id="4" name="PlaceHolder 3"/>
-          <p:cNvSpPr>
-            <a:spLocks noGrp="1"/>
-          </p:cNvSpPr>
-          <p:nvPr>
-            <p:ph type="ftr" idx="4"/>
+              <a:latin typeface="Arial"/>
+            </a:endParaRPr>
+          </a:p>
+        </p:txBody>
+      </p:sp>
+      <p:sp>
+        <p:nvSpPr>
+          <p:cNvPr id="28" name="PlaceHolder 3"/>
+          <p:cNvSpPr>
+            <a:spLocks noGrp="1"/>
+          </p:cNvSpPr>
+          <p:nvPr>
+            <p:ph/>
+          </p:nvPr>
+        </p:nvSpPr>
+        <p:spPr>
+          <a:xfrm>
+            <a:off x="283320" y="5410800"/>
+            <a:ext cx="5101560" cy="2787480"/>
+          </a:xfrm>
+          <a:prstGeom prst="rect">
+            <a:avLst/>
+          </a:prstGeom>
+          <a:noFill/>
+          <a:ln w="0">
+            <a:noFill/>
+          </a:ln>
+        </p:spPr>
+        <p:txBody>
+          <a:bodyPr lIns="0" rIns="0" tIns="0" bIns="0" anchor="t">
+            <a:normAutofit/>
+          </a:bodyPr>
+          <a:p>
+            <a:endParaRPr b="0" lang="en-US" sz="3200" spc="-1" strike="noStrike">
+              <a:latin typeface="Arial"/>
+            </a:endParaRPr>
+          </a:p>
+        </p:txBody>
+      </p:sp>
+      <p:sp>
+        <p:nvSpPr>
+          <p:cNvPr id="5" name="PlaceHolder 4"/>
+          <p:cNvSpPr>
+            <a:spLocks noGrp="1"/>
+          </p:cNvSpPr>
+          <p:nvPr>
+            <p:ph type="ftr" idx="1"/>
           </p:nvPr>
         </p:nvSpPr>
         <p:spPr/>
@@ -300,19 +244,19 @@
       </p:sp>
       <p:sp>
         <p:nvSpPr>
-          <p:cNvPr id="5" name="PlaceHolder 4"/>
-          <p:cNvSpPr>
-            <a:spLocks noGrp="1"/>
-          </p:cNvSpPr>
-          <p:nvPr>
-            <p:ph type="sldNum" idx="5"/>
+          <p:cNvPr id="6" name="PlaceHolder 5"/>
+          <p:cNvSpPr>
+            <a:spLocks noGrp="1"/>
+          </p:cNvSpPr>
+          <p:nvPr>
+            <p:ph type="sldNum" idx="2"/>
           </p:nvPr>
         </p:nvSpPr>
         <p:spPr/>
         <p:txBody>
           <a:bodyPr/>
           <a:p>
-            <a:fld id="{0D6E7056-DD35-42F0-B380-AB046D8A6480}" type="slidenum">
+            <a:fld id="{A17419C8-3AEF-478C-93BF-EAE8360DBCC0}" type="slidenum">
               <a:t>&lt;#&gt;</a:t>
             </a:fld>
           </a:p>
@@ -320,12 +264,12 @@
       </p:sp>
       <p:sp>
         <p:nvSpPr>
-          <p:cNvPr id="6" name="PlaceHolder 5"/>
-          <p:cNvSpPr>
-            <a:spLocks noGrp="1"/>
-          </p:cNvSpPr>
-          <p:nvPr>
-            <p:ph type="dt" idx="6"/>
+          <p:cNvPr id="7" name="PlaceHolder 6"/>
+          <p:cNvSpPr>
+            <a:spLocks noGrp="1"/>
+          </p:cNvSpPr>
+          <p:nvPr>
+            <p:ph type="dt" idx="3"/>
           </p:nvPr>
         </p:nvSpPr>
         <p:spPr/>
@@ -333,7 +277,7 @@
           <a:bodyPr/>
           <a:p>
             <a:r>
-              <a:rPr lang="en-US"/>
+              <a:rPr lang="zh-CN"/>
               <a:t/>
             </a:r>
           </a:p>
@@ -344,9 +288,9 @@
 </p:sldLayout>
 </file>
 
-<file path=ppt/slideLayouts/slideLayout3.xml><?xml version="1.0" encoding="utf-8"?>
-<p:sldLayout xmlns:a="http://schemas.openxmlformats.org/drawingml/2006/main" xmlns:p="http://schemas.openxmlformats.org/presentationml/2006/main" xmlns:r="http://schemas.openxmlformats.org/officeDocument/2006/relationships" xmlns:p14="http://schemas.microsoft.com/office/powerpoint/2010/main" xmlns:p15="http://schemas.microsoft.com/office/powerpoint/2012/main" xmlns:mc="http://schemas.openxmlformats.org/markup-compatibility/2006" type="blank" preserve="1">
-  <p:cSld name="Default 1">
+<file path=ppt/slideLayouts/slideLayout11.xml><?xml version="1.0" encoding="utf-8"?>
+<p:sldLayout xmlns:a="http://schemas.openxmlformats.org/drawingml/2006/main" xmlns:p="http://schemas.openxmlformats.org/presentationml/2006/main" xmlns:r="http://schemas.openxmlformats.org/officeDocument/2006/relationships" xmlns:p14="http://schemas.microsoft.com/office/powerpoint/2010/main" xmlns:p15="http://schemas.microsoft.com/office/powerpoint/2012/main" xmlns:mc="http://schemas.openxmlformats.org/markup-compatibility/2006" type="fourObj" preserve="1">
+  <p:cSld name="Title, 4 Content">
     <p:spTree>
       <p:nvGrpSpPr>
         <p:cNvPr id="1" name=""/>
@@ -363,12 +307,185 @@
       </p:grpSpPr>
       <p:sp>
         <p:nvSpPr>
-          <p:cNvPr id="2" name="PlaceHolder 1"/>
-          <p:cNvSpPr>
-            <a:spLocks noGrp="1"/>
-          </p:cNvSpPr>
-          <p:nvPr>
-            <p:ph type="ftr" idx="7"/>
+          <p:cNvPr id="29" name="PlaceHolder 1"/>
+          <p:cNvSpPr>
+            <a:spLocks noGrp="1"/>
+          </p:cNvSpPr>
+          <p:nvPr>
+            <p:ph type="title"/>
+          </p:nvPr>
+        </p:nvSpPr>
+        <p:spPr>
+          <a:xfrm>
+            <a:off x="283320" y="401760"/>
+            <a:ext cx="5101560" cy="1682280"/>
+          </a:xfrm>
+          <a:prstGeom prst="rect">
+            <a:avLst/>
+          </a:prstGeom>
+          <a:noFill/>
+          <a:ln w="0">
+            <a:noFill/>
+          </a:ln>
+        </p:spPr>
+        <p:txBody>
+          <a:bodyPr lIns="0" rIns="0" tIns="0" bIns="0" anchor="ctr">
+            <a:noAutofit/>
+          </a:bodyPr>
+          <a:p>
+            <a:pPr algn="ctr">
+              <a:buNone/>
+            </a:pPr>
+            <a:endParaRPr b="0" lang="en-US" sz="4400" spc="-1" strike="noStrike">
+              <a:latin typeface="Arial"/>
+            </a:endParaRPr>
+          </a:p>
+        </p:txBody>
+      </p:sp>
+      <p:sp>
+        <p:nvSpPr>
+          <p:cNvPr id="30" name="PlaceHolder 2"/>
+          <p:cNvSpPr>
+            <a:spLocks noGrp="1"/>
+          </p:cNvSpPr>
+          <p:nvPr>
+            <p:ph/>
+          </p:nvPr>
+        </p:nvSpPr>
+        <p:spPr>
+          <a:xfrm>
+            <a:off x="283320" y="2358000"/>
+            <a:ext cx="2489400" cy="2787480"/>
+          </a:xfrm>
+          <a:prstGeom prst="rect">
+            <a:avLst/>
+          </a:prstGeom>
+          <a:noFill/>
+          <a:ln w="0">
+            <a:noFill/>
+          </a:ln>
+        </p:spPr>
+        <p:txBody>
+          <a:bodyPr lIns="0" rIns="0" tIns="0" bIns="0" anchor="t">
+            <a:normAutofit/>
+          </a:bodyPr>
+          <a:p>
+            <a:endParaRPr b="0" lang="en-US" sz="3200" spc="-1" strike="noStrike">
+              <a:latin typeface="Arial"/>
+            </a:endParaRPr>
+          </a:p>
+        </p:txBody>
+      </p:sp>
+      <p:sp>
+        <p:nvSpPr>
+          <p:cNvPr id="31" name="PlaceHolder 3"/>
+          <p:cNvSpPr>
+            <a:spLocks noGrp="1"/>
+          </p:cNvSpPr>
+          <p:nvPr>
+            <p:ph/>
+          </p:nvPr>
+        </p:nvSpPr>
+        <p:spPr>
+          <a:xfrm>
+            <a:off x="2897640" y="2358000"/>
+            <a:ext cx="2489400" cy="2787480"/>
+          </a:xfrm>
+          <a:prstGeom prst="rect">
+            <a:avLst/>
+          </a:prstGeom>
+          <a:noFill/>
+          <a:ln w="0">
+            <a:noFill/>
+          </a:ln>
+        </p:spPr>
+        <p:txBody>
+          <a:bodyPr lIns="0" rIns="0" tIns="0" bIns="0" anchor="t">
+            <a:normAutofit/>
+          </a:bodyPr>
+          <a:p>
+            <a:endParaRPr b="0" lang="en-US" sz="3200" spc="-1" strike="noStrike">
+              <a:latin typeface="Arial"/>
+            </a:endParaRPr>
+          </a:p>
+        </p:txBody>
+      </p:sp>
+      <p:sp>
+        <p:nvSpPr>
+          <p:cNvPr id="32" name="PlaceHolder 4"/>
+          <p:cNvSpPr>
+            <a:spLocks noGrp="1"/>
+          </p:cNvSpPr>
+          <p:nvPr>
+            <p:ph/>
+          </p:nvPr>
+        </p:nvSpPr>
+        <p:spPr>
+          <a:xfrm>
+            <a:off x="283320" y="5410800"/>
+            <a:ext cx="2489400" cy="2787480"/>
+          </a:xfrm>
+          <a:prstGeom prst="rect">
+            <a:avLst/>
+          </a:prstGeom>
+          <a:noFill/>
+          <a:ln w="0">
+            <a:noFill/>
+          </a:ln>
+        </p:spPr>
+        <p:txBody>
+          <a:bodyPr lIns="0" rIns="0" tIns="0" bIns="0" anchor="t">
+            <a:normAutofit/>
+          </a:bodyPr>
+          <a:p>
+            <a:endParaRPr b="0" lang="en-US" sz="3200" spc="-1" strike="noStrike">
+              <a:latin typeface="Arial"/>
+            </a:endParaRPr>
+          </a:p>
+        </p:txBody>
+      </p:sp>
+      <p:sp>
+        <p:nvSpPr>
+          <p:cNvPr id="33" name="PlaceHolder 5"/>
+          <p:cNvSpPr>
+            <a:spLocks noGrp="1"/>
+          </p:cNvSpPr>
+          <p:nvPr>
+            <p:ph/>
+          </p:nvPr>
+        </p:nvSpPr>
+        <p:spPr>
+          <a:xfrm>
+            <a:off x="2897640" y="5410800"/>
+            <a:ext cx="2489400" cy="2787480"/>
+          </a:xfrm>
+          <a:prstGeom prst="rect">
+            <a:avLst/>
+          </a:prstGeom>
+          <a:noFill/>
+          <a:ln w="0">
+            <a:noFill/>
+          </a:ln>
+        </p:spPr>
+        <p:txBody>
+          <a:bodyPr lIns="0" rIns="0" tIns="0" bIns="0" anchor="t">
+            <a:normAutofit/>
+          </a:bodyPr>
+          <a:p>
+            <a:endParaRPr b="0" lang="en-US" sz="3200" spc="-1" strike="noStrike">
+              <a:latin typeface="Arial"/>
+            </a:endParaRPr>
+          </a:p>
+        </p:txBody>
+      </p:sp>
+      <p:sp>
+        <p:nvSpPr>
+          <p:cNvPr id="7" name="PlaceHolder 6"/>
+          <p:cNvSpPr>
+            <a:spLocks noGrp="1"/>
+          </p:cNvSpPr>
+          <p:nvPr>
+            <p:ph type="ftr" idx="1"/>
           </p:nvPr>
         </p:nvSpPr>
         <p:spPr/>
@@ -383,19 +500,19 @@
       </p:sp>
       <p:sp>
         <p:nvSpPr>
-          <p:cNvPr id="3" name="PlaceHolder 2"/>
-          <p:cNvSpPr>
-            <a:spLocks noGrp="1"/>
-          </p:cNvSpPr>
-          <p:nvPr>
-            <p:ph type="sldNum" idx="8"/>
+          <p:cNvPr id="8" name="PlaceHolder 7"/>
+          <p:cNvSpPr>
+            <a:spLocks noGrp="1"/>
+          </p:cNvSpPr>
+          <p:nvPr>
+            <p:ph type="sldNum" idx="2"/>
           </p:nvPr>
         </p:nvSpPr>
         <p:spPr/>
         <p:txBody>
           <a:bodyPr/>
           <a:p>
-            <a:fld id="{76DB3195-8CE1-4457-B32C-502F29F37297}" type="slidenum">
+            <a:fld id="{43B38971-29BA-42BB-B9DC-B0B4354703BA}" type="slidenum">
               <a:t>&lt;#&gt;</a:t>
             </a:fld>
           </a:p>
@@ -403,12 +520,419 @@
       </p:sp>
       <p:sp>
         <p:nvSpPr>
+          <p:cNvPr id="9" name="PlaceHolder 8"/>
+          <p:cNvSpPr>
+            <a:spLocks noGrp="1"/>
+          </p:cNvSpPr>
+          <p:nvPr>
+            <p:ph type="dt" idx="3"/>
+          </p:nvPr>
+        </p:nvSpPr>
+        <p:spPr/>
+        <p:txBody>
+          <a:bodyPr/>
+          <a:p>
+            <a:r>
+              <a:rPr lang="zh-CN"/>
+              <a:t/>
+            </a:r>
+          </a:p>
+        </p:txBody>
+      </p:sp>
+    </p:spTree>
+  </p:cSld>
+</p:sldLayout>
+</file>
+
+<file path=ppt/slideLayouts/slideLayout12.xml><?xml version="1.0" encoding="utf-8"?>
+<p:sldLayout xmlns:a="http://schemas.openxmlformats.org/drawingml/2006/main" xmlns:p="http://schemas.openxmlformats.org/presentationml/2006/main" xmlns:r="http://schemas.openxmlformats.org/officeDocument/2006/relationships" xmlns:p14="http://schemas.microsoft.com/office/powerpoint/2010/main" xmlns:p15="http://schemas.microsoft.com/office/powerpoint/2012/main" xmlns:mc="http://schemas.openxmlformats.org/markup-compatibility/2006" type="blank" preserve="1">
+  <p:cSld name="Title, 6 Content">
+    <p:spTree>
+      <p:nvGrpSpPr>
+        <p:cNvPr id="1" name=""/>
+        <p:cNvGrpSpPr/>
+        <p:nvPr/>
+      </p:nvGrpSpPr>
+      <p:grpSpPr>
+        <a:xfrm>
+          <a:off x="0" y="0"/>
+          <a:ext cx="0" cy="0"/>
+          <a:chOff x="0" y="0"/>
+          <a:chExt cx="0" cy="0"/>
+        </a:xfrm>
+      </p:grpSpPr>
+      <p:sp>
+        <p:nvSpPr>
+          <p:cNvPr id="34" name="PlaceHolder 1"/>
+          <p:cNvSpPr>
+            <a:spLocks noGrp="1"/>
+          </p:cNvSpPr>
+          <p:nvPr>
+            <p:ph type="title"/>
+          </p:nvPr>
+        </p:nvSpPr>
+        <p:spPr>
+          <a:xfrm>
+            <a:off x="283320" y="401760"/>
+            <a:ext cx="5101560" cy="1682280"/>
+          </a:xfrm>
+          <a:prstGeom prst="rect">
+            <a:avLst/>
+          </a:prstGeom>
+          <a:noFill/>
+          <a:ln w="0">
+            <a:noFill/>
+          </a:ln>
+        </p:spPr>
+        <p:txBody>
+          <a:bodyPr lIns="0" rIns="0" tIns="0" bIns="0" anchor="ctr">
+            <a:noAutofit/>
+          </a:bodyPr>
+          <a:p>
+            <a:pPr algn="ctr">
+              <a:buNone/>
+            </a:pPr>
+            <a:endParaRPr b="0" lang="en-US" sz="4400" spc="-1" strike="noStrike">
+              <a:latin typeface="Arial"/>
+            </a:endParaRPr>
+          </a:p>
+        </p:txBody>
+      </p:sp>
+      <p:sp>
+        <p:nvSpPr>
+          <p:cNvPr id="35" name="PlaceHolder 2"/>
+          <p:cNvSpPr>
+            <a:spLocks noGrp="1"/>
+          </p:cNvSpPr>
+          <p:nvPr>
+            <p:ph/>
+          </p:nvPr>
+        </p:nvSpPr>
+        <p:spPr>
+          <a:xfrm>
+            <a:off x="283320" y="2358000"/>
+            <a:ext cx="1642320" cy="2787480"/>
+          </a:xfrm>
+          <a:prstGeom prst="rect">
+            <a:avLst/>
+          </a:prstGeom>
+          <a:noFill/>
+          <a:ln w="0">
+            <a:noFill/>
+          </a:ln>
+        </p:spPr>
+        <p:txBody>
+          <a:bodyPr lIns="0" rIns="0" tIns="0" bIns="0" anchor="t">
+            <a:normAutofit/>
+          </a:bodyPr>
+          <a:p>
+            <a:endParaRPr b="0" lang="en-US" sz="3200" spc="-1" strike="noStrike">
+              <a:latin typeface="Arial"/>
+            </a:endParaRPr>
+          </a:p>
+        </p:txBody>
+      </p:sp>
+      <p:sp>
+        <p:nvSpPr>
+          <p:cNvPr id="36" name="PlaceHolder 3"/>
+          <p:cNvSpPr>
+            <a:spLocks noGrp="1"/>
+          </p:cNvSpPr>
+          <p:nvPr>
+            <p:ph/>
+          </p:nvPr>
+        </p:nvSpPr>
+        <p:spPr>
+          <a:xfrm>
+            <a:off x="2008080" y="2358000"/>
+            <a:ext cx="1642320" cy="2787480"/>
+          </a:xfrm>
+          <a:prstGeom prst="rect">
+            <a:avLst/>
+          </a:prstGeom>
+          <a:noFill/>
+          <a:ln w="0">
+            <a:noFill/>
+          </a:ln>
+        </p:spPr>
+        <p:txBody>
+          <a:bodyPr lIns="0" rIns="0" tIns="0" bIns="0" anchor="t">
+            <a:normAutofit/>
+          </a:bodyPr>
+          <a:p>
+            <a:endParaRPr b="0" lang="en-US" sz="3200" spc="-1" strike="noStrike">
+              <a:latin typeface="Arial"/>
+            </a:endParaRPr>
+          </a:p>
+        </p:txBody>
+      </p:sp>
+      <p:sp>
+        <p:nvSpPr>
+          <p:cNvPr id="37" name="PlaceHolder 4"/>
+          <p:cNvSpPr>
+            <a:spLocks noGrp="1"/>
+          </p:cNvSpPr>
+          <p:nvPr>
+            <p:ph/>
+          </p:nvPr>
+        </p:nvSpPr>
+        <p:spPr>
+          <a:xfrm>
+            <a:off x="3732840" y="2358000"/>
+            <a:ext cx="1642320" cy="2787480"/>
+          </a:xfrm>
+          <a:prstGeom prst="rect">
+            <a:avLst/>
+          </a:prstGeom>
+          <a:noFill/>
+          <a:ln w="0">
+            <a:noFill/>
+          </a:ln>
+        </p:spPr>
+        <p:txBody>
+          <a:bodyPr lIns="0" rIns="0" tIns="0" bIns="0" anchor="t">
+            <a:normAutofit/>
+          </a:bodyPr>
+          <a:p>
+            <a:endParaRPr b="0" lang="en-US" sz="3200" spc="-1" strike="noStrike">
+              <a:latin typeface="Arial"/>
+            </a:endParaRPr>
+          </a:p>
+        </p:txBody>
+      </p:sp>
+      <p:sp>
+        <p:nvSpPr>
+          <p:cNvPr id="38" name="PlaceHolder 5"/>
+          <p:cNvSpPr>
+            <a:spLocks noGrp="1"/>
+          </p:cNvSpPr>
+          <p:nvPr>
+            <p:ph/>
+          </p:nvPr>
+        </p:nvSpPr>
+        <p:spPr>
+          <a:xfrm>
+            <a:off x="283320" y="5410800"/>
+            <a:ext cx="1642320" cy="2787480"/>
+          </a:xfrm>
+          <a:prstGeom prst="rect">
+            <a:avLst/>
+          </a:prstGeom>
+          <a:noFill/>
+          <a:ln w="0">
+            <a:noFill/>
+          </a:ln>
+        </p:spPr>
+        <p:txBody>
+          <a:bodyPr lIns="0" rIns="0" tIns="0" bIns="0" anchor="t">
+            <a:normAutofit/>
+          </a:bodyPr>
+          <a:p>
+            <a:endParaRPr b="0" lang="en-US" sz="3200" spc="-1" strike="noStrike">
+              <a:latin typeface="Arial"/>
+            </a:endParaRPr>
+          </a:p>
+        </p:txBody>
+      </p:sp>
+      <p:sp>
+        <p:nvSpPr>
+          <p:cNvPr id="39" name="PlaceHolder 6"/>
+          <p:cNvSpPr>
+            <a:spLocks noGrp="1"/>
+          </p:cNvSpPr>
+          <p:nvPr>
+            <p:ph/>
+          </p:nvPr>
+        </p:nvSpPr>
+        <p:spPr>
+          <a:xfrm>
+            <a:off x="2008080" y="5410800"/>
+            <a:ext cx="1642320" cy="2787480"/>
+          </a:xfrm>
+          <a:prstGeom prst="rect">
+            <a:avLst/>
+          </a:prstGeom>
+          <a:noFill/>
+          <a:ln w="0">
+            <a:noFill/>
+          </a:ln>
+        </p:spPr>
+        <p:txBody>
+          <a:bodyPr lIns="0" rIns="0" tIns="0" bIns="0" anchor="t">
+            <a:normAutofit/>
+          </a:bodyPr>
+          <a:p>
+            <a:endParaRPr b="0" lang="en-US" sz="3200" spc="-1" strike="noStrike">
+              <a:latin typeface="Arial"/>
+            </a:endParaRPr>
+          </a:p>
+        </p:txBody>
+      </p:sp>
+      <p:sp>
+        <p:nvSpPr>
+          <p:cNvPr id="40" name="PlaceHolder 7"/>
+          <p:cNvSpPr>
+            <a:spLocks noGrp="1"/>
+          </p:cNvSpPr>
+          <p:nvPr>
+            <p:ph/>
+          </p:nvPr>
+        </p:nvSpPr>
+        <p:spPr>
+          <a:xfrm>
+            <a:off x="3732840" y="5410800"/>
+            <a:ext cx="1642320" cy="2787480"/>
+          </a:xfrm>
+          <a:prstGeom prst="rect">
+            <a:avLst/>
+          </a:prstGeom>
+          <a:noFill/>
+          <a:ln w="0">
+            <a:noFill/>
+          </a:ln>
+        </p:spPr>
+        <p:txBody>
+          <a:bodyPr lIns="0" rIns="0" tIns="0" bIns="0" anchor="t">
+            <a:normAutofit/>
+          </a:bodyPr>
+          <a:p>
+            <a:endParaRPr b="0" lang="en-US" sz="3200" spc="-1" strike="noStrike">
+              <a:latin typeface="Arial"/>
+            </a:endParaRPr>
+          </a:p>
+        </p:txBody>
+      </p:sp>
+      <p:sp>
+        <p:nvSpPr>
+          <p:cNvPr id="9" name="PlaceHolder 8"/>
+          <p:cNvSpPr>
+            <a:spLocks noGrp="1"/>
+          </p:cNvSpPr>
+          <p:nvPr>
+            <p:ph type="ftr" idx="1"/>
+          </p:nvPr>
+        </p:nvSpPr>
+        <p:spPr/>
+        <p:txBody>
+          <a:bodyPr/>
+          <a:p>
+            <a:r>
+              <a:t>Footer</a:t>
+            </a:r>
+          </a:p>
+        </p:txBody>
+      </p:sp>
+      <p:sp>
+        <p:nvSpPr>
+          <p:cNvPr id="10" name="PlaceHolder 9"/>
+          <p:cNvSpPr>
+            <a:spLocks noGrp="1"/>
+          </p:cNvSpPr>
+          <p:nvPr>
+            <p:ph type="sldNum" idx="2"/>
+          </p:nvPr>
+        </p:nvSpPr>
+        <p:spPr/>
+        <p:txBody>
+          <a:bodyPr/>
+          <a:p>
+            <a:fld id="{883082B3-0614-4B15-904E-F5F615260D27}" type="slidenum">
+              <a:t>&lt;#&gt;</a:t>
+            </a:fld>
+          </a:p>
+        </p:txBody>
+      </p:sp>
+      <p:sp>
+        <p:nvSpPr>
+          <p:cNvPr id="11" name="PlaceHolder 10"/>
+          <p:cNvSpPr>
+            <a:spLocks noGrp="1"/>
+          </p:cNvSpPr>
+          <p:nvPr>
+            <p:ph type="dt" idx="3"/>
+          </p:nvPr>
+        </p:nvSpPr>
+        <p:spPr/>
+        <p:txBody>
+          <a:bodyPr/>
+          <a:p>
+            <a:r>
+              <a:rPr lang="zh-CN"/>
+              <a:t/>
+            </a:r>
+          </a:p>
+        </p:txBody>
+      </p:sp>
+    </p:spTree>
+  </p:cSld>
+</p:sldLayout>
+</file>
+
+<file path=ppt/slideLayouts/slideLayout13.xml><?xml version="1.0" encoding="utf-8"?>
+<p:sldLayout xmlns:a="http://schemas.openxmlformats.org/drawingml/2006/main" xmlns:p="http://schemas.openxmlformats.org/presentationml/2006/main" xmlns:r="http://schemas.openxmlformats.org/officeDocument/2006/relationships" xmlns:p14="http://schemas.microsoft.com/office/powerpoint/2010/main" xmlns:p15="http://schemas.microsoft.com/office/powerpoint/2012/main" xmlns:mc="http://schemas.openxmlformats.org/markup-compatibility/2006" type="blank" preserve="1">
+  <p:cSld name="Blank Slide">
+    <p:spTree>
+      <p:nvGrpSpPr>
+        <p:cNvPr id="1" name=""/>
+        <p:cNvGrpSpPr/>
+        <p:nvPr/>
+      </p:nvGrpSpPr>
+      <p:grpSpPr>
+        <a:xfrm>
+          <a:off x="0" y="0"/>
+          <a:ext cx="0" cy="0"/>
+          <a:chOff x="0" y="0"/>
+          <a:chExt cx="0" cy="0"/>
+        </a:xfrm>
+      </p:grpSpPr>
+      <p:sp>
+        <p:nvSpPr>
+          <p:cNvPr id="2" name="PlaceHolder 1"/>
+          <p:cNvSpPr>
+            <a:spLocks noGrp="1"/>
+          </p:cNvSpPr>
+          <p:nvPr>
+            <p:ph type="ftr" idx="4"/>
+          </p:nvPr>
+        </p:nvSpPr>
+        <p:spPr/>
+        <p:txBody>
+          <a:bodyPr/>
+          <a:p>
+            <a:r>
+              <a:t>Footer</a:t>
+            </a:r>
+          </a:p>
+        </p:txBody>
+      </p:sp>
+      <p:sp>
+        <p:nvSpPr>
+          <p:cNvPr id="3" name="PlaceHolder 2"/>
+          <p:cNvSpPr>
+            <a:spLocks noGrp="1"/>
+          </p:cNvSpPr>
+          <p:nvPr>
+            <p:ph type="sldNum" idx="5"/>
+          </p:nvPr>
+        </p:nvSpPr>
+        <p:spPr/>
+        <p:txBody>
+          <a:bodyPr/>
+          <a:p>
+            <a:fld id="{83805F8B-A074-428E-B0D7-17784D2CFE84}" type="slidenum">
+              <a:t>&lt;#&gt;</a:t>
+            </a:fld>
+          </a:p>
+        </p:txBody>
+      </p:sp>
+      <p:sp>
+        <p:nvSpPr>
           <p:cNvPr id="4" name="PlaceHolder 3"/>
           <p:cNvSpPr>
             <a:spLocks noGrp="1"/>
           </p:cNvSpPr>
           <p:nvPr>
-            <p:ph type="dt" idx="9"/>
+            <p:ph type="dt" idx="6"/>
           </p:nvPr>
         </p:nvSpPr>
         <p:spPr/>
@@ -416,7 +940,3585 @@
           <a:bodyPr/>
           <a:p>
             <a:r>
-              <a:rPr lang="en-US"/>
+              <a:rPr lang="zh-CN"/>
+              <a:t/>
+            </a:r>
+          </a:p>
+        </p:txBody>
+      </p:sp>
+    </p:spTree>
+  </p:cSld>
+</p:sldLayout>
+</file>
+
+<file path=ppt/slideLayouts/slideLayout14.xml><?xml version="1.0" encoding="utf-8"?>
+<p:sldLayout xmlns:a="http://schemas.openxmlformats.org/drawingml/2006/main" xmlns:p="http://schemas.openxmlformats.org/presentationml/2006/main" xmlns:r="http://schemas.openxmlformats.org/officeDocument/2006/relationships" xmlns:p14="http://schemas.microsoft.com/office/powerpoint/2010/main" xmlns:p15="http://schemas.microsoft.com/office/powerpoint/2012/main" xmlns:mc="http://schemas.openxmlformats.org/markup-compatibility/2006" type="tx" preserve="1">
+  <p:cSld name="Title Slide">
+    <p:spTree>
+      <p:nvGrpSpPr>
+        <p:cNvPr id="1" name=""/>
+        <p:cNvGrpSpPr/>
+        <p:nvPr/>
+      </p:nvGrpSpPr>
+      <p:grpSpPr>
+        <a:xfrm>
+          <a:off x="0" y="0"/>
+          <a:ext cx="0" cy="0"/>
+          <a:chOff x="0" y="0"/>
+          <a:chExt cx="0" cy="0"/>
+        </a:xfrm>
+      </p:grpSpPr>
+      <p:sp>
+        <p:nvSpPr>
+          <p:cNvPr id="46" name="PlaceHolder 1"/>
+          <p:cNvSpPr>
+            <a:spLocks noGrp="1"/>
+          </p:cNvSpPr>
+          <p:nvPr>
+            <p:ph type="title"/>
+          </p:nvPr>
+        </p:nvSpPr>
+        <p:spPr>
+          <a:xfrm>
+            <a:off x="283320" y="401760"/>
+            <a:ext cx="5101560" cy="1682280"/>
+          </a:xfrm>
+          <a:prstGeom prst="rect">
+            <a:avLst/>
+          </a:prstGeom>
+          <a:noFill/>
+          <a:ln w="0">
+            <a:noFill/>
+          </a:ln>
+        </p:spPr>
+        <p:txBody>
+          <a:bodyPr lIns="0" rIns="0" tIns="0" bIns="0" anchor="ctr">
+            <a:noAutofit/>
+          </a:bodyPr>
+          <a:p>
+            <a:pPr algn="ctr">
+              <a:buNone/>
+            </a:pPr>
+            <a:endParaRPr b="0" lang="en-US" sz="4400" spc="-1" strike="noStrike">
+              <a:latin typeface="Arial"/>
+            </a:endParaRPr>
+          </a:p>
+        </p:txBody>
+      </p:sp>
+      <p:sp>
+        <p:nvSpPr>
+          <p:cNvPr id="47" name="PlaceHolder 2"/>
+          <p:cNvSpPr>
+            <a:spLocks noGrp="1"/>
+          </p:cNvSpPr>
+          <p:nvPr>
+            <p:ph type="subTitle"/>
+          </p:nvPr>
+        </p:nvSpPr>
+        <p:spPr>
+          <a:xfrm>
+            <a:off x="283320" y="2358000"/>
+            <a:ext cx="5101560" cy="5844240"/>
+          </a:xfrm>
+          <a:prstGeom prst="rect">
+            <a:avLst/>
+          </a:prstGeom>
+          <a:noFill/>
+          <a:ln w="0">
+            <a:noFill/>
+          </a:ln>
+        </p:spPr>
+        <p:txBody>
+          <a:bodyPr lIns="0" rIns="0" tIns="0" bIns="0" anchor="ctr">
+            <a:noAutofit/>
+          </a:bodyPr>
+          <a:p>
+            <a:pPr algn="ctr">
+              <a:buNone/>
+            </a:pPr>
+            <a:endParaRPr b="0" lang="en-US" sz="3200" spc="-1" strike="noStrike">
+              <a:latin typeface="Arial"/>
+            </a:endParaRPr>
+          </a:p>
+        </p:txBody>
+      </p:sp>
+      <p:sp>
+        <p:nvSpPr>
+          <p:cNvPr id="4" name="PlaceHolder 3"/>
+          <p:cNvSpPr>
+            <a:spLocks noGrp="1"/>
+          </p:cNvSpPr>
+          <p:nvPr>
+            <p:ph type="ftr" idx="4"/>
+          </p:nvPr>
+        </p:nvSpPr>
+        <p:spPr/>
+        <p:txBody>
+          <a:bodyPr/>
+          <a:p>
+            <a:r>
+              <a:t>Footer</a:t>
+            </a:r>
+          </a:p>
+        </p:txBody>
+      </p:sp>
+      <p:sp>
+        <p:nvSpPr>
+          <p:cNvPr id="5" name="PlaceHolder 4"/>
+          <p:cNvSpPr>
+            <a:spLocks noGrp="1"/>
+          </p:cNvSpPr>
+          <p:nvPr>
+            <p:ph type="sldNum" idx="5"/>
+          </p:nvPr>
+        </p:nvSpPr>
+        <p:spPr/>
+        <p:txBody>
+          <a:bodyPr/>
+          <a:p>
+            <a:fld id="{6D850DE5-6DEB-4354-AC21-B2590701F656}" type="slidenum">
+              <a:t>&lt;#&gt;</a:t>
+            </a:fld>
+          </a:p>
+        </p:txBody>
+      </p:sp>
+      <p:sp>
+        <p:nvSpPr>
+          <p:cNvPr id="6" name="PlaceHolder 5"/>
+          <p:cNvSpPr>
+            <a:spLocks noGrp="1"/>
+          </p:cNvSpPr>
+          <p:nvPr>
+            <p:ph type="dt" idx="6"/>
+          </p:nvPr>
+        </p:nvSpPr>
+        <p:spPr/>
+        <p:txBody>
+          <a:bodyPr/>
+          <a:p>
+            <a:r>
+              <a:rPr lang="zh-CN"/>
+              <a:t/>
+            </a:r>
+          </a:p>
+        </p:txBody>
+      </p:sp>
+    </p:spTree>
+  </p:cSld>
+</p:sldLayout>
+</file>
+
+<file path=ppt/slideLayouts/slideLayout15.xml><?xml version="1.0" encoding="utf-8"?>
+<p:sldLayout xmlns:a="http://schemas.openxmlformats.org/drawingml/2006/main" xmlns:p="http://schemas.openxmlformats.org/presentationml/2006/main" xmlns:r="http://schemas.openxmlformats.org/officeDocument/2006/relationships" xmlns:p14="http://schemas.microsoft.com/office/powerpoint/2010/main" xmlns:p15="http://schemas.microsoft.com/office/powerpoint/2012/main" xmlns:mc="http://schemas.openxmlformats.org/markup-compatibility/2006" type="obj" preserve="1">
+  <p:cSld name="Title, Content">
+    <p:spTree>
+      <p:nvGrpSpPr>
+        <p:cNvPr id="1" name=""/>
+        <p:cNvGrpSpPr/>
+        <p:nvPr/>
+      </p:nvGrpSpPr>
+      <p:grpSpPr>
+        <a:xfrm>
+          <a:off x="0" y="0"/>
+          <a:ext cx="0" cy="0"/>
+          <a:chOff x="0" y="0"/>
+          <a:chExt cx="0" cy="0"/>
+        </a:xfrm>
+      </p:grpSpPr>
+      <p:sp>
+        <p:nvSpPr>
+          <p:cNvPr id="48" name="PlaceHolder 1"/>
+          <p:cNvSpPr>
+            <a:spLocks noGrp="1"/>
+          </p:cNvSpPr>
+          <p:nvPr>
+            <p:ph type="title"/>
+          </p:nvPr>
+        </p:nvSpPr>
+        <p:spPr>
+          <a:xfrm>
+            <a:off x="283320" y="401760"/>
+            <a:ext cx="5101560" cy="1682280"/>
+          </a:xfrm>
+          <a:prstGeom prst="rect">
+            <a:avLst/>
+          </a:prstGeom>
+          <a:noFill/>
+          <a:ln w="0">
+            <a:noFill/>
+          </a:ln>
+        </p:spPr>
+        <p:txBody>
+          <a:bodyPr lIns="0" rIns="0" tIns="0" bIns="0" anchor="ctr">
+            <a:noAutofit/>
+          </a:bodyPr>
+          <a:p>
+            <a:pPr algn="ctr">
+              <a:buNone/>
+            </a:pPr>
+            <a:endParaRPr b="0" lang="en-US" sz="4400" spc="-1" strike="noStrike">
+              <a:latin typeface="Arial"/>
+            </a:endParaRPr>
+          </a:p>
+        </p:txBody>
+      </p:sp>
+      <p:sp>
+        <p:nvSpPr>
+          <p:cNvPr id="49" name="PlaceHolder 2"/>
+          <p:cNvSpPr>
+            <a:spLocks noGrp="1"/>
+          </p:cNvSpPr>
+          <p:nvPr>
+            <p:ph/>
+          </p:nvPr>
+        </p:nvSpPr>
+        <p:spPr>
+          <a:xfrm>
+            <a:off x="283320" y="2358000"/>
+            <a:ext cx="5101560" cy="5844240"/>
+          </a:xfrm>
+          <a:prstGeom prst="rect">
+            <a:avLst/>
+          </a:prstGeom>
+          <a:noFill/>
+          <a:ln w="0">
+            <a:noFill/>
+          </a:ln>
+        </p:spPr>
+        <p:txBody>
+          <a:bodyPr lIns="0" rIns="0" tIns="0" bIns="0" anchor="t">
+            <a:normAutofit/>
+          </a:bodyPr>
+          <a:p>
+            <a:endParaRPr b="0" lang="en-US" sz="3200" spc="-1" strike="noStrike">
+              <a:latin typeface="Arial"/>
+            </a:endParaRPr>
+          </a:p>
+        </p:txBody>
+      </p:sp>
+      <p:sp>
+        <p:nvSpPr>
+          <p:cNvPr id="4" name="PlaceHolder 3"/>
+          <p:cNvSpPr>
+            <a:spLocks noGrp="1"/>
+          </p:cNvSpPr>
+          <p:nvPr>
+            <p:ph type="ftr" idx="4"/>
+          </p:nvPr>
+        </p:nvSpPr>
+        <p:spPr/>
+        <p:txBody>
+          <a:bodyPr/>
+          <a:p>
+            <a:r>
+              <a:t>Footer</a:t>
+            </a:r>
+          </a:p>
+        </p:txBody>
+      </p:sp>
+      <p:sp>
+        <p:nvSpPr>
+          <p:cNvPr id="5" name="PlaceHolder 4"/>
+          <p:cNvSpPr>
+            <a:spLocks noGrp="1"/>
+          </p:cNvSpPr>
+          <p:nvPr>
+            <p:ph type="sldNum" idx="5"/>
+          </p:nvPr>
+        </p:nvSpPr>
+        <p:spPr/>
+        <p:txBody>
+          <a:bodyPr/>
+          <a:p>
+            <a:fld id="{8E04D0FB-1FC2-4F55-9AA0-36CE50FE4BD4}" type="slidenum">
+              <a:t>&lt;#&gt;</a:t>
+            </a:fld>
+          </a:p>
+        </p:txBody>
+      </p:sp>
+      <p:sp>
+        <p:nvSpPr>
+          <p:cNvPr id="6" name="PlaceHolder 5"/>
+          <p:cNvSpPr>
+            <a:spLocks noGrp="1"/>
+          </p:cNvSpPr>
+          <p:nvPr>
+            <p:ph type="dt" idx="6"/>
+          </p:nvPr>
+        </p:nvSpPr>
+        <p:spPr/>
+        <p:txBody>
+          <a:bodyPr/>
+          <a:p>
+            <a:r>
+              <a:rPr lang="zh-CN"/>
+              <a:t/>
+            </a:r>
+          </a:p>
+        </p:txBody>
+      </p:sp>
+    </p:spTree>
+  </p:cSld>
+</p:sldLayout>
+</file>
+
+<file path=ppt/slideLayouts/slideLayout16.xml><?xml version="1.0" encoding="utf-8"?>
+<p:sldLayout xmlns:a="http://schemas.openxmlformats.org/drawingml/2006/main" xmlns:p="http://schemas.openxmlformats.org/presentationml/2006/main" xmlns:r="http://schemas.openxmlformats.org/officeDocument/2006/relationships" xmlns:p14="http://schemas.microsoft.com/office/powerpoint/2010/main" xmlns:p15="http://schemas.microsoft.com/office/powerpoint/2012/main" xmlns:mc="http://schemas.openxmlformats.org/markup-compatibility/2006" type="twoObj" preserve="1">
+  <p:cSld name="Title, 2 Content">
+    <p:spTree>
+      <p:nvGrpSpPr>
+        <p:cNvPr id="1" name=""/>
+        <p:cNvGrpSpPr/>
+        <p:nvPr/>
+      </p:nvGrpSpPr>
+      <p:grpSpPr>
+        <a:xfrm>
+          <a:off x="0" y="0"/>
+          <a:ext cx="0" cy="0"/>
+          <a:chOff x="0" y="0"/>
+          <a:chExt cx="0" cy="0"/>
+        </a:xfrm>
+      </p:grpSpPr>
+      <p:sp>
+        <p:nvSpPr>
+          <p:cNvPr id="50" name="PlaceHolder 1"/>
+          <p:cNvSpPr>
+            <a:spLocks noGrp="1"/>
+          </p:cNvSpPr>
+          <p:nvPr>
+            <p:ph type="title"/>
+          </p:nvPr>
+        </p:nvSpPr>
+        <p:spPr>
+          <a:xfrm>
+            <a:off x="283320" y="401760"/>
+            <a:ext cx="5101560" cy="1682280"/>
+          </a:xfrm>
+          <a:prstGeom prst="rect">
+            <a:avLst/>
+          </a:prstGeom>
+          <a:noFill/>
+          <a:ln w="0">
+            <a:noFill/>
+          </a:ln>
+        </p:spPr>
+        <p:txBody>
+          <a:bodyPr lIns="0" rIns="0" tIns="0" bIns="0" anchor="ctr">
+            <a:noAutofit/>
+          </a:bodyPr>
+          <a:p>
+            <a:pPr algn="ctr">
+              <a:buNone/>
+            </a:pPr>
+            <a:endParaRPr b="0" lang="en-US" sz="4400" spc="-1" strike="noStrike">
+              <a:latin typeface="Arial"/>
+            </a:endParaRPr>
+          </a:p>
+        </p:txBody>
+      </p:sp>
+      <p:sp>
+        <p:nvSpPr>
+          <p:cNvPr id="51" name="PlaceHolder 2"/>
+          <p:cNvSpPr>
+            <a:spLocks noGrp="1"/>
+          </p:cNvSpPr>
+          <p:nvPr>
+            <p:ph/>
+          </p:nvPr>
+        </p:nvSpPr>
+        <p:spPr>
+          <a:xfrm>
+            <a:off x="283320" y="2358000"/>
+            <a:ext cx="2489400" cy="5844240"/>
+          </a:xfrm>
+          <a:prstGeom prst="rect">
+            <a:avLst/>
+          </a:prstGeom>
+          <a:noFill/>
+          <a:ln w="0">
+            <a:noFill/>
+          </a:ln>
+        </p:spPr>
+        <p:txBody>
+          <a:bodyPr lIns="0" rIns="0" tIns="0" bIns="0" anchor="t">
+            <a:normAutofit/>
+          </a:bodyPr>
+          <a:p>
+            <a:endParaRPr b="0" lang="en-US" sz="3200" spc="-1" strike="noStrike">
+              <a:latin typeface="Arial"/>
+            </a:endParaRPr>
+          </a:p>
+        </p:txBody>
+      </p:sp>
+      <p:sp>
+        <p:nvSpPr>
+          <p:cNvPr id="52" name="PlaceHolder 3"/>
+          <p:cNvSpPr>
+            <a:spLocks noGrp="1"/>
+          </p:cNvSpPr>
+          <p:nvPr>
+            <p:ph/>
+          </p:nvPr>
+        </p:nvSpPr>
+        <p:spPr>
+          <a:xfrm>
+            <a:off x="2897640" y="2358000"/>
+            <a:ext cx="2489400" cy="5844240"/>
+          </a:xfrm>
+          <a:prstGeom prst="rect">
+            <a:avLst/>
+          </a:prstGeom>
+          <a:noFill/>
+          <a:ln w="0">
+            <a:noFill/>
+          </a:ln>
+        </p:spPr>
+        <p:txBody>
+          <a:bodyPr lIns="0" rIns="0" tIns="0" bIns="0" anchor="t">
+            <a:normAutofit/>
+          </a:bodyPr>
+          <a:p>
+            <a:endParaRPr b="0" lang="en-US" sz="3200" spc="-1" strike="noStrike">
+              <a:latin typeface="Arial"/>
+            </a:endParaRPr>
+          </a:p>
+        </p:txBody>
+      </p:sp>
+      <p:sp>
+        <p:nvSpPr>
+          <p:cNvPr id="5" name="PlaceHolder 4"/>
+          <p:cNvSpPr>
+            <a:spLocks noGrp="1"/>
+          </p:cNvSpPr>
+          <p:nvPr>
+            <p:ph type="ftr" idx="4"/>
+          </p:nvPr>
+        </p:nvSpPr>
+        <p:spPr/>
+        <p:txBody>
+          <a:bodyPr/>
+          <a:p>
+            <a:r>
+              <a:t>Footer</a:t>
+            </a:r>
+          </a:p>
+        </p:txBody>
+      </p:sp>
+      <p:sp>
+        <p:nvSpPr>
+          <p:cNvPr id="6" name="PlaceHolder 5"/>
+          <p:cNvSpPr>
+            <a:spLocks noGrp="1"/>
+          </p:cNvSpPr>
+          <p:nvPr>
+            <p:ph type="sldNum" idx="5"/>
+          </p:nvPr>
+        </p:nvSpPr>
+        <p:spPr/>
+        <p:txBody>
+          <a:bodyPr/>
+          <a:p>
+            <a:fld id="{E74207F9-68C8-4077-BB34-12110C02F862}" type="slidenum">
+              <a:t>&lt;#&gt;</a:t>
+            </a:fld>
+          </a:p>
+        </p:txBody>
+      </p:sp>
+      <p:sp>
+        <p:nvSpPr>
+          <p:cNvPr id="7" name="PlaceHolder 6"/>
+          <p:cNvSpPr>
+            <a:spLocks noGrp="1"/>
+          </p:cNvSpPr>
+          <p:nvPr>
+            <p:ph type="dt" idx="6"/>
+          </p:nvPr>
+        </p:nvSpPr>
+        <p:spPr/>
+        <p:txBody>
+          <a:bodyPr/>
+          <a:p>
+            <a:r>
+              <a:rPr lang="zh-CN"/>
+              <a:t/>
+            </a:r>
+          </a:p>
+        </p:txBody>
+      </p:sp>
+    </p:spTree>
+  </p:cSld>
+</p:sldLayout>
+</file>
+
+<file path=ppt/slideLayouts/slideLayout17.xml><?xml version="1.0" encoding="utf-8"?>
+<p:sldLayout xmlns:a="http://schemas.openxmlformats.org/drawingml/2006/main" xmlns:p="http://schemas.openxmlformats.org/presentationml/2006/main" xmlns:r="http://schemas.openxmlformats.org/officeDocument/2006/relationships" xmlns:p14="http://schemas.microsoft.com/office/powerpoint/2010/main" xmlns:p15="http://schemas.microsoft.com/office/powerpoint/2012/main" xmlns:mc="http://schemas.openxmlformats.org/markup-compatibility/2006" type="titleOnly" preserve="1">
+  <p:cSld name="Title Only">
+    <p:spTree>
+      <p:nvGrpSpPr>
+        <p:cNvPr id="1" name=""/>
+        <p:cNvGrpSpPr/>
+        <p:nvPr/>
+      </p:nvGrpSpPr>
+      <p:grpSpPr>
+        <a:xfrm>
+          <a:off x="0" y="0"/>
+          <a:ext cx="0" cy="0"/>
+          <a:chOff x="0" y="0"/>
+          <a:chExt cx="0" cy="0"/>
+        </a:xfrm>
+      </p:grpSpPr>
+      <p:sp>
+        <p:nvSpPr>
+          <p:cNvPr id="53" name="PlaceHolder 1"/>
+          <p:cNvSpPr>
+            <a:spLocks noGrp="1"/>
+          </p:cNvSpPr>
+          <p:nvPr>
+            <p:ph type="title"/>
+          </p:nvPr>
+        </p:nvSpPr>
+        <p:spPr>
+          <a:xfrm>
+            <a:off x="283320" y="401760"/>
+            <a:ext cx="5101560" cy="1682280"/>
+          </a:xfrm>
+          <a:prstGeom prst="rect">
+            <a:avLst/>
+          </a:prstGeom>
+          <a:noFill/>
+          <a:ln w="0">
+            <a:noFill/>
+          </a:ln>
+        </p:spPr>
+        <p:txBody>
+          <a:bodyPr lIns="0" rIns="0" tIns="0" bIns="0" anchor="ctr">
+            <a:noAutofit/>
+          </a:bodyPr>
+          <a:p>
+            <a:pPr algn="ctr">
+              <a:buNone/>
+            </a:pPr>
+            <a:endParaRPr b="0" lang="en-US" sz="4400" spc="-1" strike="noStrike">
+              <a:latin typeface="Arial"/>
+            </a:endParaRPr>
+          </a:p>
+        </p:txBody>
+      </p:sp>
+      <p:sp>
+        <p:nvSpPr>
+          <p:cNvPr id="3" name="PlaceHolder 2"/>
+          <p:cNvSpPr>
+            <a:spLocks noGrp="1"/>
+          </p:cNvSpPr>
+          <p:nvPr>
+            <p:ph type="ftr" idx="4"/>
+          </p:nvPr>
+        </p:nvSpPr>
+        <p:spPr/>
+        <p:txBody>
+          <a:bodyPr/>
+          <a:p>
+            <a:r>
+              <a:t>Footer</a:t>
+            </a:r>
+          </a:p>
+        </p:txBody>
+      </p:sp>
+      <p:sp>
+        <p:nvSpPr>
+          <p:cNvPr id="4" name="PlaceHolder 3"/>
+          <p:cNvSpPr>
+            <a:spLocks noGrp="1"/>
+          </p:cNvSpPr>
+          <p:nvPr>
+            <p:ph type="sldNum" idx="5"/>
+          </p:nvPr>
+        </p:nvSpPr>
+        <p:spPr/>
+        <p:txBody>
+          <a:bodyPr/>
+          <a:p>
+            <a:fld id="{5A139BCD-4FFB-49AE-BA12-1F5EBFAAAC0C}" type="slidenum">
+              <a:t>&lt;#&gt;</a:t>
+            </a:fld>
+          </a:p>
+        </p:txBody>
+      </p:sp>
+      <p:sp>
+        <p:nvSpPr>
+          <p:cNvPr id="5" name="PlaceHolder 4"/>
+          <p:cNvSpPr>
+            <a:spLocks noGrp="1"/>
+          </p:cNvSpPr>
+          <p:nvPr>
+            <p:ph type="dt" idx="6"/>
+          </p:nvPr>
+        </p:nvSpPr>
+        <p:spPr/>
+        <p:txBody>
+          <a:bodyPr/>
+          <a:p>
+            <a:r>
+              <a:rPr lang="zh-CN"/>
+              <a:t/>
+            </a:r>
+          </a:p>
+        </p:txBody>
+      </p:sp>
+    </p:spTree>
+  </p:cSld>
+</p:sldLayout>
+</file>
+
+<file path=ppt/slideLayouts/slideLayout18.xml><?xml version="1.0" encoding="utf-8"?>
+<p:sldLayout xmlns:a="http://schemas.openxmlformats.org/drawingml/2006/main" xmlns:p="http://schemas.openxmlformats.org/presentationml/2006/main" xmlns:r="http://schemas.openxmlformats.org/officeDocument/2006/relationships" xmlns:p14="http://schemas.microsoft.com/office/powerpoint/2010/main" xmlns:p15="http://schemas.microsoft.com/office/powerpoint/2012/main" xmlns:mc="http://schemas.openxmlformats.org/markup-compatibility/2006" type="objOnly" preserve="1">
+  <p:cSld name="Centered Text">
+    <p:spTree>
+      <p:nvGrpSpPr>
+        <p:cNvPr id="1" name=""/>
+        <p:cNvGrpSpPr/>
+        <p:nvPr/>
+      </p:nvGrpSpPr>
+      <p:grpSpPr>
+        <a:xfrm>
+          <a:off x="0" y="0"/>
+          <a:ext cx="0" cy="0"/>
+          <a:chOff x="0" y="0"/>
+          <a:chExt cx="0" cy="0"/>
+        </a:xfrm>
+      </p:grpSpPr>
+      <p:sp>
+        <p:nvSpPr>
+          <p:cNvPr id="54" name="PlaceHolder 1"/>
+          <p:cNvSpPr>
+            <a:spLocks noGrp="1"/>
+          </p:cNvSpPr>
+          <p:nvPr>
+            <p:ph type="subTitle"/>
+          </p:nvPr>
+        </p:nvSpPr>
+        <p:spPr>
+          <a:xfrm>
+            <a:off x="283320" y="401760"/>
+            <a:ext cx="5101560" cy="7799400"/>
+          </a:xfrm>
+          <a:prstGeom prst="rect">
+            <a:avLst/>
+          </a:prstGeom>
+          <a:noFill/>
+          <a:ln w="0">
+            <a:noFill/>
+          </a:ln>
+        </p:spPr>
+        <p:txBody>
+          <a:bodyPr lIns="0" rIns="0" tIns="0" bIns="0" anchor="ctr">
+            <a:noAutofit/>
+          </a:bodyPr>
+          <a:p>
+            <a:pPr algn="ctr">
+              <a:buNone/>
+            </a:pPr>
+            <a:endParaRPr b="0" lang="en-US" sz="3200" spc="-1" strike="noStrike">
+              <a:latin typeface="Arial"/>
+            </a:endParaRPr>
+          </a:p>
+        </p:txBody>
+      </p:sp>
+      <p:sp>
+        <p:nvSpPr>
+          <p:cNvPr id="3" name="PlaceHolder 2"/>
+          <p:cNvSpPr>
+            <a:spLocks noGrp="1"/>
+          </p:cNvSpPr>
+          <p:nvPr>
+            <p:ph type="ftr" idx="4"/>
+          </p:nvPr>
+        </p:nvSpPr>
+        <p:spPr/>
+        <p:txBody>
+          <a:bodyPr/>
+          <a:p>
+            <a:r>
+              <a:t>Footer</a:t>
+            </a:r>
+          </a:p>
+        </p:txBody>
+      </p:sp>
+      <p:sp>
+        <p:nvSpPr>
+          <p:cNvPr id="4" name="PlaceHolder 3"/>
+          <p:cNvSpPr>
+            <a:spLocks noGrp="1"/>
+          </p:cNvSpPr>
+          <p:nvPr>
+            <p:ph type="sldNum" idx="5"/>
+          </p:nvPr>
+        </p:nvSpPr>
+        <p:spPr/>
+        <p:txBody>
+          <a:bodyPr/>
+          <a:p>
+            <a:fld id="{6162F220-6EFA-49CD-9069-D0DB48751A6A}" type="slidenum">
+              <a:t>&lt;#&gt;</a:t>
+            </a:fld>
+          </a:p>
+        </p:txBody>
+      </p:sp>
+      <p:sp>
+        <p:nvSpPr>
+          <p:cNvPr id="5" name="PlaceHolder 4"/>
+          <p:cNvSpPr>
+            <a:spLocks noGrp="1"/>
+          </p:cNvSpPr>
+          <p:nvPr>
+            <p:ph type="dt" idx="6"/>
+          </p:nvPr>
+        </p:nvSpPr>
+        <p:spPr/>
+        <p:txBody>
+          <a:bodyPr/>
+          <a:p>
+            <a:r>
+              <a:rPr lang="zh-CN"/>
+              <a:t/>
+            </a:r>
+          </a:p>
+        </p:txBody>
+      </p:sp>
+    </p:spTree>
+  </p:cSld>
+</p:sldLayout>
+</file>
+
+<file path=ppt/slideLayouts/slideLayout19.xml><?xml version="1.0" encoding="utf-8"?>
+<p:sldLayout xmlns:a="http://schemas.openxmlformats.org/drawingml/2006/main" xmlns:p="http://schemas.openxmlformats.org/presentationml/2006/main" xmlns:r="http://schemas.openxmlformats.org/officeDocument/2006/relationships" xmlns:p14="http://schemas.microsoft.com/office/powerpoint/2010/main" xmlns:p15="http://schemas.microsoft.com/office/powerpoint/2012/main" xmlns:mc="http://schemas.openxmlformats.org/markup-compatibility/2006" type="twoObjAndObj" preserve="1">
+  <p:cSld name="Title, 2 Content and Content">
+    <p:spTree>
+      <p:nvGrpSpPr>
+        <p:cNvPr id="1" name=""/>
+        <p:cNvGrpSpPr/>
+        <p:nvPr/>
+      </p:nvGrpSpPr>
+      <p:grpSpPr>
+        <a:xfrm>
+          <a:off x="0" y="0"/>
+          <a:ext cx="0" cy="0"/>
+          <a:chOff x="0" y="0"/>
+          <a:chExt cx="0" cy="0"/>
+        </a:xfrm>
+      </p:grpSpPr>
+      <p:sp>
+        <p:nvSpPr>
+          <p:cNvPr id="55" name="PlaceHolder 1"/>
+          <p:cNvSpPr>
+            <a:spLocks noGrp="1"/>
+          </p:cNvSpPr>
+          <p:nvPr>
+            <p:ph type="title"/>
+          </p:nvPr>
+        </p:nvSpPr>
+        <p:spPr>
+          <a:xfrm>
+            <a:off x="283320" y="401760"/>
+            <a:ext cx="5101560" cy="1682280"/>
+          </a:xfrm>
+          <a:prstGeom prst="rect">
+            <a:avLst/>
+          </a:prstGeom>
+          <a:noFill/>
+          <a:ln w="0">
+            <a:noFill/>
+          </a:ln>
+        </p:spPr>
+        <p:txBody>
+          <a:bodyPr lIns="0" rIns="0" tIns="0" bIns="0" anchor="ctr">
+            <a:noAutofit/>
+          </a:bodyPr>
+          <a:p>
+            <a:pPr algn="ctr">
+              <a:buNone/>
+            </a:pPr>
+            <a:endParaRPr b="0" lang="en-US" sz="4400" spc="-1" strike="noStrike">
+              <a:latin typeface="Arial"/>
+            </a:endParaRPr>
+          </a:p>
+        </p:txBody>
+      </p:sp>
+      <p:sp>
+        <p:nvSpPr>
+          <p:cNvPr id="56" name="PlaceHolder 2"/>
+          <p:cNvSpPr>
+            <a:spLocks noGrp="1"/>
+          </p:cNvSpPr>
+          <p:nvPr>
+            <p:ph/>
+          </p:nvPr>
+        </p:nvSpPr>
+        <p:spPr>
+          <a:xfrm>
+            <a:off x="283320" y="2358000"/>
+            <a:ext cx="2489400" cy="2787480"/>
+          </a:xfrm>
+          <a:prstGeom prst="rect">
+            <a:avLst/>
+          </a:prstGeom>
+          <a:noFill/>
+          <a:ln w="0">
+            <a:noFill/>
+          </a:ln>
+        </p:spPr>
+        <p:txBody>
+          <a:bodyPr lIns="0" rIns="0" tIns="0" bIns="0" anchor="t">
+            <a:normAutofit/>
+          </a:bodyPr>
+          <a:p>
+            <a:endParaRPr b="0" lang="en-US" sz="3200" spc="-1" strike="noStrike">
+              <a:latin typeface="Arial"/>
+            </a:endParaRPr>
+          </a:p>
+        </p:txBody>
+      </p:sp>
+      <p:sp>
+        <p:nvSpPr>
+          <p:cNvPr id="57" name="PlaceHolder 3"/>
+          <p:cNvSpPr>
+            <a:spLocks noGrp="1"/>
+          </p:cNvSpPr>
+          <p:nvPr>
+            <p:ph/>
+          </p:nvPr>
+        </p:nvSpPr>
+        <p:spPr>
+          <a:xfrm>
+            <a:off x="2897640" y="2358000"/>
+            <a:ext cx="2489400" cy="5844240"/>
+          </a:xfrm>
+          <a:prstGeom prst="rect">
+            <a:avLst/>
+          </a:prstGeom>
+          <a:noFill/>
+          <a:ln w="0">
+            <a:noFill/>
+          </a:ln>
+        </p:spPr>
+        <p:txBody>
+          <a:bodyPr lIns="0" rIns="0" tIns="0" bIns="0" anchor="t">
+            <a:normAutofit/>
+          </a:bodyPr>
+          <a:p>
+            <a:endParaRPr b="0" lang="en-US" sz="3200" spc="-1" strike="noStrike">
+              <a:latin typeface="Arial"/>
+            </a:endParaRPr>
+          </a:p>
+        </p:txBody>
+      </p:sp>
+      <p:sp>
+        <p:nvSpPr>
+          <p:cNvPr id="58" name="PlaceHolder 4"/>
+          <p:cNvSpPr>
+            <a:spLocks noGrp="1"/>
+          </p:cNvSpPr>
+          <p:nvPr>
+            <p:ph/>
+          </p:nvPr>
+        </p:nvSpPr>
+        <p:spPr>
+          <a:xfrm>
+            <a:off x="283320" y="5410800"/>
+            <a:ext cx="2489400" cy="2787480"/>
+          </a:xfrm>
+          <a:prstGeom prst="rect">
+            <a:avLst/>
+          </a:prstGeom>
+          <a:noFill/>
+          <a:ln w="0">
+            <a:noFill/>
+          </a:ln>
+        </p:spPr>
+        <p:txBody>
+          <a:bodyPr lIns="0" rIns="0" tIns="0" bIns="0" anchor="t">
+            <a:normAutofit/>
+          </a:bodyPr>
+          <a:p>
+            <a:endParaRPr b="0" lang="en-US" sz="3200" spc="-1" strike="noStrike">
+              <a:latin typeface="Arial"/>
+            </a:endParaRPr>
+          </a:p>
+        </p:txBody>
+      </p:sp>
+      <p:sp>
+        <p:nvSpPr>
+          <p:cNvPr id="6" name="PlaceHolder 5"/>
+          <p:cNvSpPr>
+            <a:spLocks noGrp="1"/>
+          </p:cNvSpPr>
+          <p:nvPr>
+            <p:ph type="ftr" idx="4"/>
+          </p:nvPr>
+        </p:nvSpPr>
+        <p:spPr/>
+        <p:txBody>
+          <a:bodyPr/>
+          <a:p>
+            <a:r>
+              <a:t>Footer</a:t>
+            </a:r>
+          </a:p>
+        </p:txBody>
+      </p:sp>
+      <p:sp>
+        <p:nvSpPr>
+          <p:cNvPr id="7" name="PlaceHolder 6"/>
+          <p:cNvSpPr>
+            <a:spLocks noGrp="1"/>
+          </p:cNvSpPr>
+          <p:nvPr>
+            <p:ph type="sldNum" idx="5"/>
+          </p:nvPr>
+        </p:nvSpPr>
+        <p:spPr/>
+        <p:txBody>
+          <a:bodyPr/>
+          <a:p>
+            <a:fld id="{62841564-3DD4-4428-8674-BFB3F95DEA43}" type="slidenum">
+              <a:t>&lt;#&gt;</a:t>
+            </a:fld>
+          </a:p>
+        </p:txBody>
+      </p:sp>
+      <p:sp>
+        <p:nvSpPr>
+          <p:cNvPr id="8" name="PlaceHolder 7"/>
+          <p:cNvSpPr>
+            <a:spLocks noGrp="1"/>
+          </p:cNvSpPr>
+          <p:nvPr>
+            <p:ph type="dt" idx="6"/>
+          </p:nvPr>
+        </p:nvSpPr>
+        <p:spPr/>
+        <p:txBody>
+          <a:bodyPr/>
+          <a:p>
+            <a:r>
+              <a:rPr lang="zh-CN"/>
+              <a:t/>
+            </a:r>
+          </a:p>
+        </p:txBody>
+      </p:sp>
+    </p:spTree>
+  </p:cSld>
+</p:sldLayout>
+</file>
+
+<file path=ppt/slideLayouts/slideLayout2.xml><?xml version="1.0" encoding="utf-8"?>
+<p:sldLayout xmlns:a="http://schemas.openxmlformats.org/drawingml/2006/main" xmlns:p="http://schemas.openxmlformats.org/presentationml/2006/main" xmlns:r="http://schemas.openxmlformats.org/officeDocument/2006/relationships" xmlns:p14="http://schemas.microsoft.com/office/powerpoint/2010/main" xmlns:p15="http://schemas.microsoft.com/office/powerpoint/2012/main" xmlns:mc="http://schemas.openxmlformats.org/markup-compatibility/2006" type="tx" preserve="1">
+  <p:cSld name="Title Slide">
+    <p:spTree>
+      <p:nvGrpSpPr>
+        <p:cNvPr id="1" name=""/>
+        <p:cNvGrpSpPr/>
+        <p:nvPr/>
+      </p:nvGrpSpPr>
+      <p:grpSpPr>
+        <a:xfrm>
+          <a:off x="0" y="0"/>
+          <a:ext cx="0" cy="0"/>
+          <a:chOff x="0" y="0"/>
+          <a:chExt cx="0" cy="0"/>
+        </a:xfrm>
+      </p:grpSpPr>
+      <p:sp>
+        <p:nvSpPr>
+          <p:cNvPr id="5" name="PlaceHolder 1"/>
+          <p:cNvSpPr>
+            <a:spLocks noGrp="1"/>
+          </p:cNvSpPr>
+          <p:nvPr>
+            <p:ph type="title"/>
+          </p:nvPr>
+        </p:nvSpPr>
+        <p:spPr>
+          <a:xfrm>
+            <a:off x="283320" y="401760"/>
+            <a:ext cx="5101560" cy="1682280"/>
+          </a:xfrm>
+          <a:prstGeom prst="rect">
+            <a:avLst/>
+          </a:prstGeom>
+          <a:noFill/>
+          <a:ln w="0">
+            <a:noFill/>
+          </a:ln>
+        </p:spPr>
+        <p:txBody>
+          <a:bodyPr lIns="0" rIns="0" tIns="0" bIns="0" anchor="ctr">
+            <a:noAutofit/>
+          </a:bodyPr>
+          <a:p>
+            <a:pPr algn="ctr">
+              <a:buNone/>
+            </a:pPr>
+            <a:endParaRPr b="0" lang="en-US" sz="4400" spc="-1" strike="noStrike">
+              <a:latin typeface="Arial"/>
+            </a:endParaRPr>
+          </a:p>
+        </p:txBody>
+      </p:sp>
+      <p:sp>
+        <p:nvSpPr>
+          <p:cNvPr id="6" name="PlaceHolder 2"/>
+          <p:cNvSpPr>
+            <a:spLocks noGrp="1"/>
+          </p:cNvSpPr>
+          <p:nvPr>
+            <p:ph type="subTitle"/>
+          </p:nvPr>
+        </p:nvSpPr>
+        <p:spPr>
+          <a:xfrm>
+            <a:off x="283320" y="2358000"/>
+            <a:ext cx="5101560" cy="5844240"/>
+          </a:xfrm>
+          <a:prstGeom prst="rect">
+            <a:avLst/>
+          </a:prstGeom>
+          <a:noFill/>
+          <a:ln w="0">
+            <a:noFill/>
+          </a:ln>
+        </p:spPr>
+        <p:txBody>
+          <a:bodyPr lIns="0" rIns="0" tIns="0" bIns="0" anchor="ctr">
+            <a:noAutofit/>
+          </a:bodyPr>
+          <a:p>
+            <a:pPr algn="ctr">
+              <a:buNone/>
+            </a:pPr>
+            <a:endParaRPr b="0" lang="en-US" sz="3200" spc="-1" strike="noStrike">
+              <a:latin typeface="Arial"/>
+            </a:endParaRPr>
+          </a:p>
+        </p:txBody>
+      </p:sp>
+      <p:sp>
+        <p:nvSpPr>
+          <p:cNvPr id="4" name="PlaceHolder 3"/>
+          <p:cNvSpPr>
+            <a:spLocks noGrp="1"/>
+          </p:cNvSpPr>
+          <p:nvPr>
+            <p:ph type="ftr" idx="1"/>
+          </p:nvPr>
+        </p:nvSpPr>
+        <p:spPr/>
+        <p:txBody>
+          <a:bodyPr/>
+          <a:p>
+            <a:r>
+              <a:t>Footer</a:t>
+            </a:r>
+          </a:p>
+        </p:txBody>
+      </p:sp>
+      <p:sp>
+        <p:nvSpPr>
+          <p:cNvPr id="5" name="PlaceHolder 4"/>
+          <p:cNvSpPr>
+            <a:spLocks noGrp="1"/>
+          </p:cNvSpPr>
+          <p:nvPr>
+            <p:ph type="sldNum" idx="2"/>
+          </p:nvPr>
+        </p:nvSpPr>
+        <p:spPr/>
+        <p:txBody>
+          <a:bodyPr/>
+          <a:p>
+            <a:fld id="{82BEFCBF-14C9-43E9-B7A7-6AA90BB2A249}" type="slidenum">
+              <a:t>&lt;#&gt;</a:t>
+            </a:fld>
+          </a:p>
+        </p:txBody>
+      </p:sp>
+      <p:sp>
+        <p:nvSpPr>
+          <p:cNvPr id="6" name="PlaceHolder 5"/>
+          <p:cNvSpPr>
+            <a:spLocks noGrp="1"/>
+          </p:cNvSpPr>
+          <p:nvPr>
+            <p:ph type="dt" idx="3"/>
+          </p:nvPr>
+        </p:nvSpPr>
+        <p:spPr/>
+        <p:txBody>
+          <a:bodyPr/>
+          <a:p>
+            <a:r>
+              <a:rPr lang="zh-CN"/>
+              <a:t/>
+            </a:r>
+          </a:p>
+        </p:txBody>
+      </p:sp>
+    </p:spTree>
+  </p:cSld>
+</p:sldLayout>
+</file>
+
+<file path=ppt/slideLayouts/slideLayout20.xml><?xml version="1.0" encoding="utf-8"?>
+<p:sldLayout xmlns:a="http://schemas.openxmlformats.org/drawingml/2006/main" xmlns:p="http://schemas.openxmlformats.org/presentationml/2006/main" xmlns:r="http://schemas.openxmlformats.org/officeDocument/2006/relationships" xmlns:p14="http://schemas.microsoft.com/office/powerpoint/2010/main" xmlns:p15="http://schemas.microsoft.com/office/powerpoint/2012/main" xmlns:mc="http://schemas.openxmlformats.org/markup-compatibility/2006" type="objAndTwoObj" preserve="1">
+  <p:cSld name="Title Content and 2 Content">
+    <p:spTree>
+      <p:nvGrpSpPr>
+        <p:cNvPr id="1" name=""/>
+        <p:cNvGrpSpPr/>
+        <p:nvPr/>
+      </p:nvGrpSpPr>
+      <p:grpSpPr>
+        <a:xfrm>
+          <a:off x="0" y="0"/>
+          <a:ext cx="0" cy="0"/>
+          <a:chOff x="0" y="0"/>
+          <a:chExt cx="0" cy="0"/>
+        </a:xfrm>
+      </p:grpSpPr>
+      <p:sp>
+        <p:nvSpPr>
+          <p:cNvPr id="59" name="PlaceHolder 1"/>
+          <p:cNvSpPr>
+            <a:spLocks noGrp="1"/>
+          </p:cNvSpPr>
+          <p:nvPr>
+            <p:ph type="title"/>
+          </p:nvPr>
+        </p:nvSpPr>
+        <p:spPr>
+          <a:xfrm>
+            <a:off x="283320" y="401760"/>
+            <a:ext cx="5101560" cy="1682280"/>
+          </a:xfrm>
+          <a:prstGeom prst="rect">
+            <a:avLst/>
+          </a:prstGeom>
+          <a:noFill/>
+          <a:ln w="0">
+            <a:noFill/>
+          </a:ln>
+        </p:spPr>
+        <p:txBody>
+          <a:bodyPr lIns="0" rIns="0" tIns="0" bIns="0" anchor="ctr">
+            <a:noAutofit/>
+          </a:bodyPr>
+          <a:p>
+            <a:pPr algn="ctr">
+              <a:buNone/>
+            </a:pPr>
+            <a:endParaRPr b="0" lang="en-US" sz="4400" spc="-1" strike="noStrike">
+              <a:latin typeface="Arial"/>
+            </a:endParaRPr>
+          </a:p>
+        </p:txBody>
+      </p:sp>
+      <p:sp>
+        <p:nvSpPr>
+          <p:cNvPr id="60" name="PlaceHolder 2"/>
+          <p:cNvSpPr>
+            <a:spLocks noGrp="1"/>
+          </p:cNvSpPr>
+          <p:nvPr>
+            <p:ph/>
+          </p:nvPr>
+        </p:nvSpPr>
+        <p:spPr>
+          <a:xfrm>
+            <a:off x="283320" y="2358000"/>
+            <a:ext cx="2489400" cy="5844240"/>
+          </a:xfrm>
+          <a:prstGeom prst="rect">
+            <a:avLst/>
+          </a:prstGeom>
+          <a:noFill/>
+          <a:ln w="0">
+            <a:noFill/>
+          </a:ln>
+        </p:spPr>
+        <p:txBody>
+          <a:bodyPr lIns="0" rIns="0" tIns="0" bIns="0" anchor="t">
+            <a:normAutofit/>
+          </a:bodyPr>
+          <a:p>
+            <a:endParaRPr b="0" lang="en-US" sz="3200" spc="-1" strike="noStrike">
+              <a:latin typeface="Arial"/>
+            </a:endParaRPr>
+          </a:p>
+        </p:txBody>
+      </p:sp>
+      <p:sp>
+        <p:nvSpPr>
+          <p:cNvPr id="61" name="PlaceHolder 3"/>
+          <p:cNvSpPr>
+            <a:spLocks noGrp="1"/>
+          </p:cNvSpPr>
+          <p:nvPr>
+            <p:ph/>
+          </p:nvPr>
+        </p:nvSpPr>
+        <p:spPr>
+          <a:xfrm>
+            <a:off x="2897640" y="2358000"/>
+            <a:ext cx="2489400" cy="2787480"/>
+          </a:xfrm>
+          <a:prstGeom prst="rect">
+            <a:avLst/>
+          </a:prstGeom>
+          <a:noFill/>
+          <a:ln w="0">
+            <a:noFill/>
+          </a:ln>
+        </p:spPr>
+        <p:txBody>
+          <a:bodyPr lIns="0" rIns="0" tIns="0" bIns="0" anchor="t">
+            <a:normAutofit/>
+          </a:bodyPr>
+          <a:p>
+            <a:endParaRPr b="0" lang="en-US" sz="3200" spc="-1" strike="noStrike">
+              <a:latin typeface="Arial"/>
+            </a:endParaRPr>
+          </a:p>
+        </p:txBody>
+      </p:sp>
+      <p:sp>
+        <p:nvSpPr>
+          <p:cNvPr id="62" name="PlaceHolder 4"/>
+          <p:cNvSpPr>
+            <a:spLocks noGrp="1"/>
+          </p:cNvSpPr>
+          <p:nvPr>
+            <p:ph/>
+          </p:nvPr>
+        </p:nvSpPr>
+        <p:spPr>
+          <a:xfrm>
+            <a:off x="2897640" y="5410800"/>
+            <a:ext cx="2489400" cy="2787480"/>
+          </a:xfrm>
+          <a:prstGeom prst="rect">
+            <a:avLst/>
+          </a:prstGeom>
+          <a:noFill/>
+          <a:ln w="0">
+            <a:noFill/>
+          </a:ln>
+        </p:spPr>
+        <p:txBody>
+          <a:bodyPr lIns="0" rIns="0" tIns="0" bIns="0" anchor="t">
+            <a:normAutofit/>
+          </a:bodyPr>
+          <a:p>
+            <a:endParaRPr b="0" lang="en-US" sz="3200" spc="-1" strike="noStrike">
+              <a:latin typeface="Arial"/>
+            </a:endParaRPr>
+          </a:p>
+        </p:txBody>
+      </p:sp>
+      <p:sp>
+        <p:nvSpPr>
+          <p:cNvPr id="6" name="PlaceHolder 5"/>
+          <p:cNvSpPr>
+            <a:spLocks noGrp="1"/>
+          </p:cNvSpPr>
+          <p:nvPr>
+            <p:ph type="ftr" idx="4"/>
+          </p:nvPr>
+        </p:nvSpPr>
+        <p:spPr/>
+        <p:txBody>
+          <a:bodyPr/>
+          <a:p>
+            <a:r>
+              <a:t>Footer</a:t>
+            </a:r>
+          </a:p>
+        </p:txBody>
+      </p:sp>
+      <p:sp>
+        <p:nvSpPr>
+          <p:cNvPr id="7" name="PlaceHolder 6"/>
+          <p:cNvSpPr>
+            <a:spLocks noGrp="1"/>
+          </p:cNvSpPr>
+          <p:nvPr>
+            <p:ph type="sldNum" idx="5"/>
+          </p:nvPr>
+        </p:nvSpPr>
+        <p:spPr/>
+        <p:txBody>
+          <a:bodyPr/>
+          <a:p>
+            <a:fld id="{C81DC1F1-7E09-4E36-9610-19A298C5538A}" type="slidenum">
+              <a:t>&lt;#&gt;</a:t>
+            </a:fld>
+          </a:p>
+        </p:txBody>
+      </p:sp>
+      <p:sp>
+        <p:nvSpPr>
+          <p:cNvPr id="8" name="PlaceHolder 7"/>
+          <p:cNvSpPr>
+            <a:spLocks noGrp="1"/>
+          </p:cNvSpPr>
+          <p:nvPr>
+            <p:ph type="dt" idx="6"/>
+          </p:nvPr>
+        </p:nvSpPr>
+        <p:spPr/>
+        <p:txBody>
+          <a:bodyPr/>
+          <a:p>
+            <a:r>
+              <a:rPr lang="zh-CN"/>
+              <a:t/>
+            </a:r>
+          </a:p>
+        </p:txBody>
+      </p:sp>
+    </p:spTree>
+  </p:cSld>
+</p:sldLayout>
+</file>
+
+<file path=ppt/slideLayouts/slideLayout21.xml><?xml version="1.0" encoding="utf-8"?>
+<p:sldLayout xmlns:a="http://schemas.openxmlformats.org/drawingml/2006/main" xmlns:p="http://schemas.openxmlformats.org/presentationml/2006/main" xmlns:r="http://schemas.openxmlformats.org/officeDocument/2006/relationships" xmlns:p14="http://schemas.microsoft.com/office/powerpoint/2010/main" xmlns:p15="http://schemas.microsoft.com/office/powerpoint/2012/main" xmlns:mc="http://schemas.openxmlformats.org/markup-compatibility/2006" type="twoObjOverTx" preserve="1">
+  <p:cSld name="Title, 2 Content over Content">
+    <p:spTree>
+      <p:nvGrpSpPr>
+        <p:cNvPr id="1" name=""/>
+        <p:cNvGrpSpPr/>
+        <p:nvPr/>
+      </p:nvGrpSpPr>
+      <p:grpSpPr>
+        <a:xfrm>
+          <a:off x="0" y="0"/>
+          <a:ext cx="0" cy="0"/>
+          <a:chOff x="0" y="0"/>
+          <a:chExt cx="0" cy="0"/>
+        </a:xfrm>
+      </p:grpSpPr>
+      <p:sp>
+        <p:nvSpPr>
+          <p:cNvPr id="63" name="PlaceHolder 1"/>
+          <p:cNvSpPr>
+            <a:spLocks noGrp="1"/>
+          </p:cNvSpPr>
+          <p:nvPr>
+            <p:ph type="title"/>
+          </p:nvPr>
+        </p:nvSpPr>
+        <p:spPr>
+          <a:xfrm>
+            <a:off x="283320" y="401760"/>
+            <a:ext cx="5101560" cy="1682280"/>
+          </a:xfrm>
+          <a:prstGeom prst="rect">
+            <a:avLst/>
+          </a:prstGeom>
+          <a:noFill/>
+          <a:ln w="0">
+            <a:noFill/>
+          </a:ln>
+        </p:spPr>
+        <p:txBody>
+          <a:bodyPr lIns="0" rIns="0" tIns="0" bIns="0" anchor="ctr">
+            <a:noAutofit/>
+          </a:bodyPr>
+          <a:p>
+            <a:pPr algn="ctr">
+              <a:buNone/>
+            </a:pPr>
+            <a:endParaRPr b="0" lang="en-US" sz="4400" spc="-1" strike="noStrike">
+              <a:latin typeface="Arial"/>
+            </a:endParaRPr>
+          </a:p>
+        </p:txBody>
+      </p:sp>
+      <p:sp>
+        <p:nvSpPr>
+          <p:cNvPr id="64" name="PlaceHolder 2"/>
+          <p:cNvSpPr>
+            <a:spLocks noGrp="1"/>
+          </p:cNvSpPr>
+          <p:nvPr>
+            <p:ph/>
+          </p:nvPr>
+        </p:nvSpPr>
+        <p:spPr>
+          <a:xfrm>
+            <a:off x="283320" y="2358000"/>
+            <a:ext cx="2489400" cy="2787480"/>
+          </a:xfrm>
+          <a:prstGeom prst="rect">
+            <a:avLst/>
+          </a:prstGeom>
+          <a:noFill/>
+          <a:ln w="0">
+            <a:noFill/>
+          </a:ln>
+        </p:spPr>
+        <p:txBody>
+          <a:bodyPr lIns="0" rIns="0" tIns="0" bIns="0" anchor="t">
+            <a:normAutofit/>
+          </a:bodyPr>
+          <a:p>
+            <a:endParaRPr b="0" lang="en-US" sz="3200" spc="-1" strike="noStrike">
+              <a:latin typeface="Arial"/>
+            </a:endParaRPr>
+          </a:p>
+        </p:txBody>
+      </p:sp>
+      <p:sp>
+        <p:nvSpPr>
+          <p:cNvPr id="65" name="PlaceHolder 3"/>
+          <p:cNvSpPr>
+            <a:spLocks noGrp="1"/>
+          </p:cNvSpPr>
+          <p:nvPr>
+            <p:ph/>
+          </p:nvPr>
+        </p:nvSpPr>
+        <p:spPr>
+          <a:xfrm>
+            <a:off x="2897640" y="2358000"/>
+            <a:ext cx="2489400" cy="2787480"/>
+          </a:xfrm>
+          <a:prstGeom prst="rect">
+            <a:avLst/>
+          </a:prstGeom>
+          <a:noFill/>
+          <a:ln w="0">
+            <a:noFill/>
+          </a:ln>
+        </p:spPr>
+        <p:txBody>
+          <a:bodyPr lIns="0" rIns="0" tIns="0" bIns="0" anchor="t">
+            <a:normAutofit/>
+          </a:bodyPr>
+          <a:p>
+            <a:endParaRPr b="0" lang="en-US" sz="3200" spc="-1" strike="noStrike">
+              <a:latin typeface="Arial"/>
+            </a:endParaRPr>
+          </a:p>
+        </p:txBody>
+      </p:sp>
+      <p:sp>
+        <p:nvSpPr>
+          <p:cNvPr id="66" name="PlaceHolder 4"/>
+          <p:cNvSpPr>
+            <a:spLocks noGrp="1"/>
+          </p:cNvSpPr>
+          <p:nvPr>
+            <p:ph/>
+          </p:nvPr>
+        </p:nvSpPr>
+        <p:spPr>
+          <a:xfrm>
+            <a:off x="283320" y="5410800"/>
+            <a:ext cx="5101560" cy="2787480"/>
+          </a:xfrm>
+          <a:prstGeom prst="rect">
+            <a:avLst/>
+          </a:prstGeom>
+          <a:noFill/>
+          <a:ln w="0">
+            <a:noFill/>
+          </a:ln>
+        </p:spPr>
+        <p:txBody>
+          <a:bodyPr lIns="0" rIns="0" tIns="0" bIns="0" anchor="t">
+            <a:normAutofit/>
+          </a:bodyPr>
+          <a:p>
+            <a:endParaRPr b="0" lang="en-US" sz="3200" spc="-1" strike="noStrike">
+              <a:latin typeface="Arial"/>
+            </a:endParaRPr>
+          </a:p>
+        </p:txBody>
+      </p:sp>
+      <p:sp>
+        <p:nvSpPr>
+          <p:cNvPr id="6" name="PlaceHolder 5"/>
+          <p:cNvSpPr>
+            <a:spLocks noGrp="1"/>
+          </p:cNvSpPr>
+          <p:nvPr>
+            <p:ph type="ftr" idx="4"/>
+          </p:nvPr>
+        </p:nvSpPr>
+        <p:spPr/>
+        <p:txBody>
+          <a:bodyPr/>
+          <a:p>
+            <a:r>
+              <a:t>Footer</a:t>
+            </a:r>
+          </a:p>
+        </p:txBody>
+      </p:sp>
+      <p:sp>
+        <p:nvSpPr>
+          <p:cNvPr id="7" name="PlaceHolder 6"/>
+          <p:cNvSpPr>
+            <a:spLocks noGrp="1"/>
+          </p:cNvSpPr>
+          <p:nvPr>
+            <p:ph type="sldNum" idx="5"/>
+          </p:nvPr>
+        </p:nvSpPr>
+        <p:spPr/>
+        <p:txBody>
+          <a:bodyPr/>
+          <a:p>
+            <a:fld id="{7E61CFD4-44BA-48B5-9197-7BEB9A177F2A}" type="slidenum">
+              <a:t>&lt;#&gt;</a:t>
+            </a:fld>
+          </a:p>
+        </p:txBody>
+      </p:sp>
+      <p:sp>
+        <p:nvSpPr>
+          <p:cNvPr id="8" name="PlaceHolder 7"/>
+          <p:cNvSpPr>
+            <a:spLocks noGrp="1"/>
+          </p:cNvSpPr>
+          <p:nvPr>
+            <p:ph type="dt" idx="6"/>
+          </p:nvPr>
+        </p:nvSpPr>
+        <p:spPr/>
+        <p:txBody>
+          <a:bodyPr/>
+          <a:p>
+            <a:r>
+              <a:rPr lang="zh-CN"/>
+              <a:t/>
+            </a:r>
+          </a:p>
+        </p:txBody>
+      </p:sp>
+    </p:spTree>
+  </p:cSld>
+</p:sldLayout>
+</file>
+
+<file path=ppt/slideLayouts/slideLayout22.xml><?xml version="1.0" encoding="utf-8"?>
+<p:sldLayout xmlns:a="http://schemas.openxmlformats.org/drawingml/2006/main" xmlns:p="http://schemas.openxmlformats.org/presentationml/2006/main" xmlns:r="http://schemas.openxmlformats.org/officeDocument/2006/relationships" xmlns:p14="http://schemas.microsoft.com/office/powerpoint/2010/main" xmlns:p15="http://schemas.microsoft.com/office/powerpoint/2012/main" xmlns:mc="http://schemas.openxmlformats.org/markup-compatibility/2006" type="objOverTx" preserve="1">
+  <p:cSld name="Title, Content over Content">
+    <p:spTree>
+      <p:nvGrpSpPr>
+        <p:cNvPr id="1" name=""/>
+        <p:cNvGrpSpPr/>
+        <p:nvPr/>
+      </p:nvGrpSpPr>
+      <p:grpSpPr>
+        <a:xfrm>
+          <a:off x="0" y="0"/>
+          <a:ext cx="0" cy="0"/>
+          <a:chOff x="0" y="0"/>
+          <a:chExt cx="0" cy="0"/>
+        </a:xfrm>
+      </p:grpSpPr>
+      <p:sp>
+        <p:nvSpPr>
+          <p:cNvPr id="67" name="PlaceHolder 1"/>
+          <p:cNvSpPr>
+            <a:spLocks noGrp="1"/>
+          </p:cNvSpPr>
+          <p:nvPr>
+            <p:ph type="title"/>
+          </p:nvPr>
+        </p:nvSpPr>
+        <p:spPr>
+          <a:xfrm>
+            <a:off x="283320" y="401760"/>
+            <a:ext cx="5101560" cy="1682280"/>
+          </a:xfrm>
+          <a:prstGeom prst="rect">
+            <a:avLst/>
+          </a:prstGeom>
+          <a:noFill/>
+          <a:ln w="0">
+            <a:noFill/>
+          </a:ln>
+        </p:spPr>
+        <p:txBody>
+          <a:bodyPr lIns="0" rIns="0" tIns="0" bIns="0" anchor="ctr">
+            <a:noAutofit/>
+          </a:bodyPr>
+          <a:p>
+            <a:pPr algn="ctr">
+              <a:buNone/>
+            </a:pPr>
+            <a:endParaRPr b="0" lang="en-US" sz="4400" spc="-1" strike="noStrike">
+              <a:latin typeface="Arial"/>
+            </a:endParaRPr>
+          </a:p>
+        </p:txBody>
+      </p:sp>
+      <p:sp>
+        <p:nvSpPr>
+          <p:cNvPr id="68" name="PlaceHolder 2"/>
+          <p:cNvSpPr>
+            <a:spLocks noGrp="1"/>
+          </p:cNvSpPr>
+          <p:nvPr>
+            <p:ph/>
+          </p:nvPr>
+        </p:nvSpPr>
+        <p:spPr>
+          <a:xfrm>
+            <a:off x="283320" y="2358000"/>
+            <a:ext cx="5101560" cy="2787480"/>
+          </a:xfrm>
+          <a:prstGeom prst="rect">
+            <a:avLst/>
+          </a:prstGeom>
+          <a:noFill/>
+          <a:ln w="0">
+            <a:noFill/>
+          </a:ln>
+        </p:spPr>
+        <p:txBody>
+          <a:bodyPr lIns="0" rIns="0" tIns="0" bIns="0" anchor="t">
+            <a:normAutofit/>
+          </a:bodyPr>
+          <a:p>
+            <a:endParaRPr b="0" lang="en-US" sz="3200" spc="-1" strike="noStrike">
+              <a:latin typeface="Arial"/>
+            </a:endParaRPr>
+          </a:p>
+        </p:txBody>
+      </p:sp>
+      <p:sp>
+        <p:nvSpPr>
+          <p:cNvPr id="69" name="PlaceHolder 3"/>
+          <p:cNvSpPr>
+            <a:spLocks noGrp="1"/>
+          </p:cNvSpPr>
+          <p:nvPr>
+            <p:ph/>
+          </p:nvPr>
+        </p:nvSpPr>
+        <p:spPr>
+          <a:xfrm>
+            <a:off x="283320" y="5410800"/>
+            <a:ext cx="5101560" cy="2787480"/>
+          </a:xfrm>
+          <a:prstGeom prst="rect">
+            <a:avLst/>
+          </a:prstGeom>
+          <a:noFill/>
+          <a:ln w="0">
+            <a:noFill/>
+          </a:ln>
+        </p:spPr>
+        <p:txBody>
+          <a:bodyPr lIns="0" rIns="0" tIns="0" bIns="0" anchor="t">
+            <a:normAutofit/>
+          </a:bodyPr>
+          <a:p>
+            <a:endParaRPr b="0" lang="en-US" sz="3200" spc="-1" strike="noStrike">
+              <a:latin typeface="Arial"/>
+            </a:endParaRPr>
+          </a:p>
+        </p:txBody>
+      </p:sp>
+      <p:sp>
+        <p:nvSpPr>
+          <p:cNvPr id="5" name="PlaceHolder 4"/>
+          <p:cNvSpPr>
+            <a:spLocks noGrp="1"/>
+          </p:cNvSpPr>
+          <p:nvPr>
+            <p:ph type="ftr" idx="4"/>
+          </p:nvPr>
+        </p:nvSpPr>
+        <p:spPr/>
+        <p:txBody>
+          <a:bodyPr/>
+          <a:p>
+            <a:r>
+              <a:t>Footer</a:t>
+            </a:r>
+          </a:p>
+        </p:txBody>
+      </p:sp>
+      <p:sp>
+        <p:nvSpPr>
+          <p:cNvPr id="6" name="PlaceHolder 5"/>
+          <p:cNvSpPr>
+            <a:spLocks noGrp="1"/>
+          </p:cNvSpPr>
+          <p:nvPr>
+            <p:ph type="sldNum" idx="5"/>
+          </p:nvPr>
+        </p:nvSpPr>
+        <p:spPr/>
+        <p:txBody>
+          <a:bodyPr/>
+          <a:p>
+            <a:fld id="{5F224E95-E055-4A7B-8486-812096535726}" type="slidenum">
+              <a:t>&lt;#&gt;</a:t>
+            </a:fld>
+          </a:p>
+        </p:txBody>
+      </p:sp>
+      <p:sp>
+        <p:nvSpPr>
+          <p:cNvPr id="7" name="PlaceHolder 6"/>
+          <p:cNvSpPr>
+            <a:spLocks noGrp="1"/>
+          </p:cNvSpPr>
+          <p:nvPr>
+            <p:ph type="dt" idx="6"/>
+          </p:nvPr>
+        </p:nvSpPr>
+        <p:spPr/>
+        <p:txBody>
+          <a:bodyPr/>
+          <a:p>
+            <a:r>
+              <a:rPr lang="zh-CN"/>
+              <a:t/>
+            </a:r>
+          </a:p>
+        </p:txBody>
+      </p:sp>
+    </p:spTree>
+  </p:cSld>
+</p:sldLayout>
+</file>
+
+<file path=ppt/slideLayouts/slideLayout23.xml><?xml version="1.0" encoding="utf-8"?>
+<p:sldLayout xmlns:a="http://schemas.openxmlformats.org/drawingml/2006/main" xmlns:p="http://schemas.openxmlformats.org/presentationml/2006/main" xmlns:r="http://schemas.openxmlformats.org/officeDocument/2006/relationships" xmlns:p14="http://schemas.microsoft.com/office/powerpoint/2010/main" xmlns:p15="http://schemas.microsoft.com/office/powerpoint/2012/main" xmlns:mc="http://schemas.openxmlformats.org/markup-compatibility/2006" type="fourObj" preserve="1">
+  <p:cSld name="Title, 4 Content">
+    <p:spTree>
+      <p:nvGrpSpPr>
+        <p:cNvPr id="1" name=""/>
+        <p:cNvGrpSpPr/>
+        <p:nvPr/>
+      </p:nvGrpSpPr>
+      <p:grpSpPr>
+        <a:xfrm>
+          <a:off x="0" y="0"/>
+          <a:ext cx="0" cy="0"/>
+          <a:chOff x="0" y="0"/>
+          <a:chExt cx="0" cy="0"/>
+        </a:xfrm>
+      </p:grpSpPr>
+      <p:sp>
+        <p:nvSpPr>
+          <p:cNvPr id="70" name="PlaceHolder 1"/>
+          <p:cNvSpPr>
+            <a:spLocks noGrp="1"/>
+          </p:cNvSpPr>
+          <p:nvPr>
+            <p:ph type="title"/>
+          </p:nvPr>
+        </p:nvSpPr>
+        <p:spPr>
+          <a:xfrm>
+            <a:off x="283320" y="401760"/>
+            <a:ext cx="5101560" cy="1682280"/>
+          </a:xfrm>
+          <a:prstGeom prst="rect">
+            <a:avLst/>
+          </a:prstGeom>
+          <a:noFill/>
+          <a:ln w="0">
+            <a:noFill/>
+          </a:ln>
+        </p:spPr>
+        <p:txBody>
+          <a:bodyPr lIns="0" rIns="0" tIns="0" bIns="0" anchor="ctr">
+            <a:noAutofit/>
+          </a:bodyPr>
+          <a:p>
+            <a:pPr algn="ctr">
+              <a:buNone/>
+            </a:pPr>
+            <a:endParaRPr b="0" lang="en-US" sz="4400" spc="-1" strike="noStrike">
+              <a:latin typeface="Arial"/>
+            </a:endParaRPr>
+          </a:p>
+        </p:txBody>
+      </p:sp>
+      <p:sp>
+        <p:nvSpPr>
+          <p:cNvPr id="71" name="PlaceHolder 2"/>
+          <p:cNvSpPr>
+            <a:spLocks noGrp="1"/>
+          </p:cNvSpPr>
+          <p:nvPr>
+            <p:ph/>
+          </p:nvPr>
+        </p:nvSpPr>
+        <p:spPr>
+          <a:xfrm>
+            <a:off x="283320" y="2358000"/>
+            <a:ext cx="2489400" cy="2787480"/>
+          </a:xfrm>
+          <a:prstGeom prst="rect">
+            <a:avLst/>
+          </a:prstGeom>
+          <a:noFill/>
+          <a:ln w="0">
+            <a:noFill/>
+          </a:ln>
+        </p:spPr>
+        <p:txBody>
+          <a:bodyPr lIns="0" rIns="0" tIns="0" bIns="0" anchor="t">
+            <a:normAutofit/>
+          </a:bodyPr>
+          <a:p>
+            <a:endParaRPr b="0" lang="en-US" sz="3200" spc="-1" strike="noStrike">
+              <a:latin typeface="Arial"/>
+            </a:endParaRPr>
+          </a:p>
+        </p:txBody>
+      </p:sp>
+      <p:sp>
+        <p:nvSpPr>
+          <p:cNvPr id="72" name="PlaceHolder 3"/>
+          <p:cNvSpPr>
+            <a:spLocks noGrp="1"/>
+          </p:cNvSpPr>
+          <p:nvPr>
+            <p:ph/>
+          </p:nvPr>
+        </p:nvSpPr>
+        <p:spPr>
+          <a:xfrm>
+            <a:off x="2897640" y="2358000"/>
+            <a:ext cx="2489400" cy="2787480"/>
+          </a:xfrm>
+          <a:prstGeom prst="rect">
+            <a:avLst/>
+          </a:prstGeom>
+          <a:noFill/>
+          <a:ln w="0">
+            <a:noFill/>
+          </a:ln>
+        </p:spPr>
+        <p:txBody>
+          <a:bodyPr lIns="0" rIns="0" tIns="0" bIns="0" anchor="t">
+            <a:normAutofit/>
+          </a:bodyPr>
+          <a:p>
+            <a:endParaRPr b="0" lang="en-US" sz="3200" spc="-1" strike="noStrike">
+              <a:latin typeface="Arial"/>
+            </a:endParaRPr>
+          </a:p>
+        </p:txBody>
+      </p:sp>
+      <p:sp>
+        <p:nvSpPr>
+          <p:cNvPr id="73" name="PlaceHolder 4"/>
+          <p:cNvSpPr>
+            <a:spLocks noGrp="1"/>
+          </p:cNvSpPr>
+          <p:nvPr>
+            <p:ph/>
+          </p:nvPr>
+        </p:nvSpPr>
+        <p:spPr>
+          <a:xfrm>
+            <a:off x="283320" y="5410800"/>
+            <a:ext cx="2489400" cy="2787480"/>
+          </a:xfrm>
+          <a:prstGeom prst="rect">
+            <a:avLst/>
+          </a:prstGeom>
+          <a:noFill/>
+          <a:ln w="0">
+            <a:noFill/>
+          </a:ln>
+        </p:spPr>
+        <p:txBody>
+          <a:bodyPr lIns="0" rIns="0" tIns="0" bIns="0" anchor="t">
+            <a:normAutofit/>
+          </a:bodyPr>
+          <a:p>
+            <a:endParaRPr b="0" lang="en-US" sz="3200" spc="-1" strike="noStrike">
+              <a:latin typeface="Arial"/>
+            </a:endParaRPr>
+          </a:p>
+        </p:txBody>
+      </p:sp>
+      <p:sp>
+        <p:nvSpPr>
+          <p:cNvPr id="74" name="PlaceHolder 5"/>
+          <p:cNvSpPr>
+            <a:spLocks noGrp="1"/>
+          </p:cNvSpPr>
+          <p:nvPr>
+            <p:ph/>
+          </p:nvPr>
+        </p:nvSpPr>
+        <p:spPr>
+          <a:xfrm>
+            <a:off x="2897640" y="5410800"/>
+            <a:ext cx="2489400" cy="2787480"/>
+          </a:xfrm>
+          <a:prstGeom prst="rect">
+            <a:avLst/>
+          </a:prstGeom>
+          <a:noFill/>
+          <a:ln w="0">
+            <a:noFill/>
+          </a:ln>
+        </p:spPr>
+        <p:txBody>
+          <a:bodyPr lIns="0" rIns="0" tIns="0" bIns="0" anchor="t">
+            <a:normAutofit/>
+          </a:bodyPr>
+          <a:p>
+            <a:endParaRPr b="0" lang="en-US" sz="3200" spc="-1" strike="noStrike">
+              <a:latin typeface="Arial"/>
+            </a:endParaRPr>
+          </a:p>
+        </p:txBody>
+      </p:sp>
+      <p:sp>
+        <p:nvSpPr>
+          <p:cNvPr id="7" name="PlaceHolder 6"/>
+          <p:cNvSpPr>
+            <a:spLocks noGrp="1"/>
+          </p:cNvSpPr>
+          <p:nvPr>
+            <p:ph type="ftr" idx="4"/>
+          </p:nvPr>
+        </p:nvSpPr>
+        <p:spPr/>
+        <p:txBody>
+          <a:bodyPr/>
+          <a:p>
+            <a:r>
+              <a:t>Footer</a:t>
+            </a:r>
+          </a:p>
+        </p:txBody>
+      </p:sp>
+      <p:sp>
+        <p:nvSpPr>
+          <p:cNvPr id="8" name="PlaceHolder 7"/>
+          <p:cNvSpPr>
+            <a:spLocks noGrp="1"/>
+          </p:cNvSpPr>
+          <p:nvPr>
+            <p:ph type="sldNum" idx="5"/>
+          </p:nvPr>
+        </p:nvSpPr>
+        <p:spPr/>
+        <p:txBody>
+          <a:bodyPr/>
+          <a:p>
+            <a:fld id="{5735E94E-F4DD-4D16-9470-A74AAB10E674}" type="slidenum">
+              <a:t>&lt;#&gt;</a:t>
+            </a:fld>
+          </a:p>
+        </p:txBody>
+      </p:sp>
+      <p:sp>
+        <p:nvSpPr>
+          <p:cNvPr id="9" name="PlaceHolder 8"/>
+          <p:cNvSpPr>
+            <a:spLocks noGrp="1"/>
+          </p:cNvSpPr>
+          <p:nvPr>
+            <p:ph type="dt" idx="6"/>
+          </p:nvPr>
+        </p:nvSpPr>
+        <p:spPr/>
+        <p:txBody>
+          <a:bodyPr/>
+          <a:p>
+            <a:r>
+              <a:rPr lang="zh-CN"/>
+              <a:t/>
+            </a:r>
+          </a:p>
+        </p:txBody>
+      </p:sp>
+    </p:spTree>
+  </p:cSld>
+</p:sldLayout>
+</file>
+
+<file path=ppt/slideLayouts/slideLayout24.xml><?xml version="1.0" encoding="utf-8"?>
+<p:sldLayout xmlns:a="http://schemas.openxmlformats.org/drawingml/2006/main" xmlns:p="http://schemas.openxmlformats.org/presentationml/2006/main" xmlns:r="http://schemas.openxmlformats.org/officeDocument/2006/relationships" xmlns:p14="http://schemas.microsoft.com/office/powerpoint/2010/main" xmlns:p15="http://schemas.microsoft.com/office/powerpoint/2012/main" xmlns:mc="http://schemas.openxmlformats.org/markup-compatibility/2006" type="blank" preserve="1">
+  <p:cSld name="Title, 6 Content">
+    <p:spTree>
+      <p:nvGrpSpPr>
+        <p:cNvPr id="1" name=""/>
+        <p:cNvGrpSpPr/>
+        <p:nvPr/>
+      </p:nvGrpSpPr>
+      <p:grpSpPr>
+        <a:xfrm>
+          <a:off x="0" y="0"/>
+          <a:ext cx="0" cy="0"/>
+          <a:chOff x="0" y="0"/>
+          <a:chExt cx="0" cy="0"/>
+        </a:xfrm>
+      </p:grpSpPr>
+      <p:sp>
+        <p:nvSpPr>
+          <p:cNvPr id="75" name="PlaceHolder 1"/>
+          <p:cNvSpPr>
+            <a:spLocks noGrp="1"/>
+          </p:cNvSpPr>
+          <p:nvPr>
+            <p:ph type="title"/>
+          </p:nvPr>
+        </p:nvSpPr>
+        <p:spPr>
+          <a:xfrm>
+            <a:off x="283320" y="401760"/>
+            <a:ext cx="5101560" cy="1682280"/>
+          </a:xfrm>
+          <a:prstGeom prst="rect">
+            <a:avLst/>
+          </a:prstGeom>
+          <a:noFill/>
+          <a:ln w="0">
+            <a:noFill/>
+          </a:ln>
+        </p:spPr>
+        <p:txBody>
+          <a:bodyPr lIns="0" rIns="0" tIns="0" bIns="0" anchor="ctr">
+            <a:noAutofit/>
+          </a:bodyPr>
+          <a:p>
+            <a:pPr algn="ctr">
+              <a:buNone/>
+            </a:pPr>
+            <a:endParaRPr b="0" lang="en-US" sz="4400" spc="-1" strike="noStrike">
+              <a:latin typeface="Arial"/>
+            </a:endParaRPr>
+          </a:p>
+        </p:txBody>
+      </p:sp>
+      <p:sp>
+        <p:nvSpPr>
+          <p:cNvPr id="76" name="PlaceHolder 2"/>
+          <p:cNvSpPr>
+            <a:spLocks noGrp="1"/>
+          </p:cNvSpPr>
+          <p:nvPr>
+            <p:ph/>
+          </p:nvPr>
+        </p:nvSpPr>
+        <p:spPr>
+          <a:xfrm>
+            <a:off x="283320" y="2358000"/>
+            <a:ext cx="1642320" cy="2787480"/>
+          </a:xfrm>
+          <a:prstGeom prst="rect">
+            <a:avLst/>
+          </a:prstGeom>
+          <a:noFill/>
+          <a:ln w="0">
+            <a:noFill/>
+          </a:ln>
+        </p:spPr>
+        <p:txBody>
+          <a:bodyPr lIns="0" rIns="0" tIns="0" bIns="0" anchor="t">
+            <a:normAutofit/>
+          </a:bodyPr>
+          <a:p>
+            <a:endParaRPr b="0" lang="en-US" sz="3200" spc="-1" strike="noStrike">
+              <a:latin typeface="Arial"/>
+            </a:endParaRPr>
+          </a:p>
+        </p:txBody>
+      </p:sp>
+      <p:sp>
+        <p:nvSpPr>
+          <p:cNvPr id="77" name="PlaceHolder 3"/>
+          <p:cNvSpPr>
+            <a:spLocks noGrp="1"/>
+          </p:cNvSpPr>
+          <p:nvPr>
+            <p:ph/>
+          </p:nvPr>
+        </p:nvSpPr>
+        <p:spPr>
+          <a:xfrm>
+            <a:off x="2008080" y="2358000"/>
+            <a:ext cx="1642320" cy="2787480"/>
+          </a:xfrm>
+          <a:prstGeom prst="rect">
+            <a:avLst/>
+          </a:prstGeom>
+          <a:noFill/>
+          <a:ln w="0">
+            <a:noFill/>
+          </a:ln>
+        </p:spPr>
+        <p:txBody>
+          <a:bodyPr lIns="0" rIns="0" tIns="0" bIns="0" anchor="t">
+            <a:normAutofit/>
+          </a:bodyPr>
+          <a:p>
+            <a:endParaRPr b="0" lang="en-US" sz="3200" spc="-1" strike="noStrike">
+              <a:latin typeface="Arial"/>
+            </a:endParaRPr>
+          </a:p>
+        </p:txBody>
+      </p:sp>
+      <p:sp>
+        <p:nvSpPr>
+          <p:cNvPr id="78" name="PlaceHolder 4"/>
+          <p:cNvSpPr>
+            <a:spLocks noGrp="1"/>
+          </p:cNvSpPr>
+          <p:nvPr>
+            <p:ph/>
+          </p:nvPr>
+        </p:nvSpPr>
+        <p:spPr>
+          <a:xfrm>
+            <a:off x="3732840" y="2358000"/>
+            <a:ext cx="1642320" cy="2787480"/>
+          </a:xfrm>
+          <a:prstGeom prst="rect">
+            <a:avLst/>
+          </a:prstGeom>
+          <a:noFill/>
+          <a:ln w="0">
+            <a:noFill/>
+          </a:ln>
+        </p:spPr>
+        <p:txBody>
+          <a:bodyPr lIns="0" rIns="0" tIns="0" bIns="0" anchor="t">
+            <a:normAutofit/>
+          </a:bodyPr>
+          <a:p>
+            <a:endParaRPr b="0" lang="en-US" sz="3200" spc="-1" strike="noStrike">
+              <a:latin typeface="Arial"/>
+            </a:endParaRPr>
+          </a:p>
+        </p:txBody>
+      </p:sp>
+      <p:sp>
+        <p:nvSpPr>
+          <p:cNvPr id="79" name="PlaceHolder 5"/>
+          <p:cNvSpPr>
+            <a:spLocks noGrp="1"/>
+          </p:cNvSpPr>
+          <p:nvPr>
+            <p:ph/>
+          </p:nvPr>
+        </p:nvSpPr>
+        <p:spPr>
+          <a:xfrm>
+            <a:off x="283320" y="5410800"/>
+            <a:ext cx="1642320" cy="2787480"/>
+          </a:xfrm>
+          <a:prstGeom prst="rect">
+            <a:avLst/>
+          </a:prstGeom>
+          <a:noFill/>
+          <a:ln w="0">
+            <a:noFill/>
+          </a:ln>
+        </p:spPr>
+        <p:txBody>
+          <a:bodyPr lIns="0" rIns="0" tIns="0" bIns="0" anchor="t">
+            <a:normAutofit/>
+          </a:bodyPr>
+          <a:p>
+            <a:endParaRPr b="0" lang="en-US" sz="3200" spc="-1" strike="noStrike">
+              <a:latin typeface="Arial"/>
+            </a:endParaRPr>
+          </a:p>
+        </p:txBody>
+      </p:sp>
+      <p:sp>
+        <p:nvSpPr>
+          <p:cNvPr id="80" name="PlaceHolder 6"/>
+          <p:cNvSpPr>
+            <a:spLocks noGrp="1"/>
+          </p:cNvSpPr>
+          <p:nvPr>
+            <p:ph/>
+          </p:nvPr>
+        </p:nvSpPr>
+        <p:spPr>
+          <a:xfrm>
+            <a:off x="2008080" y="5410800"/>
+            <a:ext cx="1642320" cy="2787480"/>
+          </a:xfrm>
+          <a:prstGeom prst="rect">
+            <a:avLst/>
+          </a:prstGeom>
+          <a:noFill/>
+          <a:ln w="0">
+            <a:noFill/>
+          </a:ln>
+        </p:spPr>
+        <p:txBody>
+          <a:bodyPr lIns="0" rIns="0" tIns="0" bIns="0" anchor="t">
+            <a:normAutofit/>
+          </a:bodyPr>
+          <a:p>
+            <a:endParaRPr b="0" lang="en-US" sz="3200" spc="-1" strike="noStrike">
+              <a:latin typeface="Arial"/>
+            </a:endParaRPr>
+          </a:p>
+        </p:txBody>
+      </p:sp>
+      <p:sp>
+        <p:nvSpPr>
+          <p:cNvPr id="81" name="PlaceHolder 7"/>
+          <p:cNvSpPr>
+            <a:spLocks noGrp="1"/>
+          </p:cNvSpPr>
+          <p:nvPr>
+            <p:ph/>
+          </p:nvPr>
+        </p:nvSpPr>
+        <p:spPr>
+          <a:xfrm>
+            <a:off x="3732840" y="5410800"/>
+            <a:ext cx="1642320" cy="2787480"/>
+          </a:xfrm>
+          <a:prstGeom prst="rect">
+            <a:avLst/>
+          </a:prstGeom>
+          <a:noFill/>
+          <a:ln w="0">
+            <a:noFill/>
+          </a:ln>
+        </p:spPr>
+        <p:txBody>
+          <a:bodyPr lIns="0" rIns="0" tIns="0" bIns="0" anchor="t">
+            <a:normAutofit/>
+          </a:bodyPr>
+          <a:p>
+            <a:endParaRPr b="0" lang="en-US" sz="3200" spc="-1" strike="noStrike">
+              <a:latin typeface="Arial"/>
+            </a:endParaRPr>
+          </a:p>
+        </p:txBody>
+      </p:sp>
+      <p:sp>
+        <p:nvSpPr>
+          <p:cNvPr id="9" name="PlaceHolder 8"/>
+          <p:cNvSpPr>
+            <a:spLocks noGrp="1"/>
+          </p:cNvSpPr>
+          <p:nvPr>
+            <p:ph type="ftr" idx="4"/>
+          </p:nvPr>
+        </p:nvSpPr>
+        <p:spPr/>
+        <p:txBody>
+          <a:bodyPr/>
+          <a:p>
+            <a:r>
+              <a:t>Footer</a:t>
+            </a:r>
+          </a:p>
+        </p:txBody>
+      </p:sp>
+      <p:sp>
+        <p:nvSpPr>
+          <p:cNvPr id="10" name="PlaceHolder 9"/>
+          <p:cNvSpPr>
+            <a:spLocks noGrp="1"/>
+          </p:cNvSpPr>
+          <p:nvPr>
+            <p:ph type="sldNum" idx="5"/>
+          </p:nvPr>
+        </p:nvSpPr>
+        <p:spPr/>
+        <p:txBody>
+          <a:bodyPr/>
+          <a:p>
+            <a:fld id="{F7EFB20B-75FE-428C-941C-AAF14A8B92F7}" type="slidenum">
+              <a:t>&lt;#&gt;</a:t>
+            </a:fld>
+          </a:p>
+        </p:txBody>
+      </p:sp>
+      <p:sp>
+        <p:nvSpPr>
+          <p:cNvPr id="11" name="PlaceHolder 10"/>
+          <p:cNvSpPr>
+            <a:spLocks noGrp="1"/>
+          </p:cNvSpPr>
+          <p:nvPr>
+            <p:ph type="dt" idx="6"/>
+          </p:nvPr>
+        </p:nvSpPr>
+        <p:spPr/>
+        <p:txBody>
+          <a:bodyPr/>
+          <a:p>
+            <a:r>
+              <a:rPr lang="zh-CN"/>
+              <a:t/>
+            </a:r>
+          </a:p>
+        </p:txBody>
+      </p:sp>
+    </p:spTree>
+  </p:cSld>
+</p:sldLayout>
+</file>
+
+<file path=ppt/slideLayouts/slideLayout3.xml><?xml version="1.0" encoding="utf-8"?>
+<p:sldLayout xmlns:a="http://schemas.openxmlformats.org/drawingml/2006/main" xmlns:p="http://schemas.openxmlformats.org/presentationml/2006/main" xmlns:r="http://schemas.openxmlformats.org/officeDocument/2006/relationships" xmlns:p14="http://schemas.microsoft.com/office/powerpoint/2010/main" xmlns:p15="http://schemas.microsoft.com/office/powerpoint/2012/main" xmlns:mc="http://schemas.openxmlformats.org/markup-compatibility/2006" type="obj" preserve="1">
+  <p:cSld name="Title, Content">
+    <p:spTree>
+      <p:nvGrpSpPr>
+        <p:cNvPr id="1" name=""/>
+        <p:cNvGrpSpPr/>
+        <p:nvPr/>
+      </p:nvGrpSpPr>
+      <p:grpSpPr>
+        <a:xfrm>
+          <a:off x="0" y="0"/>
+          <a:ext cx="0" cy="0"/>
+          <a:chOff x="0" y="0"/>
+          <a:chExt cx="0" cy="0"/>
+        </a:xfrm>
+      </p:grpSpPr>
+      <p:sp>
+        <p:nvSpPr>
+          <p:cNvPr id="7" name="PlaceHolder 1"/>
+          <p:cNvSpPr>
+            <a:spLocks noGrp="1"/>
+          </p:cNvSpPr>
+          <p:nvPr>
+            <p:ph type="title"/>
+          </p:nvPr>
+        </p:nvSpPr>
+        <p:spPr>
+          <a:xfrm>
+            <a:off x="283320" y="401760"/>
+            <a:ext cx="5101560" cy="1682280"/>
+          </a:xfrm>
+          <a:prstGeom prst="rect">
+            <a:avLst/>
+          </a:prstGeom>
+          <a:noFill/>
+          <a:ln w="0">
+            <a:noFill/>
+          </a:ln>
+        </p:spPr>
+        <p:txBody>
+          <a:bodyPr lIns="0" rIns="0" tIns="0" bIns="0" anchor="ctr">
+            <a:noAutofit/>
+          </a:bodyPr>
+          <a:p>
+            <a:pPr algn="ctr">
+              <a:buNone/>
+            </a:pPr>
+            <a:endParaRPr b="0" lang="en-US" sz="4400" spc="-1" strike="noStrike">
+              <a:latin typeface="Arial"/>
+            </a:endParaRPr>
+          </a:p>
+        </p:txBody>
+      </p:sp>
+      <p:sp>
+        <p:nvSpPr>
+          <p:cNvPr id="8" name="PlaceHolder 2"/>
+          <p:cNvSpPr>
+            <a:spLocks noGrp="1"/>
+          </p:cNvSpPr>
+          <p:nvPr>
+            <p:ph/>
+          </p:nvPr>
+        </p:nvSpPr>
+        <p:spPr>
+          <a:xfrm>
+            <a:off x="283320" y="2358000"/>
+            <a:ext cx="5101560" cy="5844240"/>
+          </a:xfrm>
+          <a:prstGeom prst="rect">
+            <a:avLst/>
+          </a:prstGeom>
+          <a:noFill/>
+          <a:ln w="0">
+            <a:noFill/>
+          </a:ln>
+        </p:spPr>
+        <p:txBody>
+          <a:bodyPr lIns="0" rIns="0" tIns="0" bIns="0" anchor="t">
+            <a:normAutofit/>
+          </a:bodyPr>
+          <a:p>
+            <a:endParaRPr b="0" lang="en-US" sz="3200" spc="-1" strike="noStrike">
+              <a:latin typeface="Arial"/>
+            </a:endParaRPr>
+          </a:p>
+        </p:txBody>
+      </p:sp>
+      <p:sp>
+        <p:nvSpPr>
+          <p:cNvPr id="4" name="PlaceHolder 3"/>
+          <p:cNvSpPr>
+            <a:spLocks noGrp="1"/>
+          </p:cNvSpPr>
+          <p:nvPr>
+            <p:ph type="ftr" idx="1"/>
+          </p:nvPr>
+        </p:nvSpPr>
+        <p:spPr/>
+        <p:txBody>
+          <a:bodyPr/>
+          <a:p>
+            <a:r>
+              <a:t>Footer</a:t>
+            </a:r>
+          </a:p>
+        </p:txBody>
+      </p:sp>
+      <p:sp>
+        <p:nvSpPr>
+          <p:cNvPr id="5" name="PlaceHolder 4"/>
+          <p:cNvSpPr>
+            <a:spLocks noGrp="1"/>
+          </p:cNvSpPr>
+          <p:nvPr>
+            <p:ph type="sldNum" idx="2"/>
+          </p:nvPr>
+        </p:nvSpPr>
+        <p:spPr/>
+        <p:txBody>
+          <a:bodyPr/>
+          <a:p>
+            <a:fld id="{37401663-7D32-44F5-938C-09388214C69D}" type="slidenum">
+              <a:t>&lt;#&gt;</a:t>
+            </a:fld>
+          </a:p>
+        </p:txBody>
+      </p:sp>
+      <p:sp>
+        <p:nvSpPr>
+          <p:cNvPr id="6" name="PlaceHolder 5"/>
+          <p:cNvSpPr>
+            <a:spLocks noGrp="1"/>
+          </p:cNvSpPr>
+          <p:nvPr>
+            <p:ph type="dt" idx="3"/>
+          </p:nvPr>
+        </p:nvSpPr>
+        <p:spPr/>
+        <p:txBody>
+          <a:bodyPr/>
+          <a:p>
+            <a:r>
+              <a:rPr lang="zh-CN"/>
+              <a:t/>
+            </a:r>
+          </a:p>
+        </p:txBody>
+      </p:sp>
+    </p:spTree>
+  </p:cSld>
+</p:sldLayout>
+</file>
+
+<file path=ppt/slideLayouts/slideLayout4.xml><?xml version="1.0" encoding="utf-8"?>
+<p:sldLayout xmlns:a="http://schemas.openxmlformats.org/drawingml/2006/main" xmlns:p="http://schemas.openxmlformats.org/presentationml/2006/main" xmlns:r="http://schemas.openxmlformats.org/officeDocument/2006/relationships" xmlns:p14="http://schemas.microsoft.com/office/powerpoint/2010/main" xmlns:p15="http://schemas.microsoft.com/office/powerpoint/2012/main" xmlns:mc="http://schemas.openxmlformats.org/markup-compatibility/2006" type="twoObj" preserve="1">
+  <p:cSld name="Title, 2 Content">
+    <p:spTree>
+      <p:nvGrpSpPr>
+        <p:cNvPr id="1" name=""/>
+        <p:cNvGrpSpPr/>
+        <p:nvPr/>
+      </p:nvGrpSpPr>
+      <p:grpSpPr>
+        <a:xfrm>
+          <a:off x="0" y="0"/>
+          <a:ext cx="0" cy="0"/>
+          <a:chOff x="0" y="0"/>
+          <a:chExt cx="0" cy="0"/>
+        </a:xfrm>
+      </p:grpSpPr>
+      <p:sp>
+        <p:nvSpPr>
+          <p:cNvPr id="9" name="PlaceHolder 1"/>
+          <p:cNvSpPr>
+            <a:spLocks noGrp="1"/>
+          </p:cNvSpPr>
+          <p:nvPr>
+            <p:ph type="title"/>
+          </p:nvPr>
+        </p:nvSpPr>
+        <p:spPr>
+          <a:xfrm>
+            <a:off x="283320" y="401760"/>
+            <a:ext cx="5101560" cy="1682280"/>
+          </a:xfrm>
+          <a:prstGeom prst="rect">
+            <a:avLst/>
+          </a:prstGeom>
+          <a:noFill/>
+          <a:ln w="0">
+            <a:noFill/>
+          </a:ln>
+        </p:spPr>
+        <p:txBody>
+          <a:bodyPr lIns="0" rIns="0" tIns="0" bIns="0" anchor="ctr">
+            <a:noAutofit/>
+          </a:bodyPr>
+          <a:p>
+            <a:pPr algn="ctr">
+              <a:buNone/>
+            </a:pPr>
+            <a:endParaRPr b="0" lang="en-US" sz="4400" spc="-1" strike="noStrike">
+              <a:latin typeface="Arial"/>
+            </a:endParaRPr>
+          </a:p>
+        </p:txBody>
+      </p:sp>
+      <p:sp>
+        <p:nvSpPr>
+          <p:cNvPr id="10" name="PlaceHolder 2"/>
+          <p:cNvSpPr>
+            <a:spLocks noGrp="1"/>
+          </p:cNvSpPr>
+          <p:nvPr>
+            <p:ph/>
+          </p:nvPr>
+        </p:nvSpPr>
+        <p:spPr>
+          <a:xfrm>
+            <a:off x="283320" y="2358000"/>
+            <a:ext cx="2489400" cy="5844240"/>
+          </a:xfrm>
+          <a:prstGeom prst="rect">
+            <a:avLst/>
+          </a:prstGeom>
+          <a:noFill/>
+          <a:ln w="0">
+            <a:noFill/>
+          </a:ln>
+        </p:spPr>
+        <p:txBody>
+          <a:bodyPr lIns="0" rIns="0" tIns="0" bIns="0" anchor="t">
+            <a:normAutofit/>
+          </a:bodyPr>
+          <a:p>
+            <a:endParaRPr b="0" lang="en-US" sz="3200" spc="-1" strike="noStrike">
+              <a:latin typeface="Arial"/>
+            </a:endParaRPr>
+          </a:p>
+        </p:txBody>
+      </p:sp>
+      <p:sp>
+        <p:nvSpPr>
+          <p:cNvPr id="11" name="PlaceHolder 3"/>
+          <p:cNvSpPr>
+            <a:spLocks noGrp="1"/>
+          </p:cNvSpPr>
+          <p:nvPr>
+            <p:ph/>
+          </p:nvPr>
+        </p:nvSpPr>
+        <p:spPr>
+          <a:xfrm>
+            <a:off x="2897640" y="2358000"/>
+            <a:ext cx="2489400" cy="5844240"/>
+          </a:xfrm>
+          <a:prstGeom prst="rect">
+            <a:avLst/>
+          </a:prstGeom>
+          <a:noFill/>
+          <a:ln w="0">
+            <a:noFill/>
+          </a:ln>
+        </p:spPr>
+        <p:txBody>
+          <a:bodyPr lIns="0" rIns="0" tIns="0" bIns="0" anchor="t">
+            <a:normAutofit/>
+          </a:bodyPr>
+          <a:p>
+            <a:endParaRPr b="0" lang="en-US" sz="3200" spc="-1" strike="noStrike">
+              <a:latin typeface="Arial"/>
+            </a:endParaRPr>
+          </a:p>
+        </p:txBody>
+      </p:sp>
+      <p:sp>
+        <p:nvSpPr>
+          <p:cNvPr id="5" name="PlaceHolder 4"/>
+          <p:cNvSpPr>
+            <a:spLocks noGrp="1"/>
+          </p:cNvSpPr>
+          <p:nvPr>
+            <p:ph type="ftr" idx="1"/>
+          </p:nvPr>
+        </p:nvSpPr>
+        <p:spPr/>
+        <p:txBody>
+          <a:bodyPr/>
+          <a:p>
+            <a:r>
+              <a:t>Footer</a:t>
+            </a:r>
+          </a:p>
+        </p:txBody>
+      </p:sp>
+      <p:sp>
+        <p:nvSpPr>
+          <p:cNvPr id="6" name="PlaceHolder 5"/>
+          <p:cNvSpPr>
+            <a:spLocks noGrp="1"/>
+          </p:cNvSpPr>
+          <p:nvPr>
+            <p:ph type="sldNum" idx="2"/>
+          </p:nvPr>
+        </p:nvSpPr>
+        <p:spPr/>
+        <p:txBody>
+          <a:bodyPr/>
+          <a:p>
+            <a:fld id="{A3A57E01-9691-47A8-B3EE-721AAE2B101B}" type="slidenum">
+              <a:t>&lt;#&gt;</a:t>
+            </a:fld>
+          </a:p>
+        </p:txBody>
+      </p:sp>
+      <p:sp>
+        <p:nvSpPr>
+          <p:cNvPr id="7" name="PlaceHolder 6"/>
+          <p:cNvSpPr>
+            <a:spLocks noGrp="1"/>
+          </p:cNvSpPr>
+          <p:nvPr>
+            <p:ph type="dt" idx="3"/>
+          </p:nvPr>
+        </p:nvSpPr>
+        <p:spPr/>
+        <p:txBody>
+          <a:bodyPr/>
+          <a:p>
+            <a:r>
+              <a:rPr lang="zh-CN"/>
+              <a:t/>
+            </a:r>
+          </a:p>
+        </p:txBody>
+      </p:sp>
+    </p:spTree>
+  </p:cSld>
+</p:sldLayout>
+</file>
+
+<file path=ppt/slideLayouts/slideLayout5.xml><?xml version="1.0" encoding="utf-8"?>
+<p:sldLayout xmlns:a="http://schemas.openxmlformats.org/drawingml/2006/main" xmlns:p="http://schemas.openxmlformats.org/presentationml/2006/main" xmlns:r="http://schemas.openxmlformats.org/officeDocument/2006/relationships" xmlns:p14="http://schemas.microsoft.com/office/powerpoint/2010/main" xmlns:p15="http://schemas.microsoft.com/office/powerpoint/2012/main" xmlns:mc="http://schemas.openxmlformats.org/markup-compatibility/2006" type="titleOnly" preserve="1">
+  <p:cSld name="Title Only">
+    <p:spTree>
+      <p:nvGrpSpPr>
+        <p:cNvPr id="1" name=""/>
+        <p:cNvGrpSpPr/>
+        <p:nvPr/>
+      </p:nvGrpSpPr>
+      <p:grpSpPr>
+        <a:xfrm>
+          <a:off x="0" y="0"/>
+          <a:ext cx="0" cy="0"/>
+          <a:chOff x="0" y="0"/>
+          <a:chExt cx="0" cy="0"/>
+        </a:xfrm>
+      </p:grpSpPr>
+      <p:sp>
+        <p:nvSpPr>
+          <p:cNvPr id="12" name="PlaceHolder 1"/>
+          <p:cNvSpPr>
+            <a:spLocks noGrp="1"/>
+          </p:cNvSpPr>
+          <p:nvPr>
+            <p:ph type="title"/>
+          </p:nvPr>
+        </p:nvSpPr>
+        <p:spPr>
+          <a:xfrm>
+            <a:off x="283320" y="401760"/>
+            <a:ext cx="5101560" cy="1682280"/>
+          </a:xfrm>
+          <a:prstGeom prst="rect">
+            <a:avLst/>
+          </a:prstGeom>
+          <a:noFill/>
+          <a:ln w="0">
+            <a:noFill/>
+          </a:ln>
+        </p:spPr>
+        <p:txBody>
+          <a:bodyPr lIns="0" rIns="0" tIns="0" bIns="0" anchor="ctr">
+            <a:noAutofit/>
+          </a:bodyPr>
+          <a:p>
+            <a:pPr algn="ctr">
+              <a:buNone/>
+            </a:pPr>
+            <a:endParaRPr b="0" lang="en-US" sz="4400" spc="-1" strike="noStrike">
+              <a:latin typeface="Arial"/>
+            </a:endParaRPr>
+          </a:p>
+        </p:txBody>
+      </p:sp>
+      <p:sp>
+        <p:nvSpPr>
+          <p:cNvPr id="3" name="PlaceHolder 2"/>
+          <p:cNvSpPr>
+            <a:spLocks noGrp="1"/>
+          </p:cNvSpPr>
+          <p:nvPr>
+            <p:ph type="ftr" idx="1"/>
+          </p:nvPr>
+        </p:nvSpPr>
+        <p:spPr/>
+        <p:txBody>
+          <a:bodyPr/>
+          <a:p>
+            <a:r>
+              <a:t>Footer</a:t>
+            </a:r>
+          </a:p>
+        </p:txBody>
+      </p:sp>
+      <p:sp>
+        <p:nvSpPr>
+          <p:cNvPr id="4" name="PlaceHolder 3"/>
+          <p:cNvSpPr>
+            <a:spLocks noGrp="1"/>
+          </p:cNvSpPr>
+          <p:nvPr>
+            <p:ph type="sldNum" idx="2"/>
+          </p:nvPr>
+        </p:nvSpPr>
+        <p:spPr/>
+        <p:txBody>
+          <a:bodyPr/>
+          <a:p>
+            <a:fld id="{58DFDF32-090D-4E73-B447-5AA2FB6E3374}" type="slidenum">
+              <a:t>&lt;#&gt;</a:t>
+            </a:fld>
+          </a:p>
+        </p:txBody>
+      </p:sp>
+      <p:sp>
+        <p:nvSpPr>
+          <p:cNvPr id="5" name="PlaceHolder 4"/>
+          <p:cNvSpPr>
+            <a:spLocks noGrp="1"/>
+          </p:cNvSpPr>
+          <p:nvPr>
+            <p:ph type="dt" idx="3"/>
+          </p:nvPr>
+        </p:nvSpPr>
+        <p:spPr/>
+        <p:txBody>
+          <a:bodyPr/>
+          <a:p>
+            <a:r>
+              <a:rPr lang="zh-CN"/>
+              <a:t/>
+            </a:r>
+          </a:p>
+        </p:txBody>
+      </p:sp>
+    </p:spTree>
+  </p:cSld>
+</p:sldLayout>
+</file>
+
+<file path=ppt/slideLayouts/slideLayout6.xml><?xml version="1.0" encoding="utf-8"?>
+<p:sldLayout xmlns:a="http://schemas.openxmlformats.org/drawingml/2006/main" xmlns:p="http://schemas.openxmlformats.org/presentationml/2006/main" xmlns:r="http://schemas.openxmlformats.org/officeDocument/2006/relationships" xmlns:p14="http://schemas.microsoft.com/office/powerpoint/2010/main" xmlns:p15="http://schemas.microsoft.com/office/powerpoint/2012/main" xmlns:mc="http://schemas.openxmlformats.org/markup-compatibility/2006" type="objOnly" preserve="1">
+  <p:cSld name="Centered Text">
+    <p:spTree>
+      <p:nvGrpSpPr>
+        <p:cNvPr id="1" name=""/>
+        <p:cNvGrpSpPr/>
+        <p:nvPr/>
+      </p:nvGrpSpPr>
+      <p:grpSpPr>
+        <a:xfrm>
+          <a:off x="0" y="0"/>
+          <a:ext cx="0" cy="0"/>
+          <a:chOff x="0" y="0"/>
+          <a:chExt cx="0" cy="0"/>
+        </a:xfrm>
+      </p:grpSpPr>
+      <p:sp>
+        <p:nvSpPr>
+          <p:cNvPr id="13" name="PlaceHolder 1"/>
+          <p:cNvSpPr>
+            <a:spLocks noGrp="1"/>
+          </p:cNvSpPr>
+          <p:nvPr>
+            <p:ph type="subTitle"/>
+          </p:nvPr>
+        </p:nvSpPr>
+        <p:spPr>
+          <a:xfrm>
+            <a:off x="283320" y="401760"/>
+            <a:ext cx="5101560" cy="7799400"/>
+          </a:xfrm>
+          <a:prstGeom prst="rect">
+            <a:avLst/>
+          </a:prstGeom>
+          <a:noFill/>
+          <a:ln w="0">
+            <a:noFill/>
+          </a:ln>
+        </p:spPr>
+        <p:txBody>
+          <a:bodyPr lIns="0" rIns="0" tIns="0" bIns="0" anchor="ctr">
+            <a:noAutofit/>
+          </a:bodyPr>
+          <a:p>
+            <a:pPr algn="ctr">
+              <a:buNone/>
+            </a:pPr>
+            <a:endParaRPr b="0" lang="en-US" sz="3200" spc="-1" strike="noStrike">
+              <a:latin typeface="Arial"/>
+            </a:endParaRPr>
+          </a:p>
+        </p:txBody>
+      </p:sp>
+      <p:sp>
+        <p:nvSpPr>
+          <p:cNvPr id="3" name="PlaceHolder 2"/>
+          <p:cNvSpPr>
+            <a:spLocks noGrp="1"/>
+          </p:cNvSpPr>
+          <p:nvPr>
+            <p:ph type="ftr" idx="1"/>
+          </p:nvPr>
+        </p:nvSpPr>
+        <p:spPr/>
+        <p:txBody>
+          <a:bodyPr/>
+          <a:p>
+            <a:r>
+              <a:t>Footer</a:t>
+            </a:r>
+          </a:p>
+        </p:txBody>
+      </p:sp>
+      <p:sp>
+        <p:nvSpPr>
+          <p:cNvPr id="4" name="PlaceHolder 3"/>
+          <p:cNvSpPr>
+            <a:spLocks noGrp="1"/>
+          </p:cNvSpPr>
+          <p:nvPr>
+            <p:ph type="sldNum" idx="2"/>
+          </p:nvPr>
+        </p:nvSpPr>
+        <p:spPr/>
+        <p:txBody>
+          <a:bodyPr/>
+          <a:p>
+            <a:fld id="{7E52A2BC-785A-4797-82C9-B5BCB4742B3F}" type="slidenum">
+              <a:t>&lt;#&gt;</a:t>
+            </a:fld>
+          </a:p>
+        </p:txBody>
+      </p:sp>
+      <p:sp>
+        <p:nvSpPr>
+          <p:cNvPr id="5" name="PlaceHolder 4"/>
+          <p:cNvSpPr>
+            <a:spLocks noGrp="1"/>
+          </p:cNvSpPr>
+          <p:nvPr>
+            <p:ph type="dt" idx="3"/>
+          </p:nvPr>
+        </p:nvSpPr>
+        <p:spPr/>
+        <p:txBody>
+          <a:bodyPr/>
+          <a:p>
+            <a:r>
+              <a:rPr lang="zh-CN"/>
+              <a:t/>
+            </a:r>
+          </a:p>
+        </p:txBody>
+      </p:sp>
+    </p:spTree>
+  </p:cSld>
+</p:sldLayout>
+</file>
+
+<file path=ppt/slideLayouts/slideLayout7.xml><?xml version="1.0" encoding="utf-8"?>
+<p:sldLayout xmlns:a="http://schemas.openxmlformats.org/drawingml/2006/main" xmlns:p="http://schemas.openxmlformats.org/presentationml/2006/main" xmlns:r="http://schemas.openxmlformats.org/officeDocument/2006/relationships" xmlns:p14="http://schemas.microsoft.com/office/powerpoint/2010/main" xmlns:p15="http://schemas.microsoft.com/office/powerpoint/2012/main" xmlns:mc="http://schemas.openxmlformats.org/markup-compatibility/2006" type="twoObjAndObj" preserve="1">
+  <p:cSld name="Title, 2 Content and Content">
+    <p:spTree>
+      <p:nvGrpSpPr>
+        <p:cNvPr id="1" name=""/>
+        <p:cNvGrpSpPr/>
+        <p:nvPr/>
+      </p:nvGrpSpPr>
+      <p:grpSpPr>
+        <a:xfrm>
+          <a:off x="0" y="0"/>
+          <a:ext cx="0" cy="0"/>
+          <a:chOff x="0" y="0"/>
+          <a:chExt cx="0" cy="0"/>
+        </a:xfrm>
+      </p:grpSpPr>
+      <p:sp>
+        <p:nvSpPr>
+          <p:cNvPr id="14" name="PlaceHolder 1"/>
+          <p:cNvSpPr>
+            <a:spLocks noGrp="1"/>
+          </p:cNvSpPr>
+          <p:nvPr>
+            <p:ph type="title"/>
+          </p:nvPr>
+        </p:nvSpPr>
+        <p:spPr>
+          <a:xfrm>
+            <a:off x="283320" y="401760"/>
+            <a:ext cx="5101560" cy="1682280"/>
+          </a:xfrm>
+          <a:prstGeom prst="rect">
+            <a:avLst/>
+          </a:prstGeom>
+          <a:noFill/>
+          <a:ln w="0">
+            <a:noFill/>
+          </a:ln>
+        </p:spPr>
+        <p:txBody>
+          <a:bodyPr lIns="0" rIns="0" tIns="0" bIns="0" anchor="ctr">
+            <a:noAutofit/>
+          </a:bodyPr>
+          <a:p>
+            <a:pPr algn="ctr">
+              <a:buNone/>
+            </a:pPr>
+            <a:endParaRPr b="0" lang="en-US" sz="4400" spc="-1" strike="noStrike">
+              <a:latin typeface="Arial"/>
+            </a:endParaRPr>
+          </a:p>
+        </p:txBody>
+      </p:sp>
+      <p:sp>
+        <p:nvSpPr>
+          <p:cNvPr id="15" name="PlaceHolder 2"/>
+          <p:cNvSpPr>
+            <a:spLocks noGrp="1"/>
+          </p:cNvSpPr>
+          <p:nvPr>
+            <p:ph/>
+          </p:nvPr>
+        </p:nvSpPr>
+        <p:spPr>
+          <a:xfrm>
+            <a:off x="283320" y="2358000"/>
+            <a:ext cx="2489400" cy="2787480"/>
+          </a:xfrm>
+          <a:prstGeom prst="rect">
+            <a:avLst/>
+          </a:prstGeom>
+          <a:noFill/>
+          <a:ln w="0">
+            <a:noFill/>
+          </a:ln>
+        </p:spPr>
+        <p:txBody>
+          <a:bodyPr lIns="0" rIns="0" tIns="0" bIns="0" anchor="t">
+            <a:normAutofit/>
+          </a:bodyPr>
+          <a:p>
+            <a:endParaRPr b="0" lang="en-US" sz="3200" spc="-1" strike="noStrike">
+              <a:latin typeface="Arial"/>
+            </a:endParaRPr>
+          </a:p>
+        </p:txBody>
+      </p:sp>
+      <p:sp>
+        <p:nvSpPr>
+          <p:cNvPr id="16" name="PlaceHolder 3"/>
+          <p:cNvSpPr>
+            <a:spLocks noGrp="1"/>
+          </p:cNvSpPr>
+          <p:nvPr>
+            <p:ph/>
+          </p:nvPr>
+        </p:nvSpPr>
+        <p:spPr>
+          <a:xfrm>
+            <a:off x="2897640" y="2358000"/>
+            <a:ext cx="2489400" cy="5844240"/>
+          </a:xfrm>
+          <a:prstGeom prst="rect">
+            <a:avLst/>
+          </a:prstGeom>
+          <a:noFill/>
+          <a:ln w="0">
+            <a:noFill/>
+          </a:ln>
+        </p:spPr>
+        <p:txBody>
+          <a:bodyPr lIns="0" rIns="0" tIns="0" bIns="0" anchor="t">
+            <a:normAutofit/>
+          </a:bodyPr>
+          <a:p>
+            <a:endParaRPr b="0" lang="en-US" sz="3200" spc="-1" strike="noStrike">
+              <a:latin typeface="Arial"/>
+            </a:endParaRPr>
+          </a:p>
+        </p:txBody>
+      </p:sp>
+      <p:sp>
+        <p:nvSpPr>
+          <p:cNvPr id="17" name="PlaceHolder 4"/>
+          <p:cNvSpPr>
+            <a:spLocks noGrp="1"/>
+          </p:cNvSpPr>
+          <p:nvPr>
+            <p:ph/>
+          </p:nvPr>
+        </p:nvSpPr>
+        <p:spPr>
+          <a:xfrm>
+            <a:off x="283320" y="5410800"/>
+            <a:ext cx="2489400" cy="2787480"/>
+          </a:xfrm>
+          <a:prstGeom prst="rect">
+            <a:avLst/>
+          </a:prstGeom>
+          <a:noFill/>
+          <a:ln w="0">
+            <a:noFill/>
+          </a:ln>
+        </p:spPr>
+        <p:txBody>
+          <a:bodyPr lIns="0" rIns="0" tIns="0" bIns="0" anchor="t">
+            <a:normAutofit/>
+          </a:bodyPr>
+          <a:p>
+            <a:endParaRPr b="0" lang="en-US" sz="3200" spc="-1" strike="noStrike">
+              <a:latin typeface="Arial"/>
+            </a:endParaRPr>
+          </a:p>
+        </p:txBody>
+      </p:sp>
+      <p:sp>
+        <p:nvSpPr>
+          <p:cNvPr id="6" name="PlaceHolder 5"/>
+          <p:cNvSpPr>
+            <a:spLocks noGrp="1"/>
+          </p:cNvSpPr>
+          <p:nvPr>
+            <p:ph type="ftr" idx="1"/>
+          </p:nvPr>
+        </p:nvSpPr>
+        <p:spPr/>
+        <p:txBody>
+          <a:bodyPr/>
+          <a:p>
+            <a:r>
+              <a:t>Footer</a:t>
+            </a:r>
+          </a:p>
+        </p:txBody>
+      </p:sp>
+      <p:sp>
+        <p:nvSpPr>
+          <p:cNvPr id="7" name="PlaceHolder 6"/>
+          <p:cNvSpPr>
+            <a:spLocks noGrp="1"/>
+          </p:cNvSpPr>
+          <p:nvPr>
+            <p:ph type="sldNum" idx="2"/>
+          </p:nvPr>
+        </p:nvSpPr>
+        <p:spPr/>
+        <p:txBody>
+          <a:bodyPr/>
+          <a:p>
+            <a:fld id="{BCF9C33A-4B68-44AB-92FF-660C21874656}" type="slidenum">
+              <a:t>&lt;#&gt;</a:t>
+            </a:fld>
+          </a:p>
+        </p:txBody>
+      </p:sp>
+      <p:sp>
+        <p:nvSpPr>
+          <p:cNvPr id="8" name="PlaceHolder 7"/>
+          <p:cNvSpPr>
+            <a:spLocks noGrp="1"/>
+          </p:cNvSpPr>
+          <p:nvPr>
+            <p:ph type="dt" idx="3"/>
+          </p:nvPr>
+        </p:nvSpPr>
+        <p:spPr/>
+        <p:txBody>
+          <a:bodyPr/>
+          <a:p>
+            <a:r>
+              <a:rPr lang="zh-CN"/>
+              <a:t/>
+            </a:r>
+          </a:p>
+        </p:txBody>
+      </p:sp>
+    </p:spTree>
+  </p:cSld>
+</p:sldLayout>
+</file>
+
+<file path=ppt/slideLayouts/slideLayout8.xml><?xml version="1.0" encoding="utf-8"?>
+<p:sldLayout xmlns:a="http://schemas.openxmlformats.org/drawingml/2006/main" xmlns:p="http://schemas.openxmlformats.org/presentationml/2006/main" xmlns:r="http://schemas.openxmlformats.org/officeDocument/2006/relationships" xmlns:p14="http://schemas.microsoft.com/office/powerpoint/2010/main" xmlns:p15="http://schemas.microsoft.com/office/powerpoint/2012/main" xmlns:mc="http://schemas.openxmlformats.org/markup-compatibility/2006" type="objAndTwoObj" preserve="1">
+  <p:cSld name="Title Content and 2 Content">
+    <p:spTree>
+      <p:nvGrpSpPr>
+        <p:cNvPr id="1" name=""/>
+        <p:cNvGrpSpPr/>
+        <p:nvPr/>
+      </p:nvGrpSpPr>
+      <p:grpSpPr>
+        <a:xfrm>
+          <a:off x="0" y="0"/>
+          <a:ext cx="0" cy="0"/>
+          <a:chOff x="0" y="0"/>
+          <a:chExt cx="0" cy="0"/>
+        </a:xfrm>
+      </p:grpSpPr>
+      <p:sp>
+        <p:nvSpPr>
+          <p:cNvPr id="18" name="PlaceHolder 1"/>
+          <p:cNvSpPr>
+            <a:spLocks noGrp="1"/>
+          </p:cNvSpPr>
+          <p:nvPr>
+            <p:ph type="title"/>
+          </p:nvPr>
+        </p:nvSpPr>
+        <p:spPr>
+          <a:xfrm>
+            <a:off x="283320" y="401760"/>
+            <a:ext cx="5101560" cy="1682280"/>
+          </a:xfrm>
+          <a:prstGeom prst="rect">
+            <a:avLst/>
+          </a:prstGeom>
+          <a:noFill/>
+          <a:ln w="0">
+            <a:noFill/>
+          </a:ln>
+        </p:spPr>
+        <p:txBody>
+          <a:bodyPr lIns="0" rIns="0" tIns="0" bIns="0" anchor="ctr">
+            <a:noAutofit/>
+          </a:bodyPr>
+          <a:p>
+            <a:pPr algn="ctr">
+              <a:buNone/>
+            </a:pPr>
+            <a:endParaRPr b="0" lang="en-US" sz="4400" spc="-1" strike="noStrike">
+              <a:latin typeface="Arial"/>
+            </a:endParaRPr>
+          </a:p>
+        </p:txBody>
+      </p:sp>
+      <p:sp>
+        <p:nvSpPr>
+          <p:cNvPr id="19" name="PlaceHolder 2"/>
+          <p:cNvSpPr>
+            <a:spLocks noGrp="1"/>
+          </p:cNvSpPr>
+          <p:nvPr>
+            <p:ph/>
+          </p:nvPr>
+        </p:nvSpPr>
+        <p:spPr>
+          <a:xfrm>
+            <a:off x="283320" y="2358000"/>
+            <a:ext cx="2489400" cy="5844240"/>
+          </a:xfrm>
+          <a:prstGeom prst="rect">
+            <a:avLst/>
+          </a:prstGeom>
+          <a:noFill/>
+          <a:ln w="0">
+            <a:noFill/>
+          </a:ln>
+        </p:spPr>
+        <p:txBody>
+          <a:bodyPr lIns="0" rIns="0" tIns="0" bIns="0" anchor="t">
+            <a:normAutofit/>
+          </a:bodyPr>
+          <a:p>
+            <a:endParaRPr b="0" lang="en-US" sz="3200" spc="-1" strike="noStrike">
+              <a:latin typeface="Arial"/>
+            </a:endParaRPr>
+          </a:p>
+        </p:txBody>
+      </p:sp>
+      <p:sp>
+        <p:nvSpPr>
+          <p:cNvPr id="20" name="PlaceHolder 3"/>
+          <p:cNvSpPr>
+            <a:spLocks noGrp="1"/>
+          </p:cNvSpPr>
+          <p:nvPr>
+            <p:ph/>
+          </p:nvPr>
+        </p:nvSpPr>
+        <p:spPr>
+          <a:xfrm>
+            <a:off x="2897640" y="2358000"/>
+            <a:ext cx="2489400" cy="2787480"/>
+          </a:xfrm>
+          <a:prstGeom prst="rect">
+            <a:avLst/>
+          </a:prstGeom>
+          <a:noFill/>
+          <a:ln w="0">
+            <a:noFill/>
+          </a:ln>
+        </p:spPr>
+        <p:txBody>
+          <a:bodyPr lIns="0" rIns="0" tIns="0" bIns="0" anchor="t">
+            <a:normAutofit/>
+          </a:bodyPr>
+          <a:p>
+            <a:endParaRPr b="0" lang="en-US" sz="3200" spc="-1" strike="noStrike">
+              <a:latin typeface="Arial"/>
+            </a:endParaRPr>
+          </a:p>
+        </p:txBody>
+      </p:sp>
+      <p:sp>
+        <p:nvSpPr>
+          <p:cNvPr id="21" name="PlaceHolder 4"/>
+          <p:cNvSpPr>
+            <a:spLocks noGrp="1"/>
+          </p:cNvSpPr>
+          <p:nvPr>
+            <p:ph/>
+          </p:nvPr>
+        </p:nvSpPr>
+        <p:spPr>
+          <a:xfrm>
+            <a:off x="2897640" y="5410800"/>
+            <a:ext cx="2489400" cy="2787480"/>
+          </a:xfrm>
+          <a:prstGeom prst="rect">
+            <a:avLst/>
+          </a:prstGeom>
+          <a:noFill/>
+          <a:ln w="0">
+            <a:noFill/>
+          </a:ln>
+        </p:spPr>
+        <p:txBody>
+          <a:bodyPr lIns="0" rIns="0" tIns="0" bIns="0" anchor="t">
+            <a:normAutofit/>
+          </a:bodyPr>
+          <a:p>
+            <a:endParaRPr b="0" lang="en-US" sz="3200" spc="-1" strike="noStrike">
+              <a:latin typeface="Arial"/>
+            </a:endParaRPr>
+          </a:p>
+        </p:txBody>
+      </p:sp>
+      <p:sp>
+        <p:nvSpPr>
+          <p:cNvPr id="6" name="PlaceHolder 5"/>
+          <p:cNvSpPr>
+            <a:spLocks noGrp="1"/>
+          </p:cNvSpPr>
+          <p:nvPr>
+            <p:ph type="ftr" idx="1"/>
+          </p:nvPr>
+        </p:nvSpPr>
+        <p:spPr/>
+        <p:txBody>
+          <a:bodyPr/>
+          <a:p>
+            <a:r>
+              <a:t>Footer</a:t>
+            </a:r>
+          </a:p>
+        </p:txBody>
+      </p:sp>
+      <p:sp>
+        <p:nvSpPr>
+          <p:cNvPr id="7" name="PlaceHolder 6"/>
+          <p:cNvSpPr>
+            <a:spLocks noGrp="1"/>
+          </p:cNvSpPr>
+          <p:nvPr>
+            <p:ph type="sldNum" idx="2"/>
+          </p:nvPr>
+        </p:nvSpPr>
+        <p:spPr/>
+        <p:txBody>
+          <a:bodyPr/>
+          <a:p>
+            <a:fld id="{B56ACDC6-E979-4C27-A172-191820E24B1D}" type="slidenum">
+              <a:t>&lt;#&gt;</a:t>
+            </a:fld>
+          </a:p>
+        </p:txBody>
+      </p:sp>
+      <p:sp>
+        <p:nvSpPr>
+          <p:cNvPr id="8" name="PlaceHolder 7"/>
+          <p:cNvSpPr>
+            <a:spLocks noGrp="1"/>
+          </p:cNvSpPr>
+          <p:nvPr>
+            <p:ph type="dt" idx="3"/>
+          </p:nvPr>
+        </p:nvSpPr>
+        <p:spPr/>
+        <p:txBody>
+          <a:bodyPr/>
+          <a:p>
+            <a:r>
+              <a:rPr lang="zh-CN"/>
+              <a:t/>
+            </a:r>
+          </a:p>
+        </p:txBody>
+      </p:sp>
+    </p:spTree>
+  </p:cSld>
+</p:sldLayout>
+</file>
+
+<file path=ppt/slideLayouts/slideLayout9.xml><?xml version="1.0" encoding="utf-8"?>
+<p:sldLayout xmlns:a="http://schemas.openxmlformats.org/drawingml/2006/main" xmlns:p="http://schemas.openxmlformats.org/presentationml/2006/main" xmlns:r="http://schemas.openxmlformats.org/officeDocument/2006/relationships" xmlns:p14="http://schemas.microsoft.com/office/powerpoint/2010/main" xmlns:p15="http://schemas.microsoft.com/office/powerpoint/2012/main" xmlns:mc="http://schemas.openxmlformats.org/markup-compatibility/2006" type="twoObjOverTx" preserve="1">
+  <p:cSld name="Title, 2 Content over Content">
+    <p:spTree>
+      <p:nvGrpSpPr>
+        <p:cNvPr id="1" name=""/>
+        <p:cNvGrpSpPr/>
+        <p:nvPr/>
+      </p:nvGrpSpPr>
+      <p:grpSpPr>
+        <a:xfrm>
+          <a:off x="0" y="0"/>
+          <a:ext cx="0" cy="0"/>
+          <a:chOff x="0" y="0"/>
+          <a:chExt cx="0" cy="0"/>
+        </a:xfrm>
+      </p:grpSpPr>
+      <p:sp>
+        <p:nvSpPr>
+          <p:cNvPr id="22" name="PlaceHolder 1"/>
+          <p:cNvSpPr>
+            <a:spLocks noGrp="1"/>
+          </p:cNvSpPr>
+          <p:nvPr>
+            <p:ph type="title"/>
+          </p:nvPr>
+        </p:nvSpPr>
+        <p:spPr>
+          <a:xfrm>
+            <a:off x="283320" y="401760"/>
+            <a:ext cx="5101560" cy="1682280"/>
+          </a:xfrm>
+          <a:prstGeom prst="rect">
+            <a:avLst/>
+          </a:prstGeom>
+          <a:noFill/>
+          <a:ln w="0">
+            <a:noFill/>
+          </a:ln>
+        </p:spPr>
+        <p:txBody>
+          <a:bodyPr lIns="0" rIns="0" tIns="0" bIns="0" anchor="ctr">
+            <a:noAutofit/>
+          </a:bodyPr>
+          <a:p>
+            <a:pPr algn="ctr">
+              <a:buNone/>
+            </a:pPr>
+            <a:endParaRPr b="0" lang="en-US" sz="4400" spc="-1" strike="noStrike">
+              <a:latin typeface="Arial"/>
+            </a:endParaRPr>
+          </a:p>
+        </p:txBody>
+      </p:sp>
+      <p:sp>
+        <p:nvSpPr>
+          <p:cNvPr id="23" name="PlaceHolder 2"/>
+          <p:cNvSpPr>
+            <a:spLocks noGrp="1"/>
+          </p:cNvSpPr>
+          <p:nvPr>
+            <p:ph/>
+          </p:nvPr>
+        </p:nvSpPr>
+        <p:spPr>
+          <a:xfrm>
+            <a:off x="283320" y="2358000"/>
+            <a:ext cx="2489400" cy="2787480"/>
+          </a:xfrm>
+          <a:prstGeom prst="rect">
+            <a:avLst/>
+          </a:prstGeom>
+          <a:noFill/>
+          <a:ln w="0">
+            <a:noFill/>
+          </a:ln>
+        </p:spPr>
+        <p:txBody>
+          <a:bodyPr lIns="0" rIns="0" tIns="0" bIns="0" anchor="t">
+            <a:normAutofit/>
+          </a:bodyPr>
+          <a:p>
+            <a:endParaRPr b="0" lang="en-US" sz="3200" spc="-1" strike="noStrike">
+              <a:latin typeface="Arial"/>
+            </a:endParaRPr>
+          </a:p>
+        </p:txBody>
+      </p:sp>
+      <p:sp>
+        <p:nvSpPr>
+          <p:cNvPr id="24" name="PlaceHolder 3"/>
+          <p:cNvSpPr>
+            <a:spLocks noGrp="1"/>
+          </p:cNvSpPr>
+          <p:nvPr>
+            <p:ph/>
+          </p:nvPr>
+        </p:nvSpPr>
+        <p:spPr>
+          <a:xfrm>
+            <a:off x="2897640" y="2358000"/>
+            <a:ext cx="2489400" cy="2787480"/>
+          </a:xfrm>
+          <a:prstGeom prst="rect">
+            <a:avLst/>
+          </a:prstGeom>
+          <a:noFill/>
+          <a:ln w="0">
+            <a:noFill/>
+          </a:ln>
+        </p:spPr>
+        <p:txBody>
+          <a:bodyPr lIns="0" rIns="0" tIns="0" bIns="0" anchor="t">
+            <a:normAutofit/>
+          </a:bodyPr>
+          <a:p>
+            <a:endParaRPr b="0" lang="en-US" sz="3200" spc="-1" strike="noStrike">
+              <a:latin typeface="Arial"/>
+            </a:endParaRPr>
+          </a:p>
+        </p:txBody>
+      </p:sp>
+      <p:sp>
+        <p:nvSpPr>
+          <p:cNvPr id="25" name="PlaceHolder 4"/>
+          <p:cNvSpPr>
+            <a:spLocks noGrp="1"/>
+          </p:cNvSpPr>
+          <p:nvPr>
+            <p:ph/>
+          </p:nvPr>
+        </p:nvSpPr>
+        <p:spPr>
+          <a:xfrm>
+            <a:off x="283320" y="5410800"/>
+            <a:ext cx="5101560" cy="2787480"/>
+          </a:xfrm>
+          <a:prstGeom prst="rect">
+            <a:avLst/>
+          </a:prstGeom>
+          <a:noFill/>
+          <a:ln w="0">
+            <a:noFill/>
+          </a:ln>
+        </p:spPr>
+        <p:txBody>
+          <a:bodyPr lIns="0" rIns="0" tIns="0" bIns="0" anchor="t">
+            <a:normAutofit/>
+          </a:bodyPr>
+          <a:p>
+            <a:endParaRPr b="0" lang="en-US" sz="3200" spc="-1" strike="noStrike">
+              <a:latin typeface="Arial"/>
+            </a:endParaRPr>
+          </a:p>
+        </p:txBody>
+      </p:sp>
+      <p:sp>
+        <p:nvSpPr>
+          <p:cNvPr id="6" name="PlaceHolder 5"/>
+          <p:cNvSpPr>
+            <a:spLocks noGrp="1"/>
+          </p:cNvSpPr>
+          <p:nvPr>
+            <p:ph type="ftr" idx="1"/>
+          </p:nvPr>
+        </p:nvSpPr>
+        <p:spPr/>
+        <p:txBody>
+          <a:bodyPr/>
+          <a:p>
+            <a:r>
+              <a:t>Footer</a:t>
+            </a:r>
+          </a:p>
+        </p:txBody>
+      </p:sp>
+      <p:sp>
+        <p:nvSpPr>
+          <p:cNvPr id="7" name="PlaceHolder 6"/>
+          <p:cNvSpPr>
+            <a:spLocks noGrp="1"/>
+          </p:cNvSpPr>
+          <p:nvPr>
+            <p:ph type="sldNum" idx="2"/>
+          </p:nvPr>
+        </p:nvSpPr>
+        <p:spPr/>
+        <p:txBody>
+          <a:bodyPr/>
+          <a:p>
+            <a:fld id="{1605C63B-C6F6-45A3-B70E-E57240CF9FCA}" type="slidenum">
+              <a:t>&lt;#&gt;</a:t>
+            </a:fld>
+          </a:p>
+        </p:txBody>
+      </p:sp>
+      <p:sp>
+        <p:nvSpPr>
+          <p:cNvPr id="8" name="PlaceHolder 7"/>
+          <p:cNvSpPr>
+            <a:spLocks noGrp="1"/>
+          </p:cNvSpPr>
+          <p:nvPr>
+            <p:ph type="dt" idx="3"/>
+          </p:nvPr>
+        </p:nvSpPr>
+        <p:spPr/>
+        <p:txBody>
+          <a:bodyPr/>
+          <a:p>
+            <a:r>
+              <a:rPr lang="zh-CN"/>
               <a:t/>
             </a:r>
           </a:p>
@@ -433,7 +4535,7 @@
     <p:bg>
       <p:bgPr>
         <a:solidFill>
-          <a:schemeClr val="lt1"/>
+          <a:srgbClr val="ffffff"/>
         </a:solidFill>
       </p:bgPr>
     </p:bg>
@@ -458,98 +4560,13 @@
             <a:spLocks noGrp="1"/>
           </p:cNvSpPr>
           <p:nvPr>
-            <p:ph type="title"/>
-          </p:nvPr>
-        </p:nvSpPr>
-        <p:spPr>
-          <a:xfrm>
-            <a:off x="283320" y="401760"/>
-            <a:ext cx="5101200" cy="1681920"/>
-          </a:xfrm>
-          <a:prstGeom prst="rect">
-            <a:avLst/>
-          </a:prstGeom>
-          <a:noFill/>
-          <a:ln w="0">
-            <a:noFill/>
-          </a:ln>
-        </p:spPr>
-        <p:txBody>
-          <a:bodyPr lIns="0" rIns="0" tIns="0" bIns="0" anchor="ctr">
-            <a:noAutofit/>
-          </a:bodyPr>
-          <a:p>
-            <a:pPr indent="0">
-              <a:buNone/>
-            </a:pPr>
-            <a:r>
-              <a:rPr b="0" lang="en-US" sz="1800" spc="-1" strike="noStrike">
-                <a:solidFill>
-                  <a:srgbClr val="000000"/>
-                </a:solidFill>
-                <a:latin typeface="Arial"/>
-              </a:rPr>
-              <a:t>Click to </a:t>
-            </a:r>
-            <a:r>
-              <a:rPr b="0" lang="en-US" sz="1800" spc="-1" strike="noStrike">
-                <a:solidFill>
-                  <a:srgbClr val="000000"/>
-                </a:solidFill>
-                <a:latin typeface="Arial"/>
-              </a:rPr>
-              <a:t>edit the </a:t>
-            </a:r>
-            <a:r>
-              <a:rPr b="0" lang="en-US" sz="1800" spc="-1" strike="noStrike">
-                <a:solidFill>
-                  <a:srgbClr val="000000"/>
-                </a:solidFill>
-                <a:latin typeface="Arial"/>
-              </a:rPr>
-              <a:t>title </a:t>
-            </a:r>
-            <a:r>
-              <a:rPr b="0" lang="en-US" sz="1800" spc="-1" strike="noStrike">
-                <a:solidFill>
-                  <a:srgbClr val="000000"/>
-                </a:solidFill>
-                <a:latin typeface="Arial"/>
-              </a:rPr>
-              <a:t>text </a:t>
-            </a:r>
-            <a:r>
-              <a:rPr b="0" lang="en-US" sz="1800" spc="-1" strike="noStrike">
-                <a:solidFill>
-                  <a:srgbClr val="000000"/>
-                </a:solidFill>
-                <a:latin typeface="Arial"/>
-              </a:rPr>
-              <a:t>format</a:t>
-            </a:r>
-            <a:endParaRPr b="0" lang="en-US" sz="1800" spc="-1" strike="noStrike">
-              <a:solidFill>
-                <a:srgbClr val="000000"/>
-              </a:solidFill>
-              <a:latin typeface="Arial"/>
-            </a:endParaRPr>
-          </a:p>
-        </p:txBody>
-      </p:sp>
-      <p:sp>
-        <p:nvSpPr>
-          <p:cNvPr id="1" name="PlaceHolder 2"/>
-          <p:cNvSpPr>
-            <a:spLocks noGrp="1"/>
-          </p:cNvSpPr>
-          <p:nvPr>
             <p:ph type="ftr" idx="1"/>
           </p:nvPr>
         </p:nvSpPr>
         <p:spPr>
           <a:xfrm>
             <a:off x="1936080" y="9174600"/>
-            <a:ext cx="1779120" cy="681840"/>
+            <a:ext cx="1777680" cy="680400"/>
           </a:xfrm>
           <a:prstGeom prst="rect">
             <a:avLst/>
@@ -564,7 +4581,7 @@
             <a:noAutofit/>
           </a:bodyPr>
           <a:lstStyle>
-            <a:lvl1pPr indent="0" algn="ctr">
+            <a:lvl1pPr algn="ctr">
               <a:lnSpc>
                 <a:spcPct val="100000"/>
               </a:lnSpc>
@@ -581,7 +4598,7 @@
             </a:lvl1pPr>
           </a:lstStyle>
           <a:p>
-            <a:pPr indent="0" algn="ctr">
+            <a:pPr algn="ctr">
               <a:lnSpc>
                 <a:spcPct val="100000"/>
               </a:lnSpc>
@@ -597,12 +4614,9 @@
                 </a:solidFill>
                 <a:latin typeface="Times New Roman"/>
               </a:rPr>
-              <a:t>&lt;footer&gt;</a:t>
+              <a:t>&lt;页脚&gt;</a:t>
             </a:r>
             <a:endParaRPr b="0" lang="en-US" sz="1400" spc="-1" strike="noStrike">
-              <a:solidFill>
-                <a:srgbClr val="000000"/>
-              </a:solidFill>
               <a:latin typeface="Times New Roman"/>
             </a:endParaRPr>
           </a:p>
@@ -610,7 +4624,7 @@
       </p:sp>
       <p:sp>
         <p:nvSpPr>
-          <p:cNvPr id="2" name="PlaceHolder 3"/>
+          <p:cNvPr id="1" name="PlaceHolder 2"/>
           <p:cNvSpPr>
             <a:spLocks noGrp="1"/>
           </p:cNvSpPr>
@@ -621,7 +4635,7 @@
         <p:spPr>
           <a:xfrm>
             <a:off x="4062240" y="9174600"/>
-            <a:ext cx="1306800" cy="681840"/>
+            <a:ext cx="1305360" cy="680400"/>
           </a:xfrm>
           <a:prstGeom prst="rect">
             <a:avLst/>
@@ -636,7 +4650,7 @@
             <a:noAutofit/>
           </a:bodyPr>
           <a:lstStyle>
-            <a:lvl1pPr indent="0">
+            <a:lvl1pPr>
               <a:lnSpc>
                 <a:spcPct val="100000"/>
               </a:lnSpc>
@@ -653,7 +4667,7 @@
             </a:lvl1pPr>
           </a:lstStyle>
           <a:p>
-            <a:pPr indent="0">
+            <a:pPr>
               <a:lnSpc>
                 <a:spcPct val="100000"/>
               </a:lnSpc>
@@ -662,19 +4676,16 @@
                 <a:tab algn="l" pos="0"/>
               </a:tabLst>
             </a:pPr>
-            <a:fld id="{48CB5F34-27A2-4637-B090-0D774CC5421A}" type="slidenum">
+            <a:fld id="{6F3D14C1-8197-4B52-B315-89D037603847}" type="slidenum">
               <a:rPr b="0" lang="en-US" sz="1400" spc="-1" strike="noStrike">
                 <a:solidFill>
                   <a:srgbClr val="000000"/>
                 </a:solidFill>
                 <a:latin typeface="Times New Roman"/>
               </a:rPr>
-              <a:t>&lt;number&gt;</a:t>
+              <a:t>&lt;编号&gt;</a:t>
             </a:fld>
             <a:endParaRPr b="0" lang="en-US" sz="1400" spc="-1" strike="noStrike">
-              <a:solidFill>
-                <a:srgbClr val="000000"/>
-              </a:solidFill>
               <a:latin typeface="Times New Roman"/>
             </a:endParaRPr>
           </a:p>
@@ -682,7 +4693,7 @@
       </p:sp>
       <p:sp>
         <p:nvSpPr>
-          <p:cNvPr id="3" name="PlaceHolder 4"/>
+          <p:cNvPr id="2" name="PlaceHolder 3"/>
           <p:cNvSpPr>
             <a:spLocks noGrp="1"/>
           </p:cNvSpPr>
@@ -693,7 +4704,7 @@
         <p:spPr>
           <a:xfrm>
             <a:off x="282960" y="9174600"/>
-            <a:ext cx="1306800" cy="681840"/>
+            <a:ext cx="1305360" cy="680400"/>
           </a:xfrm>
           <a:prstGeom prst="rect">
             <a:avLst/>
@@ -708,34 +4719,307 @@
             <a:noAutofit/>
           </a:bodyPr>
           <a:lstStyle>
-            <a:lvl1pPr indent="0">
-              <a:buNone/>
+            <a:lvl1pPr>
               <a:defRPr b="0" lang="en-US" sz="1400" spc="-1" strike="noStrike">
-                <a:solidFill>
-                  <a:srgbClr val="000000"/>
-                </a:solidFill>
                 <a:latin typeface="Times New Roman"/>
               </a:defRPr>
             </a:lvl1pPr>
           </a:lstStyle>
           <a:p>
-            <a:pPr indent="0">
+            <a:r>
+              <a:rPr b="0" lang="en-US" sz="1400" spc="-1" strike="noStrike">
+                <a:latin typeface="Times New Roman"/>
+              </a:rPr>
+              <a:t>&lt;日期/时间&gt;</a:t>
+            </a:r>
+            <a:endParaRPr b="0" lang="en-US" sz="1400" spc="-1" strike="noStrike">
+              <a:latin typeface="Times New Roman"/>
+            </a:endParaRPr>
+          </a:p>
+        </p:txBody>
+      </p:sp>
+      <p:sp>
+        <p:nvSpPr>
+          <p:cNvPr id="3" name="PlaceHolder 4"/>
+          <p:cNvSpPr>
+            <a:spLocks noGrp="1"/>
+          </p:cNvSpPr>
+          <p:nvPr>
+            <p:ph type="title"/>
+          </p:nvPr>
+        </p:nvSpPr>
+        <p:spPr>
+          <a:xfrm>
+            <a:off x="283320" y="401760"/>
+            <a:ext cx="5101560" cy="1682280"/>
+          </a:xfrm>
+          <a:prstGeom prst="rect">
+            <a:avLst/>
+          </a:prstGeom>
+          <a:noFill/>
+          <a:ln w="0">
+            <a:noFill/>
+          </a:ln>
+        </p:spPr>
+        <p:txBody>
+          <a:bodyPr lIns="0" rIns="0" tIns="0" bIns="0" anchor="ctr">
+            <a:noAutofit/>
+          </a:bodyPr>
+          <a:p>
+            <a:pPr algn="ctr">
               <a:buNone/>
             </a:pPr>
             <a:r>
-              <a:rPr b="0" lang="en-US" sz="1400" spc="-1" strike="noStrike">
-                <a:solidFill>
-                  <a:srgbClr val="000000"/>
-                </a:solidFill>
-                <a:latin typeface="Times New Roman"/>
+              <a:rPr b="0" lang="zh-CN" sz="4400" spc="-1" strike="noStrike">
+                <a:latin typeface="Arial"/>
               </a:rPr>
-              <a:t>&lt;date/time&gt;</a:t>
-            </a:r>
-            <a:endParaRPr b="0" lang="en-US" sz="1400" spc="-1" strike="noStrike">
-              <a:solidFill>
+              <a:t>单</a:t>
+            </a:r>
+            <a:r>
+              <a:rPr b="0" lang="zh-CN" sz="4400" spc="-1" strike="noStrike">
+                <a:latin typeface="Arial"/>
+              </a:rPr>
+              <a:t>击</a:t>
+            </a:r>
+            <a:r>
+              <a:rPr b="0" lang="zh-CN" sz="4400" spc="-1" strike="noStrike">
+                <a:latin typeface="Arial"/>
+              </a:rPr>
+              <a:t>以</a:t>
+            </a:r>
+            <a:r>
+              <a:rPr b="0" lang="zh-CN" sz="4400" spc="-1" strike="noStrike">
+                <a:latin typeface="Arial"/>
+              </a:rPr>
+              <a:t>编</a:t>
+            </a:r>
+            <a:r>
+              <a:rPr b="0" lang="zh-CN" sz="4400" spc="-1" strike="noStrike">
+                <a:latin typeface="Arial"/>
+              </a:rPr>
+              <a:t>辑</a:t>
+            </a:r>
+            <a:r>
+              <a:rPr b="0" lang="zh-CN" sz="4400" spc="-1" strike="noStrike">
+                <a:latin typeface="Arial"/>
+              </a:rPr>
+              <a:t>标</a:t>
+            </a:r>
+            <a:r>
+              <a:rPr b="0" lang="zh-CN" sz="4400" spc="-1" strike="noStrike">
+                <a:latin typeface="Arial"/>
+              </a:rPr>
+              <a:t>题</a:t>
+            </a:r>
+            <a:r>
+              <a:rPr b="0" lang="zh-CN" sz="4400" spc="-1" strike="noStrike">
+                <a:latin typeface="Arial"/>
+              </a:rPr>
+              <a:t>文</a:t>
+            </a:r>
+            <a:r>
+              <a:rPr b="0" lang="zh-CN" sz="4400" spc="-1" strike="noStrike">
+                <a:latin typeface="Arial"/>
+              </a:rPr>
+              <a:t>本</a:t>
+            </a:r>
+            <a:r>
+              <a:rPr b="0" lang="zh-CN" sz="4400" spc="-1" strike="noStrike">
+                <a:latin typeface="Arial"/>
+              </a:rPr>
+              <a:t>格</a:t>
+            </a:r>
+            <a:r>
+              <a:rPr b="0" lang="zh-CN" sz="4400" spc="-1" strike="noStrike">
+                <a:latin typeface="Arial"/>
+              </a:rPr>
+              <a:t>式</a:t>
+            </a:r>
+            <a:endParaRPr b="0" lang="en-US" sz="4400" spc="-1" strike="noStrike">
+              <a:latin typeface="Arial"/>
+            </a:endParaRPr>
+          </a:p>
+        </p:txBody>
+      </p:sp>
+      <p:sp>
+        <p:nvSpPr>
+          <p:cNvPr id="4" name="PlaceHolder 5"/>
+          <p:cNvSpPr>
+            <a:spLocks noGrp="1"/>
+          </p:cNvSpPr>
+          <p:nvPr>
+            <p:ph type="body"/>
+          </p:nvPr>
+        </p:nvSpPr>
+        <p:spPr>
+          <a:xfrm>
+            <a:off x="283320" y="2358000"/>
+            <a:ext cx="5101560" cy="5844240"/>
+          </a:xfrm>
+          <a:prstGeom prst="rect">
+            <a:avLst/>
+          </a:prstGeom>
+          <a:noFill/>
+          <a:ln w="0">
+            <a:noFill/>
+          </a:ln>
+        </p:spPr>
+        <p:txBody>
+          <a:bodyPr lIns="0" rIns="0" tIns="0" bIns="0" anchor="t">
+            <a:normAutofit/>
+          </a:bodyPr>
+          <a:p>
+            <a:pPr marL="432000" indent="-324000">
+              <a:spcBef>
+                <a:spcPts val="1417"/>
+              </a:spcBef>
+              <a:buClr>
                 <a:srgbClr val="000000"/>
-              </a:solidFill>
-              <a:latin typeface="Times New Roman"/>
+              </a:buClr>
+              <a:buSzPct val="45000"/>
+              <a:buFont typeface="Wingdings" charset="2"/>
+              <a:buChar char=""/>
+            </a:pPr>
+            <a:r>
+              <a:rPr b="0" lang="zh-CN" sz="3200" spc="-1" strike="noStrike">
+                <a:latin typeface="Arial"/>
+              </a:rPr>
+              <a:t>点击以编辑提纲文本格式</a:t>
+            </a:r>
+            <a:endParaRPr b="0" lang="en-US" sz="3200" spc="-1" strike="noStrike">
+              <a:latin typeface="Arial"/>
+            </a:endParaRPr>
+          </a:p>
+          <a:p>
+            <a:pPr lvl="1" marL="864000" indent="-324000">
+              <a:spcBef>
+                <a:spcPts val="1134"/>
+              </a:spcBef>
+              <a:buClr>
+                <a:srgbClr val="000000"/>
+              </a:buClr>
+              <a:buSzPct val="75000"/>
+              <a:buFont typeface="Symbol" charset="2"/>
+              <a:buChar char=""/>
+            </a:pPr>
+            <a:r>
+              <a:rPr b="0" lang="zh-CN" sz="2800" spc="-1" strike="noStrike">
+                <a:latin typeface="Arial"/>
+              </a:rPr>
+              <a:t>第二提纲级别</a:t>
+            </a:r>
+            <a:endParaRPr b="0" lang="en-US" sz="2800" spc="-1" strike="noStrike">
+              <a:latin typeface="Arial"/>
+            </a:endParaRPr>
+          </a:p>
+          <a:p>
+            <a:pPr lvl="2" marL="1296000" indent="-288000">
+              <a:spcBef>
+                <a:spcPts val="850"/>
+              </a:spcBef>
+              <a:buClr>
+                <a:srgbClr val="000000"/>
+              </a:buClr>
+              <a:buSzPct val="45000"/>
+              <a:buFont typeface="Wingdings" charset="2"/>
+              <a:buChar char=""/>
+            </a:pPr>
+            <a:r>
+              <a:rPr b="0" lang="zh-CN" sz="2400" spc="-1" strike="noStrike">
+                <a:latin typeface="Arial"/>
+              </a:rPr>
+              <a:t>第三提纲级别</a:t>
+            </a:r>
+            <a:endParaRPr b="0" lang="en-US" sz="2400" spc="-1" strike="noStrike">
+              <a:latin typeface="Arial"/>
+            </a:endParaRPr>
+          </a:p>
+          <a:p>
+            <a:pPr lvl="3" marL="1728000" indent="-216000">
+              <a:spcBef>
+                <a:spcPts val="567"/>
+              </a:spcBef>
+              <a:buClr>
+                <a:srgbClr val="000000"/>
+              </a:buClr>
+              <a:buSzPct val="75000"/>
+              <a:buFont typeface="Symbol" charset="2"/>
+              <a:buChar char=""/>
+            </a:pPr>
+            <a:r>
+              <a:rPr b="0" lang="zh-CN" sz="2000" spc="-1" strike="noStrike">
+                <a:latin typeface="Arial"/>
+              </a:rPr>
+              <a:t>第四提纲级别</a:t>
+            </a:r>
+            <a:endParaRPr b="0" lang="en-US" sz="2000" spc="-1" strike="noStrike">
+              <a:latin typeface="Arial"/>
+            </a:endParaRPr>
+          </a:p>
+          <a:p>
+            <a:pPr lvl="4" marL="2160000" indent="-216000">
+              <a:spcBef>
+                <a:spcPts val="283"/>
+              </a:spcBef>
+              <a:buClr>
+                <a:srgbClr val="000000"/>
+              </a:buClr>
+              <a:buSzPct val="45000"/>
+              <a:buFont typeface="Wingdings" charset="2"/>
+              <a:buChar char=""/>
+            </a:pPr>
+            <a:r>
+              <a:rPr b="0" lang="zh-CN" sz="2000" spc="-1" strike="noStrike">
+                <a:latin typeface="Arial"/>
+              </a:rPr>
+              <a:t>第五提纲级别</a:t>
+            </a:r>
+            <a:endParaRPr b="0" lang="en-US" sz="2000" spc="-1" strike="noStrike">
+              <a:latin typeface="Arial"/>
+            </a:endParaRPr>
+          </a:p>
+          <a:p>
+            <a:pPr lvl="5" marL="2592000" indent="-216000">
+              <a:spcBef>
+                <a:spcPts val="283"/>
+              </a:spcBef>
+              <a:buClr>
+                <a:srgbClr val="000000"/>
+              </a:buClr>
+              <a:buSzPct val="45000"/>
+              <a:buFont typeface="Wingdings" charset="2"/>
+              <a:buChar char=""/>
+            </a:pPr>
+            <a:r>
+              <a:rPr b="0" lang="zh-CN" sz="2000" spc="-1" strike="noStrike">
+                <a:latin typeface="Arial"/>
+              </a:rPr>
+              <a:t>第六提纲级别</a:t>
+            </a:r>
+            <a:endParaRPr b="0" lang="en-US" sz="2000" spc="-1" strike="noStrike">
+              <a:latin typeface="Arial"/>
+            </a:endParaRPr>
+          </a:p>
+          <a:p>
+            <a:pPr lvl="6" marL="3024000" indent="-216000">
+              <a:spcBef>
+                <a:spcPts val="283"/>
+              </a:spcBef>
+              <a:buClr>
+                <a:srgbClr val="000000"/>
+              </a:buClr>
+              <a:buSzPct val="45000"/>
+              <a:buFont typeface="Wingdings" charset="2"/>
+              <a:buChar char=""/>
+            </a:pPr>
+            <a:r>
+              <a:rPr b="0" lang="zh-CN" sz="2000" spc="-1" strike="noStrike">
+                <a:latin typeface="Arial"/>
+              </a:rPr>
+              <a:t>第七提纲级别</a:t>
+            </a:r>
+            <a:endParaRPr b="0" lang="en-US" sz="2000" spc="-1" strike="noStrike">
+              <a:latin typeface="Arial"/>
             </a:endParaRPr>
           </a:p>
         </p:txBody>
@@ -745,6 +5029,17 @@
   <p:clrMap bg1="lt1" bg2="lt2" tx1="dk1" tx2="dk2" accent1="accent1" accent2="accent2" accent3="accent3" accent4="accent4" accent5="accent5" accent6="accent6" hlink="hlink" folHlink="folHlink"/>
   <p:sldLayoutIdLst>
     <p:sldLayoutId id="2147483649" r:id="rId2"/>
+    <p:sldLayoutId id="2147483650" r:id="rId3"/>
+    <p:sldLayoutId id="2147483651" r:id="rId4"/>
+    <p:sldLayoutId id="2147483652" r:id="rId5"/>
+    <p:sldLayoutId id="2147483653" r:id="rId6"/>
+    <p:sldLayoutId id="2147483654" r:id="rId7"/>
+    <p:sldLayoutId id="2147483655" r:id="rId8"/>
+    <p:sldLayoutId id="2147483656" r:id="rId9"/>
+    <p:sldLayoutId id="2147483657" r:id="rId10"/>
+    <p:sldLayoutId id="2147483658" r:id="rId11"/>
+    <p:sldLayoutId id="2147483659" r:id="rId12"/>
+    <p:sldLayoutId id="2147483660" r:id="rId13"/>
   </p:sldLayoutIdLst>
 </p:sldMaster>
 </file>
@@ -755,7 +5050,7 @@
     <p:bg>
       <p:bgPr>
         <a:solidFill>
-          <a:schemeClr val="lt1"/>
+          <a:srgbClr val="ffffff"/>
         </a:solidFill>
       </p:bgPr>
     </p:bg>
@@ -775,65 +5070,7 @@
       </p:grpSpPr>
       <p:sp>
         <p:nvSpPr>
-          <p:cNvPr id="6" name="PlaceHolder 1"/>
-          <p:cNvSpPr>
-            <a:spLocks noGrp="1"/>
-          </p:cNvSpPr>
-          <p:nvPr>
-            <p:ph type="title"/>
-          </p:nvPr>
-        </p:nvSpPr>
-        <p:spPr>
-          <a:xfrm>
-            <a:off x="283320" y="401760"/>
-            <a:ext cx="5101200" cy="1681920"/>
-          </a:xfrm>
-          <a:prstGeom prst="rect">
-            <a:avLst/>
-          </a:prstGeom>
-          <a:noFill/>
-          <a:ln w="0">
-            <a:noFill/>
-          </a:ln>
-        </p:spPr>
-        <p:txBody>
-          <a:bodyPr lIns="0" rIns="0" tIns="0" bIns="0" anchor="ctr">
-            <a:noAutofit/>
-          </a:bodyPr>
-          <a:p>
-            <a:pPr indent="0">
-              <a:buNone/>
-            </a:pPr>
-            <a:r>
-              <a:rPr b="0" lang="en-US" sz="1800" spc="-1" strike="noStrike">
-                <a:solidFill>
-                  <a:srgbClr val="000000"/>
-                </a:solidFill>
-                <a:latin typeface="Arial"/>
-              </a:rPr>
-              <a:t>Click to edit the title </a:t>
-            </a:r>
-            <a:r>
-              <a:rPr b="0" lang="en-US" sz="1800" spc="-1" strike="noStrike">
-                <a:solidFill>
-                  <a:srgbClr val="000000"/>
-                </a:solidFill>
-                <a:latin typeface="Arial"/>
-              </a:rPr>
-              <a:t>text format</a:t>
-            </a:r>
-            <a:endParaRPr b="0" lang="en-US" sz="1800" spc="-1" strike="noStrike">
-              <a:solidFill>
-                <a:srgbClr val="000000"/>
-              </a:solidFill>
-              <a:latin typeface="Arial"/>
-            </a:endParaRPr>
-          </a:p>
-        </p:txBody>
-      </p:sp>
-      <p:sp>
-        <p:nvSpPr>
-          <p:cNvPr id="7" name="PlaceHolder 2"/>
+          <p:cNvPr id="41" name="PlaceHolder 1"/>
           <p:cNvSpPr>
             <a:spLocks noGrp="1"/>
           </p:cNvSpPr>
@@ -844,7 +5081,7 @@
         <p:spPr>
           <a:xfrm>
             <a:off x="1936080" y="9174600"/>
-            <a:ext cx="1779120" cy="681840"/>
+            <a:ext cx="1777680" cy="680400"/>
           </a:xfrm>
           <a:prstGeom prst="rect">
             <a:avLst/>
@@ -859,7 +5096,7 @@
             <a:noAutofit/>
           </a:bodyPr>
           <a:lstStyle>
-            <a:lvl1pPr indent="0" algn="ctr">
+            <a:lvl1pPr algn="ctr">
               <a:lnSpc>
                 <a:spcPct val="100000"/>
               </a:lnSpc>
@@ -876,7 +5113,7 @@
             </a:lvl1pPr>
           </a:lstStyle>
           <a:p>
-            <a:pPr indent="0" algn="ctr">
+            <a:pPr algn="ctr">
               <a:lnSpc>
                 <a:spcPct val="100000"/>
               </a:lnSpc>
@@ -892,12 +5129,9 @@
                 </a:solidFill>
                 <a:latin typeface="Times New Roman"/>
               </a:rPr>
-              <a:t>&lt;footer&gt;</a:t>
+              <a:t>&lt;页脚&gt;</a:t>
             </a:r>
             <a:endParaRPr b="0" lang="en-US" sz="1400" spc="-1" strike="noStrike">
-              <a:solidFill>
-                <a:srgbClr val="000000"/>
-              </a:solidFill>
               <a:latin typeface="Times New Roman"/>
             </a:endParaRPr>
           </a:p>
@@ -905,7 +5139,7 @@
       </p:sp>
       <p:sp>
         <p:nvSpPr>
-          <p:cNvPr id="8" name="PlaceHolder 3"/>
+          <p:cNvPr id="42" name="PlaceHolder 2"/>
           <p:cNvSpPr>
             <a:spLocks noGrp="1"/>
           </p:cNvSpPr>
@@ -916,7 +5150,7 @@
         <p:spPr>
           <a:xfrm>
             <a:off x="4062240" y="9174600"/>
-            <a:ext cx="1306800" cy="681840"/>
+            <a:ext cx="1305360" cy="680400"/>
           </a:xfrm>
           <a:prstGeom prst="rect">
             <a:avLst/>
@@ -931,7 +5165,7 @@
             <a:noAutofit/>
           </a:bodyPr>
           <a:lstStyle>
-            <a:lvl1pPr indent="0">
+            <a:lvl1pPr>
               <a:lnSpc>
                 <a:spcPct val="100000"/>
               </a:lnSpc>
@@ -948,7 +5182,7 @@
             </a:lvl1pPr>
           </a:lstStyle>
           <a:p>
-            <a:pPr indent="0">
+            <a:pPr>
               <a:lnSpc>
                 <a:spcPct val="100000"/>
               </a:lnSpc>
@@ -957,19 +5191,16 @@
                 <a:tab algn="l" pos="0"/>
               </a:tabLst>
             </a:pPr>
-            <a:fld id="{A9D379C8-95C6-43B8-A768-22697E2750D8}" type="slidenum">
+            <a:fld id="{EF432BC4-2418-478F-BE8B-098FDB3BD9EC}" type="slidenum">
               <a:rPr b="0" lang="en-US" sz="1400" spc="-1" strike="noStrike">
                 <a:solidFill>
                   <a:srgbClr val="000000"/>
                 </a:solidFill>
                 <a:latin typeface="Times New Roman"/>
               </a:rPr>
-              <a:t>&lt;number&gt;</a:t>
+              <a:t>&lt;编号&gt;</a:t>
             </a:fld>
             <a:endParaRPr b="0" lang="en-US" sz="1400" spc="-1" strike="noStrike">
-              <a:solidFill>
-                <a:srgbClr val="000000"/>
-              </a:solidFill>
               <a:latin typeface="Times New Roman"/>
             </a:endParaRPr>
           </a:p>
@@ -977,7 +5208,7 @@
       </p:sp>
       <p:sp>
         <p:nvSpPr>
-          <p:cNvPr id="9" name="PlaceHolder 4"/>
+          <p:cNvPr id="43" name="PlaceHolder 3"/>
           <p:cNvSpPr>
             <a:spLocks noGrp="1"/>
           </p:cNvSpPr>
@@ -988,7 +5219,7 @@
         <p:spPr>
           <a:xfrm>
             <a:off x="282960" y="9174600"/>
-            <a:ext cx="1306800" cy="681840"/>
+            <a:ext cx="1305360" cy="680400"/>
           </a:xfrm>
           <a:prstGeom prst="rect">
             <a:avLst/>
@@ -1003,41 +5234,71 @@
             <a:noAutofit/>
           </a:bodyPr>
           <a:lstStyle>
-            <a:lvl1pPr indent="0">
-              <a:buNone/>
+            <a:lvl1pPr>
               <a:defRPr b="0" lang="en-US" sz="1400" spc="-1" strike="noStrike">
-                <a:solidFill>
-                  <a:srgbClr val="000000"/>
-                </a:solidFill>
                 <a:latin typeface="Times New Roman"/>
               </a:defRPr>
             </a:lvl1pPr>
           </a:lstStyle>
           <a:p>
-            <a:pPr indent="0">
+            <a:r>
+              <a:rPr b="0" lang="en-US" sz="1400" spc="-1" strike="noStrike">
+                <a:latin typeface="Times New Roman"/>
+              </a:rPr>
+              <a:t>&lt;日期/时间&gt;</a:t>
+            </a:r>
+            <a:endParaRPr b="0" lang="en-US" sz="1400" spc="-1" strike="noStrike">
+              <a:latin typeface="Times New Roman"/>
+            </a:endParaRPr>
+          </a:p>
+        </p:txBody>
+      </p:sp>
+      <p:sp>
+        <p:nvSpPr>
+          <p:cNvPr id="44" name="PlaceHolder 4"/>
+          <p:cNvSpPr>
+            <a:spLocks noGrp="1"/>
+          </p:cNvSpPr>
+          <p:nvPr>
+            <p:ph type="title"/>
+          </p:nvPr>
+        </p:nvSpPr>
+        <p:spPr>
+          <a:xfrm>
+            <a:off x="283320" y="401760"/>
+            <a:ext cx="5101560" cy="1682280"/>
+          </a:xfrm>
+          <a:prstGeom prst="rect">
+            <a:avLst/>
+          </a:prstGeom>
+          <a:noFill/>
+          <a:ln w="0">
+            <a:noFill/>
+          </a:ln>
+        </p:spPr>
+        <p:txBody>
+          <a:bodyPr lIns="0" rIns="0" tIns="0" bIns="0" anchor="ctr">
+            <a:noAutofit/>
+          </a:bodyPr>
+          <a:p>
+            <a:pPr algn="ctr">
               <a:buNone/>
             </a:pPr>
             <a:r>
-              <a:rPr b="0" lang="en-US" sz="1400" spc="-1" strike="noStrike">
-                <a:solidFill>
-                  <a:srgbClr val="000000"/>
-                </a:solidFill>
-                <a:latin typeface="Times New Roman"/>
+              <a:rPr b="0" lang="zh-CN" sz="4400" spc="-1" strike="noStrike">
+                <a:latin typeface="Arial"/>
               </a:rPr>
-              <a:t>&lt;date/time&gt;</a:t>
-            </a:r>
-            <a:endParaRPr b="0" lang="en-US" sz="1400" spc="-1" strike="noStrike">
-              <a:solidFill>
-                <a:srgbClr val="000000"/>
-              </a:solidFill>
-              <a:latin typeface="Times New Roman"/>
-            </a:endParaRPr>
-          </a:p>
-        </p:txBody>
-      </p:sp>
-      <p:sp>
-        <p:nvSpPr>
-          <p:cNvPr id="10" name="PlaceHolder 5"/>
+              <a:t>单击以编辑标题文本格式</a:t>
+            </a:r>
+            <a:endParaRPr b="0" lang="en-US" sz="4400" spc="-1" strike="noStrike">
+              <a:latin typeface="Arial"/>
+            </a:endParaRPr>
+          </a:p>
+        </p:txBody>
+      </p:sp>
+      <p:sp>
+        <p:nvSpPr>
+          <p:cNvPr id="45" name="PlaceHolder 5"/>
           <p:cNvSpPr>
             <a:spLocks noGrp="1"/>
           </p:cNvSpPr>
@@ -1075,18 +5336,12 @@
               <a:buChar char=""/>
             </a:pPr>
             <a:r>
-              <a:rPr b="0" lang="en-US" sz="3200" spc="-1" strike="noStrike">
-                <a:solidFill>
-                  <a:srgbClr val="000000"/>
-                </a:solidFill>
+              <a:rPr b="0" lang="zh-CN" sz="3200" spc="-1" strike="noStrike">
                 <a:latin typeface="Arial"/>
               </a:rPr>
-              <a:t>Click to edit the outline text format</a:t>
+              <a:t>点击以编辑提纲文本格式</a:t>
             </a:r>
             <a:endParaRPr b="0" lang="en-US" sz="3200" spc="-1" strike="noStrike">
-              <a:solidFill>
-                <a:srgbClr val="000000"/>
-              </a:solidFill>
               <a:latin typeface="Arial"/>
             </a:endParaRPr>
           </a:p>
@@ -1103,18 +5358,12 @@
               <a:buChar char=""/>
             </a:pPr>
             <a:r>
-              <a:rPr b="0" lang="en-US" sz="2800" spc="-1" strike="noStrike">
-                <a:solidFill>
-                  <a:srgbClr val="000000"/>
-                </a:solidFill>
+              <a:rPr b="0" lang="zh-CN" sz="2800" spc="-1" strike="noStrike">
                 <a:latin typeface="Arial"/>
               </a:rPr>
-              <a:t>Second Outline Level</a:t>
+              <a:t>第二提纲级别</a:t>
             </a:r>
             <a:endParaRPr b="0" lang="en-US" sz="2800" spc="-1" strike="noStrike">
-              <a:solidFill>
-                <a:srgbClr val="000000"/>
-              </a:solidFill>
               <a:latin typeface="Arial"/>
             </a:endParaRPr>
           </a:p>
@@ -1131,18 +5380,12 @@
               <a:buChar char=""/>
             </a:pPr>
             <a:r>
-              <a:rPr b="0" lang="en-US" sz="2400" spc="-1" strike="noStrike">
-                <a:solidFill>
-                  <a:srgbClr val="000000"/>
-                </a:solidFill>
+              <a:rPr b="0" lang="zh-CN" sz="2400" spc="-1" strike="noStrike">
                 <a:latin typeface="Arial"/>
               </a:rPr>
-              <a:t>Third Outline Level</a:t>
+              <a:t>第三提纲级别</a:t>
             </a:r>
             <a:endParaRPr b="0" lang="en-US" sz="2400" spc="-1" strike="noStrike">
-              <a:solidFill>
-                <a:srgbClr val="000000"/>
-              </a:solidFill>
               <a:latin typeface="Arial"/>
             </a:endParaRPr>
           </a:p>
@@ -1159,18 +5402,12 @@
               <a:buChar char=""/>
             </a:pPr>
             <a:r>
-              <a:rPr b="0" lang="en-US" sz="2000" spc="-1" strike="noStrike">
-                <a:solidFill>
-                  <a:srgbClr val="000000"/>
-                </a:solidFill>
+              <a:rPr b="0" lang="zh-CN" sz="2000" spc="-1" strike="noStrike">
                 <a:latin typeface="Arial"/>
               </a:rPr>
-              <a:t>Fourth Outline Level</a:t>
+              <a:t>第四提纲级别</a:t>
             </a:r>
             <a:endParaRPr b="0" lang="en-US" sz="2000" spc="-1" strike="noStrike">
-              <a:solidFill>
-                <a:srgbClr val="000000"/>
-              </a:solidFill>
               <a:latin typeface="Arial"/>
             </a:endParaRPr>
           </a:p>
@@ -1187,18 +5424,12 @@
               <a:buChar char=""/>
             </a:pPr>
             <a:r>
-              <a:rPr b="0" lang="en-US" sz="2000" spc="-1" strike="noStrike">
-                <a:solidFill>
-                  <a:srgbClr val="000000"/>
-                </a:solidFill>
+              <a:rPr b="0" lang="zh-CN" sz="2000" spc="-1" strike="noStrike">
                 <a:latin typeface="Arial"/>
               </a:rPr>
-              <a:t>Fifth Outline Level</a:t>
+              <a:t>第五提纲级别</a:t>
             </a:r>
             <a:endParaRPr b="0" lang="en-US" sz="2000" spc="-1" strike="noStrike">
-              <a:solidFill>
-                <a:srgbClr val="000000"/>
-              </a:solidFill>
               <a:latin typeface="Arial"/>
             </a:endParaRPr>
           </a:p>
@@ -1215,18 +5446,12 @@
               <a:buChar char=""/>
             </a:pPr>
             <a:r>
-              <a:rPr b="0" lang="en-US" sz="2000" spc="-1" strike="noStrike">
-                <a:solidFill>
-                  <a:srgbClr val="000000"/>
-                </a:solidFill>
+              <a:rPr b="0" lang="zh-CN" sz="2000" spc="-1" strike="noStrike">
                 <a:latin typeface="Arial"/>
               </a:rPr>
-              <a:t>Sixth Outline Level</a:t>
+              <a:t>第六提纲级别</a:t>
             </a:r>
             <a:endParaRPr b="0" lang="en-US" sz="2000" spc="-1" strike="noStrike">
-              <a:solidFill>
-                <a:srgbClr val="000000"/>
-              </a:solidFill>
               <a:latin typeface="Arial"/>
             </a:endParaRPr>
           </a:p>
@@ -1243,18 +5468,12 @@
               <a:buChar char=""/>
             </a:pPr>
             <a:r>
-              <a:rPr b="0" lang="en-US" sz="2000" spc="-1" strike="noStrike">
-                <a:solidFill>
-                  <a:srgbClr val="000000"/>
-                </a:solidFill>
+              <a:rPr b="0" lang="zh-CN" sz="2000" spc="-1" strike="noStrike">
                 <a:latin typeface="Arial"/>
               </a:rPr>
-              <a:t>Seventh Outline Level</a:t>
+              <a:t>第七提纲级别</a:t>
             </a:r>
             <a:endParaRPr b="0" lang="en-US" sz="2000" spc="-1" strike="noStrike">
-              <a:solidFill>
-                <a:srgbClr val="000000"/>
-              </a:solidFill>
               <a:latin typeface="Arial"/>
             </a:endParaRPr>
           </a:p>
@@ -1264,518 +5483,18 @@
   </p:cSld>
   <p:clrMap bg1="lt1" bg2="lt2" tx1="dk1" tx2="dk2" accent1="accent1" accent2="accent2" accent3="accent3" accent4="accent4" accent5="accent5" accent6="accent6" hlink="hlink" folHlink="folHlink"/>
   <p:sldLayoutIdLst>
-    <p:sldLayoutId id="2147483651" r:id="rId2"/>
-  </p:sldLayoutIdLst>
-</p:sldMaster>
-</file>
-
-<file path=ppt/slideMasters/slideMaster3.xml><?xml version="1.0" encoding="utf-8"?>
-<p:sldMaster xmlns:a="http://schemas.openxmlformats.org/drawingml/2006/main" xmlns:p="http://schemas.openxmlformats.org/presentationml/2006/main" xmlns:r="http://schemas.openxmlformats.org/officeDocument/2006/relationships" xmlns:p14="http://schemas.microsoft.com/office/powerpoint/2010/main" xmlns:p15="http://schemas.microsoft.com/office/powerpoint/2012/main" xmlns:mc="http://schemas.openxmlformats.org/markup-compatibility/2006">
-  <p:cSld>
-    <p:bg>
-      <p:bgPr>
-        <a:solidFill>
-          <a:schemeClr val="lt1"/>
-        </a:solidFill>
-      </p:bgPr>
-    </p:bg>
-    <p:spTree>
-      <p:nvGrpSpPr>
-        <p:cNvPr id="1" name=""/>
-        <p:cNvGrpSpPr/>
-        <p:nvPr/>
-      </p:nvGrpSpPr>
-      <p:grpSpPr>
-        <a:xfrm>
-          <a:off x="0" y="0"/>
-          <a:ext cx="0" cy="0"/>
-          <a:chOff x="0" y="0"/>
-          <a:chExt cx="0" cy="0"/>
-        </a:xfrm>
-      </p:grpSpPr>
-      <p:sp>
-        <p:nvSpPr>
-          <p:cNvPr id="13" name="PlaceHolder 1"/>
-          <p:cNvSpPr>
-            <a:spLocks noGrp="1"/>
-          </p:cNvSpPr>
-          <p:nvPr>
-            <p:ph type="ftr" idx="7"/>
-          </p:nvPr>
-        </p:nvSpPr>
-        <p:spPr>
-          <a:xfrm>
-            <a:off x="1936080" y="9174600"/>
-            <a:ext cx="1779120" cy="681840"/>
-          </a:xfrm>
-          <a:prstGeom prst="rect">
-            <a:avLst/>
-          </a:prstGeom>
-          <a:noFill/>
-          <a:ln w="9360">
-            <a:noFill/>
-          </a:ln>
-        </p:spPr>
-        <p:txBody>
-          <a:bodyPr lIns="90000" rIns="90000" tIns="45000" bIns="45000" anchor="t">
-            <a:noAutofit/>
-          </a:bodyPr>
-          <a:lstStyle>
-            <a:lvl1pPr indent="0" algn="ctr">
-              <a:lnSpc>
-                <a:spcPct val="100000"/>
-              </a:lnSpc>
-              <a:buNone/>
-              <a:tabLst>
-                <a:tab algn="l" pos="0"/>
-              </a:tabLst>
-              <a:defRPr b="0" lang="en-US" sz="1400" spc="-1" strike="noStrike">
-                <a:solidFill>
-                  <a:srgbClr val="000000"/>
-                </a:solidFill>
-                <a:latin typeface="Times New Roman"/>
-              </a:defRPr>
-            </a:lvl1pPr>
-          </a:lstStyle>
-          <a:p>
-            <a:pPr indent="0" algn="ctr">
-              <a:lnSpc>
-                <a:spcPct val="100000"/>
-              </a:lnSpc>
-              <a:buNone/>
-              <a:tabLst>
-                <a:tab algn="l" pos="0"/>
-              </a:tabLst>
-            </a:pPr>
-            <a:r>
-              <a:rPr b="0" lang="en-US" sz="1400" spc="-1" strike="noStrike">
-                <a:solidFill>
-                  <a:srgbClr val="000000"/>
-                </a:solidFill>
-                <a:latin typeface="Times New Roman"/>
-              </a:rPr>
-              <a:t>&lt;footer&gt;</a:t>
-            </a:r>
-            <a:endParaRPr b="0" lang="en-US" sz="1400" spc="-1" strike="noStrike">
-              <a:solidFill>
-                <a:srgbClr val="000000"/>
-              </a:solidFill>
-              <a:latin typeface="Times New Roman"/>
-            </a:endParaRPr>
-          </a:p>
-        </p:txBody>
-      </p:sp>
-      <p:sp>
-        <p:nvSpPr>
-          <p:cNvPr id="14" name="PlaceHolder 2"/>
-          <p:cNvSpPr>
-            <a:spLocks noGrp="1"/>
-          </p:cNvSpPr>
-          <p:nvPr>
-            <p:ph type="sldNum" idx="8"/>
-          </p:nvPr>
-        </p:nvSpPr>
-        <p:spPr>
-          <a:xfrm>
-            <a:off x="4062240" y="9174600"/>
-            <a:ext cx="1306800" cy="681840"/>
-          </a:xfrm>
-          <a:prstGeom prst="rect">
-            <a:avLst/>
-          </a:prstGeom>
-          <a:noFill/>
-          <a:ln w="9360">
-            <a:noFill/>
-          </a:ln>
-        </p:spPr>
-        <p:txBody>
-          <a:bodyPr lIns="90000" rIns="90000" tIns="45000" bIns="45000" anchor="t">
-            <a:noAutofit/>
-          </a:bodyPr>
-          <a:lstStyle>
-            <a:lvl1pPr indent="0">
-              <a:lnSpc>
-                <a:spcPct val="100000"/>
-              </a:lnSpc>
-              <a:buNone/>
-              <a:tabLst>
-                <a:tab algn="l" pos="0"/>
-              </a:tabLst>
-              <a:defRPr b="0" lang="en-US" sz="1400" spc="-1" strike="noStrike">
-                <a:solidFill>
-                  <a:srgbClr val="000000"/>
-                </a:solidFill>
-                <a:latin typeface="Times New Roman"/>
-              </a:defRPr>
-            </a:lvl1pPr>
-          </a:lstStyle>
-          <a:p>
-            <a:pPr indent="0">
-              <a:lnSpc>
-                <a:spcPct val="100000"/>
-              </a:lnSpc>
-              <a:buNone/>
-              <a:tabLst>
-                <a:tab algn="l" pos="0"/>
-              </a:tabLst>
-            </a:pPr>
-            <a:fld id="{7638379E-239A-4063-A88E-C8DE886BF485}" type="slidenum">
-              <a:rPr b="0" lang="en-US" sz="1400" spc="-1" strike="noStrike">
-                <a:solidFill>
-                  <a:srgbClr val="000000"/>
-                </a:solidFill>
-                <a:latin typeface="Times New Roman"/>
-              </a:rPr>
-              <a:t>&lt;number&gt;</a:t>
-            </a:fld>
-            <a:endParaRPr b="0" lang="en-US" sz="1400" spc="-1" strike="noStrike">
-              <a:solidFill>
-                <a:srgbClr val="000000"/>
-              </a:solidFill>
-              <a:latin typeface="Times New Roman"/>
-            </a:endParaRPr>
-          </a:p>
-        </p:txBody>
-      </p:sp>
-      <p:sp>
-        <p:nvSpPr>
-          <p:cNvPr id="15" name="PlaceHolder 3"/>
-          <p:cNvSpPr>
-            <a:spLocks noGrp="1"/>
-          </p:cNvSpPr>
-          <p:nvPr>
-            <p:ph type="dt" idx="9"/>
-          </p:nvPr>
-        </p:nvSpPr>
-        <p:spPr>
-          <a:xfrm>
-            <a:off x="282960" y="9174600"/>
-            <a:ext cx="1306800" cy="681840"/>
-          </a:xfrm>
-          <a:prstGeom prst="rect">
-            <a:avLst/>
-          </a:prstGeom>
-          <a:noFill/>
-          <a:ln w="9360">
-            <a:noFill/>
-          </a:ln>
-        </p:spPr>
-        <p:txBody>
-          <a:bodyPr lIns="90000" rIns="90000" tIns="45000" bIns="45000" anchor="t">
-            <a:noAutofit/>
-          </a:bodyPr>
-          <a:lstStyle>
-            <a:lvl1pPr indent="0">
-              <a:buNone/>
-              <a:defRPr b="0" lang="en-US" sz="1400" spc="-1" strike="noStrike">
-                <a:solidFill>
-                  <a:srgbClr val="000000"/>
-                </a:solidFill>
-                <a:latin typeface="Times New Roman"/>
-              </a:defRPr>
-            </a:lvl1pPr>
-          </a:lstStyle>
-          <a:p>
-            <a:pPr indent="0">
-              <a:buNone/>
-            </a:pPr>
-            <a:r>
-              <a:rPr b="0" lang="en-US" sz="1400" spc="-1" strike="noStrike">
-                <a:solidFill>
-                  <a:srgbClr val="000000"/>
-                </a:solidFill>
-                <a:latin typeface="Times New Roman"/>
-              </a:rPr>
-              <a:t>&lt;date/time&gt;</a:t>
-            </a:r>
-            <a:endParaRPr b="0" lang="en-US" sz="1400" spc="-1" strike="noStrike">
-              <a:solidFill>
-                <a:srgbClr val="000000"/>
-              </a:solidFill>
-              <a:latin typeface="Times New Roman"/>
-            </a:endParaRPr>
-          </a:p>
-        </p:txBody>
-      </p:sp>
-      <p:sp>
-        <p:nvSpPr>
-          <p:cNvPr id="16" name="PlaceHolder 4"/>
-          <p:cNvSpPr>
-            <a:spLocks noGrp="1"/>
-          </p:cNvSpPr>
-          <p:nvPr>
-            <p:ph type="title"/>
-          </p:nvPr>
-        </p:nvSpPr>
-        <p:spPr>
-          <a:xfrm>
-            <a:off x="283320" y="401760"/>
-            <a:ext cx="5101560" cy="1682280"/>
-          </a:xfrm>
-          <a:prstGeom prst="rect">
-            <a:avLst/>
-          </a:prstGeom>
-          <a:noFill/>
-          <a:ln w="0">
-            <a:noFill/>
-          </a:ln>
-        </p:spPr>
-        <p:txBody>
-          <a:bodyPr lIns="0" rIns="0" tIns="0" bIns="0" anchor="ctr">
-            <a:noAutofit/>
-          </a:bodyPr>
-          <a:p>
-            <a:pPr indent="0" algn="ctr">
-              <a:buNone/>
-            </a:pPr>
-            <a:r>
-              <a:rPr b="0" lang="en-US" sz="4400" spc="-1" strike="noStrike">
-                <a:solidFill>
-                  <a:srgbClr val="000000"/>
-                </a:solidFill>
-                <a:latin typeface="Arial"/>
-              </a:rPr>
-              <a:t>Click to edit the title text format</a:t>
-            </a:r>
-            <a:endParaRPr b="0" lang="en-US" sz="4400" spc="-1" strike="noStrike">
-              <a:solidFill>
-                <a:srgbClr val="000000"/>
-              </a:solidFill>
-              <a:latin typeface="Arial"/>
-            </a:endParaRPr>
-          </a:p>
-        </p:txBody>
-      </p:sp>
-      <p:sp>
-        <p:nvSpPr>
-          <p:cNvPr id="17" name="PlaceHolder 5"/>
-          <p:cNvSpPr>
-            <a:spLocks noGrp="1"/>
-          </p:cNvSpPr>
-          <p:nvPr>
-            <p:ph type="body"/>
-          </p:nvPr>
-        </p:nvSpPr>
-        <p:spPr>
-          <a:xfrm>
-            <a:off x="283320" y="2358000"/>
-            <a:ext cx="5101560" cy="5844240"/>
-          </a:xfrm>
-          <a:prstGeom prst="rect">
-            <a:avLst/>
-          </a:prstGeom>
-          <a:noFill/>
-          <a:ln w="0">
-            <a:noFill/>
-          </a:ln>
-        </p:spPr>
-        <p:txBody>
-          <a:bodyPr lIns="0" rIns="0" tIns="0" bIns="0" anchor="t">
-            <a:normAutofit/>
-          </a:bodyPr>
-          <a:p>
-            <a:pPr marL="432000" indent="-324000">
-              <a:spcBef>
-                <a:spcPts val="1417"/>
-              </a:spcBef>
-              <a:buClr>
-                <a:srgbClr val="000000"/>
-              </a:buClr>
-              <a:buSzPct val="45000"/>
-              <a:buFont typeface="Wingdings" charset="2"/>
-              <a:buChar char=""/>
-            </a:pPr>
-            <a:r>
-              <a:rPr b="0" lang="en-US" sz="3200" spc="-1" strike="noStrike">
-                <a:solidFill>
-                  <a:srgbClr val="000000"/>
-                </a:solidFill>
-                <a:latin typeface="Arial"/>
-              </a:rPr>
-              <a:t>Click to edit the outline text format</a:t>
-            </a:r>
-            <a:endParaRPr b="0" lang="en-US" sz="3200" spc="-1" strike="noStrike">
-              <a:solidFill>
-                <a:srgbClr val="000000"/>
-              </a:solidFill>
-              <a:latin typeface="Arial"/>
-            </a:endParaRPr>
-          </a:p>
-          <a:p>
-            <a:pPr lvl="1" marL="864000" indent="-324000">
-              <a:spcBef>
-                <a:spcPts val="1134"/>
-              </a:spcBef>
-              <a:buClr>
-                <a:srgbClr val="000000"/>
-              </a:buClr>
-              <a:buSzPct val="75000"/>
-              <a:buFont typeface="Symbol" charset="2"/>
-              <a:buChar char=""/>
-            </a:pPr>
-            <a:r>
-              <a:rPr b="0" lang="en-US" sz="2800" spc="-1" strike="noStrike">
-                <a:solidFill>
-                  <a:srgbClr val="000000"/>
-                </a:solidFill>
-                <a:latin typeface="Arial"/>
-              </a:rPr>
-              <a:t>Second Outline Level</a:t>
-            </a:r>
-            <a:endParaRPr b="0" lang="en-US" sz="2800" spc="-1" strike="noStrike">
-              <a:solidFill>
-                <a:srgbClr val="000000"/>
-              </a:solidFill>
-              <a:latin typeface="Arial"/>
-            </a:endParaRPr>
-          </a:p>
-          <a:p>
-            <a:pPr lvl="2" marL="1296000" indent="-288000">
-              <a:spcBef>
-                <a:spcPts val="850"/>
-              </a:spcBef>
-              <a:buClr>
-                <a:srgbClr val="000000"/>
-              </a:buClr>
-              <a:buSzPct val="45000"/>
-              <a:buFont typeface="Wingdings" charset="2"/>
-              <a:buChar char=""/>
-            </a:pPr>
-            <a:r>
-              <a:rPr b="0" lang="en-US" sz="2400" spc="-1" strike="noStrike">
-                <a:solidFill>
-                  <a:srgbClr val="000000"/>
-                </a:solidFill>
-                <a:latin typeface="Arial"/>
-              </a:rPr>
-              <a:t>Third Outline Level</a:t>
-            </a:r>
-            <a:endParaRPr b="0" lang="en-US" sz="2400" spc="-1" strike="noStrike">
-              <a:solidFill>
-                <a:srgbClr val="000000"/>
-              </a:solidFill>
-              <a:latin typeface="Arial"/>
-            </a:endParaRPr>
-          </a:p>
-          <a:p>
-            <a:pPr lvl="3" marL="1728000" indent="-216000">
-              <a:spcBef>
-                <a:spcPts val="567"/>
-              </a:spcBef>
-              <a:buClr>
-                <a:srgbClr val="000000"/>
-              </a:buClr>
-              <a:buSzPct val="75000"/>
-              <a:buFont typeface="Symbol" charset="2"/>
-              <a:buChar char=""/>
-            </a:pPr>
-            <a:r>
-              <a:rPr b="0" lang="en-US" sz="2000" spc="-1" strike="noStrike">
-                <a:solidFill>
-                  <a:srgbClr val="000000"/>
-                </a:solidFill>
-                <a:latin typeface="Arial"/>
-              </a:rPr>
-              <a:t>Fourth Outline Level</a:t>
-            </a:r>
-            <a:endParaRPr b="0" lang="en-US" sz="2000" spc="-1" strike="noStrike">
-              <a:solidFill>
-                <a:srgbClr val="000000"/>
-              </a:solidFill>
-              <a:latin typeface="Arial"/>
-            </a:endParaRPr>
-          </a:p>
-          <a:p>
-            <a:pPr lvl="4" marL="2160000" indent="-216000">
-              <a:spcBef>
-                <a:spcPts val="283"/>
-              </a:spcBef>
-              <a:buClr>
-                <a:srgbClr val="000000"/>
-              </a:buClr>
-              <a:buSzPct val="45000"/>
-              <a:buFont typeface="Wingdings" charset="2"/>
-              <a:buChar char=""/>
-            </a:pPr>
-            <a:r>
-              <a:rPr b="0" lang="en-US" sz="2000" spc="-1" strike="noStrike">
-                <a:solidFill>
-                  <a:srgbClr val="000000"/>
-                </a:solidFill>
-                <a:latin typeface="Arial"/>
-              </a:rPr>
-              <a:t>Fifth Outline Level</a:t>
-            </a:r>
-            <a:endParaRPr b="0" lang="en-US" sz="2000" spc="-1" strike="noStrike">
-              <a:solidFill>
-                <a:srgbClr val="000000"/>
-              </a:solidFill>
-              <a:latin typeface="Arial"/>
-            </a:endParaRPr>
-          </a:p>
-          <a:p>
-            <a:pPr lvl="5" marL="2592000" indent="-216000">
-              <a:spcBef>
-                <a:spcPts val="283"/>
-              </a:spcBef>
-              <a:buClr>
-                <a:srgbClr val="000000"/>
-              </a:buClr>
-              <a:buSzPct val="45000"/>
-              <a:buFont typeface="Wingdings" charset="2"/>
-              <a:buChar char=""/>
-            </a:pPr>
-            <a:r>
-              <a:rPr b="0" lang="en-US" sz="2000" spc="-1" strike="noStrike">
-                <a:solidFill>
-                  <a:srgbClr val="000000"/>
-                </a:solidFill>
-                <a:latin typeface="Arial"/>
-              </a:rPr>
-              <a:t>Sixth Outline Level</a:t>
-            </a:r>
-            <a:endParaRPr b="0" lang="en-US" sz="2000" spc="-1" strike="noStrike">
-              <a:solidFill>
-                <a:srgbClr val="000000"/>
-              </a:solidFill>
-              <a:latin typeface="Arial"/>
-            </a:endParaRPr>
-          </a:p>
-          <a:p>
-            <a:pPr lvl="6" marL="3024000" indent="-216000">
-              <a:spcBef>
-                <a:spcPts val="283"/>
-              </a:spcBef>
-              <a:buClr>
-                <a:srgbClr val="000000"/>
-              </a:buClr>
-              <a:buSzPct val="45000"/>
-              <a:buFont typeface="Wingdings" charset="2"/>
-              <a:buChar char=""/>
-            </a:pPr>
-            <a:r>
-              <a:rPr b="0" lang="en-US" sz="2000" spc="-1" strike="noStrike">
-                <a:solidFill>
-                  <a:srgbClr val="000000"/>
-                </a:solidFill>
-                <a:latin typeface="Arial"/>
-              </a:rPr>
-              <a:t>Seventh Outline Level</a:t>
-            </a:r>
-            <a:endParaRPr b="0" lang="en-US" sz="2000" spc="-1" strike="noStrike">
-              <a:solidFill>
-                <a:srgbClr val="000000"/>
-              </a:solidFill>
-              <a:latin typeface="Arial"/>
-            </a:endParaRPr>
-          </a:p>
-        </p:txBody>
-      </p:sp>
-    </p:spTree>
-  </p:cSld>
-  <p:clrMap bg1="lt1" bg2="lt2" tx1="dk1" tx2="dk2" accent1="accent1" accent2="accent2" accent3="accent3" accent4="accent4" accent5="accent5" accent6="accent6" hlink="hlink" folHlink="folHlink"/>
-  <p:sldLayoutIdLst>
-    <p:sldLayoutId id="2147483653" r:id="rId2"/>
+    <p:sldLayoutId id="2147483662" r:id="rId2"/>
+    <p:sldLayoutId id="2147483663" r:id="rId3"/>
+    <p:sldLayoutId id="2147483664" r:id="rId4"/>
+    <p:sldLayoutId id="2147483665" r:id="rId5"/>
+    <p:sldLayoutId id="2147483666" r:id="rId6"/>
+    <p:sldLayoutId id="2147483667" r:id="rId7"/>
+    <p:sldLayoutId id="2147483668" r:id="rId8"/>
+    <p:sldLayoutId id="2147483669" r:id="rId9"/>
+    <p:sldLayoutId id="2147483670" r:id="rId10"/>
+    <p:sldLayoutId id="2147483671" r:id="rId11"/>
+    <p:sldLayoutId id="2147483672" r:id="rId12"/>
+    <p:sldLayoutId id="2147483673" r:id="rId13"/>
   </p:sldLayoutIdLst>
 </p:sldMaster>
 </file>
@@ -1806,14 +5525,14 @@
       </p:grpSpPr>
       <p:sp>
         <p:nvSpPr>
-          <p:cNvPr id="18" name="Slide_1_kanji"/>
+          <p:cNvPr id="82" name="Slide_1_kanji"/>
           <p:cNvSpPr/>
           <p:nvPr/>
         </p:nvSpPr>
         <p:spPr>
           <a:xfrm>
-            <a:off x="228240" y="2995920"/>
-            <a:ext cx="5244120" cy="899640"/>
+            <a:off x="228240" y="4075920"/>
+            <a:ext cx="5242680" cy="898200"/>
           </a:xfrm>
           <a:prstGeom prst="rect">
             <a:avLst/>
@@ -1834,10 +5553,14 @@
             <a:noAutofit/>
           </a:bodyPr>
           <a:p>
-            <a:pPr algn="ctr" defTabSz="914400">
+            <a:pPr algn="ctr">
               <a:lnSpc>
                 <a:spcPct val="100000"/>
               </a:lnSpc>
+              <a:buNone/>
+              <a:tabLst>
+                <a:tab algn="l" pos="408240"/>
+              </a:tabLst>
             </a:pPr>
             <a:r>
               <a:rPr b="0" lang="zh-CN" sz="6000" spc="-1" strike="noStrike">
@@ -1850,24 +5573,21 @@
               <a:t>日文单词</a:t>
             </a:r>
             <a:endParaRPr b="0" lang="en-US" sz="6000" spc="-1" strike="noStrike">
-              <a:solidFill>
-                <a:srgbClr val="000000"/>
-              </a:solidFill>
-              <a:latin typeface="Arial"/>
-            </a:endParaRPr>
-          </a:p>
-        </p:txBody>
-      </p:sp>
-      <p:sp>
-        <p:nvSpPr>
-          <p:cNvPr id="19" name="Slide_1_hiragana"/>
+              <a:latin typeface="Arial"/>
+            </a:endParaRPr>
+          </a:p>
+        </p:txBody>
+      </p:sp>
+      <p:sp>
+        <p:nvSpPr>
+          <p:cNvPr id="83" name="Slide_1_hiragana"/>
           <p:cNvSpPr/>
           <p:nvPr/>
         </p:nvSpPr>
         <p:spPr>
           <a:xfrm>
             <a:off x="206280" y="1569240"/>
-            <a:ext cx="5244120" cy="899640"/>
+            <a:ext cx="5242680" cy="898200"/>
           </a:xfrm>
           <a:prstGeom prst="rect">
             <a:avLst/>
@@ -1888,15 +5608,19 @@
             <a:noAutofit/>
           </a:bodyPr>
           <a:p>
-            <a:pPr algn="ctr" defTabSz="914400">
+            <a:pPr algn="ctr">
               <a:lnSpc>
                 <a:spcPct val="100000"/>
               </a:lnSpc>
+              <a:buNone/>
+              <a:tabLst>
+                <a:tab algn="l" pos="408240"/>
+              </a:tabLst>
             </a:pPr>
             <a:r>
               <a:rPr b="1" lang="ja-JP" sz="4000" spc="-1" strike="noStrike">
                 <a:solidFill>
-                  <a:schemeClr val="dk1"/>
+                  <a:srgbClr val="000000"/>
                 </a:solidFill>
                 <a:latin typeface="Arial"/>
                 <a:ea typeface="宋体"/>
@@ -1904,24 +5628,21 @@
               <a:t>日文音标</a:t>
             </a:r>
             <a:endParaRPr b="0" lang="en-US" sz="4000" spc="-1" strike="noStrike">
-              <a:solidFill>
-                <a:srgbClr val="000000"/>
-              </a:solidFill>
-              <a:latin typeface="Arial"/>
-            </a:endParaRPr>
-          </a:p>
-        </p:txBody>
-      </p:sp>
-      <p:sp>
-        <p:nvSpPr>
-          <p:cNvPr id="20" name="Slide_1_index"/>
+              <a:latin typeface="Arial"/>
+            </a:endParaRPr>
+          </a:p>
+        </p:txBody>
+      </p:sp>
+      <p:sp>
+        <p:nvSpPr>
+          <p:cNvPr id="84" name="Slide_1_index"/>
           <p:cNvSpPr/>
           <p:nvPr/>
         </p:nvSpPr>
         <p:spPr>
           <a:xfrm>
             <a:off x="228240" y="227880"/>
-            <a:ext cx="4330800" cy="577440"/>
+            <a:ext cx="4329360" cy="577080"/>
           </a:xfrm>
           <a:prstGeom prst="rect">
             <a:avLst/>
@@ -1942,10 +5663,14 @@
             <a:spAutoFit/>
           </a:bodyPr>
           <a:p>
-            <a:pPr defTabSz="914400">
+            <a:pPr>
               <a:lnSpc>
                 <a:spcPct val="100000"/>
               </a:lnSpc>
+              <a:buNone/>
+              <a:tabLst>
+                <a:tab algn="l" pos="408240"/>
+              </a:tabLst>
             </a:pPr>
             <a:r>
               <a:rPr b="0" lang="zh-CN" sz="3200" spc="-1" strike="noStrike">
@@ -1958,9 +5683,6 @@
               <a:t>序号</a:t>
             </a:r>
             <a:endParaRPr b="0" lang="en-US" sz="3200" spc="-1" strike="noStrike">
-              <a:solidFill>
-                <a:srgbClr val="000000"/>
-              </a:solidFill>
               <a:latin typeface="Arial"/>
             </a:endParaRPr>
           </a:p>
@@ -1968,7 +5690,7 @@
       </p:sp>
       <p:pic>
         <p:nvPicPr>
-          <p:cNvPr id="21" name="" descr=""/>
+          <p:cNvPr id="85" name="" descr=""/>
           <p:cNvPicPr/>
           <p:nvPr/>
         </p:nvPicPr>
@@ -1979,7 +5701,7 @@
         <p:spPr>
           <a:xfrm>
             <a:off x="4343760" y="228960"/>
-            <a:ext cx="1029600" cy="756000"/>
+            <a:ext cx="1028160" cy="754560"/>
           </a:xfrm>
           <a:prstGeom prst="rect">
             <a:avLst/>
@@ -1991,14 +5713,14 @@
       </p:pic>
       <p:sp>
         <p:nvSpPr>
-          <p:cNvPr id="22" name="Slide_1_chinese"/>
+          <p:cNvPr id="86" name="Slide_1_chinese"/>
           <p:cNvSpPr/>
           <p:nvPr/>
         </p:nvSpPr>
         <p:spPr>
           <a:xfrm>
-            <a:off x="241200" y="4585680"/>
-            <a:ext cx="5244120" cy="899640"/>
+            <a:off x="241200" y="6349680"/>
+            <a:ext cx="5242680" cy="898200"/>
           </a:xfrm>
           <a:prstGeom prst="rect">
             <a:avLst/>
@@ -2019,10 +5741,14 @@
             <a:noAutofit/>
           </a:bodyPr>
           <a:p>
-            <a:pPr algn="ctr" defTabSz="914400">
+            <a:pPr algn="ctr">
               <a:lnSpc>
                 <a:spcPct val="100000"/>
               </a:lnSpc>
+              <a:buNone/>
+              <a:tabLst>
+                <a:tab algn="l" pos="408240"/>
+              </a:tabLst>
             </a:pPr>
             <a:r>
               <a:rPr b="1" lang="ja-JP" sz="2800" spc="-1" strike="noStrike">
@@ -2035,24 +5761,21 @@
               <a:t>中文意思</a:t>
             </a:r>
             <a:endParaRPr b="0" lang="en-US" sz="2800" spc="-1" strike="noStrike">
-              <a:solidFill>
-                <a:srgbClr val="000000"/>
-              </a:solidFill>
-              <a:latin typeface="Arial"/>
-            </a:endParaRPr>
-          </a:p>
-        </p:txBody>
-      </p:sp>
-      <p:sp>
-        <p:nvSpPr>
-          <p:cNvPr id="23" name="Slide_1_english"/>
+              <a:latin typeface="Arial"/>
+            </a:endParaRPr>
+          </a:p>
+        </p:txBody>
+      </p:sp>
+      <p:sp>
+        <p:nvSpPr>
+          <p:cNvPr id="87" name="Slide_1_english"/>
           <p:cNvSpPr/>
           <p:nvPr/>
         </p:nvSpPr>
         <p:spPr>
           <a:xfrm>
-            <a:off x="241200" y="6172200"/>
-            <a:ext cx="5244120" cy="899640"/>
+            <a:off x="241200" y="7936200"/>
+            <a:ext cx="5242680" cy="898200"/>
           </a:xfrm>
           <a:prstGeom prst="rect">
             <a:avLst/>
@@ -2073,10 +5796,14 @@
             <a:noAutofit/>
           </a:bodyPr>
           <a:p>
-            <a:pPr algn="ctr" defTabSz="914400">
+            <a:pPr algn="ctr">
               <a:lnSpc>
                 <a:spcPct val="100000"/>
               </a:lnSpc>
+              <a:buNone/>
+              <a:tabLst>
+                <a:tab algn="l" pos="408240"/>
+              </a:tabLst>
             </a:pPr>
             <a:r>
               <a:rPr b="1" lang="ja-JP" sz="2800" spc="-1" strike="noStrike">
@@ -2089,9 +5816,6 @@
               <a:t>英文意思</a:t>
             </a:r>
             <a:endParaRPr b="0" lang="en-US" sz="2800" spc="-1" strike="noStrike">
-              <a:solidFill>
-                <a:srgbClr val="000000"/>
-              </a:solidFill>
               <a:latin typeface="Arial"/>
             </a:endParaRPr>
           </a:p>
@@ -2137,14 +5861,14 @@
       </p:grpSpPr>
       <p:sp>
         <p:nvSpPr>
-          <p:cNvPr id="24" name="Snow 1"/>
+          <p:cNvPr id="88" name="Snow 6"/>
           <p:cNvSpPr txBox="1"/>
           <p:nvPr/>
         </p:nvSpPr>
         <p:spPr>
           <a:xfrm>
-            <a:off x="388800" y="6169680"/>
-            <a:ext cx="2572200" cy="1281240"/>
+            <a:off x="1548360" y="1656000"/>
+            <a:ext cx="2570760" cy="898920"/>
           </a:xfrm>
           <a:prstGeom prst="rect">
             <a:avLst/>
@@ -2164,52 +5888,130 @@
               <a:lnSpc>
                 <a:spcPct val="100000"/>
               </a:lnSpc>
+              <a:buNone/>
+              <a:tabLst>
+                <a:tab algn="l" pos="408240"/>
+              </a:tabLst>
             </a:pPr>
             <a:r>
               <a:rPr b="1" lang="zh-CN" sz="2400" spc="-1" strike="noStrike">
-                <a:ln w="38160">
-                  <a:solidFill>
-                    <a:srgbClr val="ffffff"/>
-                  </a:solidFill>
-                  <a:miter/>
+                <a:ln w="0">
+                  <a:noFill/>
                 </a:ln>
                 <a:solidFill>
-                  <a:srgbClr val="000000">
-                    <a:alpha val="90000"/>
-                  </a:srgbClr>
+                  <a:srgbClr val="5983b0"/>
                 </a:solidFill>
                 <a:latin typeface="Noto Sans"/>
                 <a:ea typeface="MS Gothic"/>
               </a:rPr>
-              <a:t>单词复读</a:t>
+              <a:t>核心语料库</a:t>
             </a:r>
             <a:endParaRPr b="0" lang="en-US" sz="2400" spc="-1" strike="noStrike">
-              <a:ln w="38160">
-                <a:solidFill>
-                  <a:srgbClr val="ffffff"/>
-                </a:solidFill>
-                <a:miter/>
+              <a:ln w="0">
+                <a:noFill/>
               </a:ln>
               <a:solidFill>
-                <a:srgbClr val="000000">
-                  <a:alpha val="90000"/>
-                </a:srgbClr>
+                <a:srgbClr val="5983b0"/>
               </a:solidFill>
               <a:latin typeface="Arial"/>
             </a:endParaRPr>
           </a:p>
         </p:txBody>
       </p:sp>
-      <p:sp>
-        <p:nvSpPr>
-          <p:cNvPr id="25" name="Snow 2"/>
+      <p:pic>
+        <p:nvPicPr>
+          <p:cNvPr id="89" name="" descr=""/>
+          <p:cNvPicPr/>
+          <p:nvPr/>
+        </p:nvPicPr>
+        <p:blipFill>
+          <a:blip r:embed="rId2"/>
+          <a:stretch/>
+        </p:blipFill>
+        <p:spPr>
+          <a:xfrm>
+            <a:off x="4343400" y="228600"/>
+            <a:ext cx="1028520" cy="754920"/>
+          </a:xfrm>
+          <a:prstGeom prst="rect">
+            <a:avLst/>
+          </a:prstGeom>
+          <a:ln w="0">
+            <a:noFill/>
+          </a:ln>
+        </p:spPr>
+      </p:pic>
+      <p:sp>
+        <p:nvSpPr>
+          <p:cNvPr id="90" name="Slide_2_Lesson"/>
+          <p:cNvSpPr/>
+          <p:nvPr/>
+        </p:nvSpPr>
+        <p:spPr>
+          <a:xfrm>
+            <a:off x="228240" y="3080880"/>
+            <a:ext cx="5240520" cy="896040"/>
+          </a:xfrm>
+          <a:prstGeom prst="rect">
+            <a:avLst/>
+          </a:prstGeom>
+          <a:noFill/>
+          <a:ln w="0">
+            <a:noFill/>
+          </a:ln>
+        </p:spPr>
+        <p:style>
+          <a:lnRef idx="0"/>
+          <a:fillRef idx="0"/>
+          <a:effectRef idx="0"/>
+          <a:fontRef idx="minor"/>
+        </p:style>
+        <p:txBody>
+          <a:bodyPr lIns="90000" rIns="90000" tIns="45000" bIns="45000" anchor="ctr">
+            <a:noAutofit/>
+          </a:bodyPr>
+          <a:p>
+            <a:pPr algn="ctr">
+              <a:lnSpc>
+                <a:spcPct val="100000"/>
+              </a:lnSpc>
+              <a:spcBef>
+                <a:spcPts val="1191"/>
+              </a:spcBef>
+              <a:spcAft>
+                <a:spcPts val="992"/>
+              </a:spcAft>
+              <a:buNone/>
+              <a:tabLst>
+                <a:tab algn="l" pos="408240"/>
+              </a:tabLst>
+            </a:pPr>
+            <a:r>
+              <a:rPr b="1" lang="en-US" sz="4800" spc="-1" strike="noStrike">
+                <a:solidFill>
+                  <a:srgbClr val="ff0000"/>
+                </a:solidFill>
+                <a:latin typeface="Arial"/>
+                <a:ea typeface="DejaVu Sans"/>
+              </a:rPr>
+              <a:t>Lesson</a:t>
+            </a:r>
+            <a:endParaRPr b="0" lang="en-US" sz="4800" spc="-1" strike="noStrike">
+              <a:latin typeface="Arial"/>
+            </a:endParaRPr>
+          </a:p>
+        </p:txBody>
+      </p:sp>
+      <p:sp>
+        <p:nvSpPr>
+          <p:cNvPr id="91" name="Snow 3"/>
           <p:cNvSpPr txBox="1"/>
           <p:nvPr/>
         </p:nvSpPr>
         <p:spPr>
           <a:xfrm>
-            <a:off x="4257000" y="6277680"/>
-            <a:ext cx="928440" cy="1122480"/>
+            <a:off x="1033200" y="7315920"/>
+            <a:ext cx="3552480" cy="941760"/>
           </a:xfrm>
           <a:prstGeom prst="rect">
             <a:avLst/>
@@ -2229,14 +6031,15 @@
               <a:lnSpc>
                 <a:spcPct val="100000"/>
               </a:lnSpc>
+              <a:buNone/>
+              <a:tabLst>
+                <a:tab algn="l" pos="408240"/>
+              </a:tabLst>
             </a:pPr>
             <a:r>
               <a:rPr b="1" lang="zh-CN" sz="2000" spc="-1" strike="noStrike">
-                <a:ln w="38160">
-                  <a:solidFill>
-                    <a:srgbClr val="ffffff"/>
-                  </a:solidFill>
-                  <a:miter/>
+                <a:ln w="0">
+                  <a:noFill/>
                 </a:ln>
                 <a:solidFill>
                   <a:srgbClr val="000000"/>
@@ -2244,222 +6047,12 @@
                 <a:latin typeface="Noto Sans"/>
                 <a:ea typeface="MS Gothic"/>
               </a:rPr>
-              <a:t>遍</a:t>
+              <a:t>听写 跟读 洗脑 </a:t>
             </a:r>
             <a:endParaRPr b="0" lang="en-US" sz="2000" spc="-1" strike="noStrike">
-              <a:ln w="38160">
-                <a:solidFill>
-                  <a:srgbClr val="ffffff"/>
-                </a:solidFill>
-                <a:miter/>
+              <a:ln w="0">
+                <a:noFill/>
               </a:ln>
-              <a:solidFill>
-                <a:srgbClr val="000000"/>
-              </a:solidFill>
-              <a:latin typeface="Arial"/>
-            </a:endParaRPr>
-          </a:p>
-        </p:txBody>
-      </p:sp>
-      <p:sp>
-        <p:nvSpPr>
-          <p:cNvPr id="26" name="Pow! 2"/>
-          <p:cNvSpPr txBox="1"/>
-          <p:nvPr/>
-        </p:nvSpPr>
-        <p:spPr>
-          <a:xfrm>
-            <a:off x="3040920" y="6386760"/>
-            <a:ext cx="1037520" cy="893520"/>
-          </a:xfrm>
-          <a:prstGeom prst="rect">
-            <a:avLst/>
-          </a:prstGeom>
-        </p:spPr>
-        <p:txBody>
-          <a:bodyPr wrap="none" lIns="619560" rIns="619560" tIns="61200" bIns="61200" anchor="ctr">
-            <a:prstTxWarp prst="textInflate">
-              <a:avLst>
-                <a:gd name="adj" fmla="val 21528"/>
-              </a:avLst>
-            </a:prstTxWarp>
-            <a:noAutofit/>
-          </a:bodyPr>
-          <a:p>
-            <a:pPr>
-              <a:lnSpc>
-                <a:spcPct val="100000"/>
-              </a:lnSpc>
-            </a:pPr>
-            <a:r>
-              <a:rPr b="1" lang="en-US" sz="2400" spc="-1" strike="noStrike">
-                <a:ln w="38160">
-                  <a:solidFill>
-                    <a:srgbClr val="000000"/>
-                  </a:solidFill>
-                  <a:miter/>
-                </a:ln>
-                <a:blipFill rotWithShape="0">
-                  <a:blip r:embed="rId2"/>
-                  <a:srcRect/>
-                  <a:tile tx="0" ty="0" sx="100000" sy="100000" algn="ctr"/>
-                </a:blipFill>
-                <a:latin typeface="Noto Sans"/>
-                <a:ea typeface="MS Gothic"/>
-              </a:rPr>
-              <a:t>3</a:t>
-            </a:r>
-            <a:endParaRPr b="0" lang="en-US" sz="2400" spc="-1" strike="noStrike">
-              <a:ln w="38160">
-                <a:solidFill>
-                  <a:srgbClr val="000000"/>
-                </a:solidFill>
-                <a:miter/>
-              </a:ln>
-              <a:blipFill rotWithShape="0">
-                <a:blip r:embed="rId3"/>
-                <a:srcRect/>
-                <a:tile tx="0" ty="0" sx="100000" sy="100000" algn="ctr"/>
-              </a:blipFill>
-              <a:latin typeface="Arial"/>
-            </a:endParaRPr>
-          </a:p>
-        </p:txBody>
-      </p:sp>
-      <p:sp>
-        <p:nvSpPr>
-          <p:cNvPr id="27" name="Snow 6"/>
-          <p:cNvSpPr txBox="1"/>
-          <p:nvPr/>
-        </p:nvSpPr>
-        <p:spPr>
-          <a:xfrm>
-            <a:off x="1544040" y="8001000"/>
-            <a:ext cx="2572200" cy="1281240"/>
-          </a:xfrm>
-          <a:prstGeom prst="rect">
-            <a:avLst/>
-          </a:prstGeom>
-        </p:spPr>
-        <p:txBody>
-          <a:bodyPr wrap="none" lIns="619200" rIns="619200" tIns="60840" bIns="60840" anchor="ctr">
-            <a:prstTxWarp prst="textPlain">
-              <a:avLst>
-                <a:gd name="adj" fmla="val 50000"/>
-              </a:avLst>
-            </a:prstTxWarp>
-            <a:noAutofit/>
-          </a:bodyPr>
-          <a:p>
-            <a:pPr>
-              <a:lnSpc>
-                <a:spcPct val="100000"/>
-              </a:lnSpc>
-            </a:pPr>
-            <a:r>
-              <a:rPr b="1" lang="zh-CN" sz="2400" spc="-1" strike="noStrike">
-                <a:ln w="38160">
-                  <a:solidFill>
-                    <a:srgbClr val="ffffff"/>
-                  </a:solidFill>
-                  <a:miter/>
-                </a:ln>
-                <a:solidFill>
-                  <a:srgbClr val="000000">
-                    <a:alpha val="90000"/>
-                  </a:srgbClr>
-                </a:solidFill>
-                <a:latin typeface="Noto Sans"/>
-                <a:ea typeface="MS Gothic"/>
-              </a:rPr>
-              <a:t>听写 跟读</a:t>
-            </a:r>
-            <a:endParaRPr b="0" lang="en-US" sz="2400" spc="-1" strike="noStrike">
-              <a:ln w="38160">
-                <a:solidFill>
-                  <a:srgbClr val="ffffff"/>
-                </a:solidFill>
-                <a:miter/>
-              </a:ln>
-              <a:solidFill>
-                <a:srgbClr val="000000">
-                  <a:alpha val="90000"/>
-                </a:srgbClr>
-              </a:solidFill>
-              <a:latin typeface="Arial"/>
-            </a:endParaRPr>
-          </a:p>
-        </p:txBody>
-      </p:sp>
-      <p:pic>
-        <p:nvPicPr>
-          <p:cNvPr id="28" name="" descr=""/>
-          <p:cNvPicPr/>
-          <p:nvPr/>
-        </p:nvPicPr>
-        <p:blipFill>
-          <a:blip r:embed="rId4"/>
-          <a:stretch/>
-        </p:blipFill>
-        <p:spPr>
-          <a:xfrm>
-            <a:off x="4343400" y="228600"/>
-            <a:ext cx="1029960" cy="756360"/>
-          </a:xfrm>
-          <a:prstGeom prst="rect">
-            <a:avLst/>
-          </a:prstGeom>
-          <a:ln w="0">
-            <a:noFill/>
-          </a:ln>
-        </p:spPr>
-      </p:pic>
-      <p:sp>
-        <p:nvSpPr>
-          <p:cNvPr id="29" name="Slide_2_Lesson"/>
-          <p:cNvSpPr/>
-          <p:nvPr/>
-        </p:nvSpPr>
-        <p:spPr>
-          <a:xfrm>
-            <a:off x="0" y="2463840"/>
-            <a:ext cx="5667480" cy="1191960"/>
-          </a:xfrm>
-          <a:prstGeom prst="rect">
-            <a:avLst/>
-          </a:prstGeom>
-          <a:noFill/>
-          <a:ln w="0">
-            <a:noFill/>
-          </a:ln>
-        </p:spPr>
-        <p:style>
-          <a:lnRef idx="0"/>
-          <a:fillRef idx="0"/>
-          <a:effectRef idx="0"/>
-          <a:fontRef idx="minor"/>
-        </p:style>
-        <p:txBody>
-          <a:bodyPr wrap="none" lIns="90000" rIns="90000" tIns="45000" bIns="45000" anchor="ctr">
-            <a:noAutofit/>
-          </a:bodyPr>
-          <a:p>
-            <a:pPr algn="ctr">
-              <a:lnSpc>
-                <a:spcPct val="100000"/>
-              </a:lnSpc>
-            </a:pPr>
-            <a:r>
-              <a:rPr b="1" lang="zh-CN" sz="6000" spc="-1" strike="noStrike">
-                <a:solidFill>
-                  <a:srgbClr val="c9211e"/>
-                </a:solidFill>
-                <a:latin typeface="Arial"/>
-                <a:ea typeface="DejaVu Sans"/>
-              </a:rPr>
-              <a:t>第</a:t>
-            </a:r>
-            <a:endParaRPr b="0" lang="en-US" sz="6000" spc="-1" strike="noStrike">
               <a:solidFill>
                 <a:srgbClr val="000000"/>
               </a:solidFill>
@@ -2507,14 +6100,14 @@
       </p:grpSpPr>
       <p:sp>
         <p:nvSpPr>
-          <p:cNvPr id="30" name="Slide_3_Book_title"/>
+          <p:cNvPr id="92" name="Slide_3_Book_title"/>
           <p:cNvSpPr/>
           <p:nvPr/>
         </p:nvSpPr>
         <p:spPr>
           <a:xfrm>
             <a:off x="228240" y="4939920"/>
-            <a:ext cx="5241960" cy="897480"/>
+            <a:ext cx="5240520" cy="896040"/>
           </a:xfrm>
           <a:prstGeom prst="rect">
             <a:avLst/>
@@ -2535,10 +6128,14 @@
             <a:noAutofit/>
           </a:bodyPr>
           <a:p>
-            <a:pPr algn="ctr" defTabSz="914400">
+            <a:pPr algn="ctr">
               <a:lnSpc>
                 <a:spcPct val="100000"/>
               </a:lnSpc>
+              <a:buNone/>
+              <a:tabLst>
+                <a:tab algn="l" pos="408240"/>
+              </a:tabLst>
             </a:pPr>
             <a:r>
               <a:rPr b="1" lang="zh-CN" sz="2800" spc="-1" strike="noStrike">
@@ -2604,24 +6201,21 @@
               <a:t>上級編</a:t>
             </a:r>
             <a:endParaRPr b="0" lang="en-US" sz="2800" spc="-1" strike="noStrike">
-              <a:solidFill>
-                <a:srgbClr val="000000"/>
-              </a:solidFill>
-              <a:latin typeface="Arial"/>
-            </a:endParaRPr>
-          </a:p>
-        </p:txBody>
-      </p:sp>
-      <p:sp>
-        <p:nvSpPr>
-          <p:cNvPr id="31" name="Slide_3_index"/>
+              <a:latin typeface="Arial"/>
+            </a:endParaRPr>
+          </a:p>
+        </p:txBody>
+      </p:sp>
+      <p:sp>
+        <p:nvSpPr>
+          <p:cNvPr id="93" name="Slide_3_index"/>
           <p:cNvSpPr/>
           <p:nvPr/>
         </p:nvSpPr>
         <p:spPr>
           <a:xfrm>
             <a:off x="228240" y="227880"/>
-            <a:ext cx="4328640" cy="568440"/>
+            <a:ext cx="4327200" cy="567000"/>
           </a:xfrm>
           <a:prstGeom prst="rect">
             <a:avLst/>
@@ -2637,29 +6231,10 @@
           <a:effectRef idx="0"/>
           <a:fontRef idx="minor"/>
         </p:style>
-        <p:txBody>
-          <a:bodyPr lIns="90000" rIns="90000" tIns="45000" bIns="45000" anchor="t">
-            <a:spAutoFit/>
-          </a:bodyPr>
-          <a:p>
-            <a:pPr defTabSz="914400">
-              <a:lnSpc>
-                <a:spcPct val="100000"/>
-              </a:lnSpc>
-            </a:pPr>
-            <a:endParaRPr b="0" lang="en-US" sz="1800" spc="-1" strike="noStrike">
-              <a:solidFill>
-                <a:srgbClr val="000000"/>
-              </a:solidFill>
-              <a:latin typeface="Arial"/>
-              <a:ea typeface="DejaVu Sans"/>
-            </a:endParaRPr>
-          </a:p>
-        </p:txBody>
       </p:sp>
       <p:pic>
         <p:nvPicPr>
-          <p:cNvPr id="32" name="" descr=""/>
+          <p:cNvPr id="94" name="" descr=""/>
           <p:cNvPicPr/>
           <p:nvPr/>
         </p:nvPicPr>
@@ -2670,7 +6245,7 @@
         <p:spPr>
           <a:xfrm>
             <a:off x="4343760" y="228960"/>
-            <a:ext cx="1027440" cy="753840"/>
+            <a:ext cx="1026000" cy="752400"/>
           </a:xfrm>
           <a:prstGeom prst="rect">
             <a:avLst/>
@@ -2682,14 +6257,14 @@
       </p:pic>
       <p:sp>
         <p:nvSpPr>
-          <p:cNvPr id="33" name="Slide_3_Lesson_title"/>
+          <p:cNvPr id="95" name="Slide_3_Lesson_title"/>
           <p:cNvSpPr/>
           <p:nvPr/>
         </p:nvSpPr>
         <p:spPr>
           <a:xfrm>
             <a:off x="206280" y="2613240"/>
-            <a:ext cx="5241960" cy="897480"/>
+            <a:ext cx="5240520" cy="896040"/>
           </a:xfrm>
           <a:prstGeom prst="rect">
             <a:avLst/>
@@ -2710,15 +6285,19 @@
             <a:noAutofit/>
           </a:bodyPr>
           <a:p>
-            <a:pPr algn="ctr" defTabSz="914400">
+            <a:pPr algn="ctr">
               <a:lnSpc>
                 <a:spcPct val="100000"/>
               </a:lnSpc>
+              <a:buNone/>
+              <a:tabLst>
+                <a:tab algn="l" pos="408240"/>
+              </a:tabLst>
             </a:pPr>
             <a:r>
               <a:rPr b="1" lang="en-US" sz="4000" spc="-1" strike="noStrike">
                 <a:solidFill>
-                  <a:schemeClr val="dk1"/>
+                  <a:srgbClr val="000000"/>
                 </a:solidFill>
                 <a:latin typeface="Arial"/>
                 <a:ea typeface="宋体"/>
@@ -2726,9 +6305,6 @@
               <a:t>12</a:t>
             </a:r>
             <a:endParaRPr b="0" lang="en-US" sz="4000" spc="-1" strike="noStrike">
-              <a:solidFill>
-                <a:srgbClr val="000000"/>
-              </a:solidFill>
               <a:latin typeface="Arial"/>
             </a:endParaRPr>
           </a:p>
@@ -2736,28 +6312,28 @@
       </p:sp>
       <p:grpSp>
         <p:nvGrpSpPr>
-          <p:cNvPr id="34" name="player-volume 1"/>
+          <p:cNvPr id="96" name="player-volume 1"/>
           <p:cNvGrpSpPr/>
           <p:nvPr/>
         </p:nvGrpSpPr>
         <p:grpSpPr>
           <a:xfrm>
             <a:off x="2194200" y="1659600"/>
-            <a:ext cx="1276560" cy="1233360"/>
+            <a:ext cx="1275120" cy="1231920"/>
             <a:chOff x="2194200" y="1659600"/>
-            <a:chExt cx="1276560" cy="1233360"/>
+            <a:chExt cx="1275120" cy="1231920"/>
           </a:xfrm>
         </p:grpSpPr>
         <p:sp>
           <p:nvSpPr>
-            <p:cNvPr id="35" name=""/>
+            <p:cNvPr id="97" name=""/>
             <p:cNvSpPr/>
             <p:nvPr/>
           </p:nvSpPr>
           <p:spPr>
             <a:xfrm>
               <a:off x="2194200" y="1659600"/>
-              <a:ext cx="1276560" cy="1233360"/>
+              <a:ext cx="1275120" cy="1231920"/>
             </a:xfrm>
             <a:prstGeom prst="roundRect">
               <a:avLst>
@@ -2775,47 +6351,23 @@
             <a:effectRef idx="0"/>
             <a:fontRef idx="minor"/>
           </p:style>
-          <p:txBody>
-            <a:bodyPr lIns="90000" rIns="90000" tIns="45000" bIns="45000" anchor="ctr">
-              <a:noAutofit/>
-            </a:bodyPr>
-            <a:p>
-              <a:pPr>
-                <a:lnSpc>
-                  <a:spcPct val="100000"/>
-                </a:lnSpc>
-              </a:pPr>
-              <a:endParaRPr b="0" lang="en-US" sz="1800" spc="-1" strike="noStrike">
-                <a:solidFill>
-                  <a:srgbClr val="ffffff"/>
-                </a:solidFill>
-                <a:latin typeface="Arial"/>
-                <a:ea typeface="Microsoft YaHei"/>
-              </a:endParaRPr>
-            </a:p>
-          </p:txBody>
         </p:sp>
         <p:sp>
           <p:nvSpPr>
-            <p:cNvPr id="36" name=""/>
+            <p:cNvPr id="98" name=""/>
             <p:cNvSpPr/>
             <p:nvPr/>
           </p:nvSpPr>
           <p:spPr>
             <a:xfrm>
               <a:off x="2514240" y="2201040"/>
-              <a:ext cx="71280" cy="146880"/>
+              <a:ext cx="69840" cy="145440"/>
             </a:xfrm>
             <a:custGeom>
               <a:avLst/>
-              <a:gdLst>
-                <a:gd name="textAreaLeft" fmla="*/ 0 w 71280"/>
-                <a:gd name="textAreaRight" fmla="*/ 79560 w 71280"/>
-                <a:gd name="textAreaTop" fmla="*/ 0 h 146880"/>
-                <a:gd name="textAreaBottom" fmla="*/ 155160 h 146880"/>
-              </a:gdLst>
+              <a:gdLst/>
               <a:ahLst/>
-              <a:rect l="textAreaLeft" t="textAreaTop" r="textAreaRight" b="textAreaBottom"/>
+              <a:rect l="l" t="t" r="r" b="b"/>
               <a:pathLst>
                 <a:path w="221" h="431">
                   <a:moveTo>
@@ -2851,47 +6403,23 @@
             <a:effectRef idx="0"/>
             <a:fontRef idx="minor"/>
           </p:style>
-          <p:txBody>
-            <a:bodyPr lIns="109080" rIns="109080" tIns="64080" bIns="64080" anchor="ctr">
-              <a:noAutofit/>
-            </a:bodyPr>
-            <a:p>
-              <a:pPr>
-                <a:lnSpc>
-                  <a:spcPct val="100000"/>
-                </a:lnSpc>
-              </a:pPr>
-              <a:endParaRPr b="0" lang="en-US" sz="1800" spc="-1" strike="noStrike">
-                <a:solidFill>
-                  <a:srgbClr val="000000"/>
-                </a:solidFill>
-                <a:latin typeface="Arial"/>
-                <a:ea typeface="Microsoft YaHei"/>
-              </a:endParaRPr>
-            </a:p>
-          </p:txBody>
         </p:sp>
         <p:sp>
           <p:nvSpPr>
-            <p:cNvPr id="37" name=""/>
+            <p:cNvPr id="99" name=""/>
             <p:cNvSpPr/>
             <p:nvPr/>
           </p:nvSpPr>
           <p:spPr>
             <a:xfrm>
               <a:off x="2674800" y="1968840"/>
-              <a:ext cx="231840" cy="612360"/>
+              <a:ext cx="230400" cy="610920"/>
             </a:xfrm>
             <a:custGeom>
               <a:avLst/>
-              <a:gdLst>
-                <a:gd name="textAreaLeft" fmla="*/ 0 w 231840"/>
-                <a:gd name="textAreaRight" fmla="*/ 240120 w 231840"/>
-                <a:gd name="textAreaTop" fmla="*/ 0 h 612360"/>
-                <a:gd name="textAreaBottom" fmla="*/ 620640 h 612360"/>
-              </a:gdLst>
+              <a:gdLst/>
               <a:ahLst/>
-              <a:rect l="textAreaLeft" t="textAreaTop" r="textAreaRight" b="textAreaBottom"/>
+              <a:rect l="l" t="t" r="r" b="b"/>
               <a:pathLst>
                 <a:path w="667" h="1724">
                   <a:moveTo>
@@ -2933,36 +6461,17 @@
             <a:effectRef idx="0"/>
             <a:fontRef idx="minor"/>
           </p:style>
-          <p:txBody>
-            <a:bodyPr lIns="109080" rIns="109080" tIns="64080" bIns="64080" anchor="ctr">
-              <a:noAutofit/>
-            </a:bodyPr>
-            <a:p>
-              <a:pPr>
-                <a:lnSpc>
-                  <a:spcPct val="100000"/>
-                </a:lnSpc>
-              </a:pPr>
-              <a:endParaRPr b="0" lang="en-US" sz="1800" spc="-1" strike="noStrike">
-                <a:solidFill>
-                  <a:srgbClr val="000000"/>
-                </a:solidFill>
-                <a:latin typeface="Arial"/>
-                <a:ea typeface="Microsoft YaHei"/>
-              </a:endParaRPr>
-            </a:p>
-          </p:txBody>
         </p:sp>
         <p:sp>
           <p:nvSpPr>
-            <p:cNvPr id="38" name=""/>
+            <p:cNvPr id="100" name=""/>
             <p:cNvSpPr/>
             <p:nvPr/>
           </p:nvSpPr>
           <p:spPr>
             <a:xfrm>
               <a:off x="2833920" y="2045880"/>
-              <a:ext cx="313200" cy="457200"/>
+              <a:ext cx="311760" cy="455760"/>
             </a:xfrm>
             <a:prstGeom prst="arc">
               <a:avLst>
@@ -2984,36 +6493,17 @@
             <a:effectRef idx="0"/>
             <a:fontRef idx="minor"/>
           </p:style>
-          <p:txBody>
-            <a:bodyPr lIns="109080" rIns="109080" tIns="64080" bIns="64080" anchor="ctr">
-              <a:noAutofit/>
-            </a:bodyPr>
-            <a:p>
-              <a:pPr>
-                <a:lnSpc>
-                  <a:spcPct val="100000"/>
-                </a:lnSpc>
-              </a:pPr>
-              <a:endParaRPr b="0" lang="en-US" sz="1800" spc="-1" strike="noStrike">
-                <a:solidFill>
-                  <a:srgbClr val="000000"/>
-                </a:solidFill>
-                <a:latin typeface="Arial"/>
-                <a:ea typeface="Microsoft YaHei"/>
-              </a:endParaRPr>
-            </a:p>
-          </p:txBody>
         </p:sp>
         <p:sp>
           <p:nvSpPr>
-            <p:cNvPr id="39" name=""/>
+            <p:cNvPr id="101" name=""/>
             <p:cNvSpPr/>
             <p:nvPr/>
           </p:nvSpPr>
           <p:spPr>
             <a:xfrm>
               <a:off x="2872440" y="2124000"/>
-              <a:ext cx="194760" cy="302040"/>
+              <a:ext cx="193320" cy="300600"/>
             </a:xfrm>
             <a:prstGeom prst="arc">
               <a:avLst>
@@ -3035,25 +6525,6 @@
             <a:effectRef idx="0"/>
             <a:fontRef idx="minor"/>
           </p:style>
-          <p:txBody>
-            <a:bodyPr lIns="109080" rIns="109080" tIns="64080" bIns="64080" anchor="ctr">
-              <a:noAutofit/>
-            </a:bodyPr>
-            <a:p>
-              <a:pPr>
-                <a:lnSpc>
-                  <a:spcPct val="100000"/>
-                </a:lnSpc>
-              </a:pPr>
-              <a:endParaRPr b="0" lang="en-US" sz="1800" spc="-1" strike="noStrike">
-                <a:solidFill>
-                  <a:srgbClr val="000000"/>
-                </a:solidFill>
-                <a:latin typeface="Arial"/>
-                <a:ea typeface="Microsoft YaHei"/>
-              </a:endParaRPr>
-            </a:p>
-          </p:txBody>
         </p:sp>
       </p:grpSp>
     </p:spTree>
@@ -3095,14 +6566,14 @@
       </p:grpSpPr>
       <p:sp>
         <p:nvSpPr>
-          <p:cNvPr id="40" name="Slide_4_Book_title"/>
+          <p:cNvPr id="102" name="Slide_4_Book_title"/>
           <p:cNvSpPr/>
           <p:nvPr/>
         </p:nvSpPr>
         <p:spPr>
           <a:xfrm>
-            <a:off x="228240" y="3967920"/>
-            <a:ext cx="5241960" cy="897480"/>
+            <a:off x="228240" y="5155920"/>
+            <a:ext cx="5240520" cy="896040"/>
           </a:xfrm>
           <a:prstGeom prst="rect">
             <a:avLst/>
@@ -3123,7 +6594,7 @@
             <a:noAutofit/>
           </a:bodyPr>
           <a:p>
-            <a:pPr algn="ctr" defTabSz="914400">
+            <a:pPr algn="ctr">
               <a:lnSpc>
                 <a:spcPct val="100000"/>
               </a:lnSpc>
@@ -3133,6 +6604,10 @@
               <a:spcAft>
                 <a:spcPts val="992"/>
               </a:spcAft>
+              <a:buNone/>
+              <a:tabLst>
+                <a:tab algn="l" pos="408240"/>
+              </a:tabLst>
             </a:pPr>
             <a:r>
               <a:rPr b="1" lang="zh-CN" sz="4800" spc="-1" strike="noStrike">
@@ -3145,24 +6620,21 @@
               <a:t>曜日に関する質問と回答</a:t>
             </a:r>
             <a:endParaRPr b="0" lang="en-US" sz="4800" spc="-1" strike="noStrike">
-              <a:solidFill>
-                <a:srgbClr val="000000"/>
-              </a:solidFill>
-              <a:latin typeface="Arial"/>
-            </a:endParaRPr>
-          </a:p>
-        </p:txBody>
-      </p:sp>
-      <p:sp>
-        <p:nvSpPr>
-          <p:cNvPr id="41" name="Slide_4_index"/>
+              <a:latin typeface="Arial"/>
+            </a:endParaRPr>
+          </a:p>
+        </p:txBody>
+      </p:sp>
+      <p:sp>
+        <p:nvSpPr>
+          <p:cNvPr id="103" name="Slide_4_index"/>
           <p:cNvSpPr/>
           <p:nvPr/>
         </p:nvSpPr>
         <p:spPr>
           <a:xfrm>
             <a:off x="228240" y="227880"/>
-            <a:ext cx="4328640" cy="568440"/>
+            <a:ext cx="4327200" cy="567000"/>
           </a:xfrm>
           <a:prstGeom prst="rect">
             <a:avLst/>
@@ -3178,29 +6650,10 @@
           <a:effectRef idx="0"/>
           <a:fontRef idx="minor"/>
         </p:style>
-        <p:txBody>
-          <a:bodyPr lIns="90000" rIns="90000" tIns="45000" bIns="45000" anchor="t">
-            <a:spAutoFit/>
-          </a:bodyPr>
-          <a:p>
-            <a:pPr>
-              <a:lnSpc>
-                <a:spcPct val="100000"/>
-              </a:lnSpc>
-            </a:pPr>
-            <a:endParaRPr b="0" lang="en-US" sz="1800" spc="-1" strike="noStrike">
-              <a:solidFill>
-                <a:srgbClr val="000000"/>
-              </a:solidFill>
-              <a:latin typeface="Arial"/>
-              <a:ea typeface="DejaVu Sans"/>
-            </a:endParaRPr>
-          </a:p>
-        </p:txBody>
       </p:sp>
       <p:pic>
         <p:nvPicPr>
-          <p:cNvPr id="42" name="" descr=""/>
+          <p:cNvPr id="104" name="" descr=""/>
           <p:cNvPicPr/>
           <p:nvPr/>
         </p:nvPicPr>
@@ -3211,7 +6664,7 @@
         <p:spPr>
           <a:xfrm>
             <a:off x="4343760" y="228960"/>
-            <a:ext cx="1027440" cy="753840"/>
+            <a:ext cx="1026000" cy="752400"/>
           </a:xfrm>
           <a:prstGeom prst="rect">
             <a:avLst/>
@@ -3223,14 +6676,14 @@
       </p:pic>
       <p:sp>
         <p:nvSpPr>
-          <p:cNvPr id="43" name="Slide_4_Lesson_title"/>
+          <p:cNvPr id="105" name="Slide_4_Lesson_title"/>
           <p:cNvSpPr/>
           <p:nvPr/>
         </p:nvSpPr>
         <p:spPr>
           <a:xfrm>
-            <a:off x="206280" y="2613240"/>
-            <a:ext cx="5276880" cy="897480"/>
+            <a:off x="206280" y="3549240"/>
+            <a:ext cx="5275440" cy="896040"/>
           </a:xfrm>
           <a:prstGeom prst="rect">
             <a:avLst/>
@@ -3251,15 +6704,19 @@
             <a:noAutofit/>
           </a:bodyPr>
           <a:p>
-            <a:pPr algn="ctr" defTabSz="914400">
+            <a:pPr algn="ctr">
               <a:lnSpc>
                 <a:spcPct val="100000"/>
               </a:lnSpc>
+              <a:buNone/>
+              <a:tabLst>
+                <a:tab algn="l" pos="408240"/>
+              </a:tabLst>
             </a:pPr>
             <a:r>
               <a:rPr b="1" lang="en-US" sz="4000" spc="-1" strike="noStrike">
                 <a:solidFill>
-                  <a:schemeClr val="dk1"/>
+                  <a:srgbClr val="000000"/>
                 </a:solidFill>
                 <a:latin typeface="Arial"/>
                 <a:ea typeface="宋体"/>
@@ -3267,6 +6724,121 @@
               <a:t>TOPIC</a:t>
             </a:r>
             <a:endParaRPr b="0" lang="en-US" sz="4000" spc="-1" strike="noStrike">
+              <a:latin typeface="Arial"/>
+            </a:endParaRPr>
+          </a:p>
+        </p:txBody>
+      </p:sp>
+      <p:sp>
+        <p:nvSpPr>
+          <p:cNvPr id="106" name="Snow 1"/>
+          <p:cNvSpPr txBox="1"/>
+          <p:nvPr/>
+        </p:nvSpPr>
+        <p:spPr>
+          <a:xfrm>
+            <a:off x="1548360" y="1800000"/>
+            <a:ext cx="2570760" cy="1078920"/>
+          </a:xfrm>
+          <a:prstGeom prst="rect">
+            <a:avLst/>
+          </a:prstGeom>
+        </p:spPr>
+        <p:txBody>
+          <a:bodyPr wrap="none" lIns="619200" rIns="619200" tIns="60840" bIns="60840" anchor="ctr">
+            <a:prstTxWarp prst="textPlain">
+              <a:avLst>
+                <a:gd name="adj" fmla="val 50000"/>
+              </a:avLst>
+            </a:prstTxWarp>
+            <a:noAutofit/>
+          </a:bodyPr>
+          <a:p>
+            <a:pPr>
+              <a:lnSpc>
+                <a:spcPct val="100000"/>
+              </a:lnSpc>
+              <a:buNone/>
+              <a:tabLst>
+                <a:tab algn="l" pos="408240"/>
+              </a:tabLst>
+            </a:pPr>
+            <a:r>
+              <a:rPr b="1" lang="zh-CN" sz="2400" spc="-1" strike="noStrike">
+                <a:ln w="0">
+                  <a:noFill/>
+                </a:ln>
+                <a:solidFill>
+                  <a:srgbClr val="5983b0"/>
+                </a:solidFill>
+                <a:latin typeface="Noto Sans"/>
+                <a:ea typeface="MS Gothic"/>
+              </a:rPr>
+              <a:t>核心语料库</a:t>
+            </a:r>
+            <a:endParaRPr b="0" lang="en-US" sz="2400" spc="-1" strike="noStrike">
+              <a:ln w="0">
+                <a:noFill/>
+              </a:ln>
+              <a:solidFill>
+                <a:srgbClr val="5983b0"/>
+              </a:solidFill>
+              <a:latin typeface="Arial"/>
+            </a:endParaRPr>
+          </a:p>
+        </p:txBody>
+      </p:sp>
+      <p:sp>
+        <p:nvSpPr>
+          <p:cNvPr id="107" name="Snow 5"/>
+          <p:cNvSpPr txBox="1"/>
+          <p:nvPr/>
+        </p:nvSpPr>
+        <p:spPr>
+          <a:xfrm>
+            <a:off x="1077120" y="8733960"/>
+            <a:ext cx="3552480" cy="941760"/>
+          </a:xfrm>
+          <a:prstGeom prst="rect">
+            <a:avLst/>
+          </a:prstGeom>
+        </p:spPr>
+        <p:txBody>
+          <a:bodyPr wrap="none" lIns="619200" rIns="619200" tIns="60840" bIns="60840" anchor="ctr">
+            <a:prstTxWarp prst="textPlain">
+              <a:avLst>
+                <a:gd name="adj" fmla="val 50000"/>
+              </a:avLst>
+            </a:prstTxWarp>
+            <a:noAutofit/>
+          </a:bodyPr>
+          <a:p>
+            <a:pPr>
+              <a:lnSpc>
+                <a:spcPct val="100000"/>
+              </a:lnSpc>
+              <a:buNone/>
+              <a:tabLst>
+                <a:tab algn="l" pos="408240"/>
+              </a:tabLst>
+            </a:pPr>
+            <a:r>
+              <a:rPr b="1" lang="zh-CN" sz="2000" spc="-1" strike="noStrike">
+                <a:ln w="0">
+                  <a:noFill/>
+                </a:ln>
+                <a:solidFill>
+                  <a:srgbClr val="000000"/>
+                </a:solidFill>
+                <a:latin typeface="Noto Sans"/>
+                <a:ea typeface="MS Gothic"/>
+              </a:rPr>
+              <a:t>听写 跟读 洗脑 </a:t>
+            </a:r>
+            <a:endParaRPr b="0" lang="en-US" sz="2000" spc="-1" strike="noStrike">
+              <a:ln w="0">
+                <a:noFill/>
+              </a:ln>
               <a:solidFill>
                 <a:srgbClr val="000000"/>
               </a:solidFill>
@@ -3314,7 +6886,7 @@
       </p:grpSpPr>
       <p:pic>
         <p:nvPicPr>
-          <p:cNvPr id="44" name="" descr=""/>
+          <p:cNvPr id="108" name="" descr=""/>
           <p:cNvPicPr/>
           <p:nvPr/>
         </p:nvPicPr>
@@ -3325,7 +6897,7 @@
         <p:spPr>
           <a:xfrm>
             <a:off x="4343760" y="228960"/>
-            <a:ext cx="1027440" cy="753840"/>
+            <a:ext cx="1026000" cy="752400"/>
           </a:xfrm>
           <a:prstGeom prst="rect">
             <a:avLst/>
@@ -3337,14 +6909,14 @@
       </p:pic>
       <p:sp>
         <p:nvSpPr>
-          <p:cNvPr id="45" name="Slide_5_index"/>
+          <p:cNvPr id="109" name="Slide_5_index"/>
           <p:cNvSpPr/>
           <p:nvPr/>
         </p:nvSpPr>
         <p:spPr>
           <a:xfrm>
             <a:off x="228600" y="333720"/>
-            <a:ext cx="2512440" cy="544320"/>
+            <a:ext cx="2511000" cy="542880"/>
           </a:xfrm>
           <a:prstGeom prst="rect">
             <a:avLst/>
@@ -3369,6 +6941,10 @@
               <a:lnSpc>
                 <a:spcPct val="100000"/>
               </a:lnSpc>
+              <a:buNone/>
+              <a:tabLst>
+                <a:tab algn="l" pos="408240"/>
+              </a:tabLst>
             </a:pPr>
             <a:r>
               <a:rPr b="0" lang="zh-CN" sz="3200" spc="-1" strike="noStrike">
@@ -3381,24 +6957,21 @@
               <a:t>序号</a:t>
             </a:r>
             <a:endParaRPr b="0" lang="en-US" sz="3200" spc="-1" strike="noStrike">
-              <a:solidFill>
-                <a:srgbClr val="000000"/>
-              </a:solidFill>
-              <a:latin typeface="Arial"/>
-            </a:endParaRPr>
-          </a:p>
-        </p:txBody>
-      </p:sp>
-      <p:sp>
-        <p:nvSpPr>
-          <p:cNvPr id="46" name="Slide_5_A_context"/>
+              <a:latin typeface="Arial"/>
+            </a:endParaRPr>
+          </a:p>
+        </p:txBody>
+      </p:sp>
+      <p:sp>
+        <p:nvSpPr>
+          <p:cNvPr id="110" name="Slide_5_A_context"/>
           <p:cNvSpPr/>
           <p:nvPr/>
         </p:nvSpPr>
         <p:spPr>
           <a:xfrm>
             <a:off x="228240" y="1843920"/>
-            <a:ext cx="5241960" cy="897480"/>
+            <a:ext cx="5240520" cy="896040"/>
           </a:xfrm>
           <a:prstGeom prst="rect">
             <a:avLst/>
@@ -3419,10 +6992,14 @@
             <a:noAutofit/>
           </a:bodyPr>
           <a:p>
-            <a:pPr defTabSz="914400">
+            <a:pPr>
               <a:lnSpc>
                 <a:spcPct val="100000"/>
               </a:lnSpc>
+              <a:buNone/>
+              <a:tabLst>
+                <a:tab algn="l" pos="408240"/>
+              </a:tabLst>
             </a:pPr>
             <a:r>
               <a:rPr b="1" lang="en-US" sz="2800" spc="-1" strike="noStrike">
@@ -3435,24 +7012,21 @@
               <a:t>Your text here</a:t>
             </a:r>
             <a:endParaRPr b="0" lang="en-US" sz="2800" spc="-1" strike="noStrike">
-              <a:solidFill>
-                <a:srgbClr val="000000"/>
-              </a:solidFill>
-              <a:latin typeface="Arial"/>
-            </a:endParaRPr>
-          </a:p>
-        </p:txBody>
-      </p:sp>
-      <p:sp>
-        <p:nvSpPr>
-          <p:cNvPr id="47" name="Slide_5_A_context_hiragana"/>
+              <a:latin typeface="Arial"/>
+            </a:endParaRPr>
+          </a:p>
+        </p:txBody>
+      </p:sp>
+      <p:sp>
+        <p:nvSpPr>
+          <p:cNvPr id="111" name="Slide_5_A_context_hiragana"/>
           <p:cNvSpPr/>
           <p:nvPr/>
         </p:nvSpPr>
         <p:spPr>
           <a:xfrm>
             <a:off x="219240" y="1042920"/>
-            <a:ext cx="5241960" cy="897480"/>
+            <a:ext cx="5240520" cy="896040"/>
           </a:xfrm>
           <a:prstGeom prst="rect">
             <a:avLst/>
@@ -3473,10 +7047,14 @@
             <a:noAutofit/>
           </a:bodyPr>
           <a:p>
-            <a:pPr defTabSz="914400">
+            <a:pPr>
               <a:lnSpc>
                 <a:spcPct val="100000"/>
               </a:lnSpc>
+              <a:buNone/>
+              <a:tabLst>
+                <a:tab algn="l" pos="408240"/>
+              </a:tabLst>
             </a:pPr>
             <a:r>
               <a:rPr b="1" lang="en-US" sz="2000" spc="-1" strike="noStrike">
@@ -3489,24 +7067,21 @@
               <a:t>Your text here</a:t>
             </a:r>
             <a:endParaRPr b="0" lang="en-US" sz="2000" spc="-1" strike="noStrike">
-              <a:solidFill>
-                <a:srgbClr val="000000"/>
-              </a:solidFill>
-              <a:latin typeface="Arial"/>
-            </a:endParaRPr>
-          </a:p>
-        </p:txBody>
-      </p:sp>
-      <p:sp>
-        <p:nvSpPr>
-          <p:cNvPr id="48" name="Slide_5_B_context"/>
+              <a:latin typeface="Arial"/>
+            </a:endParaRPr>
+          </a:p>
+        </p:txBody>
+      </p:sp>
+      <p:sp>
+        <p:nvSpPr>
+          <p:cNvPr id="112" name="Slide_5_B_context"/>
           <p:cNvSpPr/>
           <p:nvPr/>
         </p:nvSpPr>
         <p:spPr>
           <a:xfrm>
             <a:off x="241200" y="4047480"/>
-            <a:ext cx="5241960" cy="897480"/>
+            <a:ext cx="5240520" cy="896040"/>
           </a:xfrm>
           <a:prstGeom prst="rect">
             <a:avLst/>
@@ -3527,10 +7102,14 @@
             <a:noAutofit/>
           </a:bodyPr>
           <a:p>
-            <a:pPr defTabSz="914400">
+            <a:pPr>
               <a:lnSpc>
                 <a:spcPct val="100000"/>
               </a:lnSpc>
+              <a:buNone/>
+              <a:tabLst>
+                <a:tab algn="l" pos="408240"/>
+              </a:tabLst>
             </a:pPr>
             <a:r>
               <a:rPr b="1" lang="en-US" sz="2800" spc="-1" strike="noStrike">
@@ -3543,24 +7122,21 @@
               <a:t>Your text here</a:t>
             </a:r>
             <a:endParaRPr b="0" lang="en-US" sz="2800" spc="-1" strike="noStrike">
-              <a:solidFill>
-                <a:srgbClr val="000000"/>
-              </a:solidFill>
-              <a:latin typeface="Arial"/>
-            </a:endParaRPr>
-          </a:p>
-        </p:txBody>
-      </p:sp>
-      <p:sp>
-        <p:nvSpPr>
-          <p:cNvPr id="49" name="Slide_5_B_context_hiragana"/>
+              <a:latin typeface="Arial"/>
+            </a:endParaRPr>
+          </a:p>
+        </p:txBody>
+      </p:sp>
+      <p:sp>
+        <p:nvSpPr>
+          <p:cNvPr id="113" name="Slide_5_B_context_hiragana"/>
           <p:cNvSpPr/>
           <p:nvPr/>
         </p:nvSpPr>
         <p:spPr>
           <a:xfrm>
             <a:off x="228600" y="3123720"/>
-            <a:ext cx="5241960" cy="897480"/>
+            <a:ext cx="5240520" cy="896040"/>
           </a:xfrm>
           <a:prstGeom prst="rect">
             <a:avLst/>
@@ -3581,10 +7157,14 @@
             <a:noAutofit/>
           </a:bodyPr>
           <a:p>
-            <a:pPr defTabSz="914400">
+            <a:pPr>
               <a:lnSpc>
                 <a:spcPct val="100000"/>
               </a:lnSpc>
+              <a:buNone/>
+              <a:tabLst>
+                <a:tab algn="l" pos="408240"/>
+              </a:tabLst>
             </a:pPr>
             <a:r>
               <a:rPr b="1" lang="en-US" sz="2000" spc="-1" strike="noStrike">
@@ -3597,24 +7177,21 @@
               <a:t>Your text here</a:t>
             </a:r>
             <a:endParaRPr b="0" lang="en-US" sz="2000" spc="-1" strike="noStrike">
-              <a:solidFill>
-                <a:srgbClr val="000000"/>
-              </a:solidFill>
-              <a:latin typeface="Arial"/>
-            </a:endParaRPr>
-          </a:p>
-        </p:txBody>
-      </p:sp>
-      <p:sp>
-        <p:nvSpPr>
-          <p:cNvPr id="50" name="Slide_5_A_context_en"/>
+              <a:latin typeface="Arial"/>
+            </a:endParaRPr>
+          </a:p>
+        </p:txBody>
+      </p:sp>
+      <p:sp>
+        <p:nvSpPr>
+          <p:cNvPr id="114" name="Slide_5_A_context_en"/>
           <p:cNvSpPr/>
           <p:nvPr/>
         </p:nvSpPr>
         <p:spPr>
           <a:xfrm>
             <a:off x="228600" y="5566680"/>
-            <a:ext cx="5241960" cy="897480"/>
+            <a:ext cx="5240520" cy="896040"/>
           </a:xfrm>
           <a:prstGeom prst="rect">
             <a:avLst/>
@@ -3635,10 +7212,14 @@
             <a:noAutofit/>
           </a:bodyPr>
           <a:p>
-            <a:pPr defTabSz="914400">
+            <a:pPr>
               <a:lnSpc>
                 <a:spcPct val="100000"/>
               </a:lnSpc>
+              <a:buNone/>
+              <a:tabLst>
+                <a:tab algn="l" pos="408240"/>
+              </a:tabLst>
             </a:pPr>
             <a:r>
               <a:rPr b="1" lang="en-US" sz="2000" spc="-1" strike="noStrike">
@@ -3651,24 +7232,21 @@
               <a:t>Your text here</a:t>
             </a:r>
             <a:endParaRPr b="0" lang="en-US" sz="2000" spc="-1" strike="noStrike">
-              <a:solidFill>
-                <a:srgbClr val="81d41a"/>
-              </a:solidFill>
-              <a:latin typeface="Arial"/>
-            </a:endParaRPr>
-          </a:p>
-        </p:txBody>
-      </p:sp>
-      <p:sp>
-        <p:nvSpPr>
-          <p:cNvPr id="51" name="Slide_5_B_context_en"/>
+              <a:latin typeface="Arial"/>
+            </a:endParaRPr>
+          </a:p>
+        </p:txBody>
+      </p:sp>
+      <p:sp>
+        <p:nvSpPr>
+          <p:cNvPr id="115" name="Slide_5_B_context_en"/>
           <p:cNvSpPr/>
           <p:nvPr/>
         </p:nvSpPr>
         <p:spPr>
           <a:xfrm>
             <a:off x="228600" y="7734240"/>
-            <a:ext cx="5241960" cy="897480"/>
+            <a:ext cx="5240520" cy="896040"/>
           </a:xfrm>
           <a:prstGeom prst="rect">
             <a:avLst/>
@@ -3689,10 +7267,14 @@
             <a:noAutofit/>
           </a:bodyPr>
           <a:p>
-            <a:pPr defTabSz="914400">
+            <a:pPr>
               <a:lnSpc>
                 <a:spcPct val="100000"/>
               </a:lnSpc>
+              <a:buNone/>
+              <a:tabLst>
+                <a:tab algn="l" pos="408240"/>
+              </a:tabLst>
             </a:pPr>
             <a:r>
               <a:rPr b="1" lang="en-US" sz="2000" spc="-1" strike="noStrike">
@@ -3705,24 +7287,21 @@
               <a:t>Your text here</a:t>
             </a:r>
             <a:endParaRPr b="0" lang="en-US" sz="2000" spc="-1" strike="noStrike">
-              <a:solidFill>
-                <a:srgbClr val="81d41a"/>
-              </a:solidFill>
-              <a:latin typeface="Arial"/>
-            </a:endParaRPr>
-          </a:p>
-        </p:txBody>
-      </p:sp>
-      <p:sp>
-        <p:nvSpPr>
-          <p:cNvPr id="52" name="Slide_5_A_context_cn"/>
+              <a:latin typeface="Arial"/>
+            </a:endParaRPr>
+          </a:p>
+        </p:txBody>
+      </p:sp>
+      <p:sp>
+        <p:nvSpPr>
+          <p:cNvPr id="116" name="Slide_5_A_context_cn"/>
           <p:cNvSpPr/>
           <p:nvPr/>
         </p:nvSpPr>
         <p:spPr>
           <a:xfrm>
             <a:off x="228600" y="6718680"/>
-            <a:ext cx="5241960" cy="897480"/>
+            <a:ext cx="5240520" cy="896040"/>
           </a:xfrm>
           <a:prstGeom prst="rect">
             <a:avLst/>
@@ -3743,10 +7322,14 @@
             <a:noAutofit/>
           </a:bodyPr>
           <a:p>
-            <a:pPr defTabSz="914400">
+            <a:pPr>
               <a:lnSpc>
                 <a:spcPct val="100000"/>
               </a:lnSpc>
+              <a:buNone/>
+              <a:tabLst>
+                <a:tab algn="l" pos="408240"/>
+              </a:tabLst>
             </a:pPr>
             <a:r>
               <a:rPr b="1" lang="en-US" sz="2000" spc="-1" strike="noStrike">
@@ -3759,24 +7342,21 @@
               <a:t>Your text here</a:t>
             </a:r>
             <a:endParaRPr b="0" lang="en-US" sz="2000" spc="-1" strike="noStrike">
-              <a:solidFill>
-                <a:srgbClr val="729fcf"/>
-              </a:solidFill>
-              <a:latin typeface="Arial"/>
-            </a:endParaRPr>
-          </a:p>
-        </p:txBody>
-      </p:sp>
-      <p:sp>
-        <p:nvSpPr>
-          <p:cNvPr id="53" name="Slide_5_B_context_cn"/>
+              <a:latin typeface="Arial"/>
+            </a:endParaRPr>
+          </a:p>
+        </p:txBody>
+      </p:sp>
+      <p:sp>
+        <p:nvSpPr>
+          <p:cNvPr id="117" name="Slide_5_B_context_cn"/>
           <p:cNvSpPr/>
           <p:nvPr/>
         </p:nvSpPr>
         <p:spPr>
           <a:xfrm>
             <a:off x="228600" y="8994240"/>
-            <a:ext cx="5241960" cy="897480"/>
+            <a:ext cx="5240520" cy="896040"/>
           </a:xfrm>
           <a:prstGeom prst="rect">
             <a:avLst/>
@@ -3797,10 +7377,14 @@
             <a:noAutofit/>
           </a:bodyPr>
           <a:p>
-            <a:pPr defTabSz="914400">
+            <a:pPr>
               <a:lnSpc>
                 <a:spcPct val="100000"/>
               </a:lnSpc>
+              <a:buNone/>
+              <a:tabLst>
+                <a:tab algn="l" pos="408240"/>
+              </a:tabLst>
             </a:pPr>
             <a:r>
               <a:rPr b="1" lang="en-US" sz="2000" spc="-1" strike="noStrike">
@@ -3813,9 +7397,6 @@
               <a:t>Your text here</a:t>
             </a:r>
             <a:endParaRPr b="0" lang="en-US" sz="2000" spc="-1" strike="noStrike">
-              <a:solidFill>
-                <a:srgbClr val="729fcf"/>
-              </a:solidFill>
               <a:latin typeface="Arial"/>
             </a:endParaRPr>
           </a:p>
@@ -3835,14 +7416,14 @@
 </file>
 
 <file path=ppt/theme/theme1.xml><?xml version="1.0" encoding="utf-8"?>
-<a:theme xmlns:a="http://schemas.openxmlformats.org/drawingml/2006/main" xmlns:r="http://schemas.openxmlformats.org/officeDocument/2006/relationships" name="Office">
+<a:theme xmlns:a="http://schemas.openxmlformats.org/drawingml/2006/main" name="Office Theme">
   <a:themeElements>
-    <a:clrScheme name="LibreOffice">
+    <a:clrScheme name="Office">
       <a:dk1>
-        <a:srgbClr val="000000"/>
+        <a:sysClr val="windowText" lastClr="000000"/>
       </a:dk1>
       <a:lt1>
-        <a:srgbClr val="ffffff"/>
+        <a:sysClr val="window" lastClr="FFFFFF"/>
       </a:lt1>
       <a:dk2>
         <a:srgbClr val="000000"/>
@@ -3877,63 +7458,183 @@
     </a:clrScheme>
     <a:fontScheme name="Office">
       <a:majorFont>
-        <a:latin typeface="Arial" pitchFamily="0" charset="1"/>
-        <a:ea typeface="DejaVu Sans" pitchFamily="0" charset="1"/>
-        <a:cs typeface="DejaVu Sans" pitchFamily="0" charset="1"/>
+        <a:latin typeface="Arial"/>
+        <a:ea typeface="DejaVu Sans"/>
+        <a:cs typeface="DejaVu Sans"/>
       </a:majorFont>
       <a:minorFont>
-        <a:latin typeface="Arial" pitchFamily="0" charset="1"/>
-        <a:ea typeface="DejaVu Sans" pitchFamily="0" charset="1"/>
-        <a:cs typeface="DejaVu Sans" pitchFamily="0" charset="1"/>
+        <a:latin typeface="Arial"/>
+        <a:ea typeface="DejaVu Sans"/>
+        <a:cs typeface="DejaVu Sans"/>
       </a:minorFont>
     </a:fontScheme>
-    <a:fmtScheme>
+    <a:fmtScheme name="Office">
       <a:fillStyleLst>
         <a:solidFill>
           <a:schemeClr val="phClr"/>
         </a:solidFill>
-        <a:solidFill>
-          <a:schemeClr val="phClr"/>
-        </a:solidFill>
-        <a:solidFill>
-          <a:schemeClr val="phClr"/>
-        </a:solidFill>
+        <a:gradFill rotWithShape="1">
+          <a:gsLst>
+            <a:gs pos="0">
+              <a:schemeClr val="phClr">
+                <a:tint val="50000"/>
+                <a:satMod val="300000"/>
+              </a:schemeClr>
+            </a:gs>
+            <a:gs pos="35000">
+              <a:schemeClr val="phClr">
+                <a:tint val="37000"/>
+                <a:satMod val="300000"/>
+              </a:schemeClr>
+            </a:gs>
+            <a:gs pos="100000">
+              <a:schemeClr val="phClr">
+                <a:tint val="15000"/>
+                <a:satMod val="350000"/>
+              </a:schemeClr>
+            </a:gs>
+          </a:gsLst>
+          <a:lin ang="16200000" scaled="1"/>
+        </a:gradFill>
+        <a:gradFill rotWithShape="1">
+          <a:gsLst>
+            <a:gs pos="0">
+              <a:schemeClr val="phClr">
+                <a:shade val="51000"/>
+                <a:satMod val="130000"/>
+              </a:schemeClr>
+            </a:gs>
+            <a:gs pos="80000">
+              <a:schemeClr val="phClr">
+                <a:shade val="93000"/>
+                <a:satMod val="130000"/>
+              </a:schemeClr>
+            </a:gs>
+            <a:gs pos="100000">
+              <a:schemeClr val="phClr">
+                <a:shade val="94000"/>
+                <a:satMod val="135000"/>
+              </a:schemeClr>
+            </a:gs>
+          </a:gsLst>
+          <a:lin ang="16200000" scaled="0"/>
+        </a:gradFill>
       </a:fillStyleLst>
       <a:lnStyleLst>
-        <a:ln w="6350" cap="flat" cmpd="sng" algn="ctr">
+        <a:ln w="9525" cap="flat" cmpd="sng" algn="ctr">
+          <a:solidFill>
+            <a:schemeClr val="phClr">
+              <a:shade val="95000"/>
+              <a:satMod val="105000"/>
+            </a:schemeClr>
+          </a:solidFill>
           <a:prstDash val="solid"/>
           <a:miter/>
         </a:ln>
-        <a:ln w="6350" cap="flat" cmpd="sng" algn="ctr">
+        <a:ln w="25400" cap="flat" cmpd="sng" algn="ctr">
+          <a:solidFill>
+            <a:schemeClr val="phClr"/>
+          </a:solidFill>
           <a:prstDash val="solid"/>
           <a:miter/>
         </a:ln>
-        <a:ln w="6350" cap="flat" cmpd="sng" algn="ctr">
+        <a:ln w="38100" cap="flat" cmpd="sng" algn="ctr">
+          <a:solidFill>
+            <a:schemeClr val="phClr"/>
+          </a:solidFill>
           <a:prstDash val="solid"/>
           <a:miter/>
         </a:ln>
       </a:lnStyleLst>
       <a:effectStyleLst>
         <a:effectStyle>
-          <a:effectLst/>
+          <a:effectLst>
+            <a:outerShdw blurRad="40000" dist="20000" dir="5400000" rotWithShape="0">
+              <a:srgbClr val="000000">
+                <a:alpha val="38000"/>
+              </a:srgbClr>
+            </a:outerShdw>
+          </a:effectLst>
         </a:effectStyle>
         <a:effectStyle>
-          <a:effectLst/>
+          <a:effectLst>
+            <a:outerShdw blurRad="40000" dist="23000" dir="5400000" rotWithShape="0">
+              <a:srgbClr val="000000">
+                <a:alpha val="35000"/>
+              </a:srgbClr>
+            </a:outerShdw>
+          </a:effectLst>
         </a:effectStyle>
         <a:effectStyle>
-          <a:effectLst/>
+          <a:effectLst>
+            <a:outerShdw blurRad="40000" dist="23000" dir="5400000" rotWithShape="0">
+              <a:srgbClr val="000000">
+                <a:alpha val="35000"/>
+              </a:srgbClr>
+            </a:outerShdw>
+          </a:effectLst>
+          <a:scene3d>
+            <a:camera prst="orthographicFront">
+              <a:rot lat="0" lon="0" rev="0"/>
+            </a:camera>
+            <a:lightRig rig="threePt" dir="t">
+              <a:rot lat="0" lon="0" rev="1200000"/>
+            </a:lightRig>
+          </a:scene3d>
+          <a:sp3d>
+            <a:bevelT w="63500" h="25400"/>
+          </a:sp3d>
         </a:effectStyle>
       </a:effectStyleLst>
       <a:bgFillStyleLst>
         <a:solidFill>
           <a:schemeClr val="phClr"/>
         </a:solidFill>
-        <a:solidFill>
-          <a:schemeClr val="phClr"/>
-        </a:solidFill>
-        <a:solidFill>
-          <a:schemeClr val="phClr"/>
-        </a:solidFill>
+        <a:gradFill rotWithShape="1">
+          <a:gsLst>
+            <a:gs pos="0">
+              <a:schemeClr val="phClr">
+                <a:tint val="40000"/>
+                <a:satMod val="350000"/>
+              </a:schemeClr>
+            </a:gs>
+            <a:gs pos="40000">
+              <a:schemeClr val="phClr">
+                <a:tint val="45000"/>
+                <a:shade val="99000"/>
+                <a:satMod val="350000"/>
+              </a:schemeClr>
+            </a:gs>
+            <a:gs pos="100000">
+              <a:schemeClr val="phClr">
+                <a:shade val="20000"/>
+                <a:satMod val="255000"/>
+              </a:schemeClr>
+            </a:gs>
+          </a:gsLst>
+          <a:path path="circle">
+            <a:fillToRect l="50000" t="-80000" r="50000" b="180000"/>
+          </a:path>
+        </a:gradFill>
+        <a:gradFill rotWithShape="1">
+          <a:gsLst>
+            <a:gs pos="0">
+              <a:schemeClr val="phClr">
+                <a:tint val="80000"/>
+                <a:satMod val="300000"/>
+              </a:schemeClr>
+            </a:gs>
+            <a:gs pos="100000">
+              <a:schemeClr val="phClr">
+                <a:shade val="30000"/>
+                <a:satMod val="200000"/>
+              </a:schemeClr>
+            </a:gs>
+          </a:gsLst>
+          <a:path path="circle">
+            <a:fillToRect l="50000" t="50000" r="50000" b="50000"/>
+          </a:path>
+        </a:gradFill>
       </a:bgFillStyleLst>
     </a:fmtScheme>
   </a:themeElements>
@@ -3941,14 +7642,14 @@
 </file>
 
 <file path=ppt/theme/theme2.xml><?xml version="1.0" encoding="utf-8"?>
-<a:theme xmlns:a="http://schemas.openxmlformats.org/drawingml/2006/main" xmlns:r="http://schemas.openxmlformats.org/officeDocument/2006/relationships" name="Office">
+<a:theme xmlns:a="http://schemas.openxmlformats.org/drawingml/2006/main" name="Office Theme">
   <a:themeElements>
-    <a:clrScheme name="LibreOffice">
+    <a:clrScheme name="Office">
       <a:dk1>
-        <a:srgbClr val="000000"/>
+        <a:sysClr val="windowText" lastClr="000000"/>
       </a:dk1>
       <a:lt1>
-        <a:srgbClr val="ffffff"/>
+        <a:sysClr val="window" lastClr="FFFFFF"/>
       </a:lt1>
       <a:dk2>
         <a:srgbClr val="000000"/>
@@ -3983,169 +7684,183 @@
     </a:clrScheme>
     <a:fontScheme name="Office">
       <a:majorFont>
-        <a:latin typeface="Arial" pitchFamily="0" charset="1"/>
-        <a:ea typeface="DejaVu Sans" pitchFamily="0" charset="1"/>
-        <a:cs typeface="DejaVu Sans" pitchFamily="0" charset="1"/>
+        <a:latin typeface="Arial"/>
+        <a:ea typeface="DejaVu Sans"/>
+        <a:cs typeface="DejaVu Sans"/>
       </a:majorFont>
       <a:minorFont>
-        <a:latin typeface="Arial" pitchFamily="0" charset="1"/>
-        <a:ea typeface="DejaVu Sans" pitchFamily="0" charset="1"/>
-        <a:cs typeface="DejaVu Sans" pitchFamily="0" charset="1"/>
+        <a:latin typeface="Arial"/>
+        <a:ea typeface="DejaVu Sans"/>
+        <a:cs typeface="DejaVu Sans"/>
       </a:minorFont>
     </a:fontScheme>
-    <a:fmtScheme>
+    <a:fmtScheme name="Office">
       <a:fillStyleLst>
         <a:solidFill>
           <a:schemeClr val="phClr"/>
         </a:solidFill>
-        <a:solidFill>
-          <a:schemeClr val="phClr"/>
-        </a:solidFill>
-        <a:solidFill>
-          <a:schemeClr val="phClr"/>
-        </a:solidFill>
+        <a:gradFill rotWithShape="1">
+          <a:gsLst>
+            <a:gs pos="0">
+              <a:schemeClr val="phClr">
+                <a:tint val="50000"/>
+                <a:satMod val="300000"/>
+              </a:schemeClr>
+            </a:gs>
+            <a:gs pos="35000">
+              <a:schemeClr val="phClr">
+                <a:tint val="37000"/>
+                <a:satMod val="300000"/>
+              </a:schemeClr>
+            </a:gs>
+            <a:gs pos="100000">
+              <a:schemeClr val="phClr">
+                <a:tint val="15000"/>
+                <a:satMod val="350000"/>
+              </a:schemeClr>
+            </a:gs>
+          </a:gsLst>
+          <a:lin ang="16200000" scaled="1"/>
+        </a:gradFill>
+        <a:gradFill rotWithShape="1">
+          <a:gsLst>
+            <a:gs pos="0">
+              <a:schemeClr val="phClr">
+                <a:shade val="51000"/>
+                <a:satMod val="130000"/>
+              </a:schemeClr>
+            </a:gs>
+            <a:gs pos="80000">
+              <a:schemeClr val="phClr">
+                <a:shade val="93000"/>
+                <a:satMod val="130000"/>
+              </a:schemeClr>
+            </a:gs>
+            <a:gs pos="100000">
+              <a:schemeClr val="phClr">
+                <a:shade val="94000"/>
+                <a:satMod val="135000"/>
+              </a:schemeClr>
+            </a:gs>
+          </a:gsLst>
+          <a:lin ang="16200000" scaled="0"/>
+        </a:gradFill>
       </a:fillStyleLst>
       <a:lnStyleLst>
-        <a:ln w="6350" cap="flat" cmpd="sng" algn="ctr">
+        <a:ln w="9525" cap="flat" cmpd="sng" algn="ctr">
+          <a:solidFill>
+            <a:schemeClr val="phClr">
+              <a:shade val="95000"/>
+              <a:satMod val="105000"/>
+            </a:schemeClr>
+          </a:solidFill>
           <a:prstDash val="solid"/>
           <a:miter/>
         </a:ln>
-        <a:ln w="6350" cap="flat" cmpd="sng" algn="ctr">
+        <a:ln w="25400" cap="flat" cmpd="sng" algn="ctr">
+          <a:solidFill>
+            <a:schemeClr val="phClr"/>
+          </a:solidFill>
           <a:prstDash val="solid"/>
           <a:miter/>
         </a:ln>
-        <a:ln w="6350" cap="flat" cmpd="sng" algn="ctr">
+        <a:ln w="38100" cap="flat" cmpd="sng" algn="ctr">
+          <a:solidFill>
+            <a:schemeClr val="phClr"/>
+          </a:solidFill>
           <a:prstDash val="solid"/>
           <a:miter/>
         </a:ln>
       </a:lnStyleLst>
       <a:effectStyleLst>
         <a:effectStyle>
-          <a:effectLst/>
+          <a:effectLst>
+            <a:outerShdw blurRad="40000" dist="20000" dir="5400000" rotWithShape="0">
+              <a:srgbClr val="000000">
+                <a:alpha val="38000"/>
+              </a:srgbClr>
+            </a:outerShdw>
+          </a:effectLst>
         </a:effectStyle>
         <a:effectStyle>
-          <a:effectLst/>
+          <a:effectLst>
+            <a:outerShdw blurRad="40000" dist="23000" dir="5400000" rotWithShape="0">
+              <a:srgbClr val="000000">
+                <a:alpha val="35000"/>
+              </a:srgbClr>
+            </a:outerShdw>
+          </a:effectLst>
         </a:effectStyle>
         <a:effectStyle>
-          <a:effectLst/>
+          <a:effectLst>
+            <a:outerShdw blurRad="40000" dist="23000" dir="5400000" rotWithShape="0">
+              <a:srgbClr val="000000">
+                <a:alpha val="35000"/>
+              </a:srgbClr>
+            </a:outerShdw>
+          </a:effectLst>
+          <a:scene3d>
+            <a:camera prst="orthographicFront">
+              <a:rot lat="0" lon="0" rev="0"/>
+            </a:camera>
+            <a:lightRig rig="threePt" dir="t">
+              <a:rot lat="0" lon="0" rev="1200000"/>
+            </a:lightRig>
+          </a:scene3d>
+          <a:sp3d>
+            <a:bevelT w="63500" h="25400"/>
+          </a:sp3d>
         </a:effectStyle>
       </a:effectStyleLst>
       <a:bgFillStyleLst>
         <a:solidFill>
           <a:schemeClr val="phClr"/>
         </a:solidFill>
-        <a:solidFill>
-          <a:schemeClr val="phClr"/>
-        </a:solidFill>
-        <a:solidFill>
-          <a:schemeClr val="phClr"/>
-        </a:solidFill>
-      </a:bgFillStyleLst>
-    </a:fmtScheme>
-  </a:themeElements>
-</a:theme>
-</file>
-
-<file path=ppt/theme/theme3.xml><?xml version="1.0" encoding="utf-8"?>
-<a:theme xmlns:a="http://schemas.openxmlformats.org/drawingml/2006/main" xmlns:r="http://schemas.openxmlformats.org/officeDocument/2006/relationships" name="Office">
-  <a:themeElements>
-    <a:clrScheme name="LibreOffice">
-      <a:dk1>
-        <a:srgbClr val="000000"/>
-      </a:dk1>
-      <a:lt1>
-        <a:srgbClr val="ffffff"/>
-      </a:lt1>
-      <a:dk2>
-        <a:srgbClr val="000000"/>
-      </a:dk2>
-      <a:lt2>
-        <a:srgbClr val="ffffff"/>
-      </a:lt2>
-      <a:accent1>
-        <a:srgbClr val="18a303"/>
-      </a:accent1>
-      <a:accent2>
-        <a:srgbClr val="0369a3"/>
-      </a:accent2>
-      <a:accent3>
-        <a:srgbClr val="a33e03"/>
-      </a:accent3>
-      <a:accent4>
-        <a:srgbClr val="8e03a3"/>
-      </a:accent4>
-      <a:accent5>
-        <a:srgbClr val="c99c00"/>
-      </a:accent5>
-      <a:accent6>
-        <a:srgbClr val="c9211e"/>
-      </a:accent6>
-      <a:hlink>
-        <a:srgbClr val="0000ee"/>
-      </a:hlink>
-      <a:folHlink>
-        <a:srgbClr val="551a8b"/>
-      </a:folHlink>
-    </a:clrScheme>
-    <a:fontScheme name="Office">
-      <a:majorFont>
-        <a:latin typeface="Arial" pitchFamily="0" charset="1"/>
-        <a:ea typeface="DejaVu Sans" pitchFamily="0" charset="1"/>
-        <a:cs typeface="DejaVu Sans" pitchFamily="0" charset="1"/>
-      </a:majorFont>
-      <a:minorFont>
-        <a:latin typeface="Arial" pitchFamily="0" charset="1"/>
-        <a:ea typeface="DejaVu Sans" pitchFamily="0" charset="1"/>
-        <a:cs typeface="DejaVu Sans" pitchFamily="0" charset="1"/>
-      </a:minorFont>
-    </a:fontScheme>
-    <a:fmtScheme>
-      <a:fillStyleLst>
-        <a:solidFill>
-          <a:schemeClr val="phClr"/>
-        </a:solidFill>
-        <a:solidFill>
-          <a:schemeClr val="phClr"/>
-        </a:solidFill>
-        <a:solidFill>
-          <a:schemeClr val="phClr"/>
-        </a:solidFill>
-      </a:fillStyleLst>
-      <a:lnStyleLst>
-        <a:ln w="6350" cap="flat" cmpd="sng" algn="ctr">
-          <a:prstDash val="solid"/>
-          <a:miter/>
-        </a:ln>
-        <a:ln w="6350" cap="flat" cmpd="sng" algn="ctr">
-          <a:prstDash val="solid"/>
-          <a:miter/>
-        </a:ln>
-        <a:ln w="6350" cap="flat" cmpd="sng" algn="ctr">
-          <a:prstDash val="solid"/>
-          <a:miter/>
-        </a:ln>
-      </a:lnStyleLst>
-      <a:effectStyleLst>
-        <a:effectStyle>
-          <a:effectLst/>
-        </a:effectStyle>
-        <a:effectStyle>
-          <a:effectLst/>
-        </a:effectStyle>
-        <a:effectStyle>
-          <a:effectLst/>
-        </a:effectStyle>
-      </a:effectStyleLst>
-      <a:bgFillStyleLst>
-        <a:solidFill>
-          <a:schemeClr val="phClr"/>
-        </a:solidFill>
-        <a:solidFill>
-          <a:schemeClr val="phClr"/>
-        </a:solidFill>
-        <a:solidFill>
-          <a:schemeClr val="phClr"/>
-        </a:solidFill>
+        <a:gradFill rotWithShape="1">
+          <a:gsLst>
+            <a:gs pos="0">
+              <a:schemeClr val="phClr">
+                <a:tint val="40000"/>
+                <a:satMod val="350000"/>
+              </a:schemeClr>
+            </a:gs>
+            <a:gs pos="40000">
+              <a:schemeClr val="phClr">
+                <a:tint val="45000"/>
+                <a:shade val="99000"/>
+                <a:satMod val="350000"/>
+              </a:schemeClr>
+            </a:gs>
+            <a:gs pos="100000">
+              <a:schemeClr val="phClr">
+                <a:shade val="20000"/>
+                <a:satMod val="255000"/>
+              </a:schemeClr>
+            </a:gs>
+          </a:gsLst>
+          <a:path path="circle">
+            <a:fillToRect l="50000" t="-80000" r="50000" b="180000"/>
+          </a:path>
+        </a:gradFill>
+        <a:gradFill rotWithShape="1">
+          <a:gsLst>
+            <a:gs pos="0">
+              <a:schemeClr val="phClr">
+                <a:tint val="80000"/>
+                <a:satMod val="300000"/>
+              </a:schemeClr>
+            </a:gs>
+            <a:gs pos="100000">
+              <a:schemeClr val="phClr">
+                <a:shade val="30000"/>
+                <a:satMod val="200000"/>
+              </a:schemeClr>
+            </a:gs>
+          </a:gsLst>
+          <a:path path="circle">
+            <a:fillToRect l="50000" t="50000" r="50000" b="50000"/>
+          </a:path>
+        </a:gradFill>
       </a:bgFillStyleLst>
     </a:fmtScheme>
   </a:themeElements>
